--- a/slides/4-Provisioning Infrastructure.pptx
+++ b/slides/4-Provisioning Infrastructure.pptx
@@ -2,10 +2,14 @@
 <file path=ppt/presentation.xml><?xml version="1.0" encoding="utf-8"?>
 <p:presentation xmlns:a="http://schemas.openxmlformats.org/drawingml/2006/main" xmlns:r="http://schemas.openxmlformats.org/officeDocument/2006/relationships" xmlns:p="http://schemas.openxmlformats.org/presentationml/2006/main" saveSubsetFonts="1">
   <p:sldMasterIdLst>
-    <p:sldMasterId id="2147483672" r:id="rId1"/>
+    <p:sldMasterId id="2147483684" r:id="rId1"/>
   </p:sldMasterIdLst>
   <p:sldIdLst>
     <p:sldId id="256" r:id="rId2"/>
+    <p:sldId id="257" r:id="rId3"/>
+    <p:sldId id="258" r:id="rId4"/>
+    <p:sldId id="259" r:id="rId5"/>
+    <p:sldId id="260" r:id="rId6"/>
   </p:sldIdLst>
   <p:sldSz cx="12192000" cy="6858000"/>
   <p:notesSz cx="6858000" cy="9144000"/>
@@ -104,12 +108,25 @@
       </a:defRPr>
     </a:lvl9pPr>
   </p:defaultTextStyle>
+  <p:extLst>
+    <p:ext uri="{EFAFB233-063F-42B5-8137-9DF3F51BA10A}">
+      <p15:sldGuideLst xmlns:p15="http://schemas.microsoft.com/office/powerpoint/2012/main"/>
+    </p:ext>
+  </p:extLst>
 </p:presentation>
 </file>
 
 <file path=ppt/slideLayouts/slideLayout1.xml><?xml version="1.0" encoding="utf-8"?>
-<p:sldLayout xmlns:a="http://schemas.openxmlformats.org/drawingml/2006/main" xmlns:r="http://schemas.openxmlformats.org/officeDocument/2006/relationships" xmlns:p="http://schemas.openxmlformats.org/presentationml/2006/main" showMasterSp="0" type="title" preserve="1">
+<p:sldLayout xmlns:a="http://schemas.openxmlformats.org/drawingml/2006/main" xmlns:r="http://schemas.openxmlformats.org/officeDocument/2006/relationships" xmlns:p="http://schemas.openxmlformats.org/presentationml/2006/main" type="title" preserve="1">
   <p:cSld name="Title Slide">
+    <p:bg>
+      <p:bgPr>
+        <a:solidFill>
+          <a:schemeClr val="accent2"/>
+        </a:solidFill>
+        <a:effectLst/>
+      </p:bgPr>
+    </p:bg>
     <p:spTree>
       <p:nvGrpSpPr>
         <p:cNvPr id="1" name=""/>
@@ -126,187 +143,114 @@
       </p:grpSpPr>
       <p:sp>
         <p:nvSpPr>
-          <p:cNvPr id="7" name="Rectangle 6"/>
-          <p:cNvSpPr/>
-          <p:nvPr/>
-        </p:nvSpPr>
-        <p:spPr>
+          <p:cNvPr id="2" name="Title 1"/>
+          <p:cNvSpPr>
+            <a:spLocks noGrp="1"/>
+          </p:cNvSpPr>
+          <p:nvPr>
+            <p:ph type="ctrTitle"/>
+          </p:nvPr>
+        </p:nvSpPr>
+        <p:spPr bwMode="blackWhite">
           <a:xfrm>
-            <a:off x="3175" y="6400800"/>
-            <a:ext cx="12188825" cy="457200"/>
+            <a:off x="1600200" y="2386744"/>
+            <a:ext cx="8991600" cy="1645920"/>
           </a:xfrm>
-          <a:prstGeom prst="rect">
-            <a:avLst/>
-          </a:prstGeom>
           <a:solidFill>
-            <a:schemeClr val="accent4">
-              <a:lumMod val="75000"/>
-            </a:schemeClr>
+            <a:srgbClr val="FFFFFF"/>
           </a:solidFill>
-          <a:ln>
-            <a:noFill/>
+          <a:ln w="38100">
+            <a:solidFill>
+              <a:srgbClr val="404040"/>
+            </a:solidFill>
           </a:ln>
         </p:spPr>
-        <p:style>
-          <a:lnRef idx="2">
-            <a:schemeClr val="accent1">
-              <a:shade val="50000"/>
-            </a:schemeClr>
-          </a:lnRef>
-          <a:fillRef idx="1">
-            <a:schemeClr val="accent1"/>
-          </a:fillRef>
-          <a:effectRef idx="0">
-            <a:schemeClr val="accent1"/>
-          </a:effectRef>
-          <a:fontRef idx="minor">
-            <a:schemeClr val="lt1"/>
-          </a:fontRef>
-        </p:style>
-      </p:sp>
-      <p:sp>
-        <p:nvSpPr>
-          <p:cNvPr id="8" name="Rectangle 7"/>
-          <p:cNvSpPr/>
-          <p:nvPr/>
-        </p:nvSpPr>
-        <p:spPr>
-          <a:xfrm>
-            <a:off x="15" y="6334316"/>
-            <a:ext cx="12188825" cy="64008"/>
-          </a:xfrm>
-          <a:prstGeom prst="rect">
-            <a:avLst/>
-          </a:prstGeom>
-          <a:solidFill>
-            <a:schemeClr val="accent4"/>
-          </a:solidFill>
-          <a:ln>
-            <a:noFill/>
-          </a:ln>
-        </p:spPr>
-        <p:style>
-          <a:lnRef idx="2">
-            <a:schemeClr val="accent1">
-              <a:shade val="50000"/>
-            </a:schemeClr>
-          </a:lnRef>
-          <a:fillRef idx="1">
-            <a:schemeClr val="accent1"/>
-          </a:fillRef>
-          <a:effectRef idx="0">
-            <a:schemeClr val="accent1"/>
-          </a:effectRef>
-          <a:fontRef idx="minor">
-            <a:schemeClr val="lt1"/>
-          </a:fontRef>
-        </p:style>
-      </p:sp>
-      <p:sp>
-        <p:nvSpPr>
-          <p:cNvPr id="2" name="Title 1"/>
-          <p:cNvSpPr>
-            <a:spLocks noGrp="1"/>
-          </p:cNvSpPr>
-          <p:nvPr>
-            <p:ph type="ctrTitle"/>
-          </p:nvPr>
-        </p:nvSpPr>
-        <p:spPr>
-          <a:xfrm>
-            <a:off x="1097280" y="758952"/>
-            <a:ext cx="10058400" cy="3566160"/>
-          </a:xfrm>
-        </p:spPr>
-        <p:txBody>
-          <a:bodyPr anchor="b">
+        <p:txBody>
+          <a:bodyPr lIns="274320" rIns="274320" anchor="ctr" anchorCtr="1">
             <a:normAutofit/>
           </a:bodyPr>
           <a:lstStyle>
-            <a:lvl1pPr algn="l">
-              <a:lnSpc>
-                <a:spcPct val="85000"/>
-              </a:lnSpc>
-              <a:defRPr sz="8000" spc="-50" baseline="0">
+            <a:lvl1pPr algn="ctr">
+              <a:defRPr sz="3800">
+                <a:solidFill>
+                  <a:srgbClr val="262626"/>
+                </a:solidFill>
+              </a:defRPr>
+            </a:lvl1pPr>
+          </a:lstStyle>
+          <a:p>
+            <a:r>
+              <a:rPr lang="en-US"/>
+              <a:t>Click to edit Master title style</a:t>
+            </a:r>
+            <a:endParaRPr lang="en-US" dirty="0"/>
+          </a:p>
+        </p:txBody>
+      </p:sp>
+      <p:sp>
+        <p:nvSpPr>
+          <p:cNvPr id="3" name="Subtitle 2"/>
+          <p:cNvSpPr>
+            <a:spLocks noGrp="1"/>
+          </p:cNvSpPr>
+          <p:nvPr>
+            <p:ph type="subTitle" idx="1"/>
+          </p:nvPr>
+        </p:nvSpPr>
+        <p:spPr>
+          <a:xfrm>
+            <a:off x="2695194" y="4352544"/>
+            <a:ext cx="6801612" cy="1239894"/>
+          </a:xfrm>
+          <a:noFill/>
+        </p:spPr>
+        <p:txBody>
+          <a:bodyPr>
+            <a:normAutofit/>
+          </a:bodyPr>
+          <a:lstStyle>
+            <a:lvl1pPr marL="0" indent="0" algn="ctr">
+              <a:buNone/>
+              <a:defRPr sz="2000">
                 <a:solidFill>
                   <a:schemeClr val="tx1">
-                    <a:lumMod val="85000"/>
-                    <a:lumOff val="15000"/>
+                    <a:lumMod val="75000"/>
+                    <a:lumOff val="25000"/>
                   </a:schemeClr>
                 </a:solidFill>
               </a:defRPr>
             </a:lvl1pPr>
-          </a:lstStyle>
-          <a:p>
-            <a:r>
-              <a:rPr lang="en-US"/>
-              <a:t>Click to edit Master title style</a:t>
-            </a:r>
-            <a:endParaRPr lang="en-US" dirty="0"/>
-          </a:p>
-        </p:txBody>
-      </p:sp>
-      <p:sp>
-        <p:nvSpPr>
-          <p:cNvPr id="3" name="Subtitle 2"/>
-          <p:cNvSpPr>
-            <a:spLocks noGrp="1"/>
-          </p:cNvSpPr>
-          <p:nvPr>
-            <p:ph type="subTitle" idx="1"/>
-          </p:nvPr>
-        </p:nvSpPr>
-        <p:spPr>
-          <a:xfrm>
-            <a:off x="1100051" y="4455621"/>
-            <a:ext cx="10058400" cy="1143000"/>
-          </a:xfrm>
-        </p:spPr>
-        <p:txBody>
-          <a:bodyPr lIns="91440" rIns="91440">
-            <a:normAutofit/>
-          </a:bodyPr>
-          <a:lstStyle>
-            <a:lvl1pPr marL="0" indent="0" algn="l">
-              <a:buNone/>
-              <a:defRPr sz="2400" cap="all" spc="200" baseline="0">
-                <a:solidFill>
-                  <a:schemeClr val="tx2"/>
-                </a:solidFill>
-                <a:latin typeface="+mj-lt"/>
-              </a:defRPr>
-            </a:lvl1pPr>
             <a:lvl2pPr marL="457200" indent="0" algn="ctr">
               <a:buNone/>
-              <a:defRPr sz="2400"/>
+              <a:defRPr sz="2000"/>
             </a:lvl2pPr>
             <a:lvl3pPr marL="914400" indent="0" algn="ctr">
               <a:buNone/>
-              <a:defRPr sz="2400"/>
+              <a:defRPr sz="1800"/>
             </a:lvl3pPr>
             <a:lvl4pPr marL="1371600" indent="0" algn="ctr">
               <a:buNone/>
-              <a:defRPr sz="2000"/>
+              <a:defRPr sz="1600"/>
             </a:lvl4pPr>
             <a:lvl5pPr marL="1828800" indent="0" algn="ctr">
               <a:buNone/>
-              <a:defRPr sz="2000"/>
+              <a:defRPr sz="1600"/>
             </a:lvl5pPr>
             <a:lvl6pPr marL="2286000" indent="0" algn="ctr">
               <a:buNone/>
-              <a:defRPr sz="2000"/>
+              <a:defRPr sz="1600"/>
             </a:lvl6pPr>
             <a:lvl7pPr marL="2743200" indent="0" algn="ctr">
               <a:buNone/>
-              <a:defRPr sz="2000"/>
+              <a:defRPr sz="1600"/>
             </a:lvl7pPr>
             <a:lvl8pPr marL="3200400" indent="0" algn="ctr">
               <a:buNone/>
-              <a:defRPr sz="2000"/>
+              <a:defRPr sz="1600"/>
             </a:lvl8pPr>
             <a:lvl9pPr marL="3657600" indent="0" algn="ctr">
               <a:buNone/>
-              <a:defRPr sz="2000"/>
+              <a:defRPr sz="1600"/>
             </a:lvl9pPr>
           </a:lstStyle>
           <a:p>
@@ -320,7 +264,7 @@
       </p:sp>
       <p:sp>
         <p:nvSpPr>
-          <p:cNvPr id="4" name="Date Placeholder 3"/>
+          <p:cNvPr id="7" name="Date Placeholder 6"/>
           <p:cNvSpPr>
             <a:spLocks noGrp="1"/>
           </p:cNvSpPr>
@@ -335,7 +279,7 @@
           <a:p>
             <a:fld id="{7DB480C7-94FC-43D8-A75C-F8A3F0E1F988}" type="datetimeFigureOut">
               <a:rPr lang="en-US" smtClean="0"/>
-              <a:t>10/21/2024</a:t>
+              <a:t>10/25/24</a:t>
             </a:fld>
             <a:endParaRPr lang="en-US"/>
           </a:p>
@@ -343,7 +287,7 @@
       </p:sp>
       <p:sp>
         <p:nvSpPr>
-          <p:cNvPr id="5" name="Footer Placeholder 4"/>
+          <p:cNvPr id="8" name="Footer Placeholder 7"/>
           <p:cNvSpPr>
             <a:spLocks noGrp="1"/>
           </p:cNvSpPr>
@@ -362,7 +306,7 @@
       </p:sp>
       <p:sp>
         <p:nvSpPr>
-          <p:cNvPr id="6" name="Slide Number Placeholder 5"/>
+          <p:cNvPr id="9" name="Slide Number Placeholder 8"/>
           <p:cNvSpPr>
             <a:spLocks noGrp="1"/>
           </p:cNvSpPr>
@@ -383,53 +327,15 @@
           </a:p>
         </p:txBody>
       </p:sp>
-      <p:cxnSp>
-        <p:nvCxnSpPr>
-          <p:cNvPr id="9" name="Straight Connector 8"/>
-          <p:cNvCxnSpPr/>
-          <p:nvPr/>
-        </p:nvCxnSpPr>
-        <p:spPr>
-          <a:xfrm>
-            <a:off x="1207658" y="4343400"/>
-            <a:ext cx="9875520" cy="0"/>
-          </a:xfrm>
-          <a:prstGeom prst="line">
-            <a:avLst/>
-          </a:prstGeom>
-          <a:ln w="6350">
-            <a:solidFill>
-              <a:schemeClr val="tx1">
-                <a:lumMod val="50000"/>
-                <a:lumOff val="50000"/>
-              </a:schemeClr>
-            </a:solidFill>
-          </a:ln>
-        </p:spPr>
-        <p:style>
-          <a:lnRef idx="1">
-            <a:schemeClr val="accent1"/>
-          </a:lnRef>
-          <a:fillRef idx="0">
-            <a:schemeClr val="accent1"/>
-          </a:fillRef>
-          <a:effectRef idx="0">
-            <a:schemeClr val="accent1"/>
-          </a:effectRef>
-          <a:fontRef idx="minor">
-            <a:schemeClr val="tx1"/>
-          </a:fontRef>
-        </p:style>
-      </p:cxnSp>
     </p:spTree>
     <p:extLst>
       <p:ext uri="{BB962C8B-B14F-4D97-AF65-F5344CB8AC3E}">
-        <p14:creationId xmlns:p14="http://schemas.microsoft.com/office/powerpoint/2010/main" val="1700809008"/>
+        <p14:creationId xmlns:p14="http://schemas.microsoft.com/office/powerpoint/2010/main" val="116859871"/>
       </p:ext>
     </p:extLst>
   </p:cSld>
   <p:clrMapOvr>
-    <a:masterClrMapping/>
+    <a:overrideClrMapping bg1="dk1" tx1="lt1" bg2="dk2" tx2="lt2" accent1="accent1" accent2="accent2" accent3="accent3" accent4="accent4" accent5="accent5" accent6="accent6" hlink="hlink" folHlink="folHlink"/>
   </p:clrMapOvr>
 </p:sldLayout>
 </file>
@@ -486,7 +392,7 @@
         </p:nvSpPr>
         <p:spPr/>
         <p:txBody>
-          <a:bodyPr vert="eaVert" lIns="45720" tIns="0" rIns="45720" bIns="0"/>
+          <a:bodyPr vert="eaVert"/>
           <a:lstStyle/>
           <a:p>
             <a:pPr lvl="0"/>
@@ -543,7 +449,7 @@
           <a:p>
             <a:fld id="{7DB480C7-94FC-43D8-A75C-F8A3F0E1F988}" type="datetimeFigureOut">
               <a:rPr lang="en-US" smtClean="0"/>
-              <a:t>10/21/2024</a:t>
+              <a:t>10/25/24</a:t>
             </a:fld>
             <a:endParaRPr lang="en-US"/>
           </a:p>
@@ -594,7 +500,7 @@
     </p:spTree>
     <p:extLst>
       <p:ext uri="{BB962C8B-B14F-4D97-AF65-F5344CB8AC3E}">
-        <p14:creationId xmlns:p14="http://schemas.microsoft.com/office/powerpoint/2010/main" val="188740470"/>
+        <p14:creationId xmlns:p14="http://schemas.microsoft.com/office/powerpoint/2010/main" val="2178723507"/>
       </p:ext>
     </p:extLst>
   </p:cSld>
@@ -605,7 +511,7 @@
 </file>
 
 <file path=ppt/slideLayouts/slideLayout11.xml><?xml version="1.0" encoding="utf-8"?>
-<p:sldLayout xmlns:a="http://schemas.openxmlformats.org/drawingml/2006/main" xmlns:r="http://schemas.openxmlformats.org/officeDocument/2006/relationships" xmlns:p="http://schemas.openxmlformats.org/presentationml/2006/main" showMasterSp="0" type="vertTitleAndTx" preserve="1">
+<p:sldLayout xmlns:a="http://schemas.openxmlformats.org/drawingml/2006/main" xmlns:r="http://schemas.openxmlformats.org/officeDocument/2006/relationships" xmlns:p="http://schemas.openxmlformats.org/presentationml/2006/main" type="vertTitleAndTx" preserve="1">
   <p:cSld name="Vertical Title and Text">
     <p:spTree>
       <p:nvGrpSpPr>
@@ -623,130 +529,52 @@
       </p:grpSpPr>
       <p:sp>
         <p:nvSpPr>
-          <p:cNvPr id="7" name="Rectangle 6"/>
-          <p:cNvSpPr/>
-          <p:nvPr/>
+          <p:cNvPr id="2" name="Vertical Title 1"/>
+          <p:cNvSpPr>
+            <a:spLocks noGrp="1"/>
+          </p:cNvSpPr>
+          <p:nvPr>
+            <p:ph type="title" orient="vert"/>
+          </p:nvPr>
         </p:nvSpPr>
         <p:spPr>
           <a:xfrm>
-            <a:off x="3175" y="6400800"/>
-            <a:ext cx="12188825" cy="457200"/>
+            <a:off x="8653112" y="937260"/>
+            <a:ext cx="1298608" cy="4983480"/>
           </a:xfrm>
-          <a:prstGeom prst="rect">
-            <a:avLst/>
-          </a:prstGeom>
-          <a:solidFill>
-            <a:schemeClr val="accent4">
-              <a:lumMod val="75000"/>
-            </a:schemeClr>
-          </a:solidFill>
-          <a:ln>
-            <a:noFill/>
-          </a:ln>
         </p:spPr>
-        <p:style>
-          <a:lnRef idx="2">
-            <a:schemeClr val="accent1">
-              <a:shade val="50000"/>
-            </a:schemeClr>
-          </a:lnRef>
-          <a:fillRef idx="1">
-            <a:schemeClr val="accent1"/>
-          </a:fillRef>
-          <a:effectRef idx="0">
-            <a:schemeClr val="accent1"/>
-          </a:effectRef>
-          <a:fontRef idx="minor">
-            <a:schemeClr val="lt1"/>
-          </a:fontRef>
-        </p:style>
-      </p:sp>
-      <p:sp>
-        <p:nvSpPr>
-          <p:cNvPr id="8" name="Rectangle 7"/>
-          <p:cNvSpPr/>
-          <p:nvPr/>
+        <p:txBody>
+          <a:bodyPr vert="eaVert"/>
+          <a:lstStyle/>
+          <a:p>
+            <a:r>
+              <a:rPr lang="en-US"/>
+              <a:t>Click to edit Master title style</a:t>
+            </a:r>
+            <a:endParaRPr lang="en-US" dirty="0"/>
+          </a:p>
+        </p:txBody>
+      </p:sp>
+      <p:sp>
+        <p:nvSpPr>
+          <p:cNvPr id="3" name="Vertical Text Placeholder 2"/>
+          <p:cNvSpPr>
+            <a:spLocks noGrp="1"/>
+          </p:cNvSpPr>
+          <p:nvPr>
+            <p:ph type="body" orient="vert" idx="1"/>
+          </p:nvPr>
         </p:nvSpPr>
         <p:spPr>
           <a:xfrm>
-            <a:off x="15" y="6334316"/>
-            <a:ext cx="12188825" cy="64008"/>
-          </a:xfrm>
-          <a:prstGeom prst="rect">
-            <a:avLst/>
-          </a:prstGeom>
-          <a:solidFill>
-            <a:schemeClr val="accent4"/>
-          </a:solidFill>
-          <a:ln>
-            <a:noFill/>
-          </a:ln>
-        </p:spPr>
-        <p:style>
-          <a:lnRef idx="2">
-            <a:schemeClr val="accent1">
-              <a:shade val="50000"/>
-            </a:schemeClr>
-          </a:lnRef>
-          <a:fillRef idx="1">
-            <a:schemeClr val="accent1"/>
-          </a:fillRef>
-          <a:effectRef idx="0">
-            <a:schemeClr val="accent1"/>
-          </a:effectRef>
-          <a:fontRef idx="minor">
-            <a:schemeClr val="lt1"/>
-          </a:fontRef>
-        </p:style>
-      </p:sp>
-      <p:sp>
-        <p:nvSpPr>
-          <p:cNvPr id="2" name="Vertical Title 1"/>
-          <p:cNvSpPr>
-            <a:spLocks noGrp="1"/>
-          </p:cNvSpPr>
-          <p:nvPr>
-            <p:ph type="title" orient="vert"/>
-          </p:nvPr>
-        </p:nvSpPr>
-        <p:spPr>
-          <a:xfrm>
-            <a:off x="8724900" y="412302"/>
-            <a:ext cx="2628900" cy="5759898"/>
+            <a:off x="2231136" y="937260"/>
+            <a:ext cx="6198489" cy="4983480"/>
           </a:xfrm>
         </p:spPr>
         <p:txBody>
           <a:bodyPr vert="eaVert"/>
           <a:lstStyle/>
           <a:p>
-            <a:r>
-              <a:rPr lang="en-US"/>
-              <a:t>Click to edit Master title style</a:t>
-            </a:r>
-            <a:endParaRPr lang="en-US" dirty="0"/>
-          </a:p>
-        </p:txBody>
-      </p:sp>
-      <p:sp>
-        <p:nvSpPr>
-          <p:cNvPr id="3" name="Vertical Text Placeholder 2"/>
-          <p:cNvSpPr>
-            <a:spLocks noGrp="1"/>
-          </p:cNvSpPr>
-          <p:nvPr>
-            <p:ph type="body" orient="vert" idx="1"/>
-          </p:nvPr>
-        </p:nvSpPr>
-        <p:spPr>
-          <a:xfrm>
-            <a:off x="838200" y="412302"/>
-            <a:ext cx="7734300" cy="5759898"/>
-          </a:xfrm>
-        </p:spPr>
-        <p:txBody>
-          <a:bodyPr vert="eaVert" lIns="45720" tIns="0" rIns="45720" bIns="0"/>
-          <a:lstStyle/>
-          <a:p>
             <a:pPr lvl="0"/>
             <a:r>
               <a:rPr lang="en-US"/>
@@ -801,7 +629,7 @@
           <a:p>
             <a:fld id="{7DB480C7-94FC-43D8-A75C-F8A3F0E1F988}" type="datetimeFigureOut">
               <a:rPr lang="en-US" smtClean="0"/>
-              <a:t>10/21/2024</a:t>
+              <a:t>10/25/24</a:t>
             </a:fld>
             <a:endParaRPr lang="en-US"/>
           </a:p>
@@ -852,7 +680,7 @@
     </p:spTree>
     <p:extLst>
       <p:ext uri="{BB962C8B-B14F-4D97-AF65-F5344CB8AC3E}">
-        <p14:creationId xmlns:p14="http://schemas.microsoft.com/office/powerpoint/2010/main" val="69350382"/>
+        <p14:creationId xmlns:p14="http://schemas.microsoft.com/office/powerpoint/2010/main" val="4036138858"/>
       </p:ext>
     </p:extLst>
   </p:cSld>
@@ -956,7 +784,7 @@
       </p:sp>
       <p:sp>
         <p:nvSpPr>
-          <p:cNvPr id="4" name="Date Placeholder 3"/>
+          <p:cNvPr id="7" name="Date Placeholder 6"/>
           <p:cNvSpPr>
             <a:spLocks noGrp="1"/>
           </p:cNvSpPr>
@@ -971,7 +799,7 @@
           <a:p>
             <a:fld id="{7DB480C7-94FC-43D8-A75C-F8A3F0E1F988}" type="datetimeFigureOut">
               <a:rPr lang="en-US" smtClean="0"/>
-              <a:t>10/21/2024</a:t>
+              <a:t>10/25/24</a:t>
             </a:fld>
             <a:endParaRPr lang="en-US"/>
           </a:p>
@@ -979,7 +807,7 @@
       </p:sp>
       <p:sp>
         <p:nvSpPr>
-          <p:cNvPr id="5" name="Footer Placeholder 4"/>
+          <p:cNvPr id="8" name="Footer Placeholder 7"/>
           <p:cNvSpPr>
             <a:spLocks noGrp="1"/>
           </p:cNvSpPr>
@@ -998,7 +826,7 @@
       </p:sp>
       <p:sp>
         <p:nvSpPr>
-          <p:cNvPr id="6" name="Slide Number Placeholder 5"/>
+          <p:cNvPr id="9" name="Slide Number Placeholder 8"/>
           <p:cNvSpPr>
             <a:spLocks noGrp="1"/>
           </p:cNvSpPr>
@@ -1022,7 +850,7 @@
     </p:spTree>
     <p:extLst>
       <p:ext uri="{BB962C8B-B14F-4D97-AF65-F5344CB8AC3E}">
-        <p14:creationId xmlns:p14="http://schemas.microsoft.com/office/powerpoint/2010/main" val="1277724192"/>
+        <p14:creationId xmlns:p14="http://schemas.microsoft.com/office/powerpoint/2010/main" val="2813611881"/>
       </p:ext>
     </p:extLst>
   </p:cSld>
@@ -1033,8 +861,16 @@
 </file>
 
 <file path=ppt/slideLayouts/slideLayout3.xml><?xml version="1.0" encoding="utf-8"?>
-<p:sldLayout xmlns:a="http://schemas.openxmlformats.org/drawingml/2006/main" xmlns:r="http://schemas.openxmlformats.org/officeDocument/2006/relationships" xmlns:p="http://schemas.openxmlformats.org/presentationml/2006/main" showMasterSp="0" type="secHead" preserve="1">
+<p:sldLayout xmlns:a="http://schemas.openxmlformats.org/drawingml/2006/main" xmlns:r="http://schemas.openxmlformats.org/officeDocument/2006/relationships" xmlns:p="http://schemas.openxmlformats.org/presentationml/2006/main" type="secHead" preserve="1">
   <p:cSld name="Section Header">
+    <p:bg>
+      <p:bgPr>
+        <a:solidFill>
+          <a:schemeClr val="accent1"/>
+        </a:solidFill>
+        <a:effectLst/>
+      </p:bgPr>
+    </p:bg>
     <p:spTree>
       <p:nvGrpSpPr>
         <p:cNvPr id="1" name=""/>
@@ -1051,113 +887,37 @@
       </p:grpSpPr>
       <p:sp>
         <p:nvSpPr>
-          <p:cNvPr id="7" name="Rectangle 6"/>
-          <p:cNvSpPr/>
-          <p:nvPr/>
-        </p:nvSpPr>
-        <p:spPr>
+          <p:cNvPr id="2" name="Title 1"/>
+          <p:cNvSpPr>
+            <a:spLocks noGrp="1"/>
+          </p:cNvSpPr>
+          <p:nvPr>
+            <p:ph type="title"/>
+          </p:nvPr>
+        </p:nvSpPr>
+        <p:spPr bwMode="blackWhite">
           <a:xfrm>
-            <a:off x="3175" y="6400800"/>
-            <a:ext cx="12188825" cy="457200"/>
+            <a:off x="1600200" y="2386744"/>
+            <a:ext cx="8991600" cy="1645920"/>
           </a:xfrm>
-          <a:prstGeom prst="rect">
-            <a:avLst/>
-          </a:prstGeom>
           <a:solidFill>
-            <a:schemeClr val="accent4">
-              <a:lumMod val="75000"/>
-            </a:schemeClr>
+            <a:srgbClr val="FFFFFF"/>
           </a:solidFill>
-          <a:ln>
-            <a:noFill/>
+          <a:ln w="38100">
+            <a:solidFill>
+              <a:srgbClr val="404040"/>
+            </a:solidFill>
           </a:ln>
         </p:spPr>
-        <p:style>
-          <a:lnRef idx="2">
-            <a:schemeClr val="accent1">
-              <a:shade val="50000"/>
-            </a:schemeClr>
-          </a:lnRef>
-          <a:fillRef idx="1">
-            <a:schemeClr val="accent1"/>
-          </a:fillRef>
-          <a:effectRef idx="0">
-            <a:schemeClr val="accent1"/>
-          </a:effectRef>
-          <a:fontRef idx="minor">
-            <a:schemeClr val="lt1"/>
-          </a:fontRef>
-        </p:style>
-      </p:sp>
-      <p:sp>
-        <p:nvSpPr>
-          <p:cNvPr id="8" name="Rectangle 7"/>
-          <p:cNvSpPr/>
-          <p:nvPr/>
-        </p:nvSpPr>
-        <p:spPr>
-          <a:xfrm>
-            <a:off x="15" y="6334316"/>
-            <a:ext cx="12188825" cy="64008"/>
-          </a:xfrm>
-          <a:prstGeom prst="rect">
-            <a:avLst/>
-          </a:prstGeom>
-          <a:solidFill>
-            <a:schemeClr val="accent4"/>
-          </a:solidFill>
-          <a:ln>
-            <a:noFill/>
-          </a:ln>
-        </p:spPr>
-        <p:style>
-          <a:lnRef idx="2">
-            <a:schemeClr val="accent1">
-              <a:shade val="50000"/>
-            </a:schemeClr>
-          </a:lnRef>
-          <a:fillRef idx="1">
-            <a:schemeClr val="accent1"/>
-          </a:fillRef>
-          <a:effectRef idx="0">
-            <a:schemeClr val="accent1"/>
-          </a:effectRef>
-          <a:fontRef idx="minor">
-            <a:schemeClr val="lt1"/>
-          </a:fontRef>
-        </p:style>
-      </p:sp>
-      <p:sp>
-        <p:nvSpPr>
-          <p:cNvPr id="2" name="Title 1"/>
-          <p:cNvSpPr>
-            <a:spLocks noGrp="1"/>
-          </p:cNvSpPr>
-          <p:nvPr>
-            <p:ph type="title"/>
-          </p:nvPr>
-        </p:nvSpPr>
-        <p:spPr>
-          <a:xfrm>
-            <a:off x="1097280" y="758952"/>
-            <a:ext cx="10058400" cy="3566160"/>
-          </a:xfrm>
-        </p:spPr>
-        <p:txBody>
-          <a:bodyPr anchor="b" anchorCtr="0">
+        <p:txBody>
+          <a:bodyPr lIns="274320" rIns="274320" anchor="ctr" anchorCtr="1">
             <a:normAutofit/>
           </a:bodyPr>
           <a:lstStyle>
             <a:lvl1pPr>
-              <a:lnSpc>
-                <a:spcPct val="85000"/>
-              </a:lnSpc>
-              <a:defRPr sz="8000" b="0">
+              <a:defRPr sz="3800">
                 <a:solidFill>
-                  <a:schemeClr val="tx1">
-                    <a:lumMod val="85000"/>
-                    <a:lumOff val="15000"/>
-                  </a:schemeClr>
+                  <a:srgbClr val="262626"/>
                 </a:solidFill>
               </a:defRPr>
             </a:lvl1pPr>
@@ -1183,27 +943,26 @@
         </p:nvSpPr>
         <p:spPr>
           <a:xfrm>
-            <a:off x="1097280" y="4453128"/>
-            <a:ext cx="10058400" cy="1143000"/>
+            <a:off x="2695194" y="4352465"/>
+            <a:ext cx="6801612" cy="1265082"/>
           </a:xfrm>
         </p:spPr>
         <p:txBody>
-          <a:bodyPr lIns="91440" rIns="91440" anchor="t" anchorCtr="0">
+          <a:bodyPr anchor="t" anchorCtr="1">
             <a:normAutofit/>
           </a:bodyPr>
           <a:lstStyle>
             <a:lvl1pPr marL="0" indent="0">
               <a:buNone/>
-              <a:defRPr sz="2400" cap="all" spc="200" baseline="0">
+              <a:defRPr sz="2000">
                 <a:solidFill>
-                  <a:schemeClr val="tx2"/>
+                  <a:schemeClr val="tx1"/>
                 </a:solidFill>
-                <a:latin typeface="+mj-lt"/>
               </a:defRPr>
             </a:lvl1pPr>
             <a:lvl2pPr marL="457200" indent="0">
               <a:buNone/>
-              <a:defRPr sz="1800">
+              <a:defRPr sz="2000">
                 <a:solidFill>
                   <a:schemeClr val="tx1">
                     <a:tint val="75000"/>
@@ -1213,7 +972,7 @@
             </a:lvl2pPr>
             <a:lvl3pPr marL="914400" indent="0">
               <a:buNone/>
-              <a:defRPr sz="1600">
+              <a:defRPr sz="1800">
                 <a:solidFill>
                   <a:schemeClr val="tx1">
                     <a:tint val="75000"/>
@@ -1223,7 +982,7 @@
             </a:lvl3pPr>
             <a:lvl4pPr marL="1371600" indent="0">
               <a:buNone/>
-              <a:defRPr sz="1400">
+              <a:defRPr sz="1600">
                 <a:solidFill>
                   <a:schemeClr val="tx1">
                     <a:tint val="75000"/>
@@ -1233,7 +992,7 @@
             </a:lvl4pPr>
             <a:lvl5pPr marL="1828800" indent="0">
               <a:buNone/>
-              <a:defRPr sz="1400">
+              <a:defRPr sz="1600">
                 <a:solidFill>
                   <a:schemeClr val="tx1">
                     <a:tint val="75000"/>
@@ -1243,7 +1002,7 @@
             </a:lvl5pPr>
             <a:lvl6pPr marL="2286000" indent="0">
               <a:buNone/>
-              <a:defRPr sz="1400">
+              <a:defRPr sz="1600">
                 <a:solidFill>
                   <a:schemeClr val="tx1">
                     <a:tint val="75000"/>
@@ -1253,7 +1012,7 @@
             </a:lvl6pPr>
             <a:lvl7pPr marL="2743200" indent="0">
               <a:buNone/>
-              <a:defRPr sz="1400">
+              <a:defRPr sz="1600">
                 <a:solidFill>
                   <a:schemeClr val="tx1">
                     <a:tint val="75000"/>
@@ -1263,7 +1022,7 @@
             </a:lvl7pPr>
             <a:lvl8pPr marL="3200400" indent="0">
               <a:buNone/>
-              <a:defRPr sz="1400">
+              <a:defRPr sz="1600">
                 <a:solidFill>
                   <a:schemeClr val="tx1">
                     <a:tint val="75000"/>
@@ -1273,7 +1032,7 @@
             </a:lvl8pPr>
             <a:lvl9pPr marL="3657600" indent="0">
               <a:buNone/>
-              <a:defRPr sz="1400">
+              <a:defRPr sz="1600">
                 <a:solidFill>
                   <a:schemeClr val="tx1">
                     <a:tint val="75000"/>
@@ -1293,7 +1052,7 @@
       </p:sp>
       <p:sp>
         <p:nvSpPr>
-          <p:cNvPr id="4" name="Date Placeholder 3"/>
+          <p:cNvPr id="7" name="Date Placeholder 6"/>
           <p:cNvSpPr>
             <a:spLocks noGrp="1"/>
           </p:cNvSpPr>
@@ -1308,7 +1067,7 @@
           <a:p>
             <a:fld id="{7DB480C7-94FC-43D8-A75C-F8A3F0E1F988}" type="datetimeFigureOut">
               <a:rPr lang="en-US" smtClean="0"/>
-              <a:t>10/21/2024</a:t>
+              <a:t>10/25/24</a:t>
             </a:fld>
             <a:endParaRPr lang="en-US"/>
           </a:p>
@@ -1316,7 +1075,7 @@
       </p:sp>
       <p:sp>
         <p:nvSpPr>
-          <p:cNvPr id="5" name="Footer Placeholder 4"/>
+          <p:cNvPr id="8" name="Footer Placeholder 7"/>
           <p:cNvSpPr>
             <a:spLocks noGrp="1"/>
           </p:cNvSpPr>
@@ -1335,7 +1094,7 @@
       </p:sp>
       <p:sp>
         <p:nvSpPr>
-          <p:cNvPr id="6" name="Slide Number Placeholder 5"/>
+          <p:cNvPr id="9" name="Slide Number Placeholder 8"/>
           <p:cNvSpPr>
             <a:spLocks noGrp="1"/>
           </p:cNvSpPr>
@@ -1356,53 +1115,15 @@
           </a:p>
         </p:txBody>
       </p:sp>
-      <p:cxnSp>
-        <p:nvCxnSpPr>
-          <p:cNvPr id="9" name="Straight Connector 8"/>
-          <p:cNvCxnSpPr/>
-          <p:nvPr/>
-        </p:nvCxnSpPr>
-        <p:spPr>
-          <a:xfrm>
-            <a:off x="1207658" y="4343400"/>
-            <a:ext cx="9875520" cy="0"/>
-          </a:xfrm>
-          <a:prstGeom prst="line">
-            <a:avLst/>
-          </a:prstGeom>
-          <a:ln w="6350">
-            <a:solidFill>
-              <a:schemeClr val="tx1">
-                <a:lumMod val="50000"/>
-                <a:lumOff val="50000"/>
-              </a:schemeClr>
-            </a:solidFill>
-          </a:ln>
-        </p:spPr>
-        <p:style>
-          <a:lnRef idx="1">
-            <a:schemeClr val="accent1"/>
-          </a:lnRef>
-          <a:fillRef idx="0">
-            <a:schemeClr val="accent1"/>
-          </a:fillRef>
-          <a:effectRef idx="0">
-            <a:schemeClr val="accent1"/>
-          </a:effectRef>
-          <a:fontRef idx="minor">
-            <a:schemeClr val="tx1"/>
-          </a:fontRef>
-        </p:style>
-      </p:cxnSp>
     </p:spTree>
     <p:extLst>
       <p:ext uri="{BB962C8B-B14F-4D97-AF65-F5344CB8AC3E}">
-        <p14:creationId xmlns:p14="http://schemas.microsoft.com/office/powerpoint/2010/main" val="2047953723"/>
+        <p14:creationId xmlns:p14="http://schemas.microsoft.com/office/powerpoint/2010/main" val="2091248252"/>
       </p:ext>
     </p:extLst>
   </p:cSld>
   <p:clrMapOvr>
-    <a:masterClrMapping/>
+    <a:overrideClrMapping bg1="dk1" tx1="lt1" bg2="dk2" tx2="lt2" accent1="accent1" accent2="accent2" accent3="accent3" accent4="accent4" accent5="accent5" accent6="accent6" hlink="hlink" folHlink="folHlink"/>
   </p:clrMapOvr>
 </p:sldLayout>
 </file>
@@ -1426,27 +1147,79 @@
       </p:grpSpPr>
       <p:sp>
         <p:nvSpPr>
-          <p:cNvPr id="8" name="Title 7"/>
+          <p:cNvPr id="2" name="Title 1"/>
           <p:cNvSpPr>
             <a:spLocks noGrp="1"/>
           </p:cNvSpPr>
           <p:nvPr>
             <p:ph type="title"/>
+          </p:nvPr>
+        </p:nvSpPr>
+        <p:spPr/>
+        <p:txBody>
+          <a:bodyPr/>
+          <a:lstStyle/>
+          <a:p>
+            <a:r>
+              <a:rPr lang="en-US"/>
+              <a:t>Click to edit Master title style</a:t>
+            </a:r>
+            <a:endParaRPr lang="en-US" dirty="0"/>
+          </a:p>
+        </p:txBody>
+      </p:sp>
+      <p:sp>
+        <p:nvSpPr>
+          <p:cNvPr id="3" name="Content Placeholder 2"/>
+          <p:cNvSpPr>
+            <a:spLocks noGrp="1"/>
+          </p:cNvSpPr>
+          <p:nvPr>
+            <p:ph sz="half" idx="1"/>
           </p:nvPr>
         </p:nvSpPr>
         <p:spPr>
           <a:xfrm>
-            <a:off x="1097280" y="286603"/>
-            <a:ext cx="10058400" cy="1450757"/>
+            <a:off x="1581912" y="2638044"/>
+            <a:ext cx="4271771" cy="3101982"/>
           </a:xfrm>
         </p:spPr>
         <p:txBody>
           <a:bodyPr/>
           <a:lstStyle/>
           <a:p>
-            <a:r>
-              <a:rPr lang="en-US"/>
-              <a:t>Click to edit Master title style</a:t>
+            <a:pPr lvl="0"/>
+            <a:r>
+              <a:rPr lang="en-US"/>
+              <a:t>Click to edit Master text styles</a:t>
+            </a:r>
+          </a:p>
+          <a:p>
+            <a:pPr lvl="1"/>
+            <a:r>
+              <a:rPr lang="en-US"/>
+              <a:t>Second level</a:t>
+            </a:r>
+          </a:p>
+          <a:p>
+            <a:pPr lvl="2"/>
+            <a:r>
+              <a:rPr lang="en-US"/>
+              <a:t>Third level</a:t>
+            </a:r>
+          </a:p>
+          <a:p>
+            <a:pPr lvl="3"/>
+            <a:r>
+              <a:rPr lang="en-US"/>
+              <a:t>Fourth level</a:t>
+            </a:r>
+          </a:p>
+          <a:p>
+            <a:pPr lvl="4"/>
+            <a:r>
+              <a:rPr lang="en-US"/>
+              <a:t>Fifth level</a:t>
             </a:r>
             <a:endParaRPr lang="en-US" dirty="0"/>
           </a:p>
@@ -1454,18 +1227,18 @@
       </p:sp>
       <p:sp>
         <p:nvSpPr>
-          <p:cNvPr id="3" name="Content Placeholder 2"/>
-          <p:cNvSpPr>
-            <a:spLocks noGrp="1"/>
-          </p:cNvSpPr>
-          <p:nvPr>
-            <p:ph sz="half" idx="1"/>
+          <p:cNvPr id="4" name="Content Placeholder 3"/>
+          <p:cNvSpPr>
+            <a:spLocks noGrp="1"/>
+          </p:cNvSpPr>
+          <p:nvPr>
+            <p:ph sz="half" idx="2"/>
           </p:nvPr>
         </p:nvSpPr>
         <p:spPr>
           <a:xfrm>
-            <a:off x="1097278" y="1845734"/>
-            <a:ext cx="4937760" cy="4023360"/>
+            <a:off x="6338315" y="2638044"/>
+            <a:ext cx="4270247" cy="3101982"/>
           </a:xfrm>
         </p:spPr>
         <p:txBody>
@@ -1511,64 +1284,7 @@
       </p:sp>
       <p:sp>
         <p:nvSpPr>
-          <p:cNvPr id="4" name="Content Placeholder 3"/>
-          <p:cNvSpPr>
-            <a:spLocks noGrp="1"/>
-          </p:cNvSpPr>
-          <p:nvPr>
-            <p:ph sz="half" idx="2"/>
-          </p:nvPr>
-        </p:nvSpPr>
-        <p:spPr>
-          <a:xfrm>
-            <a:off x="6217920" y="1845735"/>
-            <a:ext cx="4937760" cy="4023360"/>
-          </a:xfrm>
-        </p:spPr>
-        <p:txBody>
-          <a:bodyPr/>
-          <a:lstStyle/>
-          <a:p>
-            <a:pPr lvl="0"/>
-            <a:r>
-              <a:rPr lang="en-US"/>
-              <a:t>Click to edit Master text styles</a:t>
-            </a:r>
-          </a:p>
-          <a:p>
-            <a:pPr lvl="1"/>
-            <a:r>
-              <a:rPr lang="en-US"/>
-              <a:t>Second level</a:t>
-            </a:r>
-          </a:p>
-          <a:p>
-            <a:pPr lvl="2"/>
-            <a:r>
-              <a:rPr lang="en-US"/>
-              <a:t>Third level</a:t>
-            </a:r>
-          </a:p>
-          <a:p>
-            <a:pPr lvl="3"/>
-            <a:r>
-              <a:rPr lang="en-US"/>
-              <a:t>Fourth level</a:t>
-            </a:r>
-          </a:p>
-          <a:p>
-            <a:pPr lvl="4"/>
-            <a:r>
-              <a:rPr lang="en-US"/>
-              <a:t>Fifth level</a:t>
-            </a:r>
-            <a:endParaRPr lang="en-US" dirty="0"/>
-          </a:p>
-        </p:txBody>
-      </p:sp>
-      <p:sp>
-        <p:nvSpPr>
-          <p:cNvPr id="5" name="Date Placeholder 4"/>
+          <p:cNvPr id="8" name="Date Placeholder 7"/>
           <p:cNvSpPr>
             <a:spLocks noGrp="1"/>
           </p:cNvSpPr>
@@ -1583,7 +1299,7 @@
           <a:p>
             <a:fld id="{7DB480C7-94FC-43D8-A75C-F8A3F0E1F988}" type="datetimeFigureOut">
               <a:rPr lang="en-US" smtClean="0"/>
-              <a:t>10/21/2024</a:t>
+              <a:t>10/25/24</a:t>
             </a:fld>
             <a:endParaRPr lang="en-US"/>
           </a:p>
@@ -1591,7 +1307,7 @@
       </p:sp>
       <p:sp>
         <p:nvSpPr>
-          <p:cNvPr id="6" name="Footer Placeholder 5"/>
+          <p:cNvPr id="9" name="Footer Placeholder 8"/>
           <p:cNvSpPr>
             <a:spLocks noGrp="1"/>
           </p:cNvSpPr>
@@ -1610,7 +1326,7 @@
       </p:sp>
       <p:sp>
         <p:nvSpPr>
-          <p:cNvPr id="7" name="Slide Number Placeholder 6"/>
+          <p:cNvPr id="10" name="Slide Number Placeholder 9"/>
           <p:cNvSpPr>
             <a:spLocks noGrp="1"/>
           </p:cNvSpPr>
@@ -1634,7 +1350,7 @@
     </p:spTree>
     <p:extLst>
       <p:ext uri="{BB962C8B-B14F-4D97-AF65-F5344CB8AC3E}">
-        <p14:creationId xmlns:p14="http://schemas.microsoft.com/office/powerpoint/2010/main" val="872705566"/>
+        <p14:creationId xmlns:p14="http://schemas.microsoft.com/office/powerpoint/2010/main" val="2923763031"/>
       </p:ext>
     </p:extLst>
   </p:cSld>
@@ -1663,64 +1379,38 @@
       </p:grpSpPr>
       <p:sp>
         <p:nvSpPr>
-          <p:cNvPr id="10" name="Title 9"/>
-          <p:cNvSpPr>
-            <a:spLocks noGrp="1"/>
-          </p:cNvSpPr>
-          <p:nvPr>
-            <p:ph type="title"/>
+          <p:cNvPr id="3" name="Text Placeholder 2"/>
+          <p:cNvSpPr>
+            <a:spLocks noGrp="1"/>
+          </p:cNvSpPr>
+          <p:nvPr>
+            <p:ph type="body" idx="1"/>
           </p:nvPr>
         </p:nvSpPr>
         <p:spPr>
           <a:xfrm>
-            <a:off x="1097280" y="286603"/>
-            <a:ext cx="10058400" cy="1450757"/>
+            <a:off x="1583436" y="2313433"/>
+            <a:ext cx="4270248" cy="704087"/>
           </a:xfrm>
         </p:spPr>
         <p:txBody>
-          <a:bodyPr/>
-          <a:lstStyle/>
-          <a:p>
-            <a:r>
-              <a:rPr lang="en-US"/>
-              <a:t>Click to edit Master title style</a:t>
-            </a:r>
-            <a:endParaRPr lang="en-US" dirty="0"/>
-          </a:p>
-        </p:txBody>
-      </p:sp>
-      <p:sp>
-        <p:nvSpPr>
-          <p:cNvPr id="3" name="Text Placeholder 2"/>
-          <p:cNvSpPr>
-            <a:spLocks noGrp="1"/>
-          </p:cNvSpPr>
-          <p:nvPr>
-            <p:ph type="body" idx="1"/>
-          </p:nvPr>
-        </p:nvSpPr>
-        <p:spPr>
-          <a:xfrm>
-            <a:off x="1097280" y="1846052"/>
-            <a:ext cx="4937760" cy="736282"/>
-          </a:xfrm>
-        </p:spPr>
-        <p:txBody>
-          <a:bodyPr lIns="91440" rIns="91440" anchor="ctr">
+          <a:bodyPr anchor="b" anchorCtr="1">
             <a:normAutofit/>
           </a:bodyPr>
           <a:lstStyle>
-            <a:lvl1pPr marL="0" indent="0">
-              <a:buNone/>
-              <a:defRPr sz="2000" b="0" cap="all" baseline="0">
+            <a:lvl1pPr marL="0" indent="0" algn="ctr">
+              <a:buNone/>
+              <a:defRPr sz="1900" b="0" cap="all" spc="100" baseline="0">
                 <a:solidFill>
-                  <a:schemeClr val="tx2"/>
+                  <a:schemeClr val="accent2">
+                    <a:lumMod val="75000"/>
+                  </a:schemeClr>
                 </a:solidFill>
               </a:defRPr>
             </a:lvl1pPr>
             <a:lvl2pPr marL="457200" indent="0">
               <a:buNone/>
-              <a:defRPr sz="2000" b="1"/>
+              <a:defRPr sz="1900" b="1"/>
             </a:lvl2pPr>
             <a:lvl3pPr marL="914400" indent="0">
               <a:buNone/>
@@ -1772,8 +1462,8 @@
         </p:nvSpPr>
         <p:spPr>
           <a:xfrm>
-            <a:off x="1097280" y="2582334"/>
-            <a:ext cx="4937760" cy="3378200"/>
+            <a:off x="1583436" y="3143250"/>
+            <a:ext cx="4270248" cy="2596776"/>
           </a:xfrm>
         </p:spPr>
         <p:txBody>
@@ -1819,36 +1509,99 @@
       </p:sp>
       <p:sp>
         <p:nvSpPr>
-          <p:cNvPr id="5" name="Text Placeholder 4"/>
-          <p:cNvSpPr>
-            <a:spLocks noGrp="1"/>
-          </p:cNvSpPr>
-          <p:nvPr>
-            <p:ph type="body" sz="quarter" idx="3"/>
+          <p:cNvPr id="6" name="Content Placeholder 5"/>
+          <p:cNvSpPr>
+            <a:spLocks noGrp="1"/>
+          </p:cNvSpPr>
+          <p:nvPr>
+            <p:ph sz="quarter" idx="4"/>
           </p:nvPr>
         </p:nvSpPr>
         <p:spPr>
           <a:xfrm>
-            <a:off x="6217920" y="1846052"/>
-            <a:ext cx="4937760" cy="736282"/>
+            <a:off x="6338316" y="3143250"/>
+            <a:ext cx="4253484" cy="2596776"/>
           </a:xfrm>
         </p:spPr>
         <p:txBody>
-          <a:bodyPr lIns="91440" rIns="91440" anchor="ctr">
+          <a:bodyPr/>
+          <a:lstStyle>
+            <a:lvl5pPr>
+              <a:defRPr/>
+            </a:lvl5pPr>
+          </a:lstStyle>
+          <a:p>
+            <a:pPr lvl="0"/>
+            <a:r>
+              <a:rPr lang="en-US"/>
+              <a:t>Click to edit Master text styles</a:t>
+            </a:r>
+          </a:p>
+          <a:p>
+            <a:pPr lvl="1"/>
+            <a:r>
+              <a:rPr lang="en-US"/>
+              <a:t>Second level</a:t>
+            </a:r>
+          </a:p>
+          <a:p>
+            <a:pPr lvl="2"/>
+            <a:r>
+              <a:rPr lang="en-US"/>
+              <a:t>Third level</a:t>
+            </a:r>
+          </a:p>
+          <a:p>
+            <a:pPr lvl="3"/>
+            <a:r>
+              <a:rPr lang="en-US"/>
+              <a:t>Fourth level</a:t>
+            </a:r>
+          </a:p>
+          <a:p>
+            <a:pPr lvl="4"/>
+            <a:r>
+              <a:rPr lang="en-US"/>
+              <a:t>Fifth level</a:t>
+            </a:r>
+            <a:endParaRPr lang="en-US" dirty="0"/>
+          </a:p>
+        </p:txBody>
+      </p:sp>
+      <p:sp>
+        <p:nvSpPr>
+          <p:cNvPr id="11" name="Text Placeholder 4"/>
+          <p:cNvSpPr>
+            <a:spLocks noGrp="1"/>
+          </p:cNvSpPr>
+          <p:nvPr>
+            <p:ph type="body" sz="quarter" idx="13"/>
+          </p:nvPr>
+        </p:nvSpPr>
+        <p:spPr>
+          <a:xfrm>
+            <a:off x="6338316" y="2313433"/>
+            <a:ext cx="4270248" cy="704087"/>
+          </a:xfrm>
+        </p:spPr>
+        <p:txBody>
+          <a:bodyPr anchor="b" anchorCtr="1">
             <a:normAutofit/>
           </a:bodyPr>
           <a:lstStyle>
-            <a:lvl1pPr marL="0" indent="0">
-              <a:buNone/>
-              <a:defRPr sz="2000" b="0" cap="all" baseline="0">
+            <a:lvl1pPr marL="0" indent="0" algn="ctr">
+              <a:buNone/>
+              <a:defRPr sz="1900" b="0" cap="all" spc="100" baseline="0">
                 <a:solidFill>
-                  <a:schemeClr val="tx2"/>
+                  <a:schemeClr val="accent2">
+                    <a:lumMod val="75000"/>
+                  </a:schemeClr>
                 </a:solidFill>
               </a:defRPr>
             </a:lvl1pPr>
             <a:lvl2pPr marL="457200" indent="0">
               <a:buNone/>
-              <a:defRPr sz="2000" b="1"/>
+              <a:defRPr sz="1900" b="1"/>
             </a:lvl2pPr>
             <a:lvl3pPr marL="914400" indent="0">
               <a:buNone/>
@@ -1890,63 +1643,6 @@
       </p:sp>
       <p:sp>
         <p:nvSpPr>
-          <p:cNvPr id="6" name="Content Placeholder 5"/>
-          <p:cNvSpPr>
-            <a:spLocks noGrp="1"/>
-          </p:cNvSpPr>
-          <p:nvPr>
-            <p:ph sz="quarter" idx="4"/>
-          </p:nvPr>
-        </p:nvSpPr>
-        <p:spPr>
-          <a:xfrm>
-            <a:off x="6217920" y="2582334"/>
-            <a:ext cx="4937760" cy="3378200"/>
-          </a:xfrm>
-        </p:spPr>
-        <p:txBody>
-          <a:bodyPr/>
-          <a:lstStyle/>
-          <a:p>
-            <a:pPr lvl="0"/>
-            <a:r>
-              <a:rPr lang="en-US"/>
-              <a:t>Click to edit Master text styles</a:t>
-            </a:r>
-          </a:p>
-          <a:p>
-            <a:pPr lvl="1"/>
-            <a:r>
-              <a:rPr lang="en-US"/>
-              <a:t>Second level</a:t>
-            </a:r>
-          </a:p>
-          <a:p>
-            <a:pPr lvl="2"/>
-            <a:r>
-              <a:rPr lang="en-US"/>
-              <a:t>Third level</a:t>
-            </a:r>
-          </a:p>
-          <a:p>
-            <a:pPr lvl="3"/>
-            <a:r>
-              <a:rPr lang="en-US"/>
-              <a:t>Fourth level</a:t>
-            </a:r>
-          </a:p>
-          <a:p>
-            <a:pPr lvl="4"/>
-            <a:r>
-              <a:rPr lang="en-US"/>
-              <a:t>Fifth level</a:t>
-            </a:r>
-            <a:endParaRPr lang="en-US" dirty="0"/>
-          </a:p>
-        </p:txBody>
-      </p:sp>
-      <p:sp>
-        <p:nvSpPr>
           <p:cNvPr id="7" name="Date Placeholder 6"/>
           <p:cNvSpPr>
             <a:spLocks noGrp="1"/>
@@ -1962,7 +1658,7 @@
           <a:p>
             <a:fld id="{7DB480C7-94FC-43D8-A75C-F8A3F0E1F988}" type="datetimeFigureOut">
               <a:rPr lang="en-US" smtClean="0"/>
-              <a:t>10/21/2024</a:t>
+              <a:t>10/25/24</a:t>
             </a:fld>
             <a:endParaRPr lang="en-US"/>
           </a:p>
@@ -2010,10 +1706,33 @@
           </a:p>
         </p:txBody>
       </p:sp>
+      <p:sp>
+        <p:nvSpPr>
+          <p:cNvPr id="10" name="Title 9"/>
+          <p:cNvSpPr>
+            <a:spLocks noGrp="1"/>
+          </p:cNvSpPr>
+          <p:nvPr>
+            <p:ph type="title"/>
+          </p:nvPr>
+        </p:nvSpPr>
+        <p:spPr/>
+        <p:txBody>
+          <a:bodyPr/>
+          <a:lstStyle/>
+          <a:p>
+            <a:r>
+              <a:rPr lang="en-US"/>
+              <a:t>Click to edit Master title style</a:t>
+            </a:r>
+            <a:endParaRPr lang="en-US" dirty="0"/>
+          </a:p>
+        </p:txBody>
+      </p:sp>
     </p:spTree>
     <p:extLst>
       <p:ext uri="{BB962C8B-B14F-4D97-AF65-F5344CB8AC3E}">
-        <p14:creationId xmlns:p14="http://schemas.microsoft.com/office/powerpoint/2010/main" val="2869108816"/>
+        <p14:creationId xmlns:p14="http://schemas.microsoft.com/office/powerpoint/2010/main" val="1626911319"/>
       </p:ext>
     </p:extLst>
   </p:cSld>
@@ -2080,7 +1799,7 @@
           <a:p>
             <a:fld id="{7DB480C7-94FC-43D8-A75C-F8A3F0E1F988}" type="datetimeFigureOut">
               <a:rPr lang="en-US" smtClean="0"/>
-              <a:t>10/21/2024</a:t>
+              <a:t>10/25/24</a:t>
             </a:fld>
             <a:endParaRPr lang="en-US"/>
           </a:p>
@@ -2131,7 +1850,7 @@
     </p:spTree>
     <p:extLst>
       <p:ext uri="{BB962C8B-B14F-4D97-AF65-F5344CB8AC3E}">
-        <p14:creationId xmlns:p14="http://schemas.microsoft.com/office/powerpoint/2010/main" val="3569348663"/>
+        <p14:creationId xmlns:p14="http://schemas.microsoft.com/office/powerpoint/2010/main" val="2486777938"/>
       </p:ext>
     </p:extLst>
   </p:cSld>
@@ -2142,7 +1861,7 @@
 </file>
 
 <file path=ppt/slideLayouts/slideLayout7.xml><?xml version="1.0" encoding="utf-8"?>
-<p:sldLayout xmlns:a="http://schemas.openxmlformats.org/drawingml/2006/main" xmlns:r="http://schemas.openxmlformats.org/officeDocument/2006/relationships" xmlns:p="http://schemas.openxmlformats.org/presentationml/2006/main" showMasterSp="0" type="blank" preserve="1">
+<p:sldLayout xmlns:a="http://schemas.openxmlformats.org/drawingml/2006/main" xmlns:r="http://schemas.openxmlformats.org/officeDocument/2006/relationships" xmlns:p="http://schemas.openxmlformats.org/presentationml/2006/main" type="blank" preserve="1">
   <p:cSld name="Blank">
     <p:spTree>
       <p:nvGrpSpPr>
@@ -2160,22 +1879,115 @@
       </p:grpSpPr>
       <p:sp>
         <p:nvSpPr>
-          <p:cNvPr id="5" name="Rectangle 4"/>
+          <p:cNvPr id="2" name="Date Placeholder 1"/>
+          <p:cNvSpPr>
+            <a:spLocks noGrp="1"/>
+          </p:cNvSpPr>
+          <p:nvPr>
+            <p:ph type="dt" sz="half" idx="10"/>
+          </p:nvPr>
+        </p:nvSpPr>
+        <p:spPr/>
+        <p:txBody>
+          <a:bodyPr/>
+          <a:lstStyle/>
+          <a:p>
+            <a:fld id="{7DB480C7-94FC-43D8-A75C-F8A3F0E1F988}" type="datetimeFigureOut">
+              <a:rPr lang="en-US" smtClean="0"/>
+              <a:t>10/25/24</a:t>
+            </a:fld>
+            <a:endParaRPr lang="en-US"/>
+          </a:p>
+        </p:txBody>
+      </p:sp>
+      <p:sp>
+        <p:nvSpPr>
+          <p:cNvPr id="3" name="Footer Placeholder 2"/>
+          <p:cNvSpPr>
+            <a:spLocks noGrp="1"/>
+          </p:cNvSpPr>
+          <p:nvPr>
+            <p:ph type="ftr" sz="quarter" idx="11"/>
+          </p:nvPr>
+        </p:nvSpPr>
+        <p:spPr/>
+        <p:txBody>
+          <a:bodyPr/>
+          <a:lstStyle/>
+          <a:p>
+            <a:endParaRPr lang="en-US"/>
+          </a:p>
+        </p:txBody>
+      </p:sp>
+      <p:sp>
+        <p:nvSpPr>
+          <p:cNvPr id="4" name="Slide Number Placeholder 3"/>
+          <p:cNvSpPr>
+            <a:spLocks noGrp="1"/>
+          </p:cNvSpPr>
+          <p:nvPr>
+            <p:ph type="sldNum" sz="quarter" idx="12"/>
+          </p:nvPr>
+        </p:nvSpPr>
+        <p:spPr/>
+        <p:txBody>
+          <a:bodyPr/>
+          <a:lstStyle/>
+          <a:p>
+            <a:fld id="{74CF12DA-4FDA-401C-9131-CB504A06A978}" type="slidenum">
+              <a:rPr lang="en-US" smtClean="0"/>
+              <a:t>‹#›</a:t>
+            </a:fld>
+            <a:endParaRPr lang="en-US"/>
+          </a:p>
+        </p:txBody>
+      </p:sp>
+    </p:spTree>
+    <p:extLst>
+      <p:ext uri="{BB962C8B-B14F-4D97-AF65-F5344CB8AC3E}">
+        <p14:creationId xmlns:p14="http://schemas.microsoft.com/office/powerpoint/2010/main" val="3139424093"/>
+      </p:ext>
+    </p:extLst>
+  </p:cSld>
+  <p:clrMapOvr>
+    <a:masterClrMapping/>
+  </p:clrMapOvr>
+</p:sldLayout>
+</file>
+
+<file path=ppt/slideLayouts/slideLayout8.xml><?xml version="1.0" encoding="utf-8"?>
+<p:sldLayout xmlns:a="http://schemas.openxmlformats.org/drawingml/2006/main" xmlns:r="http://schemas.openxmlformats.org/officeDocument/2006/relationships" xmlns:p="http://schemas.openxmlformats.org/presentationml/2006/main" type="objTx" preserve="1">
+  <p:cSld name="Content with Caption">
+    <p:spTree>
+      <p:nvGrpSpPr>
+        <p:cNvPr id="1" name=""/>
+        <p:cNvGrpSpPr/>
+        <p:nvPr/>
+      </p:nvGrpSpPr>
+      <p:grpSpPr>
+        <a:xfrm>
+          <a:off x="0" y="0"/>
+          <a:ext cx="0" cy="0"/>
+          <a:chOff x="0" y="0"/>
+          <a:chExt cx="0" cy="0"/>
+        </a:xfrm>
+      </p:grpSpPr>
+      <p:sp>
+        <p:nvSpPr>
+          <p:cNvPr id="26" name="Rectangle 25"/>
           <p:cNvSpPr/>
           <p:nvPr/>
         </p:nvSpPr>
         <p:spPr>
           <a:xfrm>
-            <a:off x="3175" y="6400800"/>
-            <a:ext cx="12188825" cy="457200"/>
+            <a:off x="0" y="0"/>
+            <a:ext cx="6096000" cy="6858000"/>
           </a:xfrm>
           <a:prstGeom prst="rect">
             <a:avLst/>
           </a:prstGeom>
           <a:solidFill>
-            <a:schemeClr val="accent4">
-              <a:lumMod val="75000"/>
-            </a:schemeClr>
+            <a:schemeClr val="accent2"/>
           </a:solidFill>
           <a:ln>
             <a:noFill/>
@@ -2200,20 +2012,354 @@
       </p:sp>
       <p:sp>
         <p:nvSpPr>
-          <p:cNvPr id="6" name="Rectangle 5"/>
+          <p:cNvPr id="2" name="Title 1"/>
+          <p:cNvSpPr>
+            <a:spLocks noGrp="1"/>
+          </p:cNvSpPr>
+          <p:nvPr>
+            <p:ph type="title"/>
+          </p:nvPr>
+        </p:nvSpPr>
+        <p:spPr bwMode="blackWhite">
+          <a:xfrm>
+            <a:off x="804672" y="2243828"/>
+            <a:ext cx="4486656" cy="1141497"/>
+          </a:xfrm>
+          <a:solidFill>
+            <a:srgbClr val="FFFFFF"/>
+          </a:solidFill>
+          <a:ln>
+            <a:solidFill>
+              <a:srgbClr val="404040"/>
+            </a:solidFill>
+          </a:ln>
+        </p:spPr>
+        <p:txBody>
+          <a:bodyPr anchor="ctr" anchorCtr="1">
+            <a:normAutofit/>
+          </a:bodyPr>
+          <a:lstStyle>
+            <a:lvl1pPr>
+              <a:defRPr sz="2200">
+                <a:solidFill>
+                  <a:srgbClr val="262626"/>
+                </a:solidFill>
+              </a:defRPr>
+            </a:lvl1pPr>
+          </a:lstStyle>
+          <a:p>
+            <a:r>
+              <a:rPr lang="en-US"/>
+              <a:t>Click to edit Master title style</a:t>
+            </a:r>
+            <a:endParaRPr lang="en-US" dirty="0"/>
+          </a:p>
+        </p:txBody>
+      </p:sp>
+      <p:sp>
+        <p:nvSpPr>
+          <p:cNvPr id="3" name="Content Placeholder 2"/>
+          <p:cNvSpPr>
+            <a:spLocks noGrp="1"/>
+          </p:cNvSpPr>
+          <p:nvPr>
+            <p:ph idx="1"/>
+          </p:nvPr>
+        </p:nvSpPr>
+        <p:spPr>
+          <a:xfrm>
+            <a:off x="6736080" y="804672"/>
+            <a:ext cx="4815840" cy="5248656"/>
+          </a:xfrm>
+        </p:spPr>
+        <p:txBody>
+          <a:bodyPr>
+            <a:normAutofit/>
+          </a:bodyPr>
+          <a:lstStyle>
+            <a:lvl1pPr>
+              <a:defRPr sz="1900">
+                <a:solidFill>
+                  <a:schemeClr val="tx1"/>
+                </a:solidFill>
+              </a:defRPr>
+            </a:lvl1pPr>
+            <a:lvl2pPr>
+              <a:defRPr sz="1600">
+                <a:solidFill>
+                  <a:schemeClr val="tx1"/>
+                </a:solidFill>
+              </a:defRPr>
+            </a:lvl2pPr>
+            <a:lvl3pPr>
+              <a:defRPr sz="1600">
+                <a:solidFill>
+                  <a:schemeClr val="tx1"/>
+                </a:solidFill>
+              </a:defRPr>
+            </a:lvl3pPr>
+            <a:lvl4pPr>
+              <a:defRPr sz="1600">
+                <a:solidFill>
+                  <a:schemeClr val="tx1"/>
+                </a:solidFill>
+              </a:defRPr>
+            </a:lvl4pPr>
+            <a:lvl5pPr>
+              <a:defRPr sz="1600">
+                <a:solidFill>
+                  <a:schemeClr val="tx1"/>
+                </a:solidFill>
+              </a:defRPr>
+            </a:lvl5pPr>
+            <a:lvl6pPr>
+              <a:defRPr sz="1600"/>
+            </a:lvl6pPr>
+            <a:lvl7pPr>
+              <a:defRPr sz="1600"/>
+            </a:lvl7pPr>
+            <a:lvl8pPr>
+              <a:defRPr sz="1600"/>
+            </a:lvl8pPr>
+            <a:lvl9pPr>
+              <a:defRPr sz="1600"/>
+            </a:lvl9pPr>
+          </a:lstStyle>
+          <a:p>
+            <a:pPr lvl="0"/>
+            <a:r>
+              <a:rPr lang="en-US"/>
+              <a:t>Click to edit Master text styles</a:t>
+            </a:r>
+          </a:p>
+          <a:p>
+            <a:pPr lvl="1"/>
+            <a:r>
+              <a:rPr lang="en-US"/>
+              <a:t>Second level</a:t>
+            </a:r>
+          </a:p>
+          <a:p>
+            <a:pPr lvl="2"/>
+            <a:r>
+              <a:rPr lang="en-US"/>
+              <a:t>Third level</a:t>
+            </a:r>
+          </a:p>
+          <a:p>
+            <a:pPr lvl="3"/>
+            <a:r>
+              <a:rPr lang="en-US"/>
+              <a:t>Fourth level</a:t>
+            </a:r>
+          </a:p>
+          <a:p>
+            <a:pPr lvl="4"/>
+            <a:r>
+              <a:rPr lang="en-US"/>
+              <a:t>Fifth level</a:t>
+            </a:r>
+            <a:endParaRPr lang="en-US" dirty="0"/>
+          </a:p>
+        </p:txBody>
+      </p:sp>
+      <p:sp>
+        <p:nvSpPr>
+          <p:cNvPr id="4" name="Text Placeholder 3"/>
+          <p:cNvSpPr>
+            <a:spLocks noGrp="1"/>
+          </p:cNvSpPr>
+          <p:nvPr>
+            <p:ph type="body" sz="half" idx="2"/>
+          </p:nvPr>
+        </p:nvSpPr>
+        <p:spPr>
+          <a:xfrm>
+            <a:off x="1115568" y="3549918"/>
+            <a:ext cx="3794760" cy="2194036"/>
+          </a:xfrm>
+        </p:spPr>
+        <p:txBody>
+          <a:bodyPr anchor="t" anchorCtr="1">
+            <a:normAutofit/>
+          </a:bodyPr>
+          <a:lstStyle>
+            <a:lvl1pPr marL="0" indent="0" algn="ctr">
+              <a:buNone/>
+              <a:defRPr sz="1500">
+                <a:solidFill>
+                  <a:srgbClr val="FFFFFF"/>
+                </a:solidFill>
+              </a:defRPr>
+            </a:lvl1pPr>
+            <a:lvl2pPr marL="457200" indent="0">
+              <a:buNone/>
+              <a:defRPr sz="1400"/>
+            </a:lvl2pPr>
+            <a:lvl3pPr marL="914400" indent="0">
+              <a:buNone/>
+              <a:defRPr sz="1200"/>
+            </a:lvl3pPr>
+            <a:lvl4pPr marL="1371600" indent="0">
+              <a:buNone/>
+              <a:defRPr sz="1000"/>
+            </a:lvl4pPr>
+            <a:lvl5pPr marL="1828800" indent="0">
+              <a:buNone/>
+              <a:defRPr sz="1000"/>
+            </a:lvl5pPr>
+            <a:lvl6pPr marL="2286000" indent="0">
+              <a:buNone/>
+              <a:defRPr sz="1000"/>
+            </a:lvl6pPr>
+            <a:lvl7pPr marL="2743200" indent="0">
+              <a:buNone/>
+              <a:defRPr sz="1000"/>
+            </a:lvl7pPr>
+            <a:lvl8pPr marL="3200400" indent="0">
+              <a:buNone/>
+              <a:defRPr sz="1000"/>
+            </a:lvl8pPr>
+            <a:lvl9pPr marL="3657600" indent="0">
+              <a:buNone/>
+              <a:defRPr sz="1000"/>
+            </a:lvl9pPr>
+          </a:lstStyle>
+          <a:p>
+            <a:pPr lvl="0"/>
+            <a:r>
+              <a:rPr lang="en-US"/>
+              <a:t>Click to edit Master text styles</a:t>
+            </a:r>
+          </a:p>
+        </p:txBody>
+      </p:sp>
+      <p:sp>
+        <p:nvSpPr>
+          <p:cNvPr id="9" name="Date Placeholder 8"/>
+          <p:cNvSpPr>
+            <a:spLocks noGrp="1"/>
+          </p:cNvSpPr>
+          <p:nvPr>
+            <p:ph type="dt" sz="half" idx="10"/>
+          </p:nvPr>
+        </p:nvSpPr>
+        <p:spPr/>
+        <p:txBody>
+          <a:bodyPr/>
+          <a:lstStyle/>
+          <a:p>
+            <a:fld id="{7DB480C7-94FC-43D8-A75C-F8A3F0E1F988}" type="datetimeFigureOut">
+              <a:rPr lang="en-US" smtClean="0"/>
+              <a:t>10/25/24</a:t>
+            </a:fld>
+            <a:endParaRPr lang="en-US"/>
+          </a:p>
+        </p:txBody>
+      </p:sp>
+      <p:sp>
+        <p:nvSpPr>
+          <p:cNvPr id="10" name="Footer Placeholder 9"/>
+          <p:cNvSpPr>
+            <a:spLocks noGrp="1"/>
+          </p:cNvSpPr>
+          <p:nvPr>
+            <p:ph type="ftr" sz="quarter" idx="11"/>
+          </p:nvPr>
+        </p:nvSpPr>
+        <p:spPr>
+          <a:xfrm>
+            <a:off x="804672" y="6236208"/>
+            <a:ext cx="5124797" cy="320040"/>
+          </a:xfrm>
+        </p:spPr>
+        <p:txBody>
+          <a:bodyPr/>
+          <a:lstStyle>
+            <a:lvl1pPr>
+              <a:defRPr>
+                <a:solidFill>
+                  <a:srgbClr val="FFFFFF">
+                    <a:alpha val="70000"/>
+                  </a:srgbClr>
+                </a:solidFill>
+              </a:defRPr>
+            </a:lvl1pPr>
+          </a:lstStyle>
+          <a:p>
+            <a:endParaRPr lang="en-US"/>
+          </a:p>
+        </p:txBody>
+      </p:sp>
+      <p:sp>
+        <p:nvSpPr>
+          <p:cNvPr id="11" name="Slide Number Placeholder 10"/>
+          <p:cNvSpPr>
+            <a:spLocks noGrp="1"/>
+          </p:cNvSpPr>
+          <p:nvPr>
+            <p:ph type="sldNum" sz="quarter" idx="12"/>
+          </p:nvPr>
+        </p:nvSpPr>
+        <p:spPr/>
+        <p:txBody>
+          <a:bodyPr/>
+          <a:lstStyle/>
+          <a:p>
+            <a:fld id="{74CF12DA-4FDA-401C-9131-CB504A06A978}" type="slidenum">
+              <a:rPr lang="en-US" smtClean="0"/>
+              <a:t>‹#›</a:t>
+            </a:fld>
+            <a:endParaRPr lang="en-US"/>
+          </a:p>
+        </p:txBody>
+      </p:sp>
+    </p:spTree>
+    <p:extLst>
+      <p:ext uri="{BB962C8B-B14F-4D97-AF65-F5344CB8AC3E}">
+        <p14:creationId xmlns:p14="http://schemas.microsoft.com/office/powerpoint/2010/main" val="13405118"/>
+      </p:ext>
+    </p:extLst>
+  </p:cSld>
+  <p:clrMapOvr>
+    <a:masterClrMapping/>
+  </p:clrMapOvr>
+</p:sldLayout>
+</file>
+
+<file path=ppt/slideLayouts/slideLayout9.xml><?xml version="1.0" encoding="utf-8"?>
+<p:sldLayout xmlns:a="http://schemas.openxmlformats.org/drawingml/2006/main" xmlns:r="http://schemas.openxmlformats.org/officeDocument/2006/relationships" xmlns:p="http://schemas.openxmlformats.org/presentationml/2006/main" type="picTx" preserve="1">
+  <p:cSld name="Picture with Caption">
+    <p:spTree>
+      <p:nvGrpSpPr>
+        <p:cNvPr id="1" name=""/>
+        <p:cNvGrpSpPr/>
+        <p:nvPr/>
+      </p:nvGrpSpPr>
+      <p:grpSpPr>
+        <a:xfrm>
+          <a:off x="0" y="0"/>
+          <a:ext cx="0" cy="0"/>
+          <a:chOff x="0" y="0"/>
+          <a:chExt cx="0" cy="0"/>
+        </a:xfrm>
+      </p:grpSpPr>
+      <p:sp>
+        <p:nvSpPr>
+          <p:cNvPr id="18" name="Rectangle 17"/>
           <p:cNvSpPr/>
           <p:nvPr/>
         </p:nvSpPr>
         <p:spPr>
           <a:xfrm>
-            <a:off x="15" y="6334316"/>
-            <a:ext cx="12188825" cy="64008"/>
+            <a:off x="0" y="0"/>
+            <a:ext cx="6095999" cy="6858000"/>
           </a:xfrm>
           <a:prstGeom prst="rect">
             <a:avLst/>
           </a:prstGeom>
           <a:solidFill>
-            <a:schemeClr val="accent4"/>
+            <a:schemeClr val="accent2"/>
           </a:solidFill>
           <a:ln>
             <a:noFill/>
@@ -2238,302 +2384,149 @@
       </p:sp>
       <p:sp>
         <p:nvSpPr>
-          <p:cNvPr id="7" name="Date Placeholder 6"/>
-          <p:cNvSpPr>
-            <a:spLocks noGrp="1"/>
-          </p:cNvSpPr>
-          <p:nvPr>
-            <p:ph type="dt" sz="half" idx="10"/>
-          </p:nvPr>
-        </p:nvSpPr>
-        <p:spPr/>
-        <p:txBody>
-          <a:bodyPr/>
-          <a:lstStyle/>
-          <a:p>
-            <a:fld id="{7DB480C7-94FC-43D8-A75C-F8A3F0E1F988}" type="datetimeFigureOut">
-              <a:rPr lang="en-US" smtClean="0"/>
-              <a:t>10/21/2024</a:t>
-            </a:fld>
-            <a:endParaRPr lang="en-US"/>
-          </a:p>
-        </p:txBody>
-      </p:sp>
-      <p:sp>
-        <p:nvSpPr>
-          <p:cNvPr id="8" name="Footer Placeholder 7"/>
-          <p:cNvSpPr>
-            <a:spLocks noGrp="1"/>
-          </p:cNvSpPr>
-          <p:nvPr>
-            <p:ph type="ftr" sz="quarter" idx="11"/>
-          </p:nvPr>
-        </p:nvSpPr>
-        <p:spPr/>
-        <p:txBody>
-          <a:bodyPr/>
+          <p:cNvPr id="2" name="Title 1"/>
+          <p:cNvSpPr>
+            <a:spLocks noGrp="1"/>
+          </p:cNvSpPr>
+          <p:nvPr>
+            <p:ph type="title"/>
+          </p:nvPr>
+        </p:nvSpPr>
+        <p:spPr bwMode="blackWhite">
+          <a:xfrm>
+            <a:off x="808523" y="2243828"/>
+            <a:ext cx="4494998" cy="1134640"/>
+          </a:xfrm>
+          <a:solidFill>
+            <a:srgbClr val="FFFFFF"/>
+          </a:solidFill>
+          <a:ln>
+            <a:solidFill>
+              <a:srgbClr val="404040"/>
+            </a:solidFill>
+          </a:ln>
+        </p:spPr>
+        <p:txBody>
+          <a:bodyPr anchor="ctr" anchorCtr="1">
+            <a:noAutofit/>
+          </a:bodyPr>
           <a:lstStyle>
             <a:lvl1pPr>
-              <a:defRPr>
+              <a:defRPr sz="2200">
                 <a:solidFill>
-                  <a:srgbClr val="FFFFFF"/>
+                  <a:srgbClr val="262626"/>
                 </a:solidFill>
               </a:defRPr>
             </a:lvl1pPr>
           </a:lstStyle>
           <a:p>
-            <a:endParaRPr lang="en-US"/>
-          </a:p>
-        </p:txBody>
-      </p:sp>
-      <p:sp>
-        <p:nvSpPr>
-          <p:cNvPr id="9" name="Slide Number Placeholder 8"/>
-          <p:cNvSpPr>
-            <a:spLocks noGrp="1"/>
-          </p:cNvSpPr>
-          <p:nvPr>
-            <p:ph type="sldNum" sz="quarter" idx="12"/>
-          </p:nvPr>
-        </p:nvSpPr>
-        <p:spPr/>
-        <p:txBody>
-          <a:bodyPr/>
-          <a:lstStyle/>
-          <a:p>
-            <a:fld id="{74CF12DA-4FDA-401C-9131-CB504A06A978}" type="slidenum">
-              <a:rPr lang="en-US" smtClean="0"/>
-              <a:t>‹#›</a:t>
-            </a:fld>
-            <a:endParaRPr lang="en-US"/>
-          </a:p>
-        </p:txBody>
-      </p:sp>
-    </p:spTree>
-    <p:extLst>
-      <p:ext uri="{BB962C8B-B14F-4D97-AF65-F5344CB8AC3E}">
-        <p14:creationId xmlns:p14="http://schemas.microsoft.com/office/powerpoint/2010/main" val="2797922842"/>
-      </p:ext>
-    </p:extLst>
-  </p:cSld>
-  <p:clrMapOvr>
-    <a:masterClrMapping/>
-  </p:clrMapOvr>
-</p:sldLayout>
-</file>
-
-<file path=ppt/slideLayouts/slideLayout8.xml><?xml version="1.0" encoding="utf-8"?>
-<p:sldLayout xmlns:a="http://schemas.openxmlformats.org/drawingml/2006/main" xmlns:r="http://schemas.openxmlformats.org/officeDocument/2006/relationships" xmlns:p="http://schemas.openxmlformats.org/presentationml/2006/main" showMasterSp="0" type="objTx" preserve="1">
-  <p:cSld name="Content with Caption">
-    <p:spTree>
-      <p:nvGrpSpPr>
-        <p:cNvPr id="1" name=""/>
-        <p:cNvGrpSpPr/>
-        <p:nvPr/>
-      </p:nvGrpSpPr>
-      <p:grpSpPr>
-        <a:xfrm>
-          <a:off x="0" y="0"/>
-          <a:ext cx="0" cy="0"/>
-          <a:chOff x="0" y="0"/>
-          <a:chExt cx="0" cy="0"/>
-        </a:xfrm>
-      </p:grpSpPr>
-      <p:sp>
-        <p:nvSpPr>
-          <p:cNvPr id="8" name="Rectangle 7"/>
-          <p:cNvSpPr/>
-          <p:nvPr/>
+            <a:r>
+              <a:rPr lang="en-US"/>
+              <a:t>Click to edit Master title style</a:t>
+            </a:r>
+            <a:endParaRPr lang="en-US" dirty="0"/>
+          </a:p>
+        </p:txBody>
+      </p:sp>
+      <p:sp>
+        <p:nvSpPr>
+          <p:cNvPr id="3" name="Picture Placeholder 2"/>
+          <p:cNvSpPr>
+            <a:spLocks noGrp="1" noChangeAspect="1"/>
+          </p:cNvSpPr>
+          <p:nvPr>
+            <p:ph type="pic" idx="1"/>
+          </p:nvPr>
         </p:nvSpPr>
         <p:spPr>
           <a:xfrm>
-            <a:off x="16" y="0"/>
-            <a:ext cx="4050791" cy="6858000"/>
+            <a:off x="6095999" y="0"/>
+            <a:ext cx="6102097" cy="6858000"/>
           </a:xfrm>
-          <a:prstGeom prst="rect">
-            <a:avLst/>
-          </a:prstGeom>
           <a:solidFill>
-            <a:schemeClr val="accent4">
+            <a:schemeClr val="bg1">
               <a:lumMod val="75000"/>
             </a:schemeClr>
           </a:solidFill>
-          <a:ln>
-            <a:noFill/>
-          </a:ln>
         </p:spPr>
-        <p:style>
-          <a:lnRef idx="2">
-            <a:schemeClr val="accent1">
-              <a:shade val="50000"/>
-            </a:schemeClr>
-          </a:lnRef>
-          <a:fillRef idx="1">
-            <a:schemeClr val="accent1"/>
-          </a:fillRef>
-          <a:effectRef idx="0">
-            <a:schemeClr val="accent1"/>
-          </a:effectRef>
-          <a:fontRef idx="minor">
-            <a:schemeClr val="lt1"/>
-          </a:fontRef>
-        </p:style>
-      </p:sp>
-      <p:sp>
-        <p:nvSpPr>
-          <p:cNvPr id="9" name="Rectangle 8"/>
-          <p:cNvSpPr/>
-          <p:nvPr/>
+        <p:txBody>
+          <a:bodyPr anchor="t"/>
+          <a:lstStyle>
+            <a:lvl1pPr marL="0" indent="0">
+              <a:buNone/>
+              <a:defRPr sz="3200">
+                <a:solidFill>
+                  <a:schemeClr val="bg1">
+                    <a:lumMod val="85000"/>
+                    <a:lumOff val="15000"/>
+                  </a:schemeClr>
+                </a:solidFill>
+              </a:defRPr>
+            </a:lvl1pPr>
+            <a:lvl2pPr marL="457200" indent="0">
+              <a:buNone/>
+              <a:defRPr sz="2800"/>
+            </a:lvl2pPr>
+            <a:lvl3pPr marL="914400" indent="0">
+              <a:buNone/>
+              <a:defRPr sz="2400"/>
+            </a:lvl3pPr>
+            <a:lvl4pPr marL="1371600" indent="0">
+              <a:buNone/>
+              <a:defRPr sz="2000"/>
+            </a:lvl4pPr>
+            <a:lvl5pPr marL="1828800" indent="0">
+              <a:buNone/>
+              <a:defRPr sz="2000"/>
+            </a:lvl5pPr>
+            <a:lvl6pPr marL="2286000" indent="0">
+              <a:buNone/>
+              <a:defRPr sz="2000"/>
+            </a:lvl6pPr>
+            <a:lvl7pPr marL="2743200" indent="0">
+              <a:buNone/>
+              <a:defRPr sz="2000"/>
+            </a:lvl7pPr>
+            <a:lvl8pPr marL="3200400" indent="0">
+              <a:buNone/>
+              <a:defRPr sz="2000"/>
+            </a:lvl8pPr>
+            <a:lvl9pPr marL="3657600" indent="0">
+              <a:buNone/>
+              <a:defRPr sz="2000"/>
+            </a:lvl9pPr>
+          </a:lstStyle>
+          <a:p>
+            <a:r>
+              <a:rPr lang="en-US"/>
+              <a:t>Click icon to add picture</a:t>
+            </a:r>
+            <a:endParaRPr lang="en-US" dirty="0"/>
+          </a:p>
+        </p:txBody>
+      </p:sp>
+      <p:sp>
+        <p:nvSpPr>
+          <p:cNvPr id="4" name="Text Placeholder 3"/>
+          <p:cNvSpPr>
+            <a:spLocks noGrp="1"/>
+          </p:cNvSpPr>
+          <p:nvPr>
+            <p:ph type="body" sz="half" idx="2"/>
+          </p:nvPr>
         </p:nvSpPr>
         <p:spPr>
           <a:xfrm>
-            <a:off x="4040071" y="0"/>
-            <a:ext cx="64008" cy="6858000"/>
-          </a:xfrm>
-          <a:prstGeom prst="rect">
-            <a:avLst/>
-          </a:prstGeom>
-          <a:solidFill>
-            <a:schemeClr val="accent4"/>
-          </a:solidFill>
-          <a:ln>
-            <a:noFill/>
-          </a:ln>
-        </p:spPr>
-        <p:style>
-          <a:lnRef idx="2">
-            <a:schemeClr val="accent1">
-              <a:shade val="50000"/>
-            </a:schemeClr>
-          </a:lnRef>
-          <a:fillRef idx="1">
-            <a:schemeClr val="accent1"/>
-          </a:fillRef>
-          <a:effectRef idx="0">
-            <a:schemeClr val="accent1"/>
-          </a:effectRef>
-          <a:fontRef idx="minor">
-            <a:schemeClr val="lt1"/>
-          </a:fontRef>
-        </p:style>
-      </p:sp>
-      <p:sp>
-        <p:nvSpPr>
-          <p:cNvPr id="2" name="Title 1"/>
-          <p:cNvSpPr>
-            <a:spLocks noGrp="1"/>
-          </p:cNvSpPr>
-          <p:nvPr>
-            <p:ph type="title"/>
-          </p:nvPr>
-        </p:nvSpPr>
-        <p:spPr>
-          <a:xfrm>
-            <a:off x="457200" y="594359"/>
-            <a:ext cx="3200400" cy="2286000"/>
+            <a:off x="1115568" y="3549918"/>
+            <a:ext cx="3794760" cy="2194037"/>
           </a:xfrm>
         </p:spPr>
         <p:txBody>
-          <a:bodyPr anchor="b">
+          <a:bodyPr anchor="t" anchorCtr="1">
             <a:normAutofit/>
           </a:bodyPr>
           <a:lstStyle>
-            <a:lvl1pPr>
-              <a:defRPr sz="3600" b="0">
-                <a:solidFill>
-                  <a:srgbClr val="FFFFFF"/>
-                </a:solidFill>
-              </a:defRPr>
-            </a:lvl1pPr>
-          </a:lstStyle>
-          <a:p>
-            <a:r>
-              <a:rPr lang="en-US"/>
-              <a:t>Click to edit Master title style</a:t>
-            </a:r>
-            <a:endParaRPr lang="en-US" dirty="0"/>
-          </a:p>
-        </p:txBody>
-      </p:sp>
-      <p:sp>
-        <p:nvSpPr>
-          <p:cNvPr id="3" name="Content Placeholder 2"/>
-          <p:cNvSpPr>
-            <a:spLocks noGrp="1"/>
-          </p:cNvSpPr>
-          <p:nvPr>
-            <p:ph idx="1"/>
-          </p:nvPr>
-        </p:nvSpPr>
-        <p:spPr>
-          <a:xfrm>
-            <a:off x="4800600" y="731520"/>
-            <a:ext cx="6492240" cy="5257800"/>
-          </a:xfrm>
-        </p:spPr>
-        <p:txBody>
-          <a:bodyPr/>
-          <a:lstStyle/>
-          <a:p>
-            <a:pPr lvl="0"/>
-            <a:r>
-              <a:rPr lang="en-US"/>
-              <a:t>Click to edit Master text styles</a:t>
-            </a:r>
-          </a:p>
-          <a:p>
-            <a:pPr lvl="1"/>
-            <a:r>
-              <a:rPr lang="en-US"/>
-              <a:t>Second level</a:t>
-            </a:r>
-          </a:p>
-          <a:p>
-            <a:pPr lvl="2"/>
-            <a:r>
-              <a:rPr lang="en-US"/>
-              <a:t>Third level</a:t>
-            </a:r>
-          </a:p>
-          <a:p>
-            <a:pPr lvl="3"/>
-            <a:r>
-              <a:rPr lang="en-US"/>
-              <a:t>Fourth level</a:t>
-            </a:r>
-          </a:p>
-          <a:p>
-            <a:pPr lvl="4"/>
-            <a:r>
-              <a:rPr lang="en-US"/>
-              <a:t>Fifth level</a:t>
-            </a:r>
-            <a:endParaRPr lang="en-US" dirty="0"/>
-          </a:p>
-        </p:txBody>
-      </p:sp>
-      <p:sp>
-        <p:nvSpPr>
-          <p:cNvPr id="4" name="Text Placeholder 3"/>
-          <p:cNvSpPr>
-            <a:spLocks noGrp="1"/>
-          </p:cNvSpPr>
-          <p:nvPr>
-            <p:ph type="body" sz="half" idx="2"/>
-          </p:nvPr>
-        </p:nvSpPr>
-        <p:spPr>
-          <a:xfrm>
-            <a:off x="457200" y="2926080"/>
-            <a:ext cx="3200400" cy="3379124"/>
-          </a:xfrm>
-        </p:spPr>
-        <p:txBody>
-          <a:bodyPr lIns="91440" rIns="91440">
-            <a:normAutofit/>
-          </a:bodyPr>
-          <a:lstStyle>
-            <a:lvl1pPr marL="0" indent="0">
+            <a:lvl1pPr marL="0" indent="0" algn="ctr">
               <a:buNone/>
               <a:defRPr sz="1500">
                 <a:solidFill>
@@ -2543,35 +2536,35 @@
             </a:lvl1pPr>
             <a:lvl2pPr marL="457200" indent="0">
               <a:buNone/>
-              <a:defRPr sz="1200"/>
+              <a:defRPr sz="1400"/>
             </a:lvl2pPr>
             <a:lvl3pPr marL="914400" indent="0">
               <a:buNone/>
-              <a:defRPr sz="1000"/>
+              <a:defRPr sz="1200"/>
             </a:lvl3pPr>
             <a:lvl4pPr marL="1371600" indent="0">
               <a:buNone/>
-              <a:defRPr sz="900"/>
+              <a:defRPr sz="1000"/>
             </a:lvl4pPr>
             <a:lvl5pPr marL="1828800" indent="0">
               <a:buNone/>
-              <a:defRPr sz="900"/>
+              <a:defRPr sz="1000"/>
             </a:lvl5pPr>
             <a:lvl6pPr marL="2286000" indent="0">
               <a:buNone/>
-              <a:defRPr sz="900"/>
+              <a:defRPr sz="1000"/>
             </a:lvl6pPr>
             <a:lvl7pPr marL="2743200" indent="0">
               <a:buNone/>
-              <a:defRPr sz="900"/>
+              <a:defRPr sz="1000"/>
             </a:lvl7pPr>
             <a:lvl8pPr marL="3200400" indent="0">
               <a:buNone/>
-              <a:defRPr sz="900"/>
+              <a:defRPr sz="1000"/>
             </a:lvl8pPr>
             <a:lvl9pPr marL="3657600" indent="0">
               <a:buNone/>
-              <a:defRPr sz="900"/>
+              <a:defRPr sz="1000"/>
             </a:lvl9pPr>
           </a:lstStyle>
           <a:p>
@@ -2585,59 +2578,67 @@
       </p:sp>
       <p:sp>
         <p:nvSpPr>
-          <p:cNvPr id="5" name="Date Placeholder 4"/>
+          <p:cNvPr id="8" name="Date Placeholder 7"/>
           <p:cNvSpPr>
             <a:spLocks noGrp="1"/>
           </p:cNvSpPr>
           <p:nvPr>
             <p:ph type="dt" sz="half" idx="10"/>
+          </p:nvPr>
+        </p:nvSpPr>
+        <p:spPr/>
+        <p:txBody>
+          <a:bodyPr/>
+          <a:lstStyle>
+            <a:lvl1pPr>
+              <a:defRPr>
+                <a:solidFill>
+                  <a:srgbClr val="FFFFFF"/>
+                </a:solidFill>
+                <a:effectLst>
+                  <a:outerShdw blurRad="50800" dist="38100" dir="2700000" algn="tl" rotWithShape="0">
+                    <a:prstClr val="black">
+                      <a:alpha val="43000"/>
+                    </a:prstClr>
+                  </a:outerShdw>
+                </a:effectLst>
+              </a:defRPr>
+            </a:lvl1pPr>
+          </a:lstStyle>
+          <a:p>
+            <a:fld id="{7DB480C7-94FC-43D8-A75C-F8A3F0E1F988}" type="datetimeFigureOut">
+              <a:rPr lang="en-US" smtClean="0"/>
+              <a:t>10/25/24</a:t>
+            </a:fld>
+            <a:endParaRPr lang="en-US"/>
+          </a:p>
+        </p:txBody>
+      </p:sp>
+      <p:sp>
+        <p:nvSpPr>
+          <p:cNvPr id="9" name="Footer Placeholder 8"/>
+          <p:cNvSpPr>
+            <a:spLocks noGrp="1"/>
+          </p:cNvSpPr>
+          <p:nvPr>
+            <p:ph type="ftr" sz="quarter" idx="11"/>
           </p:nvPr>
         </p:nvSpPr>
         <p:spPr>
           <a:xfrm>
-            <a:off x="465512" y="6459785"/>
-            <a:ext cx="2618510" cy="365125"/>
+            <a:off x="804672" y="6236208"/>
+            <a:ext cx="5124797" cy="320040"/>
           </a:xfrm>
         </p:spPr>
         <p:txBody>
           <a:bodyPr/>
           <a:lstStyle>
-            <a:lvl1pPr algn="l">
-              <a:defRPr/>
-            </a:lvl1pPr>
-          </a:lstStyle>
-          <a:p>
-            <a:fld id="{7DB480C7-94FC-43D8-A75C-F8A3F0E1F988}" type="datetimeFigureOut">
-              <a:rPr lang="en-US" smtClean="0"/>
-              <a:t>10/21/2024</a:t>
-            </a:fld>
-            <a:endParaRPr lang="en-US"/>
-          </a:p>
-        </p:txBody>
-      </p:sp>
-      <p:sp>
-        <p:nvSpPr>
-          <p:cNvPr id="6" name="Footer Placeholder 5"/>
-          <p:cNvSpPr>
-            <a:spLocks noGrp="1"/>
-          </p:cNvSpPr>
-          <p:nvPr>
-            <p:ph type="ftr" sz="quarter" idx="11"/>
-          </p:nvPr>
-        </p:nvSpPr>
-        <p:spPr>
-          <a:xfrm>
-            <a:off x="4800600" y="6459785"/>
-            <a:ext cx="4648200" cy="365125"/>
-          </a:xfrm>
-        </p:spPr>
-        <p:txBody>
-          <a:bodyPr/>
-          <a:lstStyle>
-            <a:lvl1pPr algn="l">
+            <a:lvl1pPr>
               <a:defRPr>
                 <a:solidFill>
-                  <a:schemeClr val="tx2"/>
+                  <a:srgbClr val="FFFFFF">
+                    <a:alpha val="70000"/>
+                  </a:srgbClr>
                 </a:solidFill>
               </a:defRPr>
             </a:lvl1pPr>
@@ -2649,7 +2650,7 @@
       </p:sp>
       <p:sp>
         <p:nvSpPr>
-          <p:cNvPr id="7" name="Slide Number Placeholder 6"/>
+          <p:cNvPr id="10" name="Slide Number Placeholder 9"/>
           <p:cNvSpPr>
             <a:spLocks noGrp="1"/>
           </p:cNvSpPr>
@@ -2660,15 +2661,7 @@
         <p:spPr/>
         <p:txBody>
           <a:bodyPr/>
-          <a:lstStyle>
-            <a:lvl1pPr>
-              <a:defRPr>
-                <a:solidFill>
-                  <a:schemeClr val="tx2"/>
-                </a:solidFill>
-              </a:defRPr>
-            </a:lvl1pPr>
-          </a:lstStyle>
+          <a:lstStyle/>
           <a:p>
             <a:fld id="{74CF12DA-4FDA-401C-9131-CB504A06A978}" type="slidenum">
               <a:rPr lang="en-US" smtClean="0"/>
@@ -2681,365 +2674,7 @@
     </p:spTree>
     <p:extLst>
       <p:ext uri="{BB962C8B-B14F-4D97-AF65-F5344CB8AC3E}">
-        <p14:creationId xmlns:p14="http://schemas.microsoft.com/office/powerpoint/2010/main" val="606119225"/>
-      </p:ext>
-    </p:extLst>
-  </p:cSld>
-  <p:clrMapOvr>
-    <a:masterClrMapping/>
-  </p:clrMapOvr>
-</p:sldLayout>
-</file>
-
-<file path=ppt/slideLayouts/slideLayout9.xml><?xml version="1.0" encoding="utf-8"?>
-<p:sldLayout xmlns:a="http://schemas.openxmlformats.org/drawingml/2006/main" xmlns:r="http://schemas.openxmlformats.org/officeDocument/2006/relationships" xmlns:p="http://schemas.openxmlformats.org/presentationml/2006/main" showMasterSp="0" type="picTx" preserve="1">
-  <p:cSld name="Picture with Caption">
-    <p:spTree>
-      <p:nvGrpSpPr>
-        <p:cNvPr id="1" name=""/>
-        <p:cNvGrpSpPr/>
-        <p:nvPr/>
-      </p:nvGrpSpPr>
-      <p:grpSpPr>
-        <a:xfrm>
-          <a:off x="0" y="0"/>
-          <a:ext cx="0" cy="0"/>
-          <a:chOff x="0" y="0"/>
-          <a:chExt cx="0" cy="0"/>
-        </a:xfrm>
-      </p:grpSpPr>
-      <p:sp>
-        <p:nvSpPr>
-          <p:cNvPr id="8" name="Rectangle 7"/>
-          <p:cNvSpPr/>
-          <p:nvPr/>
-        </p:nvSpPr>
-        <p:spPr>
-          <a:xfrm>
-            <a:off x="0" y="4953000"/>
-            <a:ext cx="12188825" cy="1905000"/>
-          </a:xfrm>
-          <a:prstGeom prst="rect">
-            <a:avLst/>
-          </a:prstGeom>
-          <a:solidFill>
-            <a:schemeClr val="accent4">
-              <a:lumMod val="75000"/>
-            </a:schemeClr>
-          </a:solidFill>
-          <a:ln>
-            <a:noFill/>
-          </a:ln>
-        </p:spPr>
-        <p:style>
-          <a:lnRef idx="2">
-            <a:schemeClr val="accent1">
-              <a:shade val="50000"/>
-            </a:schemeClr>
-          </a:lnRef>
-          <a:fillRef idx="1">
-            <a:schemeClr val="accent1"/>
-          </a:fillRef>
-          <a:effectRef idx="0">
-            <a:schemeClr val="accent1"/>
-          </a:effectRef>
-          <a:fontRef idx="minor">
-            <a:schemeClr val="lt1"/>
-          </a:fontRef>
-        </p:style>
-      </p:sp>
-      <p:sp>
-        <p:nvSpPr>
-          <p:cNvPr id="9" name="Rectangle 8"/>
-          <p:cNvSpPr/>
-          <p:nvPr/>
-        </p:nvSpPr>
-        <p:spPr>
-          <a:xfrm>
-            <a:off x="15" y="4915076"/>
-            <a:ext cx="12188825" cy="64008"/>
-          </a:xfrm>
-          <a:prstGeom prst="rect">
-            <a:avLst/>
-          </a:prstGeom>
-          <a:solidFill>
-            <a:schemeClr val="accent4"/>
-          </a:solidFill>
-          <a:ln>
-            <a:noFill/>
-          </a:ln>
-        </p:spPr>
-        <p:style>
-          <a:lnRef idx="2">
-            <a:schemeClr val="accent1">
-              <a:shade val="50000"/>
-            </a:schemeClr>
-          </a:lnRef>
-          <a:fillRef idx="1">
-            <a:schemeClr val="accent1"/>
-          </a:fillRef>
-          <a:effectRef idx="0">
-            <a:schemeClr val="accent1"/>
-          </a:effectRef>
-          <a:fontRef idx="minor">
-            <a:schemeClr val="lt1"/>
-          </a:fontRef>
-        </p:style>
-      </p:sp>
-      <p:sp>
-        <p:nvSpPr>
-          <p:cNvPr id="2" name="Title 1"/>
-          <p:cNvSpPr>
-            <a:spLocks noGrp="1"/>
-          </p:cNvSpPr>
-          <p:nvPr>
-            <p:ph type="title"/>
-          </p:nvPr>
-        </p:nvSpPr>
-        <p:spPr>
-          <a:xfrm>
-            <a:off x="1097280" y="5074920"/>
-            <a:ext cx="10113645" cy="822960"/>
-          </a:xfrm>
-        </p:spPr>
-        <p:txBody>
-          <a:bodyPr lIns="91440" tIns="0" rIns="91440" bIns="0" anchor="b">
-            <a:noAutofit/>
-          </a:bodyPr>
-          <a:lstStyle>
-            <a:lvl1pPr>
-              <a:defRPr sz="3600" b="0">
-                <a:solidFill>
-                  <a:srgbClr val="FFFFFF"/>
-                </a:solidFill>
-              </a:defRPr>
-            </a:lvl1pPr>
-          </a:lstStyle>
-          <a:p>
-            <a:r>
-              <a:rPr lang="en-US"/>
-              <a:t>Click to edit Master title style</a:t>
-            </a:r>
-            <a:endParaRPr lang="en-US" dirty="0"/>
-          </a:p>
-        </p:txBody>
-      </p:sp>
-      <p:sp>
-        <p:nvSpPr>
-          <p:cNvPr id="3" name="Picture Placeholder 2"/>
-          <p:cNvSpPr>
-            <a:spLocks noGrp="1" noChangeAspect="1"/>
-          </p:cNvSpPr>
-          <p:nvPr>
-            <p:ph type="pic" idx="1"/>
-          </p:nvPr>
-        </p:nvSpPr>
-        <p:spPr>
-          <a:xfrm>
-            <a:off x="15" y="0"/>
-            <a:ext cx="12191985" cy="4915076"/>
-          </a:xfrm>
-          <a:solidFill>
-            <a:schemeClr val="bg2">
-              <a:lumMod val="90000"/>
-            </a:schemeClr>
-          </a:solidFill>
-        </p:spPr>
-        <p:txBody>
-          <a:bodyPr lIns="457200" tIns="457200" anchor="t"/>
-          <a:lstStyle>
-            <a:lvl1pPr marL="0" indent="0">
-              <a:buNone/>
-              <a:defRPr sz="3200"/>
-            </a:lvl1pPr>
-            <a:lvl2pPr marL="457200" indent="0">
-              <a:buNone/>
-              <a:defRPr sz="2800"/>
-            </a:lvl2pPr>
-            <a:lvl3pPr marL="914400" indent="0">
-              <a:buNone/>
-              <a:defRPr sz="2400"/>
-            </a:lvl3pPr>
-            <a:lvl4pPr marL="1371600" indent="0">
-              <a:buNone/>
-              <a:defRPr sz="2000"/>
-            </a:lvl4pPr>
-            <a:lvl5pPr marL="1828800" indent="0">
-              <a:buNone/>
-              <a:defRPr sz="2000"/>
-            </a:lvl5pPr>
-            <a:lvl6pPr marL="2286000" indent="0">
-              <a:buNone/>
-              <a:defRPr sz="2000"/>
-            </a:lvl6pPr>
-            <a:lvl7pPr marL="2743200" indent="0">
-              <a:buNone/>
-              <a:defRPr sz="2000"/>
-            </a:lvl7pPr>
-            <a:lvl8pPr marL="3200400" indent="0">
-              <a:buNone/>
-              <a:defRPr sz="2000"/>
-            </a:lvl8pPr>
-            <a:lvl9pPr marL="3657600" indent="0">
-              <a:buNone/>
-              <a:defRPr sz="2000"/>
-            </a:lvl9pPr>
-          </a:lstStyle>
-          <a:p>
-            <a:r>
-              <a:rPr lang="en-US"/>
-              <a:t>Click icon to add picture</a:t>
-            </a:r>
-            <a:endParaRPr lang="en-US" dirty="0"/>
-          </a:p>
-        </p:txBody>
-      </p:sp>
-      <p:sp>
-        <p:nvSpPr>
-          <p:cNvPr id="4" name="Text Placeholder 3"/>
-          <p:cNvSpPr>
-            <a:spLocks noGrp="1"/>
-          </p:cNvSpPr>
-          <p:nvPr>
-            <p:ph type="body" sz="half" idx="2"/>
-          </p:nvPr>
-        </p:nvSpPr>
-        <p:spPr>
-          <a:xfrm>
-            <a:off x="1097280" y="5907024"/>
-            <a:ext cx="10113264" cy="594360"/>
-          </a:xfrm>
-        </p:spPr>
-        <p:txBody>
-          <a:bodyPr lIns="91440" tIns="0" rIns="91440" bIns="0">
-            <a:normAutofit/>
-          </a:bodyPr>
-          <a:lstStyle>
-            <a:lvl1pPr marL="0" indent="0">
-              <a:spcBef>
-                <a:spcPts val="0"/>
-              </a:spcBef>
-              <a:spcAft>
-                <a:spcPts val="600"/>
-              </a:spcAft>
-              <a:buNone/>
-              <a:defRPr sz="1500">
-                <a:solidFill>
-                  <a:srgbClr val="FFFFFF"/>
-                </a:solidFill>
-              </a:defRPr>
-            </a:lvl1pPr>
-            <a:lvl2pPr marL="457200" indent="0">
-              <a:buNone/>
-              <a:defRPr sz="1200"/>
-            </a:lvl2pPr>
-            <a:lvl3pPr marL="914400" indent="0">
-              <a:buNone/>
-              <a:defRPr sz="1000"/>
-            </a:lvl3pPr>
-            <a:lvl4pPr marL="1371600" indent="0">
-              <a:buNone/>
-              <a:defRPr sz="900"/>
-            </a:lvl4pPr>
-            <a:lvl5pPr marL="1828800" indent="0">
-              <a:buNone/>
-              <a:defRPr sz="900"/>
-            </a:lvl5pPr>
-            <a:lvl6pPr marL="2286000" indent="0">
-              <a:buNone/>
-              <a:defRPr sz="900"/>
-            </a:lvl6pPr>
-            <a:lvl7pPr marL="2743200" indent="0">
-              <a:buNone/>
-              <a:defRPr sz="900"/>
-            </a:lvl7pPr>
-            <a:lvl8pPr marL="3200400" indent="0">
-              <a:buNone/>
-              <a:defRPr sz="900"/>
-            </a:lvl8pPr>
-            <a:lvl9pPr marL="3657600" indent="0">
-              <a:buNone/>
-              <a:defRPr sz="900"/>
-            </a:lvl9pPr>
-          </a:lstStyle>
-          <a:p>
-            <a:pPr lvl="0"/>
-            <a:r>
-              <a:rPr lang="en-US"/>
-              <a:t>Click to edit Master text styles</a:t>
-            </a:r>
-          </a:p>
-        </p:txBody>
-      </p:sp>
-      <p:sp>
-        <p:nvSpPr>
-          <p:cNvPr id="5" name="Date Placeholder 4"/>
-          <p:cNvSpPr>
-            <a:spLocks noGrp="1"/>
-          </p:cNvSpPr>
-          <p:nvPr>
-            <p:ph type="dt" sz="half" idx="10"/>
-          </p:nvPr>
-        </p:nvSpPr>
-        <p:spPr/>
-        <p:txBody>
-          <a:bodyPr/>
-          <a:lstStyle/>
-          <a:p>
-            <a:fld id="{7DB480C7-94FC-43D8-A75C-F8A3F0E1F988}" type="datetimeFigureOut">
-              <a:rPr lang="en-US" smtClean="0"/>
-              <a:t>10/21/2024</a:t>
-            </a:fld>
-            <a:endParaRPr lang="en-US"/>
-          </a:p>
-        </p:txBody>
-      </p:sp>
-      <p:sp>
-        <p:nvSpPr>
-          <p:cNvPr id="6" name="Footer Placeholder 5"/>
-          <p:cNvSpPr>
-            <a:spLocks noGrp="1"/>
-          </p:cNvSpPr>
-          <p:nvPr>
-            <p:ph type="ftr" sz="quarter" idx="11"/>
-          </p:nvPr>
-        </p:nvSpPr>
-        <p:spPr/>
-        <p:txBody>
-          <a:bodyPr/>
-          <a:lstStyle/>
-          <a:p>
-            <a:endParaRPr lang="en-US"/>
-          </a:p>
-        </p:txBody>
-      </p:sp>
-      <p:sp>
-        <p:nvSpPr>
-          <p:cNvPr id="7" name="Slide Number Placeholder 6"/>
-          <p:cNvSpPr>
-            <a:spLocks noGrp="1"/>
-          </p:cNvSpPr>
-          <p:nvPr>
-            <p:ph type="sldNum" sz="quarter" idx="12"/>
-          </p:nvPr>
-        </p:nvSpPr>
-        <p:spPr/>
-        <p:txBody>
-          <a:bodyPr/>
-          <a:lstStyle/>
-          <a:p>
-            <a:fld id="{74CF12DA-4FDA-401C-9131-CB504A06A978}" type="slidenum">
-              <a:rPr lang="en-US" smtClean="0"/>
-              <a:t>‹#›</a:t>
-            </a:fld>
-            <a:endParaRPr lang="en-US"/>
-          </a:p>
-        </p:txBody>
-      </p:sp>
-    </p:spTree>
-    <p:extLst>
-      <p:ext uri="{BB962C8B-B14F-4D97-AF65-F5344CB8AC3E}">
-        <p14:creationId xmlns:p14="http://schemas.microsoft.com/office/powerpoint/2010/main" val="411208970"/>
+        <p14:creationId xmlns:p14="http://schemas.microsoft.com/office/powerpoint/2010/main" val="1172155988"/>
       </p:ext>
     </p:extLst>
   </p:cSld>
@@ -3053,9 +2688,14 @@
 <p:sldMaster xmlns:a="http://schemas.openxmlformats.org/drawingml/2006/main" xmlns:r="http://schemas.openxmlformats.org/officeDocument/2006/relationships" xmlns:p="http://schemas.openxmlformats.org/presentationml/2006/main">
   <p:cSld>
     <p:bg>
-      <p:bgRef idx="1001">
-        <a:schemeClr val="bg2"/>
-      </p:bgRef>
+      <p:bgPr>
+        <a:solidFill>
+          <a:schemeClr val="bg1">
+            <a:lumMod val="95000"/>
+          </a:schemeClr>
+        </a:solidFill>
+        <a:effectLst/>
+      </p:bgPr>
     </p:bg>
     <p:spTree>
       <p:nvGrpSpPr>
@@ -3073,110 +2713,103 @@
       </p:grpSpPr>
       <p:sp>
         <p:nvSpPr>
-          <p:cNvPr id="7" name="Rectangle 6"/>
-          <p:cNvSpPr/>
-          <p:nvPr/>
-        </p:nvSpPr>
-        <p:spPr>
+          <p:cNvPr id="2" name="Title Placeholder 1"/>
+          <p:cNvSpPr>
+            <a:spLocks noGrp="1"/>
+          </p:cNvSpPr>
+          <p:nvPr>
+            <p:ph type="title"/>
+          </p:nvPr>
+        </p:nvSpPr>
+        <p:spPr bwMode="black">
           <a:xfrm>
-            <a:off x="1" y="6400800"/>
-            <a:ext cx="12192000" cy="457200"/>
+            <a:off x="2231136" y="964692"/>
+            <a:ext cx="7729728" cy="1188720"/>
           </a:xfrm>
           <a:prstGeom prst="rect">
             <a:avLst/>
           </a:prstGeom>
           <a:solidFill>
-            <a:schemeClr val="accent4">
-              <a:lumMod val="75000"/>
-            </a:schemeClr>
+            <a:srgbClr val="FFFFFF"/>
           </a:solidFill>
-          <a:ln>
-            <a:noFill/>
+          <a:ln w="31750" cap="sq">
+            <a:solidFill>
+              <a:srgbClr val="404040"/>
+            </a:solidFill>
+            <a:miter lim="800000"/>
           </a:ln>
         </p:spPr>
-        <p:style>
-          <a:lnRef idx="2">
-            <a:schemeClr val="accent1">
-              <a:shade val="50000"/>
-            </a:schemeClr>
-          </a:lnRef>
-          <a:fillRef idx="1">
-            <a:schemeClr val="accent1"/>
-          </a:fillRef>
-          <a:effectRef idx="0">
-            <a:schemeClr val="accent1"/>
-          </a:effectRef>
-          <a:fontRef idx="minor">
-            <a:schemeClr val="lt1"/>
-          </a:fontRef>
-        </p:style>
-      </p:sp>
-      <p:sp>
-        <p:nvSpPr>
-          <p:cNvPr id="9" name="Rectangle 8"/>
-          <p:cNvSpPr/>
-          <p:nvPr/>
+        <p:txBody>
+          <a:bodyPr vert="horz" lIns="182880" tIns="182880" rIns="182880" bIns="182880" rtlCol="0" anchor="ctr">
+            <a:normAutofit/>
+          </a:bodyPr>
+          <a:lstStyle/>
+          <a:p>
+            <a:r>
+              <a:rPr lang="en-US"/>
+              <a:t>Click to edit Master title style</a:t>
+            </a:r>
+            <a:endParaRPr lang="en-US" dirty="0"/>
+          </a:p>
+        </p:txBody>
+      </p:sp>
+      <p:sp>
+        <p:nvSpPr>
+          <p:cNvPr id="3" name="Text Placeholder 2"/>
+          <p:cNvSpPr>
+            <a:spLocks noGrp="1"/>
+          </p:cNvSpPr>
+          <p:nvPr>
+            <p:ph type="body" idx="1"/>
+          </p:nvPr>
         </p:nvSpPr>
         <p:spPr>
           <a:xfrm>
-            <a:off x="15" y="6334316"/>
-            <a:ext cx="12191985" cy="66484"/>
-          </a:xfrm>
-          <a:prstGeom prst="rect">
-            <a:avLst/>
-          </a:prstGeom>
-          <a:solidFill>
-            <a:schemeClr val="accent4"/>
-          </a:solidFill>
-          <a:ln>
-            <a:noFill/>
-          </a:ln>
-        </p:spPr>
-        <p:style>
-          <a:lnRef idx="2">
-            <a:schemeClr val="accent1">
-              <a:shade val="50000"/>
-            </a:schemeClr>
-          </a:lnRef>
-          <a:fillRef idx="1">
-            <a:schemeClr val="accent1"/>
-          </a:fillRef>
-          <a:effectRef idx="0">
-            <a:schemeClr val="accent1"/>
-          </a:effectRef>
-          <a:fontRef idx="minor">
-            <a:schemeClr val="lt1"/>
-          </a:fontRef>
-        </p:style>
-      </p:sp>
-      <p:sp>
-        <p:nvSpPr>
-          <p:cNvPr id="2" name="Title Placeholder 1"/>
-          <p:cNvSpPr>
-            <a:spLocks noGrp="1"/>
-          </p:cNvSpPr>
-          <p:nvPr>
-            <p:ph type="title"/>
-          </p:nvPr>
-        </p:nvSpPr>
-        <p:spPr>
-          <a:xfrm>
-            <a:off x="1097280" y="286603"/>
-            <a:ext cx="10058400" cy="1450757"/>
+            <a:off x="2231136" y="2638044"/>
+            <a:ext cx="7729728" cy="3101983"/>
           </a:xfrm>
           <a:prstGeom prst="rect">
             <a:avLst/>
           </a:prstGeom>
         </p:spPr>
         <p:txBody>
-          <a:bodyPr vert="horz" lIns="91440" tIns="45720" rIns="91440" bIns="45720" rtlCol="0" anchor="b">
+          <a:bodyPr vert="horz" lIns="91440" tIns="45720" rIns="91440" bIns="45720" rtlCol="0">
             <a:normAutofit/>
           </a:bodyPr>
           <a:lstStyle/>
           <a:p>
-            <a:r>
-              <a:rPr lang="en-US"/>
-              <a:t>Click to edit Master title style</a:t>
+            <a:pPr lvl="0"/>
+            <a:r>
+              <a:rPr lang="en-US"/>
+              <a:t>Click to edit Master text styles</a:t>
+            </a:r>
+          </a:p>
+          <a:p>
+            <a:pPr lvl="1"/>
+            <a:r>
+              <a:rPr lang="en-US"/>
+              <a:t>Second level</a:t>
+            </a:r>
+          </a:p>
+          <a:p>
+            <a:pPr lvl="2"/>
+            <a:r>
+              <a:rPr lang="en-US"/>
+              <a:t>Third level</a:t>
+            </a:r>
+          </a:p>
+          <a:p>
+            <a:pPr lvl="3"/>
+            <a:r>
+              <a:rPr lang="en-US"/>
+              <a:t>Fourth level</a:t>
+            </a:r>
+          </a:p>
+          <a:p>
+            <a:pPr lvl="4"/>
+            <a:r>
+              <a:rPr lang="en-US"/>
+              <a:t>Fifth level</a:t>
             </a:r>
             <a:endParaRPr lang="en-US" dirty="0"/>
           </a:p>
@@ -3184,80 +2817,59 @@
       </p:sp>
       <p:sp>
         <p:nvSpPr>
-          <p:cNvPr id="3" name="Text Placeholder 2"/>
-          <p:cNvSpPr>
-            <a:spLocks noGrp="1"/>
-          </p:cNvSpPr>
-          <p:nvPr>
-            <p:ph type="body" idx="1"/>
+          <p:cNvPr id="4" name="Date Placeholder 3"/>
+          <p:cNvSpPr>
+            <a:spLocks noGrp="1"/>
+          </p:cNvSpPr>
+          <p:nvPr>
+            <p:ph type="dt" sz="half" idx="2"/>
           </p:nvPr>
         </p:nvSpPr>
         <p:spPr>
           <a:xfrm>
-            <a:off x="1097280" y="1845734"/>
-            <a:ext cx="10058400" cy="4023360"/>
+            <a:off x="7821429" y="6238816"/>
+            <a:ext cx="2753746" cy="323968"/>
           </a:xfrm>
           <a:prstGeom prst="rect">
             <a:avLst/>
           </a:prstGeom>
         </p:spPr>
         <p:txBody>
-          <a:bodyPr vert="horz" lIns="0" tIns="45720" rIns="0" bIns="45720" rtlCol="0">
-            <a:normAutofit/>
-          </a:bodyPr>
-          <a:lstStyle/>
-          <a:p>
-            <a:pPr lvl="0"/>
-            <a:r>
-              <a:rPr lang="en-US"/>
-              <a:t>Click to edit Master text styles</a:t>
-            </a:r>
-          </a:p>
-          <a:p>
-            <a:pPr lvl="1"/>
-            <a:r>
-              <a:rPr lang="en-US"/>
-              <a:t>Second level</a:t>
-            </a:r>
-          </a:p>
-          <a:p>
-            <a:pPr lvl="2"/>
-            <a:r>
-              <a:rPr lang="en-US"/>
-              <a:t>Third level</a:t>
-            </a:r>
-          </a:p>
-          <a:p>
-            <a:pPr lvl="3"/>
-            <a:r>
-              <a:rPr lang="en-US"/>
-              <a:t>Fourth level</a:t>
-            </a:r>
-          </a:p>
-          <a:p>
-            <a:pPr lvl="4"/>
-            <a:r>
-              <a:rPr lang="en-US"/>
-              <a:t>Fifth level</a:t>
-            </a:r>
-            <a:endParaRPr lang="en-US" dirty="0"/>
-          </a:p>
-        </p:txBody>
-      </p:sp>
-      <p:sp>
-        <p:nvSpPr>
-          <p:cNvPr id="4" name="Date Placeholder 3"/>
-          <p:cNvSpPr>
-            <a:spLocks noGrp="1"/>
-          </p:cNvSpPr>
-          <p:nvPr>
-            <p:ph type="dt" sz="half" idx="2"/>
+          <a:bodyPr vert="horz" lIns="91440" tIns="45720" rIns="91440" bIns="45720" rtlCol="0" anchor="ctr"/>
+          <a:lstStyle>
+            <a:lvl1pPr algn="r">
+              <a:defRPr sz="1050">
+                <a:solidFill>
+                  <a:schemeClr val="tx1">
+                    <a:alpha val="70000"/>
+                  </a:schemeClr>
+                </a:solidFill>
+              </a:defRPr>
+            </a:lvl1pPr>
+          </a:lstStyle>
+          <a:p>
+            <a:fld id="{7DB480C7-94FC-43D8-A75C-F8A3F0E1F988}" type="datetimeFigureOut">
+              <a:rPr lang="en-US" smtClean="0"/>
+              <a:t>10/25/24</a:t>
+            </a:fld>
+            <a:endParaRPr lang="en-US"/>
+          </a:p>
+        </p:txBody>
+      </p:sp>
+      <p:sp>
+        <p:nvSpPr>
+          <p:cNvPr id="5" name="Footer Placeholder 4"/>
+          <p:cNvSpPr>
+            <a:spLocks noGrp="1"/>
+          </p:cNvSpPr>
+          <p:nvPr>
+            <p:ph type="ftr" sz="quarter" idx="3"/>
           </p:nvPr>
         </p:nvSpPr>
         <p:spPr>
           <a:xfrm>
-            <a:off x="1097280" y="6459785"/>
-            <a:ext cx="2472271" cy="365125"/>
+            <a:off x="1600200" y="6236208"/>
+            <a:ext cx="5901189" cy="320040"/>
           </a:xfrm>
           <a:prstGeom prst="rect">
             <a:avLst/>
@@ -3267,7 +2879,51 @@
           <a:bodyPr vert="horz" lIns="91440" tIns="45720" rIns="91440" bIns="45720" rtlCol="0" anchor="ctr"/>
           <a:lstStyle>
             <a:lvl1pPr algn="l">
-              <a:defRPr sz="900">
+              <a:defRPr sz="1050">
+                <a:solidFill>
+                  <a:schemeClr val="tx1">
+                    <a:alpha val="70000"/>
+                  </a:schemeClr>
+                </a:solidFill>
+              </a:defRPr>
+            </a:lvl1pPr>
+          </a:lstStyle>
+          <a:p>
+            <a:endParaRPr lang="en-US"/>
+          </a:p>
+        </p:txBody>
+      </p:sp>
+      <p:sp>
+        <p:nvSpPr>
+          <p:cNvPr id="6" name="Slide Number Placeholder 5"/>
+          <p:cNvSpPr>
+            <a:spLocks noGrp="1"/>
+          </p:cNvSpPr>
+          <p:nvPr>
+            <p:ph type="sldNum" sz="quarter" idx="4"/>
+          </p:nvPr>
+        </p:nvSpPr>
+        <p:spPr>
+          <a:xfrm>
+            <a:off x="10758922" y="6217920"/>
+            <a:ext cx="365760" cy="365760"/>
+          </a:xfrm>
+          <a:prstGeom prst="ellipse">
+            <a:avLst/>
+          </a:prstGeom>
+          <a:solidFill>
+            <a:srgbClr val="1D1D1D">
+              <a:alpha val="70000"/>
+            </a:srgbClr>
+          </a:solidFill>
+        </p:spPr>
+        <p:txBody>
+          <a:bodyPr vert="horz" lIns="18288" tIns="45720" rIns="18288" bIns="45720" rtlCol="0" anchor="ctr">
+            <a:noAutofit/>
+          </a:bodyPr>
+          <a:lstStyle>
+            <a:lvl1pPr algn="ctr">
+              <a:defRPr sz="1100" spc="0" baseline="0">
                 <a:solidFill>
                   <a:srgbClr val="FFFFFF"/>
                 </a:solidFill>
@@ -3275,80 +2931,6 @@
             </a:lvl1pPr>
           </a:lstStyle>
           <a:p>
-            <a:fld id="{7DB480C7-94FC-43D8-A75C-F8A3F0E1F988}" type="datetimeFigureOut">
-              <a:rPr lang="en-US" smtClean="0"/>
-              <a:t>10/21/2024</a:t>
-            </a:fld>
-            <a:endParaRPr lang="en-US"/>
-          </a:p>
-        </p:txBody>
-      </p:sp>
-      <p:sp>
-        <p:nvSpPr>
-          <p:cNvPr id="5" name="Footer Placeholder 4"/>
-          <p:cNvSpPr>
-            <a:spLocks noGrp="1"/>
-          </p:cNvSpPr>
-          <p:nvPr>
-            <p:ph type="ftr" sz="quarter" idx="3"/>
-          </p:nvPr>
-        </p:nvSpPr>
-        <p:spPr>
-          <a:xfrm>
-            <a:off x="3686185" y="6459785"/>
-            <a:ext cx="4822804" cy="365125"/>
-          </a:xfrm>
-          <a:prstGeom prst="rect">
-            <a:avLst/>
-          </a:prstGeom>
-        </p:spPr>
-        <p:txBody>
-          <a:bodyPr vert="horz" lIns="91440" tIns="45720" rIns="91440" bIns="45720" rtlCol="0" anchor="ctr"/>
-          <a:lstStyle>
-            <a:lvl1pPr algn="ctr">
-              <a:defRPr sz="900" cap="all" baseline="0">
-                <a:solidFill>
-                  <a:srgbClr val="FFFFFF"/>
-                </a:solidFill>
-              </a:defRPr>
-            </a:lvl1pPr>
-          </a:lstStyle>
-          <a:p>
-            <a:endParaRPr lang="en-US"/>
-          </a:p>
-        </p:txBody>
-      </p:sp>
-      <p:sp>
-        <p:nvSpPr>
-          <p:cNvPr id="6" name="Slide Number Placeholder 5"/>
-          <p:cNvSpPr>
-            <a:spLocks noGrp="1"/>
-          </p:cNvSpPr>
-          <p:nvPr>
-            <p:ph type="sldNum" sz="quarter" idx="4"/>
-          </p:nvPr>
-        </p:nvSpPr>
-        <p:spPr>
-          <a:xfrm>
-            <a:off x="9900458" y="6459785"/>
-            <a:ext cx="1312025" cy="365125"/>
-          </a:xfrm>
-          <a:prstGeom prst="rect">
-            <a:avLst/>
-          </a:prstGeom>
-        </p:spPr>
-        <p:txBody>
-          <a:bodyPr vert="horz" lIns="91440" tIns="45720" rIns="91440" bIns="45720" rtlCol="0" anchor="ctr"/>
-          <a:lstStyle>
-            <a:lvl1pPr algn="r">
-              <a:defRPr sz="1050">
-                <a:solidFill>
-                  <a:srgbClr val="FFFFFF"/>
-                </a:solidFill>
-              </a:defRPr>
-            </a:lvl1pPr>
-          </a:lstStyle>
-          <a:p>
             <a:fld id="{74CF12DA-4FDA-401C-9131-CB504A06A978}" type="slidenum">
               <a:rPr lang="en-US" smtClean="0"/>
               <a:t>‹#›</a:t>
@@ -3357,81 +2939,40 @@
           </a:p>
         </p:txBody>
       </p:sp>
-      <p:cxnSp>
-        <p:nvCxnSpPr>
-          <p:cNvPr id="10" name="Straight Connector 9"/>
-          <p:cNvCxnSpPr/>
-          <p:nvPr/>
-        </p:nvCxnSpPr>
-        <p:spPr>
-          <a:xfrm>
-            <a:off x="1193532" y="1737845"/>
-            <a:ext cx="9966960" cy="0"/>
-          </a:xfrm>
-          <a:prstGeom prst="line">
-            <a:avLst/>
-          </a:prstGeom>
-          <a:ln w="6350">
-            <a:solidFill>
-              <a:schemeClr val="tx1">
-                <a:lumMod val="50000"/>
-                <a:lumOff val="50000"/>
-              </a:schemeClr>
-            </a:solidFill>
-          </a:ln>
-        </p:spPr>
-        <p:style>
-          <a:lnRef idx="1">
-            <a:schemeClr val="accent1"/>
-          </a:lnRef>
-          <a:fillRef idx="0">
-            <a:schemeClr val="accent1"/>
-          </a:fillRef>
-          <a:effectRef idx="0">
-            <a:schemeClr val="accent1"/>
-          </a:effectRef>
-          <a:fontRef idx="minor">
-            <a:schemeClr val="tx1"/>
-          </a:fontRef>
-        </p:style>
-      </p:cxnSp>
     </p:spTree>
     <p:extLst>
       <p:ext uri="{BB962C8B-B14F-4D97-AF65-F5344CB8AC3E}">
-        <p14:creationId xmlns:p14="http://schemas.microsoft.com/office/powerpoint/2010/main" val="1606235075"/>
+        <p14:creationId xmlns:p14="http://schemas.microsoft.com/office/powerpoint/2010/main" val="1959152702"/>
       </p:ext>
     </p:extLst>
   </p:cSld>
   <p:clrMap bg1="lt1" tx1="dk1" bg2="lt2" tx2="dk2" accent1="accent1" accent2="accent2" accent3="accent3" accent4="accent4" accent5="accent5" accent6="accent6" hlink="hlink" folHlink="folHlink"/>
   <p:sldLayoutIdLst>
-    <p:sldLayoutId id="2147483673" r:id="rId1"/>
-    <p:sldLayoutId id="2147483674" r:id="rId2"/>
-    <p:sldLayoutId id="2147483675" r:id="rId3"/>
-    <p:sldLayoutId id="2147483676" r:id="rId4"/>
-    <p:sldLayoutId id="2147483677" r:id="rId5"/>
-    <p:sldLayoutId id="2147483678" r:id="rId6"/>
-    <p:sldLayoutId id="2147483679" r:id="rId7"/>
-    <p:sldLayoutId id="2147483680" r:id="rId8"/>
-    <p:sldLayoutId id="2147483681" r:id="rId9"/>
-    <p:sldLayoutId id="2147483682" r:id="rId10"/>
-    <p:sldLayoutId id="2147483683" r:id="rId11"/>
+    <p:sldLayoutId id="2147483685" r:id="rId1"/>
+    <p:sldLayoutId id="2147483686" r:id="rId2"/>
+    <p:sldLayoutId id="2147483687" r:id="rId3"/>
+    <p:sldLayoutId id="2147483688" r:id="rId4"/>
+    <p:sldLayoutId id="2147483689" r:id="rId5"/>
+    <p:sldLayoutId id="2147483690" r:id="rId6"/>
+    <p:sldLayoutId id="2147483691" r:id="rId7"/>
+    <p:sldLayoutId id="2147483692" r:id="rId8"/>
+    <p:sldLayoutId id="2147483693" r:id="rId9"/>
+    <p:sldLayoutId id="2147483694" r:id="rId10"/>
+    <p:sldLayoutId id="2147483695" r:id="rId11"/>
   </p:sldLayoutIdLst>
   <p:txStyles>
     <p:titleStyle>
-      <a:lvl1pPr algn="l" defTabSz="914400" rtl="0" eaLnBrk="1" latinLnBrk="0" hangingPunct="1">
+      <a:lvl1pPr algn="ctr" defTabSz="914400" rtl="0" eaLnBrk="1" latinLnBrk="0" hangingPunct="1">
         <a:lnSpc>
-          <a:spcPct val="85000"/>
+          <a:spcPct val="90000"/>
         </a:lnSpc>
         <a:spcBef>
           <a:spcPct val="0"/>
         </a:spcBef>
         <a:buNone/>
-        <a:defRPr sz="4800" kern="1200" spc="-50" baseline="0">
+        <a:defRPr sz="2800" kern="1200" cap="all" spc="200" baseline="0">
           <a:solidFill>
-            <a:schemeClr val="tx1">
-              <a:lumMod val="75000"/>
-              <a:lumOff val="25000"/>
-            </a:schemeClr>
+            <a:srgbClr val="262626"/>
           </a:solidFill>
           <a:latin typeface="+mj-lt"/>
           <a:ea typeface="+mj-ea"/>
@@ -3440,27 +2981,23 @@
       </a:lvl1pPr>
     </p:titleStyle>
     <p:bodyStyle>
-      <a:lvl1pPr marL="91440" indent="-91440" algn="l" defTabSz="914400" rtl="0" eaLnBrk="1" latinLnBrk="0" hangingPunct="1">
+      <a:lvl1pPr marL="228600" indent="-228600" algn="l" defTabSz="914400" rtl="0" eaLnBrk="1" latinLnBrk="0" hangingPunct="1">
         <a:lnSpc>
-          <a:spcPct val="90000"/>
+          <a:spcPct val="100000"/>
         </a:lnSpc>
         <a:spcBef>
-          <a:spcPts val="1200"/>
+          <a:spcPts val="1000"/>
         </a:spcBef>
-        <a:spcAft>
-          <a:spcPts val="200"/>
-        </a:spcAft>
         <a:buClr>
-          <a:schemeClr val="accent1"/>
+          <a:schemeClr val="accent2"/>
         </a:buClr>
-        <a:buSzPct val="100000"/>
-        <a:buFont typeface="Calibri" panose="020F0502020204030204" pitchFamily="34" charset="0"/>
-        <a:buChar char=" "/>
-        <a:defRPr sz="2000" kern="1200">
+        <a:buFont typeface="Arial" panose="020B0604020202020204" pitchFamily="34" charset="0"/>
+        <a:buChar char="•"/>
+        <a:defRPr sz="1800" kern="1200">
           <a:solidFill>
             <a:schemeClr val="tx1">
-              <a:lumMod val="75000"/>
-              <a:lumOff val="25000"/>
+              <a:lumMod val="85000"/>
+              <a:lumOff val="15000"/>
             </a:schemeClr>
           </a:solidFill>
           <a:latin typeface="+mn-lt"/>
@@ -3468,26 +3005,23 @@
           <a:cs typeface="+mn-cs"/>
         </a:defRPr>
       </a:lvl1pPr>
-      <a:lvl2pPr marL="384048" indent="-182880" algn="l" defTabSz="914400" rtl="0" eaLnBrk="1" latinLnBrk="0" hangingPunct="1">
+      <a:lvl2pPr marL="457200" indent="-228600" algn="l" defTabSz="914400" rtl="0" eaLnBrk="1" latinLnBrk="0" hangingPunct="1">
         <a:lnSpc>
-          <a:spcPct val="90000"/>
+          <a:spcPct val="100000"/>
         </a:lnSpc>
         <a:spcBef>
-          <a:spcPts val="200"/>
+          <a:spcPts val="1000"/>
         </a:spcBef>
-        <a:spcAft>
-          <a:spcPts val="400"/>
-        </a:spcAft>
         <a:buClr>
-          <a:schemeClr val="accent1"/>
+          <a:schemeClr val="accent2"/>
         </a:buClr>
-        <a:buFont typeface="Calibri" pitchFamily="34" charset="0"/>
-        <a:buChar char="◦"/>
-        <a:defRPr sz="1800" kern="1200">
+        <a:buFont typeface="Arial" panose="020B0604020202020204" pitchFamily="34" charset="0"/>
+        <a:buChar char="•"/>
+        <a:defRPr sz="1600" kern="1200">
           <a:solidFill>
             <a:schemeClr val="tx1">
-              <a:lumMod val="75000"/>
-              <a:lumOff val="25000"/>
+              <a:lumMod val="85000"/>
+              <a:lumOff val="15000"/>
             </a:schemeClr>
           </a:solidFill>
           <a:latin typeface="+mn-lt"/>
@@ -3495,26 +3029,23 @@
           <a:cs typeface="+mn-cs"/>
         </a:defRPr>
       </a:lvl2pPr>
-      <a:lvl3pPr marL="566928" indent="-182880" algn="l" defTabSz="914400" rtl="0" eaLnBrk="1" latinLnBrk="0" hangingPunct="1">
+      <a:lvl3pPr marL="685800" indent="-228600" algn="l" defTabSz="914400" rtl="0" eaLnBrk="1" latinLnBrk="0" hangingPunct="1">
         <a:lnSpc>
-          <a:spcPct val="90000"/>
+          <a:spcPct val="100000"/>
         </a:lnSpc>
         <a:spcBef>
-          <a:spcPts val="200"/>
+          <a:spcPts val="1000"/>
         </a:spcBef>
-        <a:spcAft>
-          <a:spcPts val="400"/>
-        </a:spcAft>
         <a:buClr>
-          <a:schemeClr val="accent1"/>
+          <a:schemeClr val="accent2"/>
         </a:buClr>
-        <a:buFont typeface="Calibri" pitchFamily="34" charset="0"/>
-        <a:buChar char="◦"/>
-        <a:defRPr sz="1400" kern="1200">
+        <a:buFont typeface="Arial" panose="020B0604020202020204" pitchFamily="34" charset="0"/>
+        <a:buChar char="•"/>
+        <a:defRPr sz="1600" kern="1200">
           <a:solidFill>
             <a:schemeClr val="tx1">
-              <a:lumMod val="75000"/>
-              <a:lumOff val="25000"/>
+              <a:lumMod val="85000"/>
+              <a:lumOff val="15000"/>
             </a:schemeClr>
           </a:solidFill>
           <a:latin typeface="+mn-lt"/>
@@ -3522,26 +3053,23 @@
           <a:cs typeface="+mn-cs"/>
         </a:defRPr>
       </a:lvl3pPr>
-      <a:lvl4pPr marL="749808" indent="-182880" algn="l" defTabSz="914400" rtl="0" eaLnBrk="1" latinLnBrk="0" hangingPunct="1">
+      <a:lvl4pPr marL="914400" indent="-228600" algn="l" defTabSz="914400" rtl="0" eaLnBrk="1" latinLnBrk="0" hangingPunct="1">
         <a:lnSpc>
-          <a:spcPct val="90000"/>
+          <a:spcPct val="100000"/>
         </a:lnSpc>
         <a:spcBef>
-          <a:spcPts val="200"/>
+          <a:spcPts val="1000"/>
         </a:spcBef>
-        <a:spcAft>
-          <a:spcPts val="400"/>
-        </a:spcAft>
         <a:buClr>
-          <a:schemeClr val="accent1"/>
+          <a:schemeClr val="accent2"/>
         </a:buClr>
-        <a:buFont typeface="Calibri" pitchFamily="34" charset="0"/>
-        <a:buChar char="◦"/>
-        <a:defRPr sz="1400" kern="1200">
+        <a:buFont typeface="Arial" panose="020B0604020202020204" pitchFamily="34" charset="0"/>
+        <a:buChar char="•"/>
+        <a:defRPr sz="1600" kern="1200">
           <a:solidFill>
             <a:schemeClr val="tx1">
-              <a:lumMod val="75000"/>
-              <a:lumOff val="25000"/>
+              <a:lumMod val="85000"/>
+              <a:lumOff val="15000"/>
             </a:schemeClr>
           </a:solidFill>
           <a:latin typeface="+mn-lt"/>
@@ -3549,26 +3077,23 @@
           <a:cs typeface="+mn-cs"/>
         </a:defRPr>
       </a:lvl4pPr>
-      <a:lvl5pPr marL="932688" indent="-182880" algn="l" defTabSz="914400" rtl="0" eaLnBrk="1" latinLnBrk="0" hangingPunct="1">
+      <a:lvl5pPr marL="1143000" indent="-228600" algn="l" defTabSz="914400" rtl="0" eaLnBrk="1" latinLnBrk="0" hangingPunct="1">
         <a:lnSpc>
-          <a:spcPct val="90000"/>
+          <a:spcPct val="100000"/>
         </a:lnSpc>
         <a:spcBef>
-          <a:spcPts val="200"/>
+          <a:spcPts val="1000"/>
         </a:spcBef>
-        <a:spcAft>
-          <a:spcPts val="400"/>
-        </a:spcAft>
         <a:buClr>
-          <a:schemeClr val="accent1"/>
+          <a:schemeClr val="accent2"/>
         </a:buClr>
-        <a:buFont typeface="Calibri" pitchFamily="34" charset="0"/>
-        <a:buChar char="◦"/>
-        <a:defRPr sz="1400" kern="1200">
+        <a:buFont typeface="Arial" panose="020B0604020202020204" pitchFamily="34" charset="0"/>
+        <a:buChar char="•"/>
+        <a:defRPr sz="1600" kern="1200">
           <a:solidFill>
             <a:schemeClr val="tx1">
-              <a:lumMod val="75000"/>
-              <a:lumOff val="25000"/>
+              <a:lumMod val="85000"/>
+              <a:lumOff val="15000"/>
             </a:schemeClr>
           </a:solidFill>
           <a:latin typeface="+mn-lt"/>
@@ -3576,108 +3101,84 @@
           <a:cs typeface="+mn-cs"/>
         </a:defRPr>
       </a:lvl5pPr>
-      <a:lvl6pPr marL="1100000" indent="-228600" algn="l" defTabSz="914400" rtl="0" eaLnBrk="1" latinLnBrk="0" hangingPunct="1">
+      <a:lvl6pPr marL="1312863" indent="-228600" algn="l" defTabSz="914400" rtl="0" eaLnBrk="1" latinLnBrk="0" hangingPunct="1">
         <a:lnSpc>
-          <a:spcPct val="90000"/>
+          <a:spcPct val="100000"/>
         </a:lnSpc>
         <a:spcBef>
-          <a:spcPts val="200"/>
+          <a:spcPts val="1000"/>
         </a:spcBef>
-        <a:spcAft>
-          <a:spcPts val="400"/>
-        </a:spcAft>
         <a:buClr>
-          <a:schemeClr val="accent1"/>
+          <a:schemeClr val="accent2"/>
         </a:buClr>
-        <a:buFont typeface="Calibri" pitchFamily="34" charset="0"/>
-        <a:buChar char="◦"/>
-        <a:defRPr sz="1400" kern="1200">
+        <a:buFont typeface="Arial" panose="020B0604020202020204" pitchFamily="34" charset="0"/>
+        <a:buChar char="•"/>
+        <a:defRPr sz="1600" kern="1200">
           <a:solidFill>
-            <a:schemeClr val="tx1">
-              <a:lumMod val="75000"/>
-              <a:lumOff val="25000"/>
-            </a:schemeClr>
+            <a:schemeClr val="tx1"/>
           </a:solidFill>
           <a:latin typeface="+mn-lt"/>
           <a:ea typeface="+mn-ea"/>
           <a:cs typeface="+mn-cs"/>
         </a:defRPr>
       </a:lvl6pPr>
-      <a:lvl7pPr marL="1300000" indent="-228600" algn="l" defTabSz="914400" rtl="0" eaLnBrk="1" latinLnBrk="0" hangingPunct="1">
+      <a:lvl7pPr marL="1484313" indent="-228600" algn="l" defTabSz="914400" rtl="0" eaLnBrk="1" latinLnBrk="0" hangingPunct="1">
         <a:lnSpc>
-          <a:spcPct val="90000"/>
+          <a:spcPct val="100000"/>
         </a:lnSpc>
         <a:spcBef>
-          <a:spcPts val="200"/>
+          <a:spcPts val="1000"/>
         </a:spcBef>
-        <a:spcAft>
-          <a:spcPts val="400"/>
-        </a:spcAft>
         <a:buClr>
-          <a:schemeClr val="accent1"/>
+          <a:schemeClr val="accent2"/>
         </a:buClr>
-        <a:buFont typeface="Calibri" pitchFamily="34" charset="0"/>
-        <a:buChar char="◦"/>
-        <a:defRPr sz="1400" kern="1200">
+        <a:buFont typeface="Arial" panose="020B0604020202020204" pitchFamily="34" charset="0"/>
+        <a:buChar char="•"/>
+        <a:defRPr sz="1600" kern="1200">
           <a:solidFill>
-            <a:schemeClr val="tx1">
-              <a:lumMod val="75000"/>
-              <a:lumOff val="25000"/>
-            </a:schemeClr>
+            <a:schemeClr val="tx1"/>
           </a:solidFill>
           <a:latin typeface="+mn-lt"/>
           <a:ea typeface="+mn-ea"/>
           <a:cs typeface="+mn-cs"/>
         </a:defRPr>
       </a:lvl7pPr>
-      <a:lvl8pPr marL="1500000" indent="-228600" algn="l" defTabSz="914400" rtl="0" eaLnBrk="1" latinLnBrk="0" hangingPunct="1">
+      <a:lvl8pPr marL="1657350" indent="-228600" algn="l" defTabSz="914400" rtl="0" eaLnBrk="1" latinLnBrk="0" hangingPunct="1">
         <a:lnSpc>
-          <a:spcPct val="90000"/>
+          <a:spcPct val="100000"/>
         </a:lnSpc>
         <a:spcBef>
-          <a:spcPts val="200"/>
+          <a:spcPts val="1000"/>
         </a:spcBef>
-        <a:spcAft>
-          <a:spcPts val="400"/>
-        </a:spcAft>
         <a:buClr>
-          <a:schemeClr val="accent1"/>
+          <a:schemeClr val="accent2"/>
         </a:buClr>
-        <a:buFont typeface="Calibri" pitchFamily="34" charset="0"/>
-        <a:buChar char="◦"/>
-        <a:defRPr sz="1400" kern="1200">
+        <a:buFont typeface="Arial" panose="020B0604020202020204" pitchFamily="34" charset="0"/>
+        <a:buChar char="•"/>
+        <a:defRPr sz="1600" kern="1200" baseline="0">
           <a:solidFill>
-            <a:schemeClr val="tx1">
-              <a:lumMod val="75000"/>
-              <a:lumOff val="25000"/>
-            </a:schemeClr>
+            <a:schemeClr val="tx1"/>
           </a:solidFill>
           <a:latin typeface="+mn-lt"/>
           <a:ea typeface="+mn-ea"/>
           <a:cs typeface="+mn-cs"/>
         </a:defRPr>
       </a:lvl8pPr>
-      <a:lvl9pPr marL="1700000" indent="-228600" algn="l" defTabSz="914400" rtl="0" eaLnBrk="1" latinLnBrk="0" hangingPunct="1">
+      <a:lvl9pPr marL="1882775" indent="-228600" algn="l" defTabSz="914400" rtl="0" eaLnBrk="1" latinLnBrk="0" hangingPunct="1">
         <a:lnSpc>
-          <a:spcPct val="90000"/>
+          <a:spcPct val="100000"/>
         </a:lnSpc>
         <a:spcBef>
-          <a:spcPts val="200"/>
+          <a:spcPts val="1000"/>
         </a:spcBef>
-        <a:spcAft>
-          <a:spcPts val="400"/>
-        </a:spcAft>
         <a:buClr>
-          <a:schemeClr val="accent1"/>
+          <a:schemeClr val="accent2"/>
         </a:buClr>
-        <a:buFont typeface="Calibri" pitchFamily="34" charset="0"/>
-        <a:buChar char="◦"/>
-        <a:defRPr sz="1400" kern="1200">
+        <a:buFont typeface="Arial" panose="020B0604020202020204" pitchFamily="34" charset="0"/>
+        <a:buChar char="•"/>
+        <a:defRPr sz="1600" kern="1200" baseline="0">
           <a:solidFill>
-            <a:schemeClr val="tx1">
-              <a:lumMod val="75000"/>
-              <a:lumOff val="25000"/>
-            </a:schemeClr>
+            <a:schemeClr val="tx1"/>
           </a:solidFill>
           <a:latin typeface="+mn-lt"/>
           <a:ea typeface="+mn-ea"/>
@@ -3822,7 +3323,10 @@
           <a:bodyPr/>
           <a:lstStyle/>
           <a:p>
-            <a:endParaRPr lang="en-US"/>
+            <a:r>
+              <a:rPr lang="en-US" dirty="0"/>
+              <a:t>Terraform Workflow</a:t>
+            </a:r>
           </a:p>
         </p:txBody>
       </p:sp>
@@ -3847,7 +3351,10 @@
           <a:bodyPr/>
           <a:lstStyle/>
           <a:p>
-            <a:endParaRPr lang="en-US"/>
+            <a:r>
+              <a:rPr lang="en-US" dirty="0"/>
+              <a:t>1:00 PM - 2:00 PM</a:t>
+            </a:r>
           </a:p>
         </p:txBody>
       </p:sp>
@@ -3864,10 +3371,344 @@
 </p:sld>
 </file>
 
+<file path=ppt/slides/slide2.xml><?xml version="1.0" encoding="utf-8"?>
+<p:sld xmlns:a="http://schemas.openxmlformats.org/drawingml/2006/main" xmlns:r="http://schemas.openxmlformats.org/officeDocument/2006/relationships" xmlns:p="http://schemas.openxmlformats.org/presentationml/2006/main">
+  <p:cSld>
+    <p:spTree>
+      <p:nvGrpSpPr>
+        <p:cNvPr id="1" name=""/>
+        <p:cNvGrpSpPr/>
+        <p:nvPr/>
+      </p:nvGrpSpPr>
+      <p:grpSpPr>
+        <a:xfrm>
+          <a:off x="0" y="0"/>
+          <a:ext cx="0" cy="0"/>
+          <a:chOff x="0" y="0"/>
+          <a:chExt cx="0" cy="0"/>
+        </a:xfrm>
+      </p:grpSpPr>
+      <p:sp>
+        <p:nvSpPr>
+          <p:cNvPr id="2" name="Title 1">
+            <a:extLst>
+              <a:ext uri="{FF2B5EF4-FFF2-40B4-BE49-F238E27FC236}">
+                <a16:creationId xmlns:a16="http://schemas.microsoft.com/office/drawing/2014/main" id="{EEF65A57-BC87-B99A-9020-44A9763739A7}"/>
+              </a:ext>
+            </a:extLst>
+          </p:cNvPr>
+          <p:cNvSpPr>
+            <a:spLocks noGrp="1"/>
+          </p:cNvSpPr>
+          <p:nvPr>
+            <p:ph type="title"/>
+          </p:nvPr>
+        </p:nvSpPr>
+        <p:spPr/>
+        <p:txBody>
+          <a:bodyPr/>
+          <a:lstStyle/>
+          <a:p>
+            <a:r>
+              <a:rPr lang="en-US" dirty="0"/>
+              <a:t>Understanding the Terraform Workflow</a:t>
+            </a:r>
+          </a:p>
+        </p:txBody>
+      </p:sp>
+      <p:sp>
+        <p:nvSpPr>
+          <p:cNvPr id="3" name="Content Placeholder 2">
+            <a:extLst>
+              <a:ext uri="{FF2B5EF4-FFF2-40B4-BE49-F238E27FC236}">
+                <a16:creationId xmlns:a16="http://schemas.microsoft.com/office/drawing/2014/main" id="{11C7422C-7BB9-D866-359C-CACE4594FEBC}"/>
+              </a:ext>
+            </a:extLst>
+          </p:cNvPr>
+          <p:cNvSpPr>
+            <a:spLocks noGrp="1"/>
+          </p:cNvSpPr>
+          <p:nvPr>
+            <p:ph idx="1"/>
+          </p:nvPr>
+        </p:nvSpPr>
+        <p:spPr/>
+        <p:txBody>
+          <a:bodyPr/>
+          <a:lstStyle/>
+          <a:p>
+            <a:endParaRPr lang="en-US"/>
+          </a:p>
+        </p:txBody>
+      </p:sp>
+    </p:spTree>
+    <p:extLst>
+      <p:ext uri="{BB962C8B-B14F-4D97-AF65-F5344CB8AC3E}">
+        <p14:creationId xmlns:p14="http://schemas.microsoft.com/office/powerpoint/2010/main" val="2629612013"/>
+      </p:ext>
+    </p:extLst>
+  </p:cSld>
+  <p:clrMapOvr>
+    <a:masterClrMapping/>
+  </p:clrMapOvr>
+</p:sld>
+</file>
+
+<file path=ppt/slides/slide3.xml><?xml version="1.0" encoding="utf-8"?>
+<p:sld xmlns:a="http://schemas.openxmlformats.org/drawingml/2006/main" xmlns:r="http://schemas.openxmlformats.org/officeDocument/2006/relationships" xmlns:p="http://schemas.openxmlformats.org/presentationml/2006/main">
+  <p:cSld>
+    <p:spTree>
+      <p:nvGrpSpPr>
+        <p:cNvPr id="1" name=""/>
+        <p:cNvGrpSpPr/>
+        <p:nvPr/>
+      </p:nvGrpSpPr>
+      <p:grpSpPr>
+        <a:xfrm>
+          <a:off x="0" y="0"/>
+          <a:ext cx="0" cy="0"/>
+          <a:chOff x="0" y="0"/>
+          <a:chExt cx="0" cy="0"/>
+        </a:xfrm>
+      </p:grpSpPr>
+      <p:sp>
+        <p:nvSpPr>
+          <p:cNvPr id="2" name="Title 1">
+            <a:extLst>
+              <a:ext uri="{FF2B5EF4-FFF2-40B4-BE49-F238E27FC236}">
+                <a16:creationId xmlns:a16="http://schemas.microsoft.com/office/drawing/2014/main" id="{320549EE-B158-7B68-9CCC-EBEC33C023FF}"/>
+              </a:ext>
+            </a:extLst>
+          </p:cNvPr>
+          <p:cNvSpPr>
+            <a:spLocks noGrp="1"/>
+          </p:cNvSpPr>
+          <p:nvPr>
+            <p:ph type="title"/>
+          </p:nvPr>
+        </p:nvSpPr>
+        <p:spPr/>
+        <p:txBody>
+          <a:bodyPr/>
+          <a:lstStyle/>
+          <a:p>
+            <a:r>
+              <a:rPr lang="en-US" dirty="0"/>
+              <a:t>Terraform Plan and Apply Lifecycle</a:t>
+            </a:r>
+          </a:p>
+        </p:txBody>
+      </p:sp>
+      <p:sp>
+        <p:nvSpPr>
+          <p:cNvPr id="3" name="Content Placeholder 2">
+            <a:extLst>
+              <a:ext uri="{FF2B5EF4-FFF2-40B4-BE49-F238E27FC236}">
+                <a16:creationId xmlns:a16="http://schemas.microsoft.com/office/drawing/2014/main" id="{DABFBE3A-5196-DF2F-52D7-62290C1C83C9}"/>
+              </a:ext>
+            </a:extLst>
+          </p:cNvPr>
+          <p:cNvSpPr>
+            <a:spLocks noGrp="1"/>
+          </p:cNvSpPr>
+          <p:nvPr>
+            <p:ph idx="1"/>
+          </p:nvPr>
+        </p:nvSpPr>
+        <p:spPr/>
+        <p:txBody>
+          <a:bodyPr/>
+          <a:lstStyle/>
+          <a:p>
+            <a:endParaRPr lang="en-US"/>
+          </a:p>
+        </p:txBody>
+      </p:sp>
+    </p:spTree>
+    <p:extLst>
+      <p:ext uri="{BB962C8B-B14F-4D97-AF65-F5344CB8AC3E}">
+        <p14:creationId xmlns:p14="http://schemas.microsoft.com/office/powerpoint/2010/main" val="93036651"/>
+      </p:ext>
+    </p:extLst>
+  </p:cSld>
+  <p:clrMapOvr>
+    <a:masterClrMapping/>
+  </p:clrMapOvr>
+</p:sld>
+</file>
+
+<file path=ppt/slides/slide4.xml><?xml version="1.0" encoding="utf-8"?>
+<p:sld xmlns:a="http://schemas.openxmlformats.org/drawingml/2006/main" xmlns:r="http://schemas.openxmlformats.org/officeDocument/2006/relationships" xmlns:p="http://schemas.openxmlformats.org/presentationml/2006/main">
+  <p:cSld>
+    <p:spTree>
+      <p:nvGrpSpPr>
+        <p:cNvPr id="1" name=""/>
+        <p:cNvGrpSpPr/>
+        <p:nvPr/>
+      </p:nvGrpSpPr>
+      <p:grpSpPr>
+        <a:xfrm>
+          <a:off x="0" y="0"/>
+          <a:ext cx="0" cy="0"/>
+          <a:chOff x="0" y="0"/>
+          <a:chExt cx="0" cy="0"/>
+        </a:xfrm>
+      </p:grpSpPr>
+      <p:sp>
+        <p:nvSpPr>
+          <p:cNvPr id="2" name="Title 1">
+            <a:extLst>
+              <a:ext uri="{FF2B5EF4-FFF2-40B4-BE49-F238E27FC236}">
+                <a16:creationId xmlns:a16="http://schemas.microsoft.com/office/drawing/2014/main" id="{D7556990-3452-F09F-D84F-EE1FC97DC713}"/>
+              </a:ext>
+            </a:extLst>
+          </p:cNvPr>
+          <p:cNvSpPr>
+            <a:spLocks noGrp="1"/>
+          </p:cNvSpPr>
+          <p:nvPr>
+            <p:ph type="title"/>
+          </p:nvPr>
+        </p:nvSpPr>
+        <p:spPr/>
+        <p:txBody>
+          <a:bodyPr/>
+          <a:lstStyle/>
+          <a:p>
+            <a:r>
+              <a:rPr lang="en-US" dirty="0"/>
+              <a:t>Exercise: Provisioning a Web Server on Azure</a:t>
+            </a:r>
+          </a:p>
+        </p:txBody>
+      </p:sp>
+      <p:sp>
+        <p:nvSpPr>
+          <p:cNvPr id="3" name="Content Placeholder 2">
+            <a:extLst>
+              <a:ext uri="{FF2B5EF4-FFF2-40B4-BE49-F238E27FC236}">
+                <a16:creationId xmlns:a16="http://schemas.microsoft.com/office/drawing/2014/main" id="{78BA09F0-B91F-E3B6-33C5-42FB750BAC40}"/>
+              </a:ext>
+            </a:extLst>
+          </p:cNvPr>
+          <p:cNvSpPr>
+            <a:spLocks noGrp="1"/>
+          </p:cNvSpPr>
+          <p:nvPr>
+            <p:ph idx="1"/>
+          </p:nvPr>
+        </p:nvSpPr>
+        <p:spPr/>
+        <p:txBody>
+          <a:bodyPr/>
+          <a:lstStyle/>
+          <a:p>
+            <a:endParaRPr lang="en-US"/>
+          </a:p>
+        </p:txBody>
+      </p:sp>
+    </p:spTree>
+    <p:extLst>
+      <p:ext uri="{BB962C8B-B14F-4D97-AF65-F5344CB8AC3E}">
+        <p14:creationId xmlns:p14="http://schemas.microsoft.com/office/powerpoint/2010/main" val="1650709686"/>
+      </p:ext>
+    </p:extLst>
+  </p:cSld>
+  <p:clrMapOvr>
+    <a:masterClrMapping/>
+  </p:clrMapOvr>
+</p:sld>
+</file>
+
+<file path=ppt/slides/slide5.xml><?xml version="1.0" encoding="utf-8"?>
+<p:sld xmlns:a="http://schemas.openxmlformats.org/drawingml/2006/main" xmlns:r="http://schemas.openxmlformats.org/officeDocument/2006/relationships" xmlns:p="http://schemas.openxmlformats.org/presentationml/2006/main">
+  <p:cSld>
+    <p:spTree>
+      <p:nvGrpSpPr>
+        <p:cNvPr id="1" name=""/>
+        <p:cNvGrpSpPr/>
+        <p:nvPr/>
+      </p:nvGrpSpPr>
+      <p:grpSpPr>
+        <a:xfrm>
+          <a:off x="0" y="0"/>
+          <a:ext cx="0" cy="0"/>
+          <a:chOff x="0" y="0"/>
+          <a:chExt cx="0" cy="0"/>
+        </a:xfrm>
+      </p:grpSpPr>
+      <p:sp>
+        <p:nvSpPr>
+          <p:cNvPr id="2" name="Title 1">
+            <a:extLst>
+              <a:ext uri="{FF2B5EF4-FFF2-40B4-BE49-F238E27FC236}">
+                <a16:creationId xmlns:a16="http://schemas.microsoft.com/office/drawing/2014/main" id="{4706C5E1-65C4-08BB-B181-CC40C5AAE150}"/>
+              </a:ext>
+            </a:extLst>
+          </p:cNvPr>
+          <p:cNvSpPr>
+            <a:spLocks noGrp="1"/>
+          </p:cNvSpPr>
+          <p:nvPr>
+            <p:ph type="title"/>
+          </p:nvPr>
+        </p:nvSpPr>
+        <p:spPr/>
+        <p:txBody>
+          <a:bodyPr>
+            <a:normAutofit fontScale="90000"/>
+          </a:bodyPr>
+          <a:lstStyle/>
+          <a:p>
+            <a:r>
+              <a:rPr lang="en-US" dirty="0"/>
+              <a:t>Bonus Exercise: Creating an Azure Load Balancer for High Availability</a:t>
+            </a:r>
+          </a:p>
+        </p:txBody>
+      </p:sp>
+      <p:sp>
+        <p:nvSpPr>
+          <p:cNvPr id="3" name="Content Placeholder 2">
+            <a:extLst>
+              <a:ext uri="{FF2B5EF4-FFF2-40B4-BE49-F238E27FC236}">
+                <a16:creationId xmlns:a16="http://schemas.microsoft.com/office/drawing/2014/main" id="{FE481B14-0258-4F5F-AA61-CF4ABDC6BD8C}"/>
+              </a:ext>
+            </a:extLst>
+          </p:cNvPr>
+          <p:cNvSpPr>
+            <a:spLocks noGrp="1"/>
+          </p:cNvSpPr>
+          <p:nvPr>
+            <p:ph idx="1"/>
+          </p:nvPr>
+        </p:nvSpPr>
+        <p:spPr/>
+        <p:txBody>
+          <a:bodyPr/>
+          <a:lstStyle/>
+          <a:p>
+            <a:endParaRPr lang="en-US"/>
+          </a:p>
+        </p:txBody>
+      </p:sp>
+    </p:spTree>
+    <p:extLst>
+      <p:ext uri="{BB962C8B-B14F-4D97-AF65-F5344CB8AC3E}">
+        <p14:creationId xmlns:p14="http://schemas.microsoft.com/office/powerpoint/2010/main" val="1886747081"/>
+      </p:ext>
+    </p:extLst>
+  </p:cSld>
+  <p:clrMapOvr>
+    <a:masterClrMapping/>
+  </p:clrMapOvr>
+</p:sld>
+</file>
+
 <file path=ppt/theme/theme1.xml><?xml version="1.0" encoding="utf-8"?>
-<a:theme xmlns:a="http://schemas.openxmlformats.org/drawingml/2006/main" name="Retrospect">
+<a:theme xmlns:a="http://schemas.openxmlformats.org/drawingml/2006/main" name="Parcel">
   <a:themeElements>
-    <a:clrScheme name="Retrospect">
+    <a:clrScheme name="Grayscale">
       <a:dk1>
         <a:sysClr val="windowText" lastClr="000000"/>
       </a:dk1>
@@ -3875,81 +3716,48 @@
         <a:sysClr val="window" lastClr="FFFFFF"/>
       </a:lt1>
       <a:dk2>
-        <a:srgbClr val="514949"/>
+        <a:srgbClr val="000000"/>
       </a:dk2>
       <a:lt2>
-        <a:srgbClr val="E1E1DB"/>
+        <a:srgbClr val="F8F8F8"/>
       </a:lt2>
       <a:accent1>
-        <a:srgbClr val="9DBFBE"/>
+        <a:srgbClr val="DDDDDD"/>
       </a:accent1>
       <a:accent2>
-        <a:srgbClr val="DB8631"/>
+        <a:srgbClr val="B2B2B2"/>
       </a:accent2>
       <a:accent3>
-        <a:srgbClr val="E3CC5A"/>
+        <a:srgbClr val="969696"/>
       </a:accent3>
       <a:accent4>
-        <a:srgbClr val="ACADA8"/>
+        <a:srgbClr val="808080"/>
       </a:accent4>
       <a:accent5>
-        <a:srgbClr val="927C61"/>
+        <a:srgbClr val="5F5F5F"/>
       </a:accent5>
       <a:accent6>
-        <a:srgbClr val="B3B435"/>
+        <a:srgbClr val="4D4D4D"/>
       </a:accent6>
       <a:hlink>
-        <a:srgbClr val="0000FF"/>
+        <a:srgbClr val="5F5F5F"/>
       </a:hlink>
       <a:folHlink>
-        <a:srgbClr val="800080"/>
+        <a:srgbClr val="919191"/>
       </a:folHlink>
     </a:clrScheme>
-    <a:fontScheme name="Retrospect">
+    <a:fontScheme name="Parcel">
       <a:majorFont>
-        <a:latin typeface="Calibri Light" panose="020F0302020204030204"/>
+        <a:latin typeface="Gill Sans MT" panose="020B0502020104020203"/>
         <a:ea typeface=""/>
         <a:cs typeface=""/>
-        <a:font script="Jpan" typeface="ＭＳ Ｐゴシック"/>
-        <a:font script="Hang" typeface="맑은 고딕"/>
-        <a:font script="Hans" typeface="宋体"/>
-        <a:font script="Hant" typeface="新細明體"/>
-        <a:font script="Arab" typeface="Times New Roman"/>
-        <a:font script="Hebr" typeface="Times New Roman"/>
-        <a:font script="Thai" typeface="Angsana New"/>
-        <a:font script="Ethi" typeface="Nyala"/>
-        <a:font script="Beng" typeface="Vrinda"/>
-        <a:font script="Gujr" typeface="Shruti"/>
-        <a:font script="Khmr" typeface="MoolBoran"/>
-        <a:font script="Knda" typeface="Tunga"/>
-        <a:font script="Guru" typeface="Raavi"/>
-        <a:font script="Cans" typeface="Euphemia"/>
-        <a:font script="Cher" typeface="Plantagenet Cherokee"/>
-        <a:font script="Yiii" typeface="Microsoft Yi Baiti"/>
-        <a:font script="Tibt" typeface="Microsoft Himalaya"/>
-        <a:font script="Thaa" typeface="MV Boli"/>
-        <a:font script="Deva" typeface="Mangal"/>
-        <a:font script="Telu" typeface="Gautami"/>
-        <a:font script="Taml" typeface="Latha"/>
-        <a:font script="Syrc" typeface="Estrangelo Edessa"/>
-        <a:font script="Orya" typeface="Kalinga"/>
-        <a:font script="Mlym" typeface="Kartika"/>
-        <a:font script="Laoo" typeface="DokChampa"/>
-        <a:font script="Sinh" typeface="Iskoola Pota"/>
-        <a:font script="Mong" typeface="Mongolian Baiti"/>
-        <a:font script="Viet" typeface="Times New Roman"/>
-        <a:font script="Uigh" typeface="Microsoft Uighur"/>
-        <a:font script="Geor" typeface="Sylfaen"/>
-      </a:majorFont>
-      <a:minorFont>
-        <a:latin typeface="Calibri" panose="020F0502020204030204"/>
-        <a:ea typeface=""/>
-        <a:cs typeface=""/>
-        <a:font script="Jpan" typeface="ＭＳ Ｐゴシック"/>
-        <a:font script="Hang" typeface="맑은 고딕"/>
-        <a:font script="Hans" typeface="宋体"/>
-        <a:font script="Hant" typeface="新細明體"/>
-        <a:font script="Arab" typeface="Arial"/>
+        <a:font script="Grek" typeface="Corbel"/>
+        <a:font script="Cyrl" typeface="Corbel"/>
+        <a:font script="Jpan" typeface="HGｺﾞｼｯｸE"/>
+        <a:font script="Hang" typeface="휴먼매직체"/>
+        <a:font script="Hans" typeface="华文中宋"/>
+        <a:font script="Hant" typeface="微軟正黑體"/>
+        <a:font script="Arab" typeface="Majalla UI"/>
         <a:font script="Hebr" typeface="Arial"/>
         <a:font script="Thai" typeface="Cordia New"/>
         <a:font script="Ethi" typeface="Nyala"/>
@@ -3972,12 +3780,49 @@
         <a:font script="Laoo" typeface="DokChampa"/>
         <a:font script="Sinh" typeface="Iskoola Pota"/>
         <a:font script="Mong" typeface="Mongolian Baiti"/>
-        <a:font script="Viet" typeface="Arial"/>
+        <a:font script="Viet" typeface="Tahoma"/>
+        <a:font script="Uigh" typeface="Microsoft Uighur"/>
+        <a:font script="Geor" typeface="Sylfaen"/>
+      </a:majorFont>
+      <a:minorFont>
+        <a:latin typeface="Gill Sans MT" panose="020B0502020104020203"/>
+        <a:ea typeface=""/>
+        <a:cs typeface=""/>
+        <a:font script="Grek" typeface="Corbel"/>
+        <a:font script="Cyrl" typeface="Corbel"/>
+        <a:font script="Jpan" typeface="HGｺﾞｼｯｸE"/>
+        <a:font script="Hang" typeface="휴먼매직체"/>
+        <a:font script="Hans" typeface="华文中宋"/>
+        <a:font script="Hant" typeface="微軟正黑體"/>
+        <a:font script="Arab" typeface="Majalla UI"/>
+        <a:font script="Hebr" typeface="Arial"/>
+        <a:font script="Thai" typeface="Cordia New"/>
+        <a:font script="Ethi" typeface="Nyala"/>
+        <a:font script="Beng" typeface="Vrinda"/>
+        <a:font script="Gujr" typeface="Shruti"/>
+        <a:font script="Khmr" typeface="DaunPenh"/>
+        <a:font script="Knda" typeface="Tunga"/>
+        <a:font script="Guru" typeface="Raavi"/>
+        <a:font script="Cans" typeface="Euphemia"/>
+        <a:font script="Cher" typeface="Plantagenet Cherokee"/>
+        <a:font script="Yiii" typeface="Microsoft Yi Baiti"/>
+        <a:font script="Tibt" typeface="Microsoft Himalaya"/>
+        <a:font script="Thaa" typeface="MV Boli"/>
+        <a:font script="Deva" typeface="Mangal"/>
+        <a:font script="Telu" typeface="Gautami"/>
+        <a:font script="Taml" typeface="Latha"/>
+        <a:font script="Syrc" typeface="Estrangelo Edessa"/>
+        <a:font script="Orya" typeface="Kalinga"/>
+        <a:font script="Mlym" typeface="Kartika"/>
+        <a:font script="Laoo" typeface="DokChampa"/>
+        <a:font script="Sinh" typeface="Iskoola Pota"/>
+        <a:font script="Mong" typeface="Mongolian Baiti"/>
+        <a:font script="Viet" typeface="Tahoma"/>
         <a:font script="Uigh" typeface="Microsoft Uighur"/>
         <a:font script="Geor" typeface="Sylfaen"/>
       </a:minorFont>
     </a:fontScheme>
-    <a:fmtScheme name="Retrospect">
+    <a:fmtScheme name="Parcel">
       <a:fillStyleLst>
         <a:solidFill>
           <a:schemeClr val="phClr"/>
@@ -3986,77 +3831,62 @@
           <a:gsLst>
             <a:gs pos="0">
               <a:schemeClr val="phClr">
-                <a:tint val="65000"/>
-                <a:shade val="92000"/>
-                <a:satMod val="130000"/>
-              </a:schemeClr>
-            </a:gs>
-            <a:gs pos="45000">
-              <a:schemeClr val="phClr">
-                <a:tint val="60000"/>
-                <a:shade val="99000"/>
-                <a:satMod val="120000"/>
+                <a:tint val="80000"/>
+                <a:satMod val="107000"/>
+                <a:lumMod val="103000"/>
               </a:schemeClr>
             </a:gs>
             <a:gs pos="100000">
               <a:schemeClr val="phClr">
-                <a:tint val="55000"/>
-                <a:satMod val="140000"/>
+                <a:tint val="82000"/>
+                <a:satMod val="109000"/>
+                <a:lumMod val="103000"/>
               </a:schemeClr>
             </a:gs>
           </a:gsLst>
-          <a:path path="circle">
-            <a:fillToRect l="100000" t="100000" r="100000" b="100000"/>
-          </a:path>
+          <a:lin ang="5400000" scaled="0"/>
         </a:gradFill>
         <a:gradFill rotWithShape="1">
           <a:gsLst>
             <a:gs pos="0">
               <a:schemeClr val="phClr">
-                <a:shade val="85000"/>
-                <a:satMod val="130000"/>
+                <a:tint val="97000"/>
+                <a:satMod val="100000"/>
+                <a:lumMod val="102000"/>
               </a:schemeClr>
             </a:gs>
-            <a:gs pos="34000">
+            <a:gs pos="50000">
               <a:schemeClr val="phClr">
-                <a:shade val="87000"/>
-                <a:satMod val="125000"/>
-              </a:schemeClr>
-            </a:gs>
-            <a:gs pos="70000">
-              <a:schemeClr val="phClr">
-                <a:tint val="100000"/>
-                <a:shade val="90000"/>
-                <a:satMod val="130000"/>
+                <a:shade val="100000"/>
+                <a:satMod val="103000"/>
+                <a:lumMod val="100000"/>
               </a:schemeClr>
             </a:gs>
             <a:gs pos="100000">
               <a:schemeClr val="phClr">
-                <a:tint val="100000"/>
-                <a:shade val="100000"/>
+                <a:shade val="93000"/>
                 <a:satMod val="110000"/>
+                <a:lumMod val="99000"/>
               </a:schemeClr>
             </a:gs>
           </a:gsLst>
-          <a:path path="circle">
-            <a:fillToRect l="100000" t="100000" r="100000" b="100000"/>
-          </a:path>
+          <a:lin ang="5400000" scaled="0"/>
         </a:gradFill>
       </a:fillStyleLst>
       <a:lnStyleLst>
+        <a:ln w="6350" cap="flat" cmpd="sng" algn="ctr">
+          <a:solidFill>
+            <a:schemeClr val="phClr"/>
+          </a:solidFill>
+          <a:prstDash val="solid"/>
+        </a:ln>
         <a:ln w="12700" cap="flat" cmpd="sng" algn="ctr">
           <a:solidFill>
             <a:schemeClr val="phClr"/>
           </a:solidFill>
           <a:prstDash val="solid"/>
         </a:ln>
-        <a:ln w="15875" cap="flat" cmpd="sng" algn="ctr">
-          <a:solidFill>
-            <a:schemeClr val="phClr"/>
-          </a:solidFill>
-          <a:prstDash val="solid"/>
-        </a:ln>
-        <a:ln w="25400" cap="flat" cmpd="sng" algn="ctr">
+        <a:ln w="31750" cap="flat" cmpd="sng" algn="ctr">
           <a:solidFill>
             <a:schemeClr val="phClr"/>
           </a:solidFill>
@@ -4068,19 +3898,13 @@
           <a:effectLst/>
         </a:effectStyle>
         <a:effectStyle>
-          <a:effectLst>
-            <a:outerShdw blurRad="38100" dist="25400" dir="2700000" algn="br" rotWithShape="0">
-              <a:srgbClr val="000000">
-                <a:alpha val="60000"/>
-              </a:srgbClr>
-            </a:outerShdw>
-          </a:effectLst>
+          <a:effectLst/>
         </a:effectStyle>
         <a:effectStyle>
           <a:effectLst>
-            <a:outerShdw blurRad="44450" dist="25400" dir="2700000" algn="br" rotWithShape="0">
+            <a:outerShdw blurRad="55880" dist="15240" dir="5400000" algn="ctr" rotWithShape="0">
               <a:srgbClr val="000000">
-                <a:alpha val="60000"/>
+                <a:alpha val="45000"/>
               </a:srgbClr>
             </a:outerShdw>
           </a:effectLst>
@@ -4088,12 +3912,10 @@
             <a:camera prst="orthographicFront">
               <a:rot lat="0" lon="0" rev="0"/>
             </a:camera>
-            <a:lightRig rig="threePt" dir="t">
-              <a:rot lat="0" lon="0" rev="19800000"/>
-            </a:lightRig>
+            <a:lightRig rig="brightRoom" dir="tl"/>
           </a:scene3d>
-          <a:sp3d prstMaterial="flat">
-            <a:bevelT w="25400" h="31750"/>
+          <a:sp3d prstMaterial="dkEdge">
+            <a:bevelT w="0" h="0"/>
           </a:sp3d>
         </a:effectStyle>
       </a:effectStyleLst>
@@ -4103,36 +3925,32 @@
         </a:solidFill>
         <a:solidFill>
           <a:schemeClr val="phClr">
-            <a:tint val="90000"/>
-            <a:shade val="97000"/>
-            <a:satMod val="130000"/>
+            <a:tint val="95000"/>
+            <a:satMod val="170000"/>
           </a:schemeClr>
         </a:solidFill>
         <a:gradFill rotWithShape="1">
           <a:gsLst>
             <a:gs pos="0">
               <a:schemeClr val="phClr">
-                <a:tint val="96000"/>
-                <a:shade val="99000"/>
-                <a:satMod val="140000"/>
-              </a:schemeClr>
-            </a:gs>
-            <a:gs pos="65000">
-              <a:schemeClr val="phClr">
-                <a:tint val="100000"/>
-                <a:shade val="80000"/>
-                <a:satMod val="130000"/>
+                <a:tint val="97000"/>
+                <a:shade val="100000"/>
+                <a:satMod val="185000"/>
+                <a:lumMod val="120000"/>
               </a:schemeClr>
             </a:gs>
             <a:gs pos="100000">
               <a:schemeClr val="phClr">
-                <a:tint val="100000"/>
-                <a:shade val="48000"/>
-                <a:satMod val="120000"/>
+                <a:tint val="96000"/>
+                <a:shade val="95000"/>
+                <a:satMod val="215000"/>
+                <a:lumMod val="80000"/>
               </a:schemeClr>
             </a:gs>
           </a:gsLst>
-          <a:lin ang="16200000" scaled="0"/>
+          <a:path path="circle">
+            <a:fillToRect l="50000" t="55000" r="125000" b="100000"/>
+          </a:path>
         </a:gradFill>
       </a:bgFillStyleLst>
     </a:fmtScheme>
@@ -4141,7 +3959,7 @@
   <a:extraClrSchemeLst/>
   <a:extLst>
     <a:ext uri="{05A4C25C-085E-4340-85A3-A5531E510DB2}">
-      <thm15:themeFamily xmlns:thm15="http://schemas.microsoft.com/office/thememl/2012/main" name="Retrospect" id="{5F128B03-DCCA-4EEB-AB3B-CF2899314A46}" vid="{243AF7DC-D15B-41C0-AE81-23980D1B9FC4}"/>
+      <thm15:themeFamily xmlns:thm15="http://schemas.microsoft.com/office/thememl/2012/main" name="Parcel" id="{8BEC4385-4EB9-4D53-BFB5-0EA123736B6D}" vid="{4DB32801-28C0-48B0-8C1D-A9A58613615A}"/>
     </a:ext>
   </a:extLst>
 </a:theme>

--- a/slides/4-Provisioning Infrastructure.pptx
+++ b/slides/4-Provisioning Infrastructure.pptx
@@ -5,17 +5,21 @@
     <p:sldMasterId id="2147483696" r:id="rId1"/>
   </p:sldMasterIdLst>
   <p:notesMasterIdLst>
-    <p:notesMasterId r:id="rId10"/>
+    <p:notesMasterId r:id="rId14"/>
   </p:notesMasterIdLst>
   <p:sldIdLst>
     <p:sldId id="256" r:id="rId2"/>
-    <p:sldId id="257" r:id="rId3"/>
-    <p:sldId id="261" r:id="rId4"/>
-    <p:sldId id="262" r:id="rId5"/>
-    <p:sldId id="258" r:id="rId6"/>
-    <p:sldId id="263" r:id="rId7"/>
-    <p:sldId id="266" r:id="rId8"/>
-    <p:sldId id="267" r:id="rId9"/>
+    <p:sldId id="268" r:id="rId3"/>
+    <p:sldId id="257" r:id="rId4"/>
+    <p:sldId id="258" r:id="rId5"/>
+    <p:sldId id="270" r:id="rId6"/>
+    <p:sldId id="272" r:id="rId7"/>
+    <p:sldId id="271" r:id="rId8"/>
+    <p:sldId id="261" r:id="rId9"/>
+    <p:sldId id="262" r:id="rId10"/>
+    <p:sldId id="263" r:id="rId11"/>
+    <p:sldId id="266" r:id="rId12"/>
+    <p:sldId id="267" r:id="rId13"/>
   </p:sldIdLst>
   <p:sldSz cx="12192000" cy="6858000"/>
   <p:notesSz cx="6858000" cy="9144000"/>
@@ -123,6 +127,925 @@
 </file>
 
 <file path=ppt/diagrams/colors1.xml><?xml version="1.0" encoding="utf-8"?>
+<dgm:colorsDef xmlns:dgm="http://schemas.openxmlformats.org/drawingml/2006/diagram" xmlns:a="http://schemas.openxmlformats.org/drawingml/2006/main" uniqueId="urn:microsoft.com/office/officeart/2005/8/colors/colorful1">
+  <dgm:title val=""/>
+  <dgm:desc val=""/>
+  <dgm:catLst>
+    <dgm:cat type="colorful" pri="10100"/>
+  </dgm:catLst>
+  <dgm:styleLbl name="node0">
+    <dgm:fillClrLst meth="repeat">
+      <a:schemeClr val="accent1"/>
+    </dgm:fillClrLst>
+    <dgm:linClrLst meth="repeat">
+      <a:schemeClr val="lt1"/>
+    </dgm:linClrLst>
+    <dgm:effectClrLst/>
+    <dgm:txLinClrLst/>
+    <dgm:txFillClrLst/>
+    <dgm:txEffectClrLst/>
+  </dgm:styleLbl>
+  <dgm:styleLbl name="node1">
+    <dgm:fillClrLst meth="repeat">
+      <a:schemeClr val="accent2"/>
+      <a:schemeClr val="accent3"/>
+      <a:schemeClr val="accent4"/>
+      <a:schemeClr val="accent5"/>
+      <a:schemeClr val="accent6"/>
+    </dgm:fillClrLst>
+    <dgm:linClrLst meth="repeat">
+      <a:schemeClr val="lt1"/>
+    </dgm:linClrLst>
+    <dgm:effectClrLst/>
+    <dgm:txLinClrLst/>
+    <dgm:txFillClrLst/>
+    <dgm:txEffectClrLst/>
+  </dgm:styleLbl>
+  <dgm:styleLbl name="alignNode1">
+    <dgm:fillClrLst meth="repeat">
+      <a:schemeClr val="accent2"/>
+      <a:schemeClr val="accent3"/>
+      <a:schemeClr val="accent4"/>
+      <a:schemeClr val="accent5"/>
+      <a:schemeClr val="accent6"/>
+    </dgm:fillClrLst>
+    <dgm:linClrLst meth="repeat">
+      <a:schemeClr val="accent2"/>
+      <a:schemeClr val="accent3"/>
+      <a:schemeClr val="accent4"/>
+      <a:schemeClr val="accent5"/>
+      <a:schemeClr val="accent6"/>
+    </dgm:linClrLst>
+    <dgm:effectClrLst/>
+    <dgm:txLinClrLst/>
+    <dgm:txFillClrLst/>
+    <dgm:txEffectClrLst/>
+  </dgm:styleLbl>
+  <dgm:styleLbl name="lnNode1">
+    <dgm:fillClrLst meth="repeat">
+      <a:schemeClr val="accent2"/>
+      <a:schemeClr val="accent3"/>
+      <a:schemeClr val="accent4"/>
+      <a:schemeClr val="accent5"/>
+      <a:schemeClr val="accent6"/>
+    </dgm:fillClrLst>
+    <dgm:linClrLst meth="repeat">
+      <a:schemeClr val="lt1"/>
+    </dgm:linClrLst>
+    <dgm:effectClrLst/>
+    <dgm:txLinClrLst/>
+    <dgm:txFillClrLst/>
+    <dgm:txEffectClrLst/>
+  </dgm:styleLbl>
+  <dgm:styleLbl name="vennNode1">
+    <dgm:fillClrLst meth="repeat">
+      <a:schemeClr val="accent2">
+        <a:alpha val="50000"/>
+      </a:schemeClr>
+      <a:schemeClr val="accent3">
+        <a:alpha val="50000"/>
+      </a:schemeClr>
+      <a:schemeClr val="accent4">
+        <a:alpha val="50000"/>
+      </a:schemeClr>
+      <a:schemeClr val="accent5">
+        <a:alpha val="50000"/>
+      </a:schemeClr>
+      <a:schemeClr val="accent6">
+        <a:alpha val="50000"/>
+      </a:schemeClr>
+    </dgm:fillClrLst>
+    <dgm:linClrLst meth="repeat">
+      <a:schemeClr val="lt1"/>
+    </dgm:linClrLst>
+    <dgm:effectClrLst/>
+    <dgm:txLinClrLst/>
+    <dgm:txFillClrLst/>
+    <dgm:txEffectClrLst/>
+  </dgm:styleLbl>
+  <dgm:styleLbl name="node2">
+    <dgm:fillClrLst>
+      <a:schemeClr val="accent2"/>
+    </dgm:fillClrLst>
+    <dgm:linClrLst meth="repeat">
+      <a:schemeClr val="lt1"/>
+    </dgm:linClrLst>
+    <dgm:effectClrLst/>
+    <dgm:txLinClrLst/>
+    <dgm:txFillClrLst/>
+    <dgm:txEffectClrLst/>
+  </dgm:styleLbl>
+  <dgm:styleLbl name="node3">
+    <dgm:fillClrLst>
+      <a:schemeClr val="accent3"/>
+    </dgm:fillClrLst>
+    <dgm:linClrLst meth="repeat">
+      <a:schemeClr val="lt1"/>
+    </dgm:linClrLst>
+    <dgm:effectClrLst/>
+    <dgm:txLinClrLst/>
+    <dgm:txFillClrLst/>
+    <dgm:txEffectClrLst/>
+  </dgm:styleLbl>
+  <dgm:styleLbl name="node4">
+    <dgm:fillClrLst>
+      <a:schemeClr val="accent4"/>
+    </dgm:fillClrLst>
+    <dgm:linClrLst meth="repeat">
+      <a:schemeClr val="lt1"/>
+    </dgm:linClrLst>
+    <dgm:effectClrLst/>
+    <dgm:txLinClrLst/>
+    <dgm:txFillClrLst/>
+    <dgm:txEffectClrLst/>
+  </dgm:styleLbl>
+  <dgm:styleLbl name="fgImgPlace1">
+    <dgm:fillClrLst meth="repeat">
+      <a:schemeClr val="accent2">
+        <a:tint val="50000"/>
+      </a:schemeClr>
+      <a:schemeClr val="accent3">
+        <a:tint val="50000"/>
+      </a:schemeClr>
+      <a:schemeClr val="accent4">
+        <a:tint val="50000"/>
+      </a:schemeClr>
+      <a:schemeClr val="accent5">
+        <a:tint val="50000"/>
+      </a:schemeClr>
+      <a:schemeClr val="accent6">
+        <a:tint val="50000"/>
+      </a:schemeClr>
+    </dgm:fillClrLst>
+    <dgm:linClrLst meth="repeat">
+      <a:schemeClr val="lt1"/>
+    </dgm:linClrLst>
+    <dgm:effectClrLst/>
+    <dgm:txLinClrLst/>
+    <dgm:txFillClrLst meth="repeat">
+      <a:schemeClr val="lt1"/>
+    </dgm:txFillClrLst>
+    <dgm:txEffectClrLst/>
+  </dgm:styleLbl>
+  <dgm:styleLbl name="alignImgPlace1">
+    <dgm:fillClrLst>
+      <a:schemeClr val="accent1">
+        <a:tint val="50000"/>
+      </a:schemeClr>
+      <a:schemeClr val="accent2">
+        <a:tint val="20000"/>
+      </a:schemeClr>
+    </dgm:fillClrLst>
+    <dgm:linClrLst meth="repeat">
+      <a:schemeClr val="lt1"/>
+    </dgm:linClrLst>
+    <dgm:effectClrLst/>
+    <dgm:txLinClrLst/>
+    <dgm:txFillClrLst meth="repeat">
+      <a:schemeClr val="lt1"/>
+    </dgm:txFillClrLst>
+    <dgm:txEffectClrLst/>
+  </dgm:styleLbl>
+  <dgm:styleLbl name="bgImgPlace1">
+    <dgm:fillClrLst>
+      <a:schemeClr val="accent1">
+        <a:tint val="50000"/>
+      </a:schemeClr>
+      <a:schemeClr val="accent2">
+        <a:tint val="20000"/>
+      </a:schemeClr>
+    </dgm:fillClrLst>
+    <dgm:linClrLst meth="repeat">
+      <a:schemeClr val="lt1"/>
+    </dgm:linClrLst>
+    <dgm:effectClrLst/>
+    <dgm:txLinClrLst/>
+    <dgm:txFillClrLst meth="repeat">
+      <a:schemeClr val="lt1"/>
+    </dgm:txFillClrLst>
+    <dgm:txEffectClrLst/>
+  </dgm:styleLbl>
+  <dgm:styleLbl name="sibTrans2D1">
+    <dgm:fillClrLst meth="repeat">
+      <a:schemeClr val="accent2"/>
+      <a:schemeClr val="accent3"/>
+      <a:schemeClr val="accent4"/>
+      <a:schemeClr val="accent5"/>
+      <a:schemeClr val="accent6"/>
+    </dgm:fillClrLst>
+    <dgm:linClrLst meth="cycle">
+      <a:schemeClr val="lt1"/>
+    </dgm:linClrLst>
+    <dgm:effectClrLst/>
+    <dgm:txLinClrLst/>
+    <dgm:txFillClrLst/>
+    <dgm:txEffectClrLst/>
+  </dgm:styleLbl>
+  <dgm:styleLbl name="fgSibTrans2D1">
+    <dgm:fillClrLst meth="repeat">
+      <a:schemeClr val="accent2"/>
+      <a:schemeClr val="accent3"/>
+      <a:schemeClr val="accent4"/>
+      <a:schemeClr val="accent5"/>
+      <a:schemeClr val="accent6"/>
+    </dgm:fillClrLst>
+    <dgm:linClrLst meth="cycle">
+      <a:schemeClr val="lt1"/>
+    </dgm:linClrLst>
+    <dgm:effectClrLst/>
+    <dgm:txLinClrLst/>
+    <dgm:txFillClrLst meth="repeat">
+      <a:schemeClr val="lt1"/>
+    </dgm:txFillClrLst>
+    <dgm:txEffectClrLst/>
+  </dgm:styleLbl>
+  <dgm:styleLbl name="bgSibTrans2D1">
+    <dgm:fillClrLst meth="repeat">
+      <a:schemeClr val="accent2"/>
+      <a:schemeClr val="accent3"/>
+      <a:schemeClr val="accent4"/>
+      <a:schemeClr val="accent5"/>
+      <a:schemeClr val="accent6"/>
+    </dgm:fillClrLst>
+    <dgm:linClrLst meth="cycle">
+      <a:schemeClr val="lt1"/>
+    </dgm:linClrLst>
+    <dgm:effectClrLst/>
+    <dgm:txLinClrLst/>
+    <dgm:txFillClrLst meth="repeat">
+      <a:schemeClr val="lt1"/>
+    </dgm:txFillClrLst>
+    <dgm:txEffectClrLst/>
+  </dgm:styleLbl>
+  <dgm:styleLbl name="sibTrans1D1">
+    <dgm:fillClrLst meth="repeat">
+      <a:schemeClr val="accent2"/>
+      <a:schemeClr val="accent3"/>
+      <a:schemeClr val="accent4"/>
+      <a:schemeClr val="accent5"/>
+      <a:schemeClr val="accent6"/>
+    </dgm:fillClrLst>
+    <dgm:linClrLst meth="repeat">
+      <a:schemeClr val="accent2"/>
+      <a:schemeClr val="accent3"/>
+      <a:schemeClr val="accent4"/>
+      <a:schemeClr val="accent5"/>
+      <a:schemeClr val="accent6"/>
+    </dgm:linClrLst>
+    <dgm:effectClrLst/>
+    <dgm:txLinClrLst/>
+    <dgm:txFillClrLst meth="repeat">
+      <a:schemeClr val="tx1"/>
+    </dgm:txFillClrLst>
+    <dgm:txEffectClrLst/>
+  </dgm:styleLbl>
+  <dgm:styleLbl name="callout">
+    <dgm:fillClrLst meth="repeat">
+      <a:schemeClr val="accent2"/>
+    </dgm:fillClrLst>
+    <dgm:linClrLst meth="repeat">
+      <a:schemeClr val="accent2">
+        <a:tint val="50000"/>
+      </a:schemeClr>
+    </dgm:linClrLst>
+    <dgm:effectClrLst/>
+    <dgm:txLinClrLst/>
+    <dgm:txFillClrLst meth="repeat">
+      <a:schemeClr val="tx1"/>
+    </dgm:txFillClrLst>
+    <dgm:txEffectClrLst/>
+  </dgm:styleLbl>
+  <dgm:styleLbl name="asst0">
+    <dgm:fillClrLst meth="repeat">
+      <a:schemeClr val="accent1"/>
+    </dgm:fillClrLst>
+    <dgm:linClrLst meth="repeat">
+      <a:schemeClr val="lt1"/>
+    </dgm:linClrLst>
+    <dgm:effectClrLst/>
+    <dgm:txLinClrLst/>
+    <dgm:txFillClrLst/>
+    <dgm:txEffectClrLst/>
+  </dgm:styleLbl>
+  <dgm:styleLbl name="asst1">
+    <dgm:fillClrLst meth="repeat">
+      <a:schemeClr val="accent2"/>
+    </dgm:fillClrLst>
+    <dgm:linClrLst meth="repeat">
+      <a:schemeClr val="lt1"/>
+    </dgm:linClrLst>
+    <dgm:effectClrLst/>
+    <dgm:txLinClrLst/>
+    <dgm:txFillClrLst/>
+    <dgm:txEffectClrLst/>
+  </dgm:styleLbl>
+  <dgm:styleLbl name="asst2">
+    <dgm:fillClrLst>
+      <a:schemeClr val="accent3"/>
+    </dgm:fillClrLst>
+    <dgm:linClrLst meth="repeat">
+      <a:schemeClr val="lt1"/>
+    </dgm:linClrLst>
+    <dgm:effectClrLst/>
+    <dgm:txLinClrLst/>
+    <dgm:txFillClrLst/>
+    <dgm:txEffectClrLst/>
+  </dgm:styleLbl>
+  <dgm:styleLbl name="asst3">
+    <dgm:fillClrLst>
+      <a:schemeClr val="accent4"/>
+    </dgm:fillClrLst>
+    <dgm:linClrLst meth="repeat">
+      <a:schemeClr val="lt1"/>
+    </dgm:linClrLst>
+    <dgm:effectClrLst/>
+    <dgm:txLinClrLst/>
+    <dgm:txFillClrLst/>
+    <dgm:txEffectClrLst/>
+  </dgm:styleLbl>
+  <dgm:styleLbl name="asst4">
+    <dgm:fillClrLst>
+      <a:schemeClr val="accent5"/>
+    </dgm:fillClrLst>
+    <dgm:linClrLst meth="repeat">
+      <a:schemeClr val="lt1"/>
+    </dgm:linClrLst>
+    <dgm:effectClrLst/>
+    <dgm:txLinClrLst/>
+    <dgm:txFillClrLst/>
+    <dgm:txEffectClrLst/>
+  </dgm:styleLbl>
+  <dgm:styleLbl name="parChTrans2D1">
+    <dgm:fillClrLst meth="repeat">
+      <a:schemeClr val="accent2"/>
+    </dgm:fillClrLst>
+    <dgm:linClrLst meth="repeat">
+      <a:schemeClr val="lt1"/>
+    </dgm:linClrLst>
+    <dgm:effectClrLst/>
+    <dgm:txLinClrLst/>
+    <dgm:txFillClrLst meth="repeat">
+      <a:schemeClr val="lt1"/>
+    </dgm:txFillClrLst>
+    <dgm:txEffectClrLst/>
+  </dgm:styleLbl>
+  <dgm:styleLbl name="parChTrans2D2">
+    <dgm:fillClrLst meth="repeat">
+      <a:schemeClr val="accent3"/>
+    </dgm:fillClrLst>
+    <dgm:linClrLst meth="repeat">
+      <a:schemeClr val="lt1"/>
+    </dgm:linClrLst>
+    <dgm:effectClrLst/>
+    <dgm:txLinClrLst/>
+    <dgm:txFillClrLst/>
+    <dgm:txEffectClrLst/>
+  </dgm:styleLbl>
+  <dgm:styleLbl name="parChTrans2D3">
+    <dgm:fillClrLst meth="repeat">
+      <a:schemeClr val="accent4"/>
+    </dgm:fillClrLst>
+    <dgm:linClrLst meth="repeat">
+      <a:schemeClr val="lt1"/>
+    </dgm:linClrLst>
+    <dgm:effectClrLst/>
+    <dgm:txLinClrLst/>
+    <dgm:txFillClrLst/>
+    <dgm:txEffectClrLst/>
+  </dgm:styleLbl>
+  <dgm:styleLbl name="parChTrans2D4">
+    <dgm:fillClrLst meth="repeat">
+      <a:schemeClr val="accent5"/>
+    </dgm:fillClrLst>
+    <dgm:linClrLst meth="repeat">
+      <a:schemeClr val="lt1"/>
+    </dgm:linClrLst>
+    <dgm:effectClrLst/>
+    <dgm:txLinClrLst/>
+    <dgm:txFillClrLst meth="repeat">
+      <a:schemeClr val="lt1"/>
+    </dgm:txFillClrLst>
+    <dgm:txEffectClrLst/>
+  </dgm:styleLbl>
+  <dgm:styleLbl name="parChTrans1D1">
+    <dgm:fillClrLst meth="repeat">
+      <a:schemeClr val="accent2"/>
+    </dgm:fillClrLst>
+    <dgm:linClrLst meth="repeat">
+      <a:schemeClr val="accent1"/>
+    </dgm:linClrLst>
+    <dgm:effectClrLst/>
+    <dgm:txLinClrLst/>
+    <dgm:txFillClrLst meth="repeat">
+      <a:schemeClr val="tx1"/>
+    </dgm:txFillClrLst>
+    <dgm:txEffectClrLst/>
+  </dgm:styleLbl>
+  <dgm:styleLbl name="parChTrans1D2">
+    <dgm:fillClrLst meth="repeat">
+      <a:schemeClr val="accent3">
+        <a:tint val="90000"/>
+      </a:schemeClr>
+    </dgm:fillClrLst>
+    <dgm:linClrLst meth="repeat">
+      <a:schemeClr val="accent2"/>
+    </dgm:linClrLst>
+    <dgm:effectClrLst/>
+    <dgm:txLinClrLst/>
+    <dgm:txFillClrLst meth="repeat">
+      <a:schemeClr val="tx1"/>
+    </dgm:txFillClrLst>
+    <dgm:txEffectClrLst/>
+  </dgm:styleLbl>
+  <dgm:styleLbl name="parChTrans1D3">
+    <dgm:fillClrLst meth="repeat">
+      <a:schemeClr val="accent4">
+        <a:tint val="70000"/>
+      </a:schemeClr>
+    </dgm:fillClrLst>
+    <dgm:linClrLst meth="repeat">
+      <a:schemeClr val="accent3"/>
+    </dgm:linClrLst>
+    <dgm:effectClrLst/>
+    <dgm:txLinClrLst/>
+    <dgm:txFillClrLst meth="repeat">
+      <a:schemeClr val="tx1"/>
+    </dgm:txFillClrLst>
+    <dgm:txEffectClrLst/>
+  </dgm:styleLbl>
+  <dgm:styleLbl name="parChTrans1D4">
+    <dgm:fillClrLst meth="repeat">
+      <a:schemeClr val="accent5">
+        <a:tint val="50000"/>
+      </a:schemeClr>
+    </dgm:fillClrLst>
+    <dgm:linClrLst meth="repeat">
+      <a:schemeClr val="accent4"/>
+    </dgm:linClrLst>
+    <dgm:effectClrLst/>
+    <dgm:txLinClrLst/>
+    <dgm:txFillClrLst meth="repeat">
+      <a:schemeClr val="tx1"/>
+    </dgm:txFillClrLst>
+    <dgm:txEffectClrLst/>
+  </dgm:styleLbl>
+  <dgm:styleLbl name="fgAcc1">
+    <dgm:fillClrLst meth="repeat">
+      <a:schemeClr val="lt1">
+        <a:alpha val="90000"/>
+      </a:schemeClr>
+    </dgm:fillClrLst>
+    <dgm:linClrLst meth="repeat">
+      <a:schemeClr val="accent2"/>
+      <a:schemeClr val="accent3"/>
+      <a:schemeClr val="accent4"/>
+      <a:schemeClr val="accent5"/>
+      <a:schemeClr val="accent6"/>
+    </dgm:linClrLst>
+    <dgm:effectClrLst/>
+    <dgm:txLinClrLst/>
+    <dgm:txFillClrLst meth="repeat">
+      <a:schemeClr val="dk1"/>
+    </dgm:txFillClrLst>
+    <dgm:txEffectClrLst/>
+  </dgm:styleLbl>
+  <dgm:styleLbl name="conFgAcc1">
+    <dgm:fillClrLst meth="repeat">
+      <a:schemeClr val="lt1">
+        <a:alpha val="90000"/>
+      </a:schemeClr>
+    </dgm:fillClrLst>
+    <dgm:linClrLst meth="repeat">
+      <a:schemeClr val="accent2"/>
+      <a:schemeClr val="accent3"/>
+      <a:schemeClr val="accent4"/>
+      <a:schemeClr val="accent5"/>
+      <a:schemeClr val="accent6"/>
+    </dgm:linClrLst>
+    <dgm:effectClrLst/>
+    <dgm:txLinClrLst/>
+    <dgm:txFillClrLst meth="repeat">
+      <a:schemeClr val="dk1"/>
+    </dgm:txFillClrLst>
+    <dgm:txEffectClrLst/>
+  </dgm:styleLbl>
+  <dgm:styleLbl name="alignAcc1">
+    <dgm:fillClrLst meth="repeat">
+      <a:schemeClr val="lt1">
+        <a:alpha val="90000"/>
+      </a:schemeClr>
+    </dgm:fillClrLst>
+    <dgm:linClrLst meth="repeat">
+      <a:schemeClr val="accent2"/>
+      <a:schemeClr val="accent3"/>
+      <a:schemeClr val="accent4"/>
+      <a:schemeClr val="accent5"/>
+      <a:schemeClr val="accent6"/>
+    </dgm:linClrLst>
+    <dgm:effectClrLst/>
+    <dgm:txLinClrLst/>
+    <dgm:txFillClrLst meth="repeat">
+      <a:schemeClr val="dk1"/>
+    </dgm:txFillClrLst>
+    <dgm:txEffectClrLst/>
+  </dgm:styleLbl>
+  <dgm:styleLbl name="trAlignAcc1">
+    <dgm:fillClrLst meth="repeat">
+      <a:schemeClr val="lt1">
+        <a:alpha val="40000"/>
+      </a:schemeClr>
+    </dgm:fillClrLst>
+    <dgm:linClrLst meth="repeat">
+      <a:schemeClr val="accent1"/>
+    </dgm:linClrLst>
+    <dgm:effectClrLst/>
+    <dgm:txLinClrLst/>
+    <dgm:txFillClrLst meth="repeat">
+      <a:schemeClr val="dk1"/>
+    </dgm:txFillClrLst>
+    <dgm:txEffectClrLst/>
+  </dgm:styleLbl>
+  <dgm:styleLbl name="bgAcc1">
+    <dgm:fillClrLst meth="repeat">
+      <a:schemeClr val="lt1">
+        <a:alpha val="90000"/>
+      </a:schemeClr>
+    </dgm:fillClrLst>
+    <dgm:linClrLst meth="repeat">
+      <a:schemeClr val="accent2"/>
+      <a:schemeClr val="accent3"/>
+      <a:schemeClr val="accent4"/>
+      <a:schemeClr val="accent5"/>
+      <a:schemeClr val="accent6"/>
+    </dgm:linClrLst>
+    <dgm:effectClrLst/>
+    <dgm:txLinClrLst/>
+    <dgm:txFillClrLst meth="repeat">
+      <a:schemeClr val="dk1"/>
+    </dgm:txFillClrLst>
+    <dgm:txEffectClrLst/>
+  </dgm:styleLbl>
+  <dgm:styleLbl name="solidFgAcc1">
+    <dgm:fillClrLst meth="repeat">
+      <a:schemeClr val="lt1"/>
+    </dgm:fillClrLst>
+    <dgm:linClrLst meth="repeat">
+      <a:schemeClr val="accent2"/>
+      <a:schemeClr val="accent3"/>
+      <a:schemeClr val="accent4"/>
+      <a:schemeClr val="accent5"/>
+      <a:schemeClr val="accent6"/>
+    </dgm:linClrLst>
+    <dgm:effectClrLst/>
+    <dgm:txLinClrLst/>
+    <dgm:txFillClrLst meth="repeat">
+      <a:schemeClr val="dk1"/>
+    </dgm:txFillClrLst>
+    <dgm:txEffectClrLst/>
+  </dgm:styleLbl>
+  <dgm:styleLbl name="solidAlignAcc1">
+    <dgm:fillClrLst meth="repeat">
+      <a:schemeClr val="lt1"/>
+    </dgm:fillClrLst>
+    <dgm:linClrLst meth="repeat">
+      <a:schemeClr val="accent2"/>
+      <a:schemeClr val="accent3"/>
+      <a:schemeClr val="accent4"/>
+      <a:schemeClr val="accent5"/>
+      <a:schemeClr val="accent6"/>
+    </dgm:linClrLst>
+    <dgm:effectClrLst/>
+    <dgm:txLinClrLst/>
+    <dgm:txFillClrLst meth="repeat">
+      <a:schemeClr val="dk1"/>
+    </dgm:txFillClrLst>
+    <dgm:txEffectClrLst/>
+  </dgm:styleLbl>
+  <dgm:styleLbl name="solidBgAcc1">
+    <dgm:fillClrLst meth="repeat">
+      <a:schemeClr val="lt1"/>
+    </dgm:fillClrLst>
+    <dgm:linClrLst meth="repeat">
+      <a:schemeClr val="accent2"/>
+      <a:schemeClr val="accent3"/>
+      <a:schemeClr val="accent4"/>
+      <a:schemeClr val="accent5"/>
+      <a:schemeClr val="accent6"/>
+    </dgm:linClrLst>
+    <dgm:effectClrLst/>
+    <dgm:txLinClrLst/>
+    <dgm:txFillClrLst meth="repeat">
+      <a:schemeClr val="dk1"/>
+    </dgm:txFillClrLst>
+    <dgm:txEffectClrLst/>
+  </dgm:styleLbl>
+  <dgm:styleLbl name="fgAccFollowNode1">
+    <dgm:fillClrLst meth="repeat">
+      <a:schemeClr val="accent2">
+        <a:tint val="40000"/>
+        <a:alpha val="90000"/>
+      </a:schemeClr>
+      <a:schemeClr val="accent3">
+        <a:tint val="40000"/>
+        <a:alpha val="90000"/>
+      </a:schemeClr>
+      <a:schemeClr val="accent4">
+        <a:tint val="40000"/>
+        <a:alpha val="90000"/>
+      </a:schemeClr>
+      <a:schemeClr val="accent5">
+        <a:tint val="40000"/>
+        <a:alpha val="90000"/>
+      </a:schemeClr>
+      <a:schemeClr val="accent6">
+        <a:tint val="40000"/>
+        <a:alpha val="90000"/>
+      </a:schemeClr>
+    </dgm:fillClrLst>
+    <dgm:linClrLst meth="repeat">
+      <a:schemeClr val="accent2">
+        <a:tint val="40000"/>
+        <a:alpha val="90000"/>
+      </a:schemeClr>
+      <a:schemeClr val="accent3">
+        <a:tint val="40000"/>
+        <a:alpha val="90000"/>
+      </a:schemeClr>
+      <a:schemeClr val="accent4">
+        <a:tint val="40000"/>
+        <a:alpha val="90000"/>
+      </a:schemeClr>
+      <a:schemeClr val="accent5">
+        <a:tint val="40000"/>
+        <a:alpha val="90000"/>
+      </a:schemeClr>
+      <a:schemeClr val="accent6">
+        <a:tint val="40000"/>
+        <a:alpha val="90000"/>
+      </a:schemeClr>
+    </dgm:linClrLst>
+    <dgm:effectClrLst/>
+    <dgm:txLinClrLst/>
+    <dgm:txFillClrLst meth="repeat">
+      <a:schemeClr val="dk1"/>
+    </dgm:txFillClrLst>
+    <dgm:txEffectClrLst/>
+  </dgm:styleLbl>
+  <dgm:styleLbl name="alignAccFollowNode1">
+    <dgm:fillClrLst meth="repeat">
+      <a:schemeClr val="accent2">
+        <a:tint val="40000"/>
+        <a:alpha val="90000"/>
+      </a:schemeClr>
+      <a:schemeClr val="accent3">
+        <a:tint val="40000"/>
+        <a:alpha val="90000"/>
+      </a:schemeClr>
+      <a:schemeClr val="accent4">
+        <a:tint val="40000"/>
+        <a:alpha val="90000"/>
+      </a:schemeClr>
+      <a:schemeClr val="accent5">
+        <a:tint val="40000"/>
+        <a:alpha val="90000"/>
+      </a:schemeClr>
+      <a:schemeClr val="accent6">
+        <a:tint val="40000"/>
+        <a:alpha val="90000"/>
+      </a:schemeClr>
+    </dgm:fillClrLst>
+    <dgm:linClrLst meth="repeat">
+      <a:schemeClr val="accent2">
+        <a:tint val="40000"/>
+        <a:alpha val="90000"/>
+      </a:schemeClr>
+      <a:schemeClr val="accent3">
+        <a:tint val="40000"/>
+        <a:alpha val="90000"/>
+      </a:schemeClr>
+      <a:schemeClr val="accent4">
+        <a:tint val="40000"/>
+        <a:alpha val="90000"/>
+      </a:schemeClr>
+      <a:schemeClr val="accent5">
+        <a:tint val="40000"/>
+        <a:alpha val="90000"/>
+      </a:schemeClr>
+      <a:schemeClr val="accent6">
+        <a:tint val="40000"/>
+        <a:alpha val="90000"/>
+      </a:schemeClr>
+    </dgm:linClrLst>
+    <dgm:effectClrLst/>
+    <dgm:txLinClrLst/>
+    <dgm:txFillClrLst meth="repeat">
+      <a:schemeClr val="dk1"/>
+    </dgm:txFillClrLst>
+    <dgm:txEffectClrLst/>
+  </dgm:styleLbl>
+  <dgm:styleLbl name="bgAccFollowNode1">
+    <dgm:fillClrLst meth="repeat">
+      <a:schemeClr val="accent2">
+        <a:tint val="40000"/>
+        <a:alpha val="90000"/>
+      </a:schemeClr>
+      <a:schemeClr val="accent3">
+        <a:tint val="40000"/>
+        <a:alpha val="90000"/>
+      </a:schemeClr>
+      <a:schemeClr val="accent4">
+        <a:tint val="40000"/>
+        <a:alpha val="90000"/>
+      </a:schemeClr>
+      <a:schemeClr val="accent5">
+        <a:tint val="40000"/>
+        <a:alpha val="90000"/>
+      </a:schemeClr>
+      <a:schemeClr val="accent6">
+        <a:tint val="40000"/>
+        <a:alpha val="90000"/>
+      </a:schemeClr>
+    </dgm:fillClrLst>
+    <dgm:linClrLst meth="repeat">
+      <a:schemeClr val="accent2">
+        <a:tint val="40000"/>
+        <a:alpha val="90000"/>
+      </a:schemeClr>
+      <a:schemeClr val="accent3">
+        <a:tint val="40000"/>
+        <a:alpha val="90000"/>
+      </a:schemeClr>
+      <a:schemeClr val="accent4">
+        <a:tint val="40000"/>
+        <a:alpha val="90000"/>
+      </a:schemeClr>
+      <a:schemeClr val="accent5">
+        <a:tint val="40000"/>
+        <a:alpha val="90000"/>
+      </a:schemeClr>
+      <a:schemeClr val="accent6">
+        <a:tint val="40000"/>
+        <a:alpha val="90000"/>
+      </a:schemeClr>
+    </dgm:linClrLst>
+    <dgm:effectClrLst/>
+    <dgm:txLinClrLst/>
+    <dgm:txFillClrLst meth="repeat">
+      <a:schemeClr val="dk1"/>
+    </dgm:txFillClrLst>
+    <dgm:txEffectClrLst/>
+  </dgm:styleLbl>
+  <dgm:styleLbl name="fgAcc0">
+    <dgm:fillClrLst meth="repeat">
+      <a:schemeClr val="lt1">
+        <a:alpha val="90000"/>
+      </a:schemeClr>
+    </dgm:fillClrLst>
+    <dgm:linClrLst>
+      <a:schemeClr val="accent1"/>
+    </dgm:linClrLst>
+    <dgm:effectClrLst/>
+    <dgm:txLinClrLst/>
+    <dgm:txFillClrLst meth="repeat">
+      <a:schemeClr val="dk1"/>
+    </dgm:txFillClrLst>
+    <dgm:txEffectClrLst/>
+  </dgm:styleLbl>
+  <dgm:styleLbl name="fgAcc2">
+    <dgm:fillClrLst meth="repeat">
+      <a:schemeClr val="lt1">
+        <a:alpha val="90000"/>
+      </a:schemeClr>
+    </dgm:fillClrLst>
+    <dgm:linClrLst>
+      <a:schemeClr val="accent2"/>
+    </dgm:linClrLst>
+    <dgm:effectClrLst/>
+    <dgm:txLinClrLst/>
+    <dgm:txFillClrLst meth="repeat">
+      <a:schemeClr val="dk1"/>
+    </dgm:txFillClrLst>
+    <dgm:txEffectClrLst/>
+  </dgm:styleLbl>
+  <dgm:styleLbl name="fgAcc3">
+    <dgm:fillClrLst meth="repeat">
+      <a:schemeClr val="lt1">
+        <a:alpha val="90000"/>
+      </a:schemeClr>
+    </dgm:fillClrLst>
+    <dgm:linClrLst>
+      <a:schemeClr val="accent3"/>
+    </dgm:linClrLst>
+    <dgm:effectClrLst/>
+    <dgm:txLinClrLst/>
+    <dgm:txFillClrLst meth="repeat">
+      <a:schemeClr val="dk1"/>
+    </dgm:txFillClrLst>
+    <dgm:txEffectClrLst/>
+  </dgm:styleLbl>
+  <dgm:styleLbl name="fgAcc4">
+    <dgm:fillClrLst meth="repeat">
+      <a:schemeClr val="lt1">
+        <a:alpha val="90000"/>
+      </a:schemeClr>
+    </dgm:fillClrLst>
+    <dgm:linClrLst>
+      <a:schemeClr val="accent4"/>
+    </dgm:linClrLst>
+    <dgm:effectClrLst/>
+    <dgm:txLinClrLst/>
+    <dgm:txFillClrLst meth="repeat">
+      <a:schemeClr val="dk1"/>
+    </dgm:txFillClrLst>
+    <dgm:txEffectClrLst/>
+  </dgm:styleLbl>
+  <dgm:styleLbl name="bgShp">
+    <dgm:fillClrLst meth="repeat">
+      <a:schemeClr val="accent2">
+        <a:tint val="40000"/>
+      </a:schemeClr>
+    </dgm:fillClrLst>
+    <dgm:linClrLst meth="repeat">
+      <a:schemeClr val="dk1"/>
+    </dgm:linClrLst>
+    <dgm:effectClrLst/>
+    <dgm:txLinClrLst/>
+    <dgm:txFillClrLst meth="repeat">
+      <a:schemeClr val="dk1"/>
+    </dgm:txFillClrLst>
+    <dgm:txEffectClrLst/>
+  </dgm:styleLbl>
+  <dgm:styleLbl name="dkBgShp">
+    <dgm:fillClrLst meth="repeat">
+      <a:schemeClr val="accent2">
+        <a:shade val="90000"/>
+      </a:schemeClr>
+    </dgm:fillClrLst>
+    <dgm:linClrLst meth="repeat">
+      <a:schemeClr val="dk1"/>
+    </dgm:linClrLst>
+    <dgm:effectClrLst/>
+    <dgm:txLinClrLst/>
+    <dgm:txFillClrLst meth="repeat">
+      <a:schemeClr val="lt1"/>
+    </dgm:txFillClrLst>
+    <dgm:txEffectClrLst/>
+  </dgm:styleLbl>
+  <dgm:styleLbl name="trBgShp">
+    <dgm:fillClrLst meth="repeat">
+      <a:schemeClr val="accent1">
+        <a:tint val="50000"/>
+        <a:alpha val="40000"/>
+      </a:schemeClr>
+    </dgm:fillClrLst>
+    <dgm:linClrLst meth="repeat">
+      <a:schemeClr val="accent2"/>
+    </dgm:linClrLst>
+    <dgm:effectClrLst/>
+    <dgm:txLinClrLst/>
+    <dgm:txFillClrLst meth="repeat">
+      <a:schemeClr val="lt1"/>
+    </dgm:txFillClrLst>
+    <dgm:txEffectClrLst/>
+  </dgm:styleLbl>
+  <dgm:styleLbl name="fgShp">
+    <dgm:fillClrLst meth="repeat">
+      <a:schemeClr val="accent2">
+        <a:tint val="40000"/>
+      </a:schemeClr>
+    </dgm:fillClrLst>
+    <dgm:linClrLst meth="repeat">
+      <a:schemeClr val="lt1"/>
+    </dgm:linClrLst>
+    <dgm:effectClrLst/>
+    <dgm:txLinClrLst/>
+    <dgm:txFillClrLst meth="repeat">
+      <a:schemeClr val="dk1"/>
+    </dgm:txFillClrLst>
+    <dgm:txEffectClrLst/>
+  </dgm:styleLbl>
+  <dgm:styleLbl name="revTx">
+    <dgm:fillClrLst meth="repeat">
+      <a:schemeClr val="lt1">
+        <a:alpha val="0"/>
+      </a:schemeClr>
+    </dgm:fillClrLst>
+    <dgm:linClrLst meth="repeat">
+      <a:schemeClr val="dk1">
+        <a:alpha val="0"/>
+      </a:schemeClr>
+    </dgm:linClrLst>
+    <dgm:effectClrLst/>
+    <dgm:txLinClrLst/>
+    <dgm:txFillClrLst meth="repeat">
+      <a:schemeClr val="tx1"/>
+    </dgm:txFillClrLst>
+    <dgm:txEffectClrLst/>
+  </dgm:styleLbl>
+</dgm:colorsDef>
+</file>
+
+<file path=ppt/diagrams/colors2.xml><?xml version="1.0" encoding="utf-8"?>
 <dgm:colorsDef xmlns:dgm="http://schemas.openxmlformats.org/drawingml/2006/diagram" xmlns:a="http://schemas.openxmlformats.org/drawingml/2006/main" uniqueId="urn:microsoft.com/office/officeart/2005/8/colors/colorful2">
   <dgm:title val=""/>
   <dgm:desc val=""/>
@@ -898,790 +1821,6 @@
     <dgm:txLinClrLst/>
     <dgm:txFillClrLst meth="repeat">
       <a:schemeClr val="tx1"/>
-    </dgm:txFillClrLst>
-    <dgm:txEffectClrLst/>
-  </dgm:styleLbl>
-</dgm:colorsDef>
-</file>
-
-<file path=ppt/diagrams/colors2.xml><?xml version="1.0" encoding="utf-8"?>
-<dgm:colorsDef xmlns:dgm="http://schemas.openxmlformats.org/drawingml/2006/diagram" xmlns:a="http://schemas.openxmlformats.org/drawingml/2006/main" uniqueId="urn:microsoft.com/office/officeart/2018/5/colors/Iconchunking_neutralicontext_colorful2">
-  <dgm:title val=""/>
-  <dgm:desc val=""/>
-  <dgm:catLst>
-    <dgm:cat type="colorful" pri="10200"/>
-  </dgm:catLst>
-  <dgm:styleLbl name="node0">
-    <dgm:fillClrLst meth="repeat">
-      <a:schemeClr val="accent1"/>
-    </dgm:fillClrLst>
-    <dgm:linClrLst meth="repeat">
-      <a:schemeClr val="lt1"/>
-    </dgm:linClrLst>
-    <dgm:effectClrLst/>
-    <dgm:txLinClrLst/>
-    <dgm:txFillClrLst/>
-    <dgm:txEffectClrLst/>
-  </dgm:styleLbl>
-  <dgm:styleLbl name="node1">
-    <dgm:fillClrLst meth="repeat">
-      <a:schemeClr val="bg1"/>
-    </dgm:fillClrLst>
-    <dgm:linClrLst meth="repeat">
-      <a:schemeClr val="lt1">
-        <a:alpha val="0"/>
-      </a:schemeClr>
-    </dgm:linClrLst>
-    <dgm:effectClrLst/>
-    <dgm:txLinClrLst/>
-    <dgm:txFillClrLst meth="repeat">
-      <a:schemeClr val="dk1"/>
-    </dgm:txFillClrLst>
-    <dgm:txEffectClrLst/>
-  </dgm:styleLbl>
-  <dgm:styleLbl name="alignNode1">
-    <dgm:fillClrLst>
-      <a:schemeClr val="accent2"/>
-      <a:schemeClr val="accent3"/>
-    </dgm:fillClrLst>
-    <dgm:linClrLst>
-      <a:schemeClr val="accent2"/>
-      <a:schemeClr val="accent3"/>
-    </dgm:linClrLst>
-    <dgm:effectClrLst/>
-    <dgm:txLinClrLst/>
-    <dgm:txFillClrLst/>
-    <dgm:txEffectClrLst/>
-  </dgm:styleLbl>
-  <dgm:styleLbl name="lnNode1">
-    <dgm:fillClrLst>
-      <a:schemeClr val="accent2"/>
-      <a:schemeClr val="accent3"/>
-    </dgm:fillClrLst>
-    <dgm:linClrLst meth="repeat">
-      <a:schemeClr val="lt1"/>
-    </dgm:linClrLst>
-    <dgm:effectClrLst/>
-    <dgm:txLinClrLst/>
-    <dgm:txFillClrLst/>
-    <dgm:txEffectClrLst/>
-  </dgm:styleLbl>
-  <dgm:styleLbl name="vennNode1">
-    <dgm:fillClrLst>
-      <a:schemeClr val="accent2">
-        <a:alpha val="50000"/>
-      </a:schemeClr>
-      <a:schemeClr val="accent3">
-        <a:alpha val="50000"/>
-      </a:schemeClr>
-    </dgm:fillClrLst>
-    <dgm:linClrLst meth="repeat">
-      <a:schemeClr val="lt1"/>
-    </dgm:linClrLst>
-    <dgm:effectClrLst/>
-    <dgm:txLinClrLst/>
-    <dgm:txFillClrLst/>
-    <dgm:txEffectClrLst/>
-  </dgm:styleLbl>
-  <dgm:styleLbl name="node2">
-    <dgm:fillClrLst>
-      <a:schemeClr val="accent3"/>
-    </dgm:fillClrLst>
-    <dgm:linClrLst meth="repeat">
-      <a:schemeClr val="lt1"/>
-    </dgm:linClrLst>
-    <dgm:effectClrLst/>
-    <dgm:txLinClrLst/>
-    <dgm:txFillClrLst/>
-    <dgm:txEffectClrLst/>
-  </dgm:styleLbl>
-  <dgm:styleLbl name="node3">
-    <dgm:fillClrLst>
-      <a:schemeClr val="accent4"/>
-    </dgm:fillClrLst>
-    <dgm:linClrLst meth="repeat">
-      <a:schemeClr val="lt1"/>
-    </dgm:linClrLst>
-    <dgm:effectClrLst/>
-    <dgm:txLinClrLst/>
-    <dgm:txFillClrLst/>
-    <dgm:txEffectClrLst/>
-  </dgm:styleLbl>
-  <dgm:styleLbl name="node4">
-    <dgm:fillClrLst>
-      <a:schemeClr val="accent5"/>
-    </dgm:fillClrLst>
-    <dgm:linClrLst meth="repeat">
-      <a:schemeClr val="lt1"/>
-    </dgm:linClrLst>
-    <dgm:effectClrLst/>
-    <dgm:txLinClrLst/>
-    <dgm:txFillClrLst/>
-    <dgm:txEffectClrLst/>
-  </dgm:styleLbl>
-  <dgm:styleLbl name="fgImgPlace1">
-    <dgm:fillClrLst>
-      <a:schemeClr val="accent2">
-        <a:tint val="50000"/>
-      </a:schemeClr>
-      <a:schemeClr val="accent3">
-        <a:tint val="50000"/>
-      </a:schemeClr>
-    </dgm:fillClrLst>
-    <dgm:linClrLst meth="repeat">
-      <a:schemeClr val="lt1"/>
-    </dgm:linClrLst>
-    <dgm:effectClrLst/>
-    <dgm:txLinClrLst/>
-    <dgm:txFillClrLst meth="repeat">
-      <a:schemeClr val="lt1"/>
-    </dgm:txFillClrLst>
-    <dgm:txEffectClrLst/>
-  </dgm:styleLbl>
-  <dgm:styleLbl name="alignImgPlace1">
-    <dgm:fillClrLst>
-      <a:schemeClr val="accent2">
-        <a:tint val="50000"/>
-      </a:schemeClr>
-      <a:schemeClr val="accent3">
-        <a:tint val="20000"/>
-      </a:schemeClr>
-    </dgm:fillClrLst>
-    <dgm:linClrLst meth="repeat">
-      <a:schemeClr val="lt1"/>
-    </dgm:linClrLst>
-    <dgm:effectClrLst/>
-    <dgm:txLinClrLst/>
-    <dgm:txFillClrLst meth="repeat">
-      <a:schemeClr val="lt1"/>
-    </dgm:txFillClrLst>
-    <dgm:txEffectClrLst/>
-  </dgm:styleLbl>
-  <dgm:styleLbl name="bgImgPlace1">
-    <dgm:fillClrLst>
-      <a:schemeClr val="accent2">
-        <a:tint val="50000"/>
-      </a:schemeClr>
-      <a:schemeClr val="accent3">
-        <a:tint val="20000"/>
-      </a:schemeClr>
-    </dgm:fillClrLst>
-    <dgm:linClrLst meth="repeat">
-      <a:schemeClr val="lt1"/>
-    </dgm:linClrLst>
-    <dgm:effectClrLst/>
-    <dgm:txLinClrLst/>
-    <dgm:txFillClrLst meth="repeat">
-      <a:schemeClr val="lt1"/>
-    </dgm:txFillClrLst>
-    <dgm:txEffectClrLst/>
-  </dgm:styleLbl>
-  <dgm:styleLbl name="sibTrans2D1">
-    <dgm:fillClrLst>
-      <a:schemeClr val="accent2"/>
-      <a:schemeClr val="accent3"/>
-    </dgm:fillClrLst>
-    <dgm:linClrLst meth="repeat">
-      <a:schemeClr val="lt1"/>
-    </dgm:linClrLst>
-    <dgm:effectClrLst/>
-    <dgm:txLinClrLst/>
-    <dgm:txFillClrLst/>
-    <dgm:txEffectClrLst/>
-  </dgm:styleLbl>
-  <dgm:styleLbl name="fgSibTrans2D1">
-    <dgm:fillClrLst>
-      <a:schemeClr val="accent2"/>
-      <a:schemeClr val="accent3"/>
-    </dgm:fillClrLst>
-    <dgm:linClrLst meth="repeat">
-      <a:schemeClr val="lt1"/>
-    </dgm:linClrLst>
-    <dgm:effectClrLst/>
-    <dgm:txLinClrLst/>
-    <dgm:txFillClrLst meth="repeat">
-      <a:schemeClr val="lt1"/>
-    </dgm:txFillClrLst>
-    <dgm:txEffectClrLst/>
-  </dgm:styleLbl>
-  <dgm:styleLbl name="bgSibTrans2D1">
-    <dgm:fillClrLst>
-      <a:schemeClr val="accent2"/>
-      <a:schemeClr val="accent3"/>
-    </dgm:fillClrLst>
-    <dgm:linClrLst meth="repeat">
-      <a:schemeClr val="lt1"/>
-    </dgm:linClrLst>
-    <dgm:effectClrLst/>
-    <dgm:txLinClrLst/>
-    <dgm:txFillClrLst meth="repeat">
-      <a:schemeClr val="lt1"/>
-    </dgm:txFillClrLst>
-    <dgm:txEffectClrLst/>
-  </dgm:styleLbl>
-  <dgm:styleLbl name="sibTrans1D1">
-    <dgm:fillClrLst/>
-    <dgm:linClrLst>
-      <a:schemeClr val="accent2"/>
-      <a:schemeClr val="accent3"/>
-    </dgm:linClrLst>
-    <dgm:effectClrLst/>
-    <dgm:txLinClrLst/>
-    <dgm:txFillClrLst meth="repeat">
-      <a:schemeClr val="tx1"/>
-    </dgm:txFillClrLst>
-    <dgm:txEffectClrLst/>
-  </dgm:styleLbl>
-  <dgm:styleLbl name="callout">
-    <dgm:fillClrLst meth="repeat">
-      <a:schemeClr val="accent2"/>
-    </dgm:fillClrLst>
-    <dgm:linClrLst meth="repeat">
-      <a:schemeClr val="accent2">
-        <a:tint val="50000"/>
-      </a:schemeClr>
-    </dgm:linClrLst>
-    <dgm:effectClrLst/>
-    <dgm:txLinClrLst/>
-    <dgm:txFillClrLst meth="repeat">
-      <a:schemeClr val="tx1"/>
-    </dgm:txFillClrLst>
-    <dgm:txEffectClrLst/>
-  </dgm:styleLbl>
-  <dgm:styleLbl name="asst0">
-    <dgm:fillClrLst meth="repeat">
-      <a:schemeClr val="accent2"/>
-    </dgm:fillClrLst>
-    <dgm:linClrLst meth="repeat">
-      <a:schemeClr val="lt1">
-        <a:shade val="80000"/>
-      </a:schemeClr>
-    </dgm:linClrLst>
-    <dgm:effectClrLst/>
-    <dgm:txLinClrLst/>
-    <dgm:txFillClrLst/>
-    <dgm:txEffectClrLst/>
-  </dgm:styleLbl>
-  <dgm:styleLbl name="asst1">
-    <dgm:fillClrLst meth="repeat">
-      <a:schemeClr val="accent3"/>
-    </dgm:fillClrLst>
-    <dgm:linClrLst meth="repeat">
-      <a:schemeClr val="lt1">
-        <a:shade val="80000"/>
-      </a:schemeClr>
-    </dgm:linClrLst>
-    <dgm:effectClrLst/>
-    <dgm:txLinClrLst/>
-    <dgm:txFillClrLst/>
-    <dgm:txEffectClrLst/>
-  </dgm:styleLbl>
-  <dgm:styleLbl name="asst2">
-    <dgm:fillClrLst>
-      <a:schemeClr val="accent4"/>
-    </dgm:fillClrLst>
-    <dgm:linClrLst meth="repeat">
-      <a:schemeClr val="lt1"/>
-    </dgm:linClrLst>
-    <dgm:effectClrLst/>
-    <dgm:txLinClrLst/>
-    <dgm:txFillClrLst/>
-    <dgm:txEffectClrLst/>
-  </dgm:styleLbl>
-  <dgm:styleLbl name="asst3">
-    <dgm:fillClrLst>
-      <a:schemeClr val="accent5"/>
-    </dgm:fillClrLst>
-    <dgm:linClrLst meth="repeat">
-      <a:schemeClr val="lt1"/>
-    </dgm:linClrLst>
-    <dgm:effectClrLst/>
-    <dgm:txLinClrLst/>
-    <dgm:txFillClrLst/>
-    <dgm:txEffectClrLst/>
-  </dgm:styleLbl>
-  <dgm:styleLbl name="asst4">
-    <dgm:fillClrLst>
-      <a:schemeClr val="accent6"/>
-    </dgm:fillClrLst>
-    <dgm:linClrLst meth="repeat">
-      <a:schemeClr val="lt1"/>
-    </dgm:linClrLst>
-    <dgm:effectClrLst/>
-    <dgm:txLinClrLst/>
-    <dgm:txFillClrLst/>
-    <dgm:txEffectClrLst/>
-  </dgm:styleLbl>
-  <dgm:styleLbl name="parChTrans2D1">
-    <dgm:fillClrLst meth="repeat">
-      <a:schemeClr val="accent2"/>
-    </dgm:fillClrLst>
-    <dgm:linClrLst meth="repeat">
-      <a:schemeClr val="lt1"/>
-    </dgm:linClrLst>
-    <dgm:effectClrLst/>
-    <dgm:txLinClrLst/>
-    <dgm:txFillClrLst meth="repeat">
-      <a:schemeClr val="lt1"/>
-    </dgm:txFillClrLst>
-    <dgm:txEffectClrLst/>
-  </dgm:styleLbl>
-  <dgm:styleLbl name="parChTrans2D2">
-    <dgm:fillClrLst meth="repeat">
-      <a:schemeClr val="accent3"/>
-    </dgm:fillClrLst>
-    <dgm:linClrLst meth="repeat">
-      <a:schemeClr val="lt1"/>
-    </dgm:linClrLst>
-    <dgm:effectClrLst/>
-    <dgm:txLinClrLst/>
-    <dgm:txFillClrLst/>
-    <dgm:txEffectClrLst/>
-  </dgm:styleLbl>
-  <dgm:styleLbl name="parChTrans2D3">
-    <dgm:fillClrLst meth="repeat">
-      <a:schemeClr val="accent4"/>
-    </dgm:fillClrLst>
-    <dgm:linClrLst meth="repeat">
-      <a:schemeClr val="lt1"/>
-    </dgm:linClrLst>
-    <dgm:effectClrLst/>
-    <dgm:txLinClrLst/>
-    <dgm:txFillClrLst/>
-    <dgm:txEffectClrLst/>
-  </dgm:styleLbl>
-  <dgm:styleLbl name="parChTrans2D4">
-    <dgm:fillClrLst meth="repeat">
-      <a:schemeClr val="accent5"/>
-    </dgm:fillClrLst>
-    <dgm:linClrLst meth="repeat">
-      <a:schemeClr val="lt1"/>
-    </dgm:linClrLst>
-    <dgm:effectClrLst/>
-    <dgm:txLinClrLst/>
-    <dgm:txFillClrLst meth="repeat">
-      <a:schemeClr val="lt1"/>
-    </dgm:txFillClrLst>
-    <dgm:txEffectClrLst/>
-  </dgm:styleLbl>
-  <dgm:styleLbl name="parChTrans1D1">
-    <dgm:fillClrLst meth="repeat">
-      <a:schemeClr val="accent2"/>
-    </dgm:fillClrLst>
-    <dgm:linClrLst meth="repeat">
-      <a:schemeClr val="accent2"/>
-    </dgm:linClrLst>
-    <dgm:effectClrLst/>
-    <dgm:txLinClrLst/>
-    <dgm:txFillClrLst meth="repeat">
-      <a:schemeClr val="tx1"/>
-    </dgm:txFillClrLst>
-    <dgm:txEffectClrLst/>
-  </dgm:styleLbl>
-  <dgm:styleLbl name="parChTrans1D2">
-    <dgm:fillClrLst meth="repeat">
-      <a:schemeClr val="accent2">
-        <a:tint val="90000"/>
-      </a:schemeClr>
-    </dgm:fillClrLst>
-    <dgm:linClrLst meth="repeat">
-      <a:schemeClr val="accent3"/>
-    </dgm:linClrLst>
-    <dgm:effectClrLst/>
-    <dgm:txLinClrLst/>
-    <dgm:txFillClrLst meth="repeat">
-      <a:schemeClr val="tx1"/>
-    </dgm:txFillClrLst>
-    <dgm:txEffectClrLst/>
-  </dgm:styleLbl>
-  <dgm:styleLbl name="parChTrans1D3">
-    <dgm:fillClrLst meth="repeat">
-      <a:schemeClr val="accent2">
-        <a:tint val="70000"/>
-      </a:schemeClr>
-    </dgm:fillClrLst>
-    <dgm:linClrLst meth="repeat">
-      <a:schemeClr val="accent4"/>
-    </dgm:linClrLst>
-    <dgm:effectClrLst/>
-    <dgm:txLinClrLst/>
-    <dgm:txFillClrLst meth="repeat">
-      <a:schemeClr val="tx1"/>
-    </dgm:txFillClrLst>
-    <dgm:txEffectClrLst/>
-  </dgm:styleLbl>
-  <dgm:styleLbl name="parChTrans1D4">
-    <dgm:fillClrLst meth="repeat">
-      <a:schemeClr val="accent2">
-        <a:tint val="50000"/>
-      </a:schemeClr>
-    </dgm:fillClrLst>
-    <dgm:linClrLst meth="repeat">
-      <a:schemeClr val="accent5"/>
-    </dgm:linClrLst>
-    <dgm:effectClrLst/>
-    <dgm:txLinClrLst/>
-    <dgm:txFillClrLst meth="repeat">
-      <a:schemeClr val="tx1"/>
-    </dgm:txFillClrLst>
-    <dgm:txEffectClrLst/>
-  </dgm:styleLbl>
-  <dgm:styleLbl name="fgAcc1">
-    <dgm:fillClrLst meth="repeat">
-      <a:schemeClr val="lt1">
-        <a:alpha val="90000"/>
-      </a:schemeClr>
-    </dgm:fillClrLst>
-    <dgm:linClrLst>
-      <a:schemeClr val="accent2"/>
-      <a:schemeClr val="accent3"/>
-    </dgm:linClrLst>
-    <dgm:effectClrLst/>
-    <dgm:txLinClrLst/>
-    <dgm:txFillClrLst meth="repeat">
-      <a:schemeClr val="dk1"/>
-    </dgm:txFillClrLst>
-    <dgm:txEffectClrLst/>
-  </dgm:styleLbl>
-  <dgm:styleLbl name="conFgAcc1">
-    <dgm:fillClrLst meth="repeat">
-      <a:schemeClr val="lt1">
-        <a:alpha val="90000"/>
-      </a:schemeClr>
-    </dgm:fillClrLst>
-    <dgm:linClrLst>
-      <a:schemeClr val="accent2"/>
-      <a:schemeClr val="accent3"/>
-    </dgm:linClrLst>
-    <dgm:effectClrLst/>
-    <dgm:txLinClrLst/>
-    <dgm:txFillClrLst meth="repeat">
-      <a:schemeClr val="dk1"/>
-    </dgm:txFillClrLst>
-    <dgm:txEffectClrLst/>
-  </dgm:styleLbl>
-  <dgm:styleLbl name="alignAcc1">
-    <dgm:fillClrLst meth="repeat">
-      <a:schemeClr val="lt1">
-        <a:alpha val="90000"/>
-      </a:schemeClr>
-    </dgm:fillClrLst>
-    <dgm:linClrLst>
-      <a:schemeClr val="accent2"/>
-      <a:schemeClr val="accent3"/>
-    </dgm:linClrLst>
-    <dgm:effectClrLst/>
-    <dgm:txLinClrLst/>
-    <dgm:txFillClrLst meth="repeat">
-      <a:schemeClr val="dk1"/>
-    </dgm:txFillClrLst>
-    <dgm:txEffectClrLst/>
-  </dgm:styleLbl>
-  <dgm:styleLbl name="trAlignAcc1">
-    <dgm:fillClrLst meth="repeat">
-      <a:schemeClr val="lt1">
-        <a:alpha val="40000"/>
-      </a:schemeClr>
-    </dgm:fillClrLst>
-    <dgm:linClrLst meth="repeat">
-      <a:schemeClr val="accent2"/>
-    </dgm:linClrLst>
-    <dgm:effectClrLst/>
-    <dgm:txLinClrLst/>
-    <dgm:txFillClrLst meth="repeat">
-      <a:schemeClr val="dk1"/>
-    </dgm:txFillClrLst>
-    <dgm:txEffectClrLst/>
-  </dgm:styleLbl>
-  <dgm:styleLbl name="bgAcc1">
-    <dgm:fillClrLst meth="repeat">
-      <a:schemeClr val="lt1">
-        <a:alpha val="90000"/>
-      </a:schemeClr>
-    </dgm:fillClrLst>
-    <dgm:linClrLst>
-      <a:schemeClr val="accent2"/>
-      <a:schemeClr val="accent3"/>
-    </dgm:linClrLst>
-    <dgm:effectClrLst/>
-    <dgm:txLinClrLst/>
-    <dgm:txFillClrLst meth="repeat">
-      <a:schemeClr val="dk1"/>
-    </dgm:txFillClrLst>
-    <dgm:txEffectClrLst/>
-  </dgm:styleLbl>
-  <dgm:styleLbl name="solidFgAcc1">
-    <dgm:fillClrLst meth="repeat">
-      <a:schemeClr val="lt1"/>
-    </dgm:fillClrLst>
-    <dgm:linClrLst>
-      <a:schemeClr val="accent2"/>
-      <a:schemeClr val="accent3"/>
-    </dgm:linClrLst>
-    <dgm:effectClrLst/>
-    <dgm:txLinClrLst/>
-    <dgm:txFillClrLst meth="repeat">
-      <a:schemeClr val="dk1"/>
-    </dgm:txFillClrLst>
-    <dgm:txEffectClrLst/>
-  </dgm:styleLbl>
-  <dgm:styleLbl name="solidAlignAcc1">
-    <dgm:fillClrLst meth="repeat">
-      <a:schemeClr val="lt1"/>
-    </dgm:fillClrLst>
-    <dgm:linClrLst>
-      <a:schemeClr val="accent2"/>
-      <a:schemeClr val="accent3"/>
-    </dgm:linClrLst>
-    <dgm:effectClrLst/>
-    <dgm:txLinClrLst/>
-    <dgm:txFillClrLst meth="repeat">
-      <a:schemeClr val="dk1"/>
-    </dgm:txFillClrLst>
-    <dgm:txEffectClrLst/>
-  </dgm:styleLbl>
-  <dgm:styleLbl name="solidBgAcc1">
-    <dgm:fillClrLst meth="repeat">
-      <a:schemeClr val="lt1"/>
-    </dgm:fillClrLst>
-    <dgm:linClrLst>
-      <a:schemeClr val="accent2"/>
-      <a:schemeClr val="accent3"/>
-    </dgm:linClrLst>
-    <dgm:effectClrLst/>
-    <dgm:txLinClrLst/>
-    <dgm:txFillClrLst meth="repeat">
-      <a:schemeClr val="dk1"/>
-    </dgm:txFillClrLst>
-    <dgm:txEffectClrLst/>
-  </dgm:styleLbl>
-  <dgm:styleLbl name="fgAccFollowNode1">
-    <dgm:fillClrLst>
-      <a:schemeClr val="accent2">
-        <a:tint val="40000"/>
-        <a:alpha val="90000"/>
-      </a:schemeClr>
-      <a:schemeClr val="accent3">
-        <a:tint val="40000"/>
-        <a:alpha val="90000"/>
-      </a:schemeClr>
-    </dgm:fillClrLst>
-    <dgm:linClrLst>
-      <a:schemeClr val="accent2">
-        <a:tint val="40000"/>
-        <a:alpha val="90000"/>
-      </a:schemeClr>
-      <a:schemeClr val="accent3">
-        <a:tint val="40000"/>
-        <a:alpha val="90000"/>
-      </a:schemeClr>
-    </dgm:linClrLst>
-    <dgm:effectClrLst/>
-    <dgm:txLinClrLst/>
-    <dgm:txFillClrLst meth="repeat">
-      <a:schemeClr val="dk1"/>
-    </dgm:txFillClrLst>
-    <dgm:txEffectClrLst/>
-  </dgm:styleLbl>
-  <dgm:styleLbl name="alignAccFollowNode1">
-    <dgm:fillClrLst>
-      <a:schemeClr val="accent2">
-        <a:tint val="40000"/>
-        <a:alpha val="90000"/>
-      </a:schemeClr>
-      <a:schemeClr val="accent3">
-        <a:tint val="40000"/>
-        <a:alpha val="90000"/>
-      </a:schemeClr>
-    </dgm:fillClrLst>
-    <dgm:linClrLst>
-      <a:schemeClr val="accent2">
-        <a:tint val="40000"/>
-        <a:alpha val="90000"/>
-      </a:schemeClr>
-      <a:schemeClr val="accent3">
-        <a:tint val="40000"/>
-        <a:alpha val="90000"/>
-      </a:schemeClr>
-    </dgm:linClrLst>
-    <dgm:effectClrLst/>
-    <dgm:txLinClrLst/>
-    <dgm:txFillClrLst meth="repeat">
-      <a:schemeClr val="dk1"/>
-    </dgm:txFillClrLst>
-    <dgm:txEffectClrLst/>
-  </dgm:styleLbl>
-  <dgm:styleLbl name="bgAccFollowNode1">
-    <dgm:fillClrLst>
-      <a:schemeClr val="accent2">
-        <a:tint val="40000"/>
-        <a:alpha val="90000"/>
-      </a:schemeClr>
-      <a:schemeClr val="accent3">
-        <a:tint val="40000"/>
-        <a:alpha val="90000"/>
-      </a:schemeClr>
-    </dgm:fillClrLst>
-    <dgm:linClrLst>
-      <a:schemeClr val="accent2">
-        <a:tint val="40000"/>
-        <a:alpha val="90000"/>
-      </a:schemeClr>
-      <a:schemeClr val="accent3">
-        <a:tint val="40000"/>
-        <a:alpha val="90000"/>
-      </a:schemeClr>
-    </dgm:linClrLst>
-    <dgm:effectClrLst/>
-    <dgm:txLinClrLst/>
-    <dgm:txFillClrLst meth="repeat">
-      <a:schemeClr val="dk1"/>
-    </dgm:txFillClrLst>
-    <dgm:txEffectClrLst/>
-  </dgm:styleLbl>
-  <dgm:styleLbl name="fgAcc0">
-    <dgm:fillClrLst meth="repeat">
-      <a:schemeClr val="lt1">
-        <a:alpha val="90000"/>
-      </a:schemeClr>
-    </dgm:fillClrLst>
-    <dgm:linClrLst>
-      <a:schemeClr val="accent1"/>
-    </dgm:linClrLst>
-    <dgm:effectClrLst/>
-    <dgm:txLinClrLst/>
-    <dgm:txFillClrLst meth="repeat">
-      <a:schemeClr val="dk1"/>
-    </dgm:txFillClrLst>
-    <dgm:txEffectClrLst/>
-  </dgm:styleLbl>
-  <dgm:styleLbl name="fgAcc2">
-    <dgm:fillClrLst meth="repeat">
-      <a:schemeClr val="lt1">
-        <a:alpha val="90000"/>
-      </a:schemeClr>
-    </dgm:fillClrLst>
-    <dgm:linClrLst>
-      <a:schemeClr val="accent3"/>
-    </dgm:linClrLst>
-    <dgm:effectClrLst/>
-    <dgm:txLinClrLst/>
-    <dgm:txFillClrLst meth="repeat">
-      <a:schemeClr val="dk1"/>
-    </dgm:txFillClrLst>
-    <dgm:txEffectClrLst/>
-  </dgm:styleLbl>
-  <dgm:styleLbl name="fgAcc3">
-    <dgm:fillClrLst meth="repeat">
-      <a:schemeClr val="lt1">
-        <a:alpha val="90000"/>
-      </a:schemeClr>
-    </dgm:fillClrLst>
-    <dgm:linClrLst>
-      <a:schemeClr val="accent4"/>
-    </dgm:linClrLst>
-    <dgm:effectClrLst/>
-    <dgm:txLinClrLst/>
-    <dgm:txFillClrLst meth="repeat">
-      <a:schemeClr val="dk1"/>
-    </dgm:txFillClrLst>
-    <dgm:txEffectClrLst/>
-  </dgm:styleLbl>
-  <dgm:styleLbl name="fgAcc4">
-    <dgm:fillClrLst meth="repeat">
-      <a:schemeClr val="lt1">
-        <a:alpha val="90000"/>
-      </a:schemeClr>
-    </dgm:fillClrLst>
-    <dgm:linClrLst>
-      <a:schemeClr val="accent5"/>
-    </dgm:linClrLst>
-    <dgm:effectClrLst/>
-    <dgm:txLinClrLst/>
-    <dgm:txFillClrLst meth="repeat">
-      <a:schemeClr val="dk1"/>
-    </dgm:txFillClrLst>
-    <dgm:txEffectClrLst/>
-  </dgm:styleLbl>
-  <dgm:styleLbl name="bgShp">
-    <dgm:fillClrLst>
-      <a:schemeClr val="accent2"/>
-      <a:schemeClr val="accent3"/>
-    </dgm:fillClrLst>
-    <dgm:linClrLst meth="repeat">
-      <a:schemeClr val="lt1">
-        <a:alpha val="0"/>
-      </a:schemeClr>
-    </dgm:linClrLst>
-    <dgm:effectClrLst/>
-    <dgm:txLinClrLst/>
-    <dgm:txFillClrLst/>
-    <dgm:txEffectClrLst/>
-  </dgm:styleLbl>
-  <dgm:styleLbl name="dkBgShp">
-    <dgm:fillClrLst meth="repeat">
-      <a:schemeClr val="accent2">
-        <a:shade val="90000"/>
-      </a:schemeClr>
-    </dgm:fillClrLst>
-    <dgm:linClrLst meth="repeat">
-      <a:schemeClr val="dk1"/>
-    </dgm:linClrLst>
-    <dgm:effectClrLst/>
-    <dgm:txLinClrLst/>
-    <dgm:txFillClrLst meth="repeat">
-      <a:schemeClr val="lt1"/>
-    </dgm:txFillClrLst>
-    <dgm:txEffectClrLst/>
-  </dgm:styleLbl>
-  <dgm:styleLbl name="trBgShp">
-    <dgm:fillClrLst meth="repeat">
-      <a:schemeClr val="accent2">
-        <a:tint val="50000"/>
-        <a:alpha val="40000"/>
-      </a:schemeClr>
-    </dgm:fillClrLst>
-    <dgm:linClrLst meth="repeat">
-      <a:schemeClr val="accent2"/>
-    </dgm:linClrLst>
-    <dgm:effectClrLst/>
-    <dgm:txLinClrLst/>
-    <dgm:txFillClrLst meth="repeat">
-      <a:schemeClr val="lt1"/>
-    </dgm:txFillClrLst>
-    <dgm:txEffectClrLst/>
-  </dgm:styleLbl>
-  <dgm:styleLbl name="fgShp">
-    <dgm:fillClrLst meth="repeat">
-      <a:schemeClr val="accent2">
-        <a:tint val="40000"/>
-      </a:schemeClr>
-    </dgm:fillClrLst>
-    <dgm:linClrLst meth="repeat">
-      <a:schemeClr val="lt1"/>
-    </dgm:linClrLst>
-    <dgm:effectClrLst/>
-    <dgm:txLinClrLst/>
-    <dgm:txFillClrLst meth="repeat">
-      <a:schemeClr val="dk1"/>
-    </dgm:txFillClrLst>
-    <dgm:txEffectClrLst/>
-  </dgm:styleLbl>
-  <dgm:styleLbl name="revTx">
-    <dgm:fillClrLst meth="repeat">
-      <a:schemeClr val="lt1">
-        <a:alpha val="0"/>
-      </a:schemeClr>
-    </dgm:fillClrLst>
-    <dgm:linClrLst meth="repeat">
-      <a:schemeClr val="dk1">
-        <a:alpha val="0"/>
-      </a:schemeClr>
-    </dgm:linClrLst>
-    <dgm:effectClrLst/>
-    <dgm:txLinClrLst/>
-    <dgm:txFillClrLst meth="repeat">
-      <a:schemeClr val="bg1"/>
     </dgm:txFillClrLst>
     <dgm:txEffectClrLst/>
   </dgm:styleLbl>
@@ -2471,6 +2610,790 @@
 </file>
 
 <file path=ppt/diagrams/colors4.xml><?xml version="1.0" encoding="utf-8"?>
+<dgm:colorsDef xmlns:dgm="http://schemas.openxmlformats.org/drawingml/2006/diagram" xmlns:a="http://schemas.openxmlformats.org/drawingml/2006/main" uniqueId="urn:microsoft.com/office/officeart/2018/5/colors/Iconchunking_neutralicontext_colorful2">
+  <dgm:title val=""/>
+  <dgm:desc val=""/>
+  <dgm:catLst>
+    <dgm:cat type="colorful" pri="10200"/>
+  </dgm:catLst>
+  <dgm:styleLbl name="node0">
+    <dgm:fillClrLst meth="repeat">
+      <a:schemeClr val="accent1"/>
+    </dgm:fillClrLst>
+    <dgm:linClrLst meth="repeat">
+      <a:schemeClr val="lt1"/>
+    </dgm:linClrLst>
+    <dgm:effectClrLst/>
+    <dgm:txLinClrLst/>
+    <dgm:txFillClrLst/>
+    <dgm:txEffectClrLst/>
+  </dgm:styleLbl>
+  <dgm:styleLbl name="node1">
+    <dgm:fillClrLst meth="repeat">
+      <a:schemeClr val="bg1"/>
+    </dgm:fillClrLst>
+    <dgm:linClrLst meth="repeat">
+      <a:schemeClr val="lt1">
+        <a:alpha val="0"/>
+      </a:schemeClr>
+    </dgm:linClrLst>
+    <dgm:effectClrLst/>
+    <dgm:txLinClrLst/>
+    <dgm:txFillClrLst meth="repeat">
+      <a:schemeClr val="dk1"/>
+    </dgm:txFillClrLst>
+    <dgm:txEffectClrLst/>
+  </dgm:styleLbl>
+  <dgm:styleLbl name="alignNode1">
+    <dgm:fillClrLst>
+      <a:schemeClr val="accent2"/>
+      <a:schemeClr val="accent3"/>
+    </dgm:fillClrLst>
+    <dgm:linClrLst>
+      <a:schemeClr val="accent2"/>
+      <a:schemeClr val="accent3"/>
+    </dgm:linClrLst>
+    <dgm:effectClrLst/>
+    <dgm:txLinClrLst/>
+    <dgm:txFillClrLst/>
+    <dgm:txEffectClrLst/>
+  </dgm:styleLbl>
+  <dgm:styleLbl name="lnNode1">
+    <dgm:fillClrLst>
+      <a:schemeClr val="accent2"/>
+      <a:schemeClr val="accent3"/>
+    </dgm:fillClrLst>
+    <dgm:linClrLst meth="repeat">
+      <a:schemeClr val="lt1"/>
+    </dgm:linClrLst>
+    <dgm:effectClrLst/>
+    <dgm:txLinClrLst/>
+    <dgm:txFillClrLst/>
+    <dgm:txEffectClrLst/>
+  </dgm:styleLbl>
+  <dgm:styleLbl name="vennNode1">
+    <dgm:fillClrLst>
+      <a:schemeClr val="accent2">
+        <a:alpha val="50000"/>
+      </a:schemeClr>
+      <a:schemeClr val="accent3">
+        <a:alpha val="50000"/>
+      </a:schemeClr>
+    </dgm:fillClrLst>
+    <dgm:linClrLst meth="repeat">
+      <a:schemeClr val="lt1"/>
+    </dgm:linClrLst>
+    <dgm:effectClrLst/>
+    <dgm:txLinClrLst/>
+    <dgm:txFillClrLst/>
+    <dgm:txEffectClrLst/>
+  </dgm:styleLbl>
+  <dgm:styleLbl name="node2">
+    <dgm:fillClrLst>
+      <a:schemeClr val="accent3"/>
+    </dgm:fillClrLst>
+    <dgm:linClrLst meth="repeat">
+      <a:schemeClr val="lt1"/>
+    </dgm:linClrLst>
+    <dgm:effectClrLst/>
+    <dgm:txLinClrLst/>
+    <dgm:txFillClrLst/>
+    <dgm:txEffectClrLst/>
+  </dgm:styleLbl>
+  <dgm:styleLbl name="node3">
+    <dgm:fillClrLst>
+      <a:schemeClr val="accent4"/>
+    </dgm:fillClrLst>
+    <dgm:linClrLst meth="repeat">
+      <a:schemeClr val="lt1"/>
+    </dgm:linClrLst>
+    <dgm:effectClrLst/>
+    <dgm:txLinClrLst/>
+    <dgm:txFillClrLst/>
+    <dgm:txEffectClrLst/>
+  </dgm:styleLbl>
+  <dgm:styleLbl name="node4">
+    <dgm:fillClrLst>
+      <a:schemeClr val="accent5"/>
+    </dgm:fillClrLst>
+    <dgm:linClrLst meth="repeat">
+      <a:schemeClr val="lt1"/>
+    </dgm:linClrLst>
+    <dgm:effectClrLst/>
+    <dgm:txLinClrLst/>
+    <dgm:txFillClrLst/>
+    <dgm:txEffectClrLst/>
+  </dgm:styleLbl>
+  <dgm:styleLbl name="fgImgPlace1">
+    <dgm:fillClrLst>
+      <a:schemeClr val="accent2">
+        <a:tint val="50000"/>
+      </a:schemeClr>
+      <a:schemeClr val="accent3">
+        <a:tint val="50000"/>
+      </a:schemeClr>
+    </dgm:fillClrLst>
+    <dgm:linClrLst meth="repeat">
+      <a:schemeClr val="lt1"/>
+    </dgm:linClrLst>
+    <dgm:effectClrLst/>
+    <dgm:txLinClrLst/>
+    <dgm:txFillClrLst meth="repeat">
+      <a:schemeClr val="lt1"/>
+    </dgm:txFillClrLst>
+    <dgm:txEffectClrLst/>
+  </dgm:styleLbl>
+  <dgm:styleLbl name="alignImgPlace1">
+    <dgm:fillClrLst>
+      <a:schemeClr val="accent2">
+        <a:tint val="50000"/>
+      </a:schemeClr>
+      <a:schemeClr val="accent3">
+        <a:tint val="20000"/>
+      </a:schemeClr>
+    </dgm:fillClrLst>
+    <dgm:linClrLst meth="repeat">
+      <a:schemeClr val="lt1"/>
+    </dgm:linClrLst>
+    <dgm:effectClrLst/>
+    <dgm:txLinClrLst/>
+    <dgm:txFillClrLst meth="repeat">
+      <a:schemeClr val="lt1"/>
+    </dgm:txFillClrLst>
+    <dgm:txEffectClrLst/>
+  </dgm:styleLbl>
+  <dgm:styleLbl name="bgImgPlace1">
+    <dgm:fillClrLst>
+      <a:schemeClr val="accent2">
+        <a:tint val="50000"/>
+      </a:schemeClr>
+      <a:schemeClr val="accent3">
+        <a:tint val="20000"/>
+      </a:schemeClr>
+    </dgm:fillClrLst>
+    <dgm:linClrLst meth="repeat">
+      <a:schemeClr val="lt1"/>
+    </dgm:linClrLst>
+    <dgm:effectClrLst/>
+    <dgm:txLinClrLst/>
+    <dgm:txFillClrLst meth="repeat">
+      <a:schemeClr val="lt1"/>
+    </dgm:txFillClrLst>
+    <dgm:txEffectClrLst/>
+  </dgm:styleLbl>
+  <dgm:styleLbl name="sibTrans2D1">
+    <dgm:fillClrLst>
+      <a:schemeClr val="accent2"/>
+      <a:schemeClr val="accent3"/>
+    </dgm:fillClrLst>
+    <dgm:linClrLst meth="repeat">
+      <a:schemeClr val="lt1"/>
+    </dgm:linClrLst>
+    <dgm:effectClrLst/>
+    <dgm:txLinClrLst/>
+    <dgm:txFillClrLst/>
+    <dgm:txEffectClrLst/>
+  </dgm:styleLbl>
+  <dgm:styleLbl name="fgSibTrans2D1">
+    <dgm:fillClrLst>
+      <a:schemeClr val="accent2"/>
+      <a:schemeClr val="accent3"/>
+    </dgm:fillClrLst>
+    <dgm:linClrLst meth="repeat">
+      <a:schemeClr val="lt1"/>
+    </dgm:linClrLst>
+    <dgm:effectClrLst/>
+    <dgm:txLinClrLst/>
+    <dgm:txFillClrLst meth="repeat">
+      <a:schemeClr val="lt1"/>
+    </dgm:txFillClrLst>
+    <dgm:txEffectClrLst/>
+  </dgm:styleLbl>
+  <dgm:styleLbl name="bgSibTrans2D1">
+    <dgm:fillClrLst>
+      <a:schemeClr val="accent2"/>
+      <a:schemeClr val="accent3"/>
+    </dgm:fillClrLst>
+    <dgm:linClrLst meth="repeat">
+      <a:schemeClr val="lt1"/>
+    </dgm:linClrLst>
+    <dgm:effectClrLst/>
+    <dgm:txLinClrLst/>
+    <dgm:txFillClrLst meth="repeat">
+      <a:schemeClr val="lt1"/>
+    </dgm:txFillClrLst>
+    <dgm:txEffectClrLst/>
+  </dgm:styleLbl>
+  <dgm:styleLbl name="sibTrans1D1">
+    <dgm:fillClrLst/>
+    <dgm:linClrLst>
+      <a:schemeClr val="accent2"/>
+      <a:schemeClr val="accent3"/>
+    </dgm:linClrLst>
+    <dgm:effectClrLst/>
+    <dgm:txLinClrLst/>
+    <dgm:txFillClrLst meth="repeat">
+      <a:schemeClr val="tx1"/>
+    </dgm:txFillClrLst>
+    <dgm:txEffectClrLst/>
+  </dgm:styleLbl>
+  <dgm:styleLbl name="callout">
+    <dgm:fillClrLst meth="repeat">
+      <a:schemeClr val="accent2"/>
+    </dgm:fillClrLst>
+    <dgm:linClrLst meth="repeat">
+      <a:schemeClr val="accent2">
+        <a:tint val="50000"/>
+      </a:schemeClr>
+    </dgm:linClrLst>
+    <dgm:effectClrLst/>
+    <dgm:txLinClrLst/>
+    <dgm:txFillClrLst meth="repeat">
+      <a:schemeClr val="tx1"/>
+    </dgm:txFillClrLst>
+    <dgm:txEffectClrLst/>
+  </dgm:styleLbl>
+  <dgm:styleLbl name="asst0">
+    <dgm:fillClrLst meth="repeat">
+      <a:schemeClr val="accent2"/>
+    </dgm:fillClrLst>
+    <dgm:linClrLst meth="repeat">
+      <a:schemeClr val="lt1">
+        <a:shade val="80000"/>
+      </a:schemeClr>
+    </dgm:linClrLst>
+    <dgm:effectClrLst/>
+    <dgm:txLinClrLst/>
+    <dgm:txFillClrLst/>
+    <dgm:txEffectClrLst/>
+  </dgm:styleLbl>
+  <dgm:styleLbl name="asst1">
+    <dgm:fillClrLst meth="repeat">
+      <a:schemeClr val="accent3"/>
+    </dgm:fillClrLst>
+    <dgm:linClrLst meth="repeat">
+      <a:schemeClr val="lt1">
+        <a:shade val="80000"/>
+      </a:schemeClr>
+    </dgm:linClrLst>
+    <dgm:effectClrLst/>
+    <dgm:txLinClrLst/>
+    <dgm:txFillClrLst/>
+    <dgm:txEffectClrLst/>
+  </dgm:styleLbl>
+  <dgm:styleLbl name="asst2">
+    <dgm:fillClrLst>
+      <a:schemeClr val="accent4"/>
+    </dgm:fillClrLst>
+    <dgm:linClrLst meth="repeat">
+      <a:schemeClr val="lt1"/>
+    </dgm:linClrLst>
+    <dgm:effectClrLst/>
+    <dgm:txLinClrLst/>
+    <dgm:txFillClrLst/>
+    <dgm:txEffectClrLst/>
+  </dgm:styleLbl>
+  <dgm:styleLbl name="asst3">
+    <dgm:fillClrLst>
+      <a:schemeClr val="accent5"/>
+    </dgm:fillClrLst>
+    <dgm:linClrLst meth="repeat">
+      <a:schemeClr val="lt1"/>
+    </dgm:linClrLst>
+    <dgm:effectClrLst/>
+    <dgm:txLinClrLst/>
+    <dgm:txFillClrLst/>
+    <dgm:txEffectClrLst/>
+  </dgm:styleLbl>
+  <dgm:styleLbl name="asst4">
+    <dgm:fillClrLst>
+      <a:schemeClr val="accent6"/>
+    </dgm:fillClrLst>
+    <dgm:linClrLst meth="repeat">
+      <a:schemeClr val="lt1"/>
+    </dgm:linClrLst>
+    <dgm:effectClrLst/>
+    <dgm:txLinClrLst/>
+    <dgm:txFillClrLst/>
+    <dgm:txEffectClrLst/>
+  </dgm:styleLbl>
+  <dgm:styleLbl name="parChTrans2D1">
+    <dgm:fillClrLst meth="repeat">
+      <a:schemeClr val="accent2"/>
+    </dgm:fillClrLst>
+    <dgm:linClrLst meth="repeat">
+      <a:schemeClr val="lt1"/>
+    </dgm:linClrLst>
+    <dgm:effectClrLst/>
+    <dgm:txLinClrLst/>
+    <dgm:txFillClrLst meth="repeat">
+      <a:schemeClr val="lt1"/>
+    </dgm:txFillClrLst>
+    <dgm:txEffectClrLst/>
+  </dgm:styleLbl>
+  <dgm:styleLbl name="parChTrans2D2">
+    <dgm:fillClrLst meth="repeat">
+      <a:schemeClr val="accent3"/>
+    </dgm:fillClrLst>
+    <dgm:linClrLst meth="repeat">
+      <a:schemeClr val="lt1"/>
+    </dgm:linClrLst>
+    <dgm:effectClrLst/>
+    <dgm:txLinClrLst/>
+    <dgm:txFillClrLst/>
+    <dgm:txEffectClrLst/>
+  </dgm:styleLbl>
+  <dgm:styleLbl name="parChTrans2D3">
+    <dgm:fillClrLst meth="repeat">
+      <a:schemeClr val="accent4"/>
+    </dgm:fillClrLst>
+    <dgm:linClrLst meth="repeat">
+      <a:schemeClr val="lt1"/>
+    </dgm:linClrLst>
+    <dgm:effectClrLst/>
+    <dgm:txLinClrLst/>
+    <dgm:txFillClrLst/>
+    <dgm:txEffectClrLst/>
+  </dgm:styleLbl>
+  <dgm:styleLbl name="parChTrans2D4">
+    <dgm:fillClrLst meth="repeat">
+      <a:schemeClr val="accent5"/>
+    </dgm:fillClrLst>
+    <dgm:linClrLst meth="repeat">
+      <a:schemeClr val="lt1"/>
+    </dgm:linClrLst>
+    <dgm:effectClrLst/>
+    <dgm:txLinClrLst/>
+    <dgm:txFillClrLst meth="repeat">
+      <a:schemeClr val="lt1"/>
+    </dgm:txFillClrLst>
+    <dgm:txEffectClrLst/>
+  </dgm:styleLbl>
+  <dgm:styleLbl name="parChTrans1D1">
+    <dgm:fillClrLst meth="repeat">
+      <a:schemeClr val="accent2"/>
+    </dgm:fillClrLst>
+    <dgm:linClrLst meth="repeat">
+      <a:schemeClr val="accent2"/>
+    </dgm:linClrLst>
+    <dgm:effectClrLst/>
+    <dgm:txLinClrLst/>
+    <dgm:txFillClrLst meth="repeat">
+      <a:schemeClr val="tx1"/>
+    </dgm:txFillClrLst>
+    <dgm:txEffectClrLst/>
+  </dgm:styleLbl>
+  <dgm:styleLbl name="parChTrans1D2">
+    <dgm:fillClrLst meth="repeat">
+      <a:schemeClr val="accent2">
+        <a:tint val="90000"/>
+      </a:schemeClr>
+    </dgm:fillClrLst>
+    <dgm:linClrLst meth="repeat">
+      <a:schemeClr val="accent3"/>
+    </dgm:linClrLst>
+    <dgm:effectClrLst/>
+    <dgm:txLinClrLst/>
+    <dgm:txFillClrLst meth="repeat">
+      <a:schemeClr val="tx1"/>
+    </dgm:txFillClrLst>
+    <dgm:txEffectClrLst/>
+  </dgm:styleLbl>
+  <dgm:styleLbl name="parChTrans1D3">
+    <dgm:fillClrLst meth="repeat">
+      <a:schemeClr val="accent2">
+        <a:tint val="70000"/>
+      </a:schemeClr>
+    </dgm:fillClrLst>
+    <dgm:linClrLst meth="repeat">
+      <a:schemeClr val="accent4"/>
+    </dgm:linClrLst>
+    <dgm:effectClrLst/>
+    <dgm:txLinClrLst/>
+    <dgm:txFillClrLst meth="repeat">
+      <a:schemeClr val="tx1"/>
+    </dgm:txFillClrLst>
+    <dgm:txEffectClrLst/>
+  </dgm:styleLbl>
+  <dgm:styleLbl name="parChTrans1D4">
+    <dgm:fillClrLst meth="repeat">
+      <a:schemeClr val="accent2">
+        <a:tint val="50000"/>
+      </a:schemeClr>
+    </dgm:fillClrLst>
+    <dgm:linClrLst meth="repeat">
+      <a:schemeClr val="accent5"/>
+    </dgm:linClrLst>
+    <dgm:effectClrLst/>
+    <dgm:txLinClrLst/>
+    <dgm:txFillClrLst meth="repeat">
+      <a:schemeClr val="tx1"/>
+    </dgm:txFillClrLst>
+    <dgm:txEffectClrLst/>
+  </dgm:styleLbl>
+  <dgm:styleLbl name="fgAcc1">
+    <dgm:fillClrLst meth="repeat">
+      <a:schemeClr val="lt1">
+        <a:alpha val="90000"/>
+      </a:schemeClr>
+    </dgm:fillClrLst>
+    <dgm:linClrLst>
+      <a:schemeClr val="accent2"/>
+      <a:schemeClr val="accent3"/>
+    </dgm:linClrLst>
+    <dgm:effectClrLst/>
+    <dgm:txLinClrLst/>
+    <dgm:txFillClrLst meth="repeat">
+      <a:schemeClr val="dk1"/>
+    </dgm:txFillClrLst>
+    <dgm:txEffectClrLst/>
+  </dgm:styleLbl>
+  <dgm:styleLbl name="conFgAcc1">
+    <dgm:fillClrLst meth="repeat">
+      <a:schemeClr val="lt1">
+        <a:alpha val="90000"/>
+      </a:schemeClr>
+    </dgm:fillClrLst>
+    <dgm:linClrLst>
+      <a:schemeClr val="accent2"/>
+      <a:schemeClr val="accent3"/>
+    </dgm:linClrLst>
+    <dgm:effectClrLst/>
+    <dgm:txLinClrLst/>
+    <dgm:txFillClrLst meth="repeat">
+      <a:schemeClr val="dk1"/>
+    </dgm:txFillClrLst>
+    <dgm:txEffectClrLst/>
+  </dgm:styleLbl>
+  <dgm:styleLbl name="alignAcc1">
+    <dgm:fillClrLst meth="repeat">
+      <a:schemeClr val="lt1">
+        <a:alpha val="90000"/>
+      </a:schemeClr>
+    </dgm:fillClrLst>
+    <dgm:linClrLst>
+      <a:schemeClr val="accent2"/>
+      <a:schemeClr val="accent3"/>
+    </dgm:linClrLst>
+    <dgm:effectClrLst/>
+    <dgm:txLinClrLst/>
+    <dgm:txFillClrLst meth="repeat">
+      <a:schemeClr val="dk1"/>
+    </dgm:txFillClrLst>
+    <dgm:txEffectClrLst/>
+  </dgm:styleLbl>
+  <dgm:styleLbl name="trAlignAcc1">
+    <dgm:fillClrLst meth="repeat">
+      <a:schemeClr val="lt1">
+        <a:alpha val="40000"/>
+      </a:schemeClr>
+    </dgm:fillClrLst>
+    <dgm:linClrLst meth="repeat">
+      <a:schemeClr val="accent2"/>
+    </dgm:linClrLst>
+    <dgm:effectClrLst/>
+    <dgm:txLinClrLst/>
+    <dgm:txFillClrLst meth="repeat">
+      <a:schemeClr val="dk1"/>
+    </dgm:txFillClrLst>
+    <dgm:txEffectClrLst/>
+  </dgm:styleLbl>
+  <dgm:styleLbl name="bgAcc1">
+    <dgm:fillClrLst meth="repeat">
+      <a:schemeClr val="lt1">
+        <a:alpha val="90000"/>
+      </a:schemeClr>
+    </dgm:fillClrLst>
+    <dgm:linClrLst>
+      <a:schemeClr val="accent2"/>
+      <a:schemeClr val="accent3"/>
+    </dgm:linClrLst>
+    <dgm:effectClrLst/>
+    <dgm:txLinClrLst/>
+    <dgm:txFillClrLst meth="repeat">
+      <a:schemeClr val="dk1"/>
+    </dgm:txFillClrLst>
+    <dgm:txEffectClrLst/>
+  </dgm:styleLbl>
+  <dgm:styleLbl name="solidFgAcc1">
+    <dgm:fillClrLst meth="repeat">
+      <a:schemeClr val="lt1"/>
+    </dgm:fillClrLst>
+    <dgm:linClrLst>
+      <a:schemeClr val="accent2"/>
+      <a:schemeClr val="accent3"/>
+    </dgm:linClrLst>
+    <dgm:effectClrLst/>
+    <dgm:txLinClrLst/>
+    <dgm:txFillClrLst meth="repeat">
+      <a:schemeClr val="dk1"/>
+    </dgm:txFillClrLst>
+    <dgm:txEffectClrLst/>
+  </dgm:styleLbl>
+  <dgm:styleLbl name="solidAlignAcc1">
+    <dgm:fillClrLst meth="repeat">
+      <a:schemeClr val="lt1"/>
+    </dgm:fillClrLst>
+    <dgm:linClrLst>
+      <a:schemeClr val="accent2"/>
+      <a:schemeClr val="accent3"/>
+    </dgm:linClrLst>
+    <dgm:effectClrLst/>
+    <dgm:txLinClrLst/>
+    <dgm:txFillClrLst meth="repeat">
+      <a:schemeClr val="dk1"/>
+    </dgm:txFillClrLst>
+    <dgm:txEffectClrLst/>
+  </dgm:styleLbl>
+  <dgm:styleLbl name="solidBgAcc1">
+    <dgm:fillClrLst meth="repeat">
+      <a:schemeClr val="lt1"/>
+    </dgm:fillClrLst>
+    <dgm:linClrLst>
+      <a:schemeClr val="accent2"/>
+      <a:schemeClr val="accent3"/>
+    </dgm:linClrLst>
+    <dgm:effectClrLst/>
+    <dgm:txLinClrLst/>
+    <dgm:txFillClrLst meth="repeat">
+      <a:schemeClr val="dk1"/>
+    </dgm:txFillClrLst>
+    <dgm:txEffectClrLst/>
+  </dgm:styleLbl>
+  <dgm:styleLbl name="fgAccFollowNode1">
+    <dgm:fillClrLst>
+      <a:schemeClr val="accent2">
+        <a:tint val="40000"/>
+        <a:alpha val="90000"/>
+      </a:schemeClr>
+      <a:schemeClr val="accent3">
+        <a:tint val="40000"/>
+        <a:alpha val="90000"/>
+      </a:schemeClr>
+    </dgm:fillClrLst>
+    <dgm:linClrLst>
+      <a:schemeClr val="accent2">
+        <a:tint val="40000"/>
+        <a:alpha val="90000"/>
+      </a:schemeClr>
+      <a:schemeClr val="accent3">
+        <a:tint val="40000"/>
+        <a:alpha val="90000"/>
+      </a:schemeClr>
+    </dgm:linClrLst>
+    <dgm:effectClrLst/>
+    <dgm:txLinClrLst/>
+    <dgm:txFillClrLst meth="repeat">
+      <a:schemeClr val="dk1"/>
+    </dgm:txFillClrLst>
+    <dgm:txEffectClrLst/>
+  </dgm:styleLbl>
+  <dgm:styleLbl name="alignAccFollowNode1">
+    <dgm:fillClrLst>
+      <a:schemeClr val="accent2">
+        <a:tint val="40000"/>
+        <a:alpha val="90000"/>
+      </a:schemeClr>
+      <a:schemeClr val="accent3">
+        <a:tint val="40000"/>
+        <a:alpha val="90000"/>
+      </a:schemeClr>
+    </dgm:fillClrLst>
+    <dgm:linClrLst>
+      <a:schemeClr val="accent2">
+        <a:tint val="40000"/>
+        <a:alpha val="90000"/>
+      </a:schemeClr>
+      <a:schemeClr val="accent3">
+        <a:tint val="40000"/>
+        <a:alpha val="90000"/>
+      </a:schemeClr>
+    </dgm:linClrLst>
+    <dgm:effectClrLst/>
+    <dgm:txLinClrLst/>
+    <dgm:txFillClrLst meth="repeat">
+      <a:schemeClr val="dk1"/>
+    </dgm:txFillClrLst>
+    <dgm:txEffectClrLst/>
+  </dgm:styleLbl>
+  <dgm:styleLbl name="bgAccFollowNode1">
+    <dgm:fillClrLst>
+      <a:schemeClr val="accent2">
+        <a:tint val="40000"/>
+        <a:alpha val="90000"/>
+      </a:schemeClr>
+      <a:schemeClr val="accent3">
+        <a:tint val="40000"/>
+        <a:alpha val="90000"/>
+      </a:schemeClr>
+    </dgm:fillClrLst>
+    <dgm:linClrLst>
+      <a:schemeClr val="accent2">
+        <a:tint val="40000"/>
+        <a:alpha val="90000"/>
+      </a:schemeClr>
+      <a:schemeClr val="accent3">
+        <a:tint val="40000"/>
+        <a:alpha val="90000"/>
+      </a:schemeClr>
+    </dgm:linClrLst>
+    <dgm:effectClrLst/>
+    <dgm:txLinClrLst/>
+    <dgm:txFillClrLst meth="repeat">
+      <a:schemeClr val="dk1"/>
+    </dgm:txFillClrLst>
+    <dgm:txEffectClrLst/>
+  </dgm:styleLbl>
+  <dgm:styleLbl name="fgAcc0">
+    <dgm:fillClrLst meth="repeat">
+      <a:schemeClr val="lt1">
+        <a:alpha val="90000"/>
+      </a:schemeClr>
+    </dgm:fillClrLst>
+    <dgm:linClrLst>
+      <a:schemeClr val="accent1"/>
+    </dgm:linClrLst>
+    <dgm:effectClrLst/>
+    <dgm:txLinClrLst/>
+    <dgm:txFillClrLst meth="repeat">
+      <a:schemeClr val="dk1"/>
+    </dgm:txFillClrLst>
+    <dgm:txEffectClrLst/>
+  </dgm:styleLbl>
+  <dgm:styleLbl name="fgAcc2">
+    <dgm:fillClrLst meth="repeat">
+      <a:schemeClr val="lt1">
+        <a:alpha val="90000"/>
+      </a:schemeClr>
+    </dgm:fillClrLst>
+    <dgm:linClrLst>
+      <a:schemeClr val="accent3"/>
+    </dgm:linClrLst>
+    <dgm:effectClrLst/>
+    <dgm:txLinClrLst/>
+    <dgm:txFillClrLst meth="repeat">
+      <a:schemeClr val="dk1"/>
+    </dgm:txFillClrLst>
+    <dgm:txEffectClrLst/>
+  </dgm:styleLbl>
+  <dgm:styleLbl name="fgAcc3">
+    <dgm:fillClrLst meth="repeat">
+      <a:schemeClr val="lt1">
+        <a:alpha val="90000"/>
+      </a:schemeClr>
+    </dgm:fillClrLst>
+    <dgm:linClrLst>
+      <a:schemeClr val="accent4"/>
+    </dgm:linClrLst>
+    <dgm:effectClrLst/>
+    <dgm:txLinClrLst/>
+    <dgm:txFillClrLst meth="repeat">
+      <a:schemeClr val="dk1"/>
+    </dgm:txFillClrLst>
+    <dgm:txEffectClrLst/>
+  </dgm:styleLbl>
+  <dgm:styleLbl name="fgAcc4">
+    <dgm:fillClrLst meth="repeat">
+      <a:schemeClr val="lt1">
+        <a:alpha val="90000"/>
+      </a:schemeClr>
+    </dgm:fillClrLst>
+    <dgm:linClrLst>
+      <a:schemeClr val="accent5"/>
+    </dgm:linClrLst>
+    <dgm:effectClrLst/>
+    <dgm:txLinClrLst/>
+    <dgm:txFillClrLst meth="repeat">
+      <a:schemeClr val="dk1"/>
+    </dgm:txFillClrLst>
+    <dgm:txEffectClrLst/>
+  </dgm:styleLbl>
+  <dgm:styleLbl name="bgShp">
+    <dgm:fillClrLst>
+      <a:schemeClr val="accent2"/>
+      <a:schemeClr val="accent3"/>
+    </dgm:fillClrLst>
+    <dgm:linClrLst meth="repeat">
+      <a:schemeClr val="lt1">
+        <a:alpha val="0"/>
+      </a:schemeClr>
+    </dgm:linClrLst>
+    <dgm:effectClrLst/>
+    <dgm:txLinClrLst/>
+    <dgm:txFillClrLst/>
+    <dgm:txEffectClrLst/>
+  </dgm:styleLbl>
+  <dgm:styleLbl name="dkBgShp">
+    <dgm:fillClrLst meth="repeat">
+      <a:schemeClr val="accent2">
+        <a:shade val="90000"/>
+      </a:schemeClr>
+    </dgm:fillClrLst>
+    <dgm:linClrLst meth="repeat">
+      <a:schemeClr val="dk1"/>
+    </dgm:linClrLst>
+    <dgm:effectClrLst/>
+    <dgm:txLinClrLst/>
+    <dgm:txFillClrLst meth="repeat">
+      <a:schemeClr val="lt1"/>
+    </dgm:txFillClrLst>
+    <dgm:txEffectClrLst/>
+  </dgm:styleLbl>
+  <dgm:styleLbl name="trBgShp">
+    <dgm:fillClrLst meth="repeat">
+      <a:schemeClr val="accent2">
+        <a:tint val="50000"/>
+        <a:alpha val="40000"/>
+      </a:schemeClr>
+    </dgm:fillClrLst>
+    <dgm:linClrLst meth="repeat">
+      <a:schemeClr val="accent2"/>
+    </dgm:linClrLst>
+    <dgm:effectClrLst/>
+    <dgm:txLinClrLst/>
+    <dgm:txFillClrLst meth="repeat">
+      <a:schemeClr val="lt1"/>
+    </dgm:txFillClrLst>
+    <dgm:txEffectClrLst/>
+  </dgm:styleLbl>
+  <dgm:styleLbl name="fgShp">
+    <dgm:fillClrLst meth="repeat">
+      <a:schemeClr val="accent2">
+        <a:tint val="40000"/>
+      </a:schemeClr>
+    </dgm:fillClrLst>
+    <dgm:linClrLst meth="repeat">
+      <a:schemeClr val="lt1"/>
+    </dgm:linClrLst>
+    <dgm:effectClrLst/>
+    <dgm:txLinClrLst/>
+    <dgm:txFillClrLst meth="repeat">
+      <a:schemeClr val="dk1"/>
+    </dgm:txFillClrLst>
+    <dgm:txEffectClrLst/>
+  </dgm:styleLbl>
+  <dgm:styleLbl name="revTx">
+    <dgm:fillClrLst meth="repeat">
+      <a:schemeClr val="lt1">
+        <a:alpha val="0"/>
+      </a:schemeClr>
+    </dgm:fillClrLst>
+    <dgm:linClrLst meth="repeat">
+      <a:schemeClr val="dk1">
+        <a:alpha val="0"/>
+      </a:schemeClr>
+    </dgm:linClrLst>
+    <dgm:effectClrLst/>
+    <dgm:txLinClrLst/>
+    <dgm:txFillClrLst meth="repeat">
+      <a:schemeClr val="bg1"/>
+    </dgm:txFillClrLst>
+    <dgm:txEffectClrLst/>
+  </dgm:styleLbl>
+</dgm:colorsDef>
+</file>
+
+<file path=ppt/diagrams/colors5.xml><?xml version="1.0" encoding="utf-8"?>
 <dgm:colorsDef xmlns:dgm="http://schemas.openxmlformats.org/drawingml/2006/diagram" xmlns:a="http://schemas.openxmlformats.org/drawingml/2006/main" uniqueId="urn:microsoft.com/office/officeart/2005/8/colors/colorful2">
   <dgm:title val=""/>
   <dgm:desc val=""/>
@@ -3252,7 +4175,7 @@
 </dgm:colorsDef>
 </file>
 
-<file path=ppt/diagrams/colors5.xml><?xml version="1.0" encoding="utf-8"?>
+<file path=ppt/diagrams/colors6.xml><?xml version="1.0" encoding="utf-8"?>
 <dgm:colorsDef xmlns:dgm="http://schemas.openxmlformats.org/drawingml/2006/diagram" xmlns:a="http://schemas.openxmlformats.org/drawingml/2006/main" uniqueId="urn:microsoft.com/office/officeart/2018/5/colors/Iconchunking_neutralbg_colorful1">
   <dgm:title val=""/>
   <dgm:desc val=""/>
@@ -4174,6 +5097,201 @@
 </file>
 
 <file path=ppt/diagrams/data1.xml><?xml version="1.0" encoding="utf-8"?>
+<dgm:dataModel xmlns:dgm="http://schemas.openxmlformats.org/drawingml/2006/diagram" xmlns:a="http://schemas.openxmlformats.org/drawingml/2006/main">
+  <dgm:ptLst>
+    <dgm:pt modelId="{316E1A6F-9940-4432-8135-C52267E18897}" type="doc">
+      <dgm:prSet loTypeId="urn:microsoft.com/office/officeart/2005/8/layout/chevron1" loCatId="process" qsTypeId="urn:microsoft.com/office/officeart/2005/8/quickstyle/simple2" qsCatId="simple" csTypeId="urn:microsoft.com/office/officeart/2005/8/colors/colorful1" csCatId="colorful" phldr="1"/>
+      <dgm:spPr/>
+      <dgm:t>
+        <a:bodyPr/>
+        <a:lstStyle/>
+        <a:p>
+          <a:endParaRPr lang="en-US"/>
+        </a:p>
+      </dgm:t>
+    </dgm:pt>
+    <dgm:pt modelId="{4DA144C1-8550-445A-850B-A16EDC1E4BD9}">
+      <dgm:prSet phldrT="[Text]"/>
+      <dgm:spPr/>
+      <dgm:t>
+        <a:bodyPr/>
+        <a:lstStyle/>
+        <a:p>
+          <a:r>
+            <a:rPr lang="en-US" dirty="0"/>
+            <a:t>Plan</a:t>
+          </a:r>
+        </a:p>
+      </dgm:t>
+    </dgm:pt>
+    <dgm:pt modelId="{9F5AA5CD-FB05-4FB7-8664-D464272EFF1C}" type="parTrans" cxnId="{BE532FD3-D921-49D2-8A73-FC3DEEB378E9}">
+      <dgm:prSet/>
+      <dgm:spPr/>
+      <dgm:t>
+        <a:bodyPr/>
+        <a:lstStyle/>
+        <a:p>
+          <a:endParaRPr lang="en-US"/>
+        </a:p>
+      </dgm:t>
+    </dgm:pt>
+    <dgm:pt modelId="{92C04A49-0246-43C9-90DF-81932C73B51E}" type="sibTrans" cxnId="{BE532FD3-D921-49D2-8A73-FC3DEEB378E9}">
+      <dgm:prSet/>
+      <dgm:spPr/>
+      <dgm:t>
+        <a:bodyPr/>
+        <a:lstStyle/>
+        <a:p>
+          <a:endParaRPr lang="en-US"/>
+        </a:p>
+      </dgm:t>
+    </dgm:pt>
+    <dgm:pt modelId="{701DB07A-90E1-4BC5-9BF4-DB5897C95B9E}">
+      <dgm:prSet phldrT="[Text]"/>
+      <dgm:spPr/>
+      <dgm:t>
+        <a:bodyPr/>
+        <a:lstStyle/>
+        <a:p>
+          <a:r>
+            <a:rPr lang="en-US" dirty="0"/>
+            <a:t>Apply</a:t>
+          </a:r>
+        </a:p>
+      </dgm:t>
+    </dgm:pt>
+    <dgm:pt modelId="{2CE6B80C-7965-4FB2-A3CF-FD6AADA06D48}" type="parTrans" cxnId="{FD7C9973-2AD4-45DD-A7CF-08B85096A4DB}">
+      <dgm:prSet/>
+      <dgm:spPr/>
+      <dgm:t>
+        <a:bodyPr/>
+        <a:lstStyle/>
+        <a:p>
+          <a:endParaRPr lang="en-US"/>
+        </a:p>
+      </dgm:t>
+    </dgm:pt>
+    <dgm:pt modelId="{2DF4F6A8-3DF2-46F6-BA27-FEBCA645A63B}" type="sibTrans" cxnId="{FD7C9973-2AD4-45DD-A7CF-08B85096A4DB}">
+      <dgm:prSet/>
+      <dgm:spPr/>
+      <dgm:t>
+        <a:bodyPr/>
+        <a:lstStyle/>
+        <a:p>
+          <a:endParaRPr lang="en-US"/>
+        </a:p>
+      </dgm:t>
+    </dgm:pt>
+    <dgm:pt modelId="{5703D492-EB77-4FBC-9F9D-FD54440273D9}">
+      <dgm:prSet phldrT="[Text]"/>
+      <dgm:spPr/>
+      <dgm:t>
+        <a:bodyPr/>
+        <a:lstStyle/>
+        <a:p>
+          <a:r>
+            <a:rPr lang="en-US" dirty="0"/>
+            <a:t>Destroy</a:t>
+          </a:r>
+        </a:p>
+      </dgm:t>
+    </dgm:pt>
+    <dgm:pt modelId="{E67BE5C9-5A1F-4D2F-89FA-731E4B58F3EB}" type="parTrans" cxnId="{0D458112-5DE4-4CF7-9334-DA72741C56F4}">
+      <dgm:prSet/>
+      <dgm:spPr/>
+      <dgm:t>
+        <a:bodyPr/>
+        <a:lstStyle/>
+        <a:p>
+          <a:endParaRPr lang="en-US"/>
+        </a:p>
+      </dgm:t>
+    </dgm:pt>
+    <dgm:pt modelId="{2D497F45-60A2-49CB-A0AE-CE66FDA96088}" type="sibTrans" cxnId="{0D458112-5DE4-4CF7-9334-DA72741C56F4}">
+      <dgm:prSet/>
+      <dgm:spPr/>
+      <dgm:t>
+        <a:bodyPr/>
+        <a:lstStyle/>
+        <a:p>
+          <a:endParaRPr lang="en-US"/>
+        </a:p>
+      </dgm:t>
+    </dgm:pt>
+    <dgm:pt modelId="{71B30A2B-EB92-4783-A0AA-6DEA76B6AF21}" type="pres">
+      <dgm:prSet presAssocID="{316E1A6F-9940-4432-8135-C52267E18897}" presName="Name0" presStyleCnt="0">
+        <dgm:presLayoutVars>
+          <dgm:dir/>
+          <dgm:animLvl val="lvl"/>
+          <dgm:resizeHandles val="exact"/>
+        </dgm:presLayoutVars>
+      </dgm:prSet>
+      <dgm:spPr/>
+    </dgm:pt>
+    <dgm:pt modelId="{29160269-F938-44F6-8418-5E227A029A1B}" type="pres">
+      <dgm:prSet presAssocID="{4DA144C1-8550-445A-850B-A16EDC1E4BD9}" presName="parTxOnly" presStyleLbl="node1" presStyleIdx="0" presStyleCnt="3">
+        <dgm:presLayoutVars>
+          <dgm:chMax val="0"/>
+          <dgm:chPref val="0"/>
+          <dgm:bulletEnabled val="1"/>
+        </dgm:presLayoutVars>
+      </dgm:prSet>
+      <dgm:spPr/>
+    </dgm:pt>
+    <dgm:pt modelId="{E0161DBF-2B2E-49AB-A941-7C1169EF82F7}" type="pres">
+      <dgm:prSet presAssocID="{92C04A49-0246-43C9-90DF-81932C73B51E}" presName="parTxOnlySpace" presStyleCnt="0"/>
+      <dgm:spPr/>
+    </dgm:pt>
+    <dgm:pt modelId="{67E29CAD-B758-46AF-9841-5E1B4D54B410}" type="pres">
+      <dgm:prSet presAssocID="{701DB07A-90E1-4BC5-9BF4-DB5897C95B9E}" presName="parTxOnly" presStyleLbl="node1" presStyleIdx="1" presStyleCnt="3">
+        <dgm:presLayoutVars>
+          <dgm:chMax val="0"/>
+          <dgm:chPref val="0"/>
+          <dgm:bulletEnabled val="1"/>
+        </dgm:presLayoutVars>
+      </dgm:prSet>
+      <dgm:spPr/>
+    </dgm:pt>
+    <dgm:pt modelId="{08840F40-87BE-47D3-A697-6995EA21DD54}" type="pres">
+      <dgm:prSet presAssocID="{2DF4F6A8-3DF2-46F6-BA27-FEBCA645A63B}" presName="parTxOnlySpace" presStyleCnt="0"/>
+      <dgm:spPr/>
+    </dgm:pt>
+    <dgm:pt modelId="{D202C67F-6EE7-4787-AE69-32FAA564E40A}" type="pres">
+      <dgm:prSet presAssocID="{5703D492-EB77-4FBC-9F9D-FD54440273D9}" presName="parTxOnly" presStyleLbl="node1" presStyleIdx="2" presStyleCnt="3">
+        <dgm:presLayoutVars>
+          <dgm:chMax val="0"/>
+          <dgm:chPref val="0"/>
+          <dgm:bulletEnabled val="1"/>
+        </dgm:presLayoutVars>
+      </dgm:prSet>
+      <dgm:spPr/>
+    </dgm:pt>
+  </dgm:ptLst>
+  <dgm:cxnLst>
+    <dgm:cxn modelId="{0D458112-5DE4-4CF7-9334-DA72741C56F4}" srcId="{316E1A6F-9940-4432-8135-C52267E18897}" destId="{5703D492-EB77-4FBC-9F9D-FD54440273D9}" srcOrd="2" destOrd="0" parTransId="{E67BE5C9-5A1F-4D2F-89FA-731E4B58F3EB}" sibTransId="{2D497F45-60A2-49CB-A0AE-CE66FDA96088}"/>
+    <dgm:cxn modelId="{4D25CF14-E7D1-443D-ACF9-BFA89FAF8619}" type="presOf" srcId="{701DB07A-90E1-4BC5-9BF4-DB5897C95B9E}" destId="{67E29CAD-B758-46AF-9841-5E1B4D54B410}" srcOrd="0" destOrd="0" presId="urn:microsoft.com/office/officeart/2005/8/layout/chevron1"/>
+    <dgm:cxn modelId="{FD7C9973-2AD4-45DD-A7CF-08B85096A4DB}" srcId="{316E1A6F-9940-4432-8135-C52267E18897}" destId="{701DB07A-90E1-4BC5-9BF4-DB5897C95B9E}" srcOrd="1" destOrd="0" parTransId="{2CE6B80C-7965-4FB2-A3CF-FD6AADA06D48}" sibTransId="{2DF4F6A8-3DF2-46F6-BA27-FEBCA645A63B}"/>
+    <dgm:cxn modelId="{46271094-1B97-42D7-9FF5-CE6C9E08DC39}" type="presOf" srcId="{5703D492-EB77-4FBC-9F9D-FD54440273D9}" destId="{D202C67F-6EE7-4787-AE69-32FAA564E40A}" srcOrd="0" destOrd="0" presId="urn:microsoft.com/office/officeart/2005/8/layout/chevron1"/>
+    <dgm:cxn modelId="{3714D3B1-E30A-480A-8C70-D5B9AFA4DEE6}" type="presOf" srcId="{316E1A6F-9940-4432-8135-C52267E18897}" destId="{71B30A2B-EB92-4783-A0AA-6DEA76B6AF21}" srcOrd="0" destOrd="0" presId="urn:microsoft.com/office/officeart/2005/8/layout/chevron1"/>
+    <dgm:cxn modelId="{C61D2ACC-A3F5-45B4-B4CF-6DEC2AA4181E}" type="presOf" srcId="{4DA144C1-8550-445A-850B-A16EDC1E4BD9}" destId="{29160269-F938-44F6-8418-5E227A029A1B}" srcOrd="0" destOrd="0" presId="urn:microsoft.com/office/officeart/2005/8/layout/chevron1"/>
+    <dgm:cxn modelId="{BE532FD3-D921-49D2-8A73-FC3DEEB378E9}" srcId="{316E1A6F-9940-4432-8135-C52267E18897}" destId="{4DA144C1-8550-445A-850B-A16EDC1E4BD9}" srcOrd="0" destOrd="0" parTransId="{9F5AA5CD-FB05-4FB7-8664-D464272EFF1C}" sibTransId="{92C04A49-0246-43C9-90DF-81932C73B51E}"/>
+    <dgm:cxn modelId="{84A7D25B-F868-46C2-8CC1-ADCFF0956CCC}" type="presParOf" srcId="{71B30A2B-EB92-4783-A0AA-6DEA76B6AF21}" destId="{29160269-F938-44F6-8418-5E227A029A1B}" srcOrd="0" destOrd="0" presId="urn:microsoft.com/office/officeart/2005/8/layout/chevron1"/>
+    <dgm:cxn modelId="{38A89660-E266-4435-B528-3EEAA6B00A52}" type="presParOf" srcId="{71B30A2B-EB92-4783-A0AA-6DEA76B6AF21}" destId="{E0161DBF-2B2E-49AB-A941-7C1169EF82F7}" srcOrd="1" destOrd="0" presId="urn:microsoft.com/office/officeart/2005/8/layout/chevron1"/>
+    <dgm:cxn modelId="{2BE5BA2B-9BF3-44F8-99A2-B9AF62573E77}" type="presParOf" srcId="{71B30A2B-EB92-4783-A0AA-6DEA76B6AF21}" destId="{67E29CAD-B758-46AF-9841-5E1B4D54B410}" srcOrd="2" destOrd="0" presId="urn:microsoft.com/office/officeart/2005/8/layout/chevron1"/>
+    <dgm:cxn modelId="{EAB20FF0-6160-43A4-9805-56B5EC9C3FDB}" type="presParOf" srcId="{71B30A2B-EB92-4783-A0AA-6DEA76B6AF21}" destId="{08840F40-87BE-47D3-A697-6995EA21DD54}" srcOrd="3" destOrd="0" presId="urn:microsoft.com/office/officeart/2005/8/layout/chevron1"/>
+    <dgm:cxn modelId="{F56E1828-5FD1-47A5-AC8A-B30AA96B3CBA}" type="presParOf" srcId="{71B30A2B-EB92-4783-A0AA-6DEA76B6AF21}" destId="{D202C67F-6EE7-4787-AE69-32FAA564E40A}" srcOrd="4" destOrd="0" presId="urn:microsoft.com/office/officeart/2005/8/layout/chevron1"/>
+  </dgm:cxnLst>
+  <dgm:bg/>
+  <dgm:whole/>
+  <dgm:extLst>
+    <a:ext uri="http://schemas.microsoft.com/office/drawing/2008/diagram">
+      <dsp:dataModelExt xmlns:dsp="http://schemas.microsoft.com/office/drawing/2008/diagram" relId="rId6" minVer="http://schemas.openxmlformats.org/drawingml/2006/diagram"/>
+    </a:ext>
+  </dgm:extLst>
+</dgm:dataModel>
+</file>
+
+<file path=ppt/diagrams/data2.xml><?xml version="1.0" encoding="utf-8"?>
 <dgm:dataModel xmlns:dgm="http://schemas.openxmlformats.org/drawingml/2006/diagram" xmlns:a="http://schemas.openxmlformats.org/drawingml/2006/main">
   <dgm:ptLst>
     <dgm:pt modelId="{D0AEABBB-01C5-45CF-A6FA-693F412DA7A6}" type="doc">
@@ -4356,8 +5474,8 @@
   <dgm:cxnLst>
     <dgm:cxn modelId="{44327417-DC2D-0146-8DCD-71BE35DACA64}" type="presOf" srcId="{D0AEABBB-01C5-45CF-A6FA-693F412DA7A6}" destId="{4AA28E5E-5AA4-064D-8B7D-B15A2F2A97C3}" srcOrd="0" destOrd="0" presId="urn:microsoft.com/office/officeart/2005/8/layout/vList2"/>
     <dgm:cxn modelId="{9541A72C-AB87-FB42-BAFB-D6B51DEA4B6D}" type="presOf" srcId="{ECBA6D7F-8D1E-4BFD-B74F-87E3E112BC18}" destId="{5DFBC93C-F904-F440-978D-16306DA00B11}" srcOrd="0" destOrd="0" presId="urn:microsoft.com/office/officeart/2005/8/layout/vList2"/>
+    <dgm:cxn modelId="{8533A660-2482-2A42-AEC8-B74D90064E76}" type="presOf" srcId="{722840FB-B84A-40D8-920E-9C834AF82F60}" destId="{41DED0E3-323F-3144-85D7-C50E66EA958A}" srcOrd="0" destOrd="0" presId="urn:microsoft.com/office/officeart/2005/8/layout/vList2"/>
     <dgm:cxn modelId="{EDB3A856-8603-3B46-91A0-69FAF668C65E}" type="presOf" srcId="{D21C4EB2-6E49-408D-99AF-E0AF8D784E08}" destId="{1E7805AA-EAAA-7743-A07C-2277F3705ED7}" srcOrd="0" destOrd="0" presId="urn:microsoft.com/office/officeart/2005/8/layout/vList2"/>
-    <dgm:cxn modelId="{8533A660-2482-2A42-AEC8-B74D90064E76}" type="presOf" srcId="{722840FB-B84A-40D8-920E-9C834AF82F60}" destId="{41DED0E3-323F-3144-85D7-C50E66EA958A}" srcOrd="0" destOrd="0" presId="urn:microsoft.com/office/officeart/2005/8/layout/vList2"/>
     <dgm:cxn modelId="{A0E1DDBB-0F51-4752-A60A-FA8C59548D98}" srcId="{D0AEABBB-01C5-45CF-A6FA-693F412DA7A6}" destId="{722840FB-B84A-40D8-920E-9C834AF82F60}" srcOrd="2" destOrd="0" parTransId="{A38ACA48-75A0-4308-87ED-EA353ADC71EA}" sibTransId="{0F078B60-DD8C-4A2F-9F6D-6885F77058B9}"/>
     <dgm:cxn modelId="{62C8AEBE-EEE9-4B2B-AAB4-25EF9C27B942}" srcId="{D0AEABBB-01C5-45CF-A6FA-693F412DA7A6}" destId="{D21C4EB2-6E49-408D-99AF-E0AF8D784E08}" srcOrd="0" destOrd="0" parTransId="{CADCF00F-1D31-4B47-BDC5-0C92763A30A4}" sibTransId="{7EDCF0AA-8CCB-4665-A57C-842102F8FD52}"/>
     <dgm:cxn modelId="{C7C5AEF3-8A6F-4DA6-A0AB-BE8DBE26C6FC}" srcId="{D0AEABBB-01C5-45CF-A6FA-693F412DA7A6}" destId="{ECBA6D7F-8D1E-4BFD-B74F-87E3E112BC18}" srcOrd="1" destOrd="0" parTransId="{2B91DC58-38F9-4C62-90BC-BF6C6AFD8F34}" sibTransId="{BA1F2C1C-A0A0-4BF4-ACA2-A13594CD7FFF}"/>
@@ -4377,7 +5495,200 @@
 </dgm:dataModel>
 </file>
 
-<file path=ppt/diagrams/data2.xml><?xml version="1.0" encoding="utf-8"?>
+<file path=ppt/diagrams/data3.xml><?xml version="1.0" encoding="utf-8"?>
+<dgm:dataModel xmlns:dgm="http://schemas.openxmlformats.org/drawingml/2006/diagram" xmlns:a="http://schemas.openxmlformats.org/drawingml/2006/main">
+  <dgm:ptLst>
+    <dgm:pt modelId="{8707E75B-A981-4532-A155-9CBE32097CF7}" type="doc">
+      <dgm:prSet loTypeId="urn:microsoft.com/office/officeart/2005/8/layout/vProcess5" loCatId="process" qsTypeId="urn:microsoft.com/office/officeart/2005/8/quickstyle/simple1" qsCatId="simple" csTypeId="urn:microsoft.com/office/officeart/2005/8/colors/colorful2" csCatId="colorful" phldr="1"/>
+      <dgm:spPr/>
+      <dgm:t>
+        <a:bodyPr/>
+        <a:lstStyle/>
+        <a:p>
+          <a:endParaRPr lang="en-US"/>
+        </a:p>
+      </dgm:t>
+    </dgm:pt>
+    <dgm:pt modelId="{481FC643-A084-4478-AF6F-919756533843}">
+      <dgm:prSet custT="1"/>
+      <dgm:spPr/>
+      <dgm:t>
+        <a:bodyPr/>
+        <a:lstStyle/>
+        <a:p>
+          <a:r>
+            <a:rPr lang="en-US" sz="2800" i="1" baseline="0" dirty="0">
+              <a:latin typeface="Consolas" panose="020B0609020204030204" pitchFamily="49" charset="0"/>
+              <a:cs typeface="Consolas" panose="020B0609020204030204" pitchFamily="49" charset="0"/>
+            </a:rPr>
+            <a:t>terraform plan </a:t>
+          </a:r>
+          <a:r>
+            <a:rPr lang="en-US" sz="2400" i="1" baseline="0" dirty="0"/>
+            <a:t>checks the state file, compares it to your configuration, and produces a plan that outlines the changes needed to bring the infrastructure in line with your configuration.</a:t>
+          </a:r>
+          <a:endParaRPr lang="en-US" sz="2400" dirty="0"/>
+        </a:p>
+      </dgm:t>
+    </dgm:pt>
+    <dgm:pt modelId="{400E1A28-E473-4F3A-ABB2-F3744E4A51F6}" type="parTrans" cxnId="{DC59B660-B72E-4519-BB23-8EA0D8543715}">
+      <dgm:prSet/>
+      <dgm:spPr/>
+      <dgm:t>
+        <a:bodyPr/>
+        <a:lstStyle/>
+        <a:p>
+          <a:endParaRPr lang="en-US"/>
+        </a:p>
+      </dgm:t>
+    </dgm:pt>
+    <dgm:pt modelId="{E2B28E8E-B7F0-4764-A453-AC970436F3E0}" type="sibTrans" cxnId="{DC59B660-B72E-4519-BB23-8EA0D8543715}">
+      <dgm:prSet>
+        <dgm:style>
+          <a:lnRef idx="2">
+            <a:schemeClr val="dk1"/>
+          </a:lnRef>
+          <a:fillRef idx="1">
+            <a:schemeClr val="lt1"/>
+          </a:fillRef>
+          <a:effectRef idx="0">
+            <a:schemeClr val="dk1"/>
+          </a:effectRef>
+          <a:fontRef idx="minor">
+            <a:schemeClr val="dk1"/>
+          </a:fontRef>
+        </dgm:style>
+      </dgm:prSet>
+      <dgm:spPr/>
+      <dgm:t>
+        <a:bodyPr/>
+        <a:lstStyle/>
+        <a:p>
+          <a:endParaRPr lang="en-US"/>
+        </a:p>
+      </dgm:t>
+    </dgm:pt>
+    <dgm:pt modelId="{665EBD2B-36E5-4F62-B3A0-BD199C174EFA}">
+      <dgm:prSet custT="1"/>
+      <dgm:spPr/>
+      <dgm:t>
+        <a:bodyPr/>
+        <a:lstStyle/>
+        <a:p>
+          <a:r>
+            <a:rPr lang="en-US" sz="2800" i="1" baseline="0" dirty="0"/>
+            <a:t>Preview of Changes: Highlights the resources to be created (+), modified (~), or destroyed (-).</a:t>
+          </a:r>
+          <a:endParaRPr lang="en-US" sz="2800" dirty="0"/>
+        </a:p>
+      </dgm:t>
+    </dgm:pt>
+    <dgm:pt modelId="{8C5A80F3-972A-447E-A088-A3E7C85A7515}" type="parTrans" cxnId="{1E5E725F-C7DA-404A-AC25-122C49B50C1C}">
+      <dgm:prSet/>
+      <dgm:spPr/>
+      <dgm:t>
+        <a:bodyPr/>
+        <a:lstStyle/>
+        <a:p>
+          <a:endParaRPr lang="en-US"/>
+        </a:p>
+      </dgm:t>
+    </dgm:pt>
+    <dgm:pt modelId="{C813CBC2-DE7D-44F5-90CF-6BC9DE8B9C0A}" type="sibTrans" cxnId="{1E5E725F-C7DA-404A-AC25-122C49B50C1C}">
+      <dgm:prSet/>
+      <dgm:spPr/>
+      <dgm:t>
+        <a:bodyPr/>
+        <a:lstStyle/>
+        <a:p>
+          <a:endParaRPr lang="en-US"/>
+        </a:p>
+      </dgm:t>
+    </dgm:pt>
+    <dgm:pt modelId="{4498AD20-D679-A345-903D-311F4ACB9635}" type="pres">
+      <dgm:prSet presAssocID="{8707E75B-A981-4532-A155-9CBE32097CF7}" presName="outerComposite" presStyleCnt="0">
+        <dgm:presLayoutVars>
+          <dgm:chMax val="5"/>
+          <dgm:dir/>
+          <dgm:resizeHandles val="exact"/>
+        </dgm:presLayoutVars>
+      </dgm:prSet>
+      <dgm:spPr/>
+    </dgm:pt>
+    <dgm:pt modelId="{4C766452-BB2D-014E-B429-10240231085C}" type="pres">
+      <dgm:prSet presAssocID="{8707E75B-A981-4532-A155-9CBE32097CF7}" presName="dummyMaxCanvas" presStyleCnt="0">
+        <dgm:presLayoutVars/>
+      </dgm:prSet>
+      <dgm:spPr/>
+    </dgm:pt>
+    <dgm:pt modelId="{7E192498-62CD-E74F-BF1F-05B4E9748B6C}" type="pres">
+      <dgm:prSet presAssocID="{8707E75B-A981-4532-A155-9CBE32097CF7}" presName="TwoNodes_1" presStyleLbl="node1" presStyleIdx="0" presStyleCnt="2">
+        <dgm:presLayoutVars>
+          <dgm:bulletEnabled val="1"/>
+        </dgm:presLayoutVars>
+      </dgm:prSet>
+      <dgm:spPr/>
+    </dgm:pt>
+    <dgm:pt modelId="{11C5D708-BA96-9444-8861-3204DFB66C1C}" type="pres">
+      <dgm:prSet presAssocID="{8707E75B-A981-4532-A155-9CBE32097CF7}" presName="TwoNodes_2" presStyleLbl="node1" presStyleIdx="1" presStyleCnt="2">
+        <dgm:presLayoutVars>
+          <dgm:bulletEnabled val="1"/>
+        </dgm:presLayoutVars>
+      </dgm:prSet>
+      <dgm:spPr/>
+    </dgm:pt>
+    <dgm:pt modelId="{6F5AA278-DBCB-4E40-B878-B1DCE31C18F6}" type="pres">
+      <dgm:prSet presAssocID="{8707E75B-A981-4532-A155-9CBE32097CF7}" presName="TwoConn_1-2" presStyleLbl="fgAccFollowNode1" presStyleIdx="0" presStyleCnt="1">
+        <dgm:presLayoutVars>
+          <dgm:bulletEnabled val="1"/>
+        </dgm:presLayoutVars>
+      </dgm:prSet>
+      <dgm:spPr/>
+    </dgm:pt>
+    <dgm:pt modelId="{90A00459-EF31-A743-8D20-DB33F82DFF69}" type="pres">
+      <dgm:prSet presAssocID="{8707E75B-A981-4532-A155-9CBE32097CF7}" presName="TwoNodes_1_text" presStyleLbl="node1" presStyleIdx="1" presStyleCnt="2">
+        <dgm:presLayoutVars>
+          <dgm:bulletEnabled val="1"/>
+        </dgm:presLayoutVars>
+      </dgm:prSet>
+      <dgm:spPr/>
+    </dgm:pt>
+    <dgm:pt modelId="{97E3547B-D01E-6E44-BF83-0E120357BA97}" type="pres">
+      <dgm:prSet presAssocID="{8707E75B-A981-4532-A155-9CBE32097CF7}" presName="TwoNodes_2_text" presStyleLbl="node1" presStyleIdx="1" presStyleCnt="2">
+        <dgm:presLayoutVars>
+          <dgm:bulletEnabled val="1"/>
+        </dgm:presLayoutVars>
+      </dgm:prSet>
+      <dgm:spPr/>
+    </dgm:pt>
+  </dgm:ptLst>
+  <dgm:cxnLst>
+    <dgm:cxn modelId="{04B7F00A-C4A6-B44D-B0F3-0FB9CAE4748F}" type="presOf" srcId="{8707E75B-A981-4532-A155-9CBE32097CF7}" destId="{4498AD20-D679-A345-903D-311F4ACB9635}" srcOrd="0" destOrd="0" presId="urn:microsoft.com/office/officeart/2005/8/layout/vProcess5"/>
+    <dgm:cxn modelId="{5142A329-85B7-2547-AAFE-6DF77A89DF6E}" type="presOf" srcId="{665EBD2B-36E5-4F62-B3A0-BD199C174EFA}" destId="{97E3547B-D01E-6E44-BF83-0E120357BA97}" srcOrd="1" destOrd="0" presId="urn:microsoft.com/office/officeart/2005/8/layout/vProcess5"/>
+    <dgm:cxn modelId="{023A4A5F-3758-4A48-80B3-69EE6BB8A1B7}" type="presOf" srcId="{E2B28E8E-B7F0-4764-A453-AC970436F3E0}" destId="{6F5AA278-DBCB-4E40-B878-B1DCE31C18F6}" srcOrd="0" destOrd="0" presId="urn:microsoft.com/office/officeart/2005/8/layout/vProcess5"/>
+    <dgm:cxn modelId="{1E5E725F-C7DA-404A-AC25-122C49B50C1C}" srcId="{8707E75B-A981-4532-A155-9CBE32097CF7}" destId="{665EBD2B-36E5-4F62-B3A0-BD199C174EFA}" srcOrd="1" destOrd="0" parTransId="{8C5A80F3-972A-447E-A088-A3E7C85A7515}" sibTransId="{C813CBC2-DE7D-44F5-90CF-6BC9DE8B9C0A}"/>
+    <dgm:cxn modelId="{DC59B660-B72E-4519-BB23-8EA0D8543715}" srcId="{8707E75B-A981-4532-A155-9CBE32097CF7}" destId="{481FC643-A084-4478-AF6F-919756533843}" srcOrd="0" destOrd="0" parTransId="{400E1A28-E473-4F3A-ABB2-F3744E4A51F6}" sibTransId="{E2B28E8E-B7F0-4764-A453-AC970436F3E0}"/>
+    <dgm:cxn modelId="{B1112D56-B843-5E46-8901-3A2DE7CB6B34}" type="presOf" srcId="{481FC643-A084-4478-AF6F-919756533843}" destId="{7E192498-62CD-E74F-BF1F-05B4E9748B6C}" srcOrd="0" destOrd="0" presId="urn:microsoft.com/office/officeart/2005/8/layout/vProcess5"/>
+    <dgm:cxn modelId="{430392E8-6554-FD45-9CA2-E7BEACCA3C82}" type="presOf" srcId="{665EBD2B-36E5-4F62-B3A0-BD199C174EFA}" destId="{11C5D708-BA96-9444-8861-3204DFB66C1C}" srcOrd="0" destOrd="0" presId="urn:microsoft.com/office/officeart/2005/8/layout/vProcess5"/>
+    <dgm:cxn modelId="{4663F6FB-36E7-D840-95D9-58BAE5999193}" type="presOf" srcId="{481FC643-A084-4478-AF6F-919756533843}" destId="{90A00459-EF31-A743-8D20-DB33F82DFF69}" srcOrd="1" destOrd="0" presId="urn:microsoft.com/office/officeart/2005/8/layout/vProcess5"/>
+    <dgm:cxn modelId="{8279A5AB-5C06-514F-92FF-7C2970AD5DF7}" type="presParOf" srcId="{4498AD20-D679-A345-903D-311F4ACB9635}" destId="{4C766452-BB2D-014E-B429-10240231085C}" srcOrd="0" destOrd="0" presId="urn:microsoft.com/office/officeart/2005/8/layout/vProcess5"/>
+    <dgm:cxn modelId="{BA6D06B3-9D9A-2945-B73E-30D6D8D9EC8E}" type="presParOf" srcId="{4498AD20-D679-A345-903D-311F4ACB9635}" destId="{7E192498-62CD-E74F-BF1F-05B4E9748B6C}" srcOrd="1" destOrd="0" presId="urn:microsoft.com/office/officeart/2005/8/layout/vProcess5"/>
+    <dgm:cxn modelId="{61CBAA32-F555-2D49-82CE-8CB170E56D10}" type="presParOf" srcId="{4498AD20-D679-A345-903D-311F4ACB9635}" destId="{11C5D708-BA96-9444-8861-3204DFB66C1C}" srcOrd="2" destOrd="0" presId="urn:microsoft.com/office/officeart/2005/8/layout/vProcess5"/>
+    <dgm:cxn modelId="{37FD6C6F-0790-AD41-8B44-3FEE52AB2F29}" type="presParOf" srcId="{4498AD20-D679-A345-903D-311F4ACB9635}" destId="{6F5AA278-DBCB-4E40-B878-B1DCE31C18F6}" srcOrd="3" destOrd="0" presId="urn:microsoft.com/office/officeart/2005/8/layout/vProcess5"/>
+    <dgm:cxn modelId="{5E375F16-1946-114A-A94A-942F71D2AAB0}" type="presParOf" srcId="{4498AD20-D679-A345-903D-311F4ACB9635}" destId="{90A00459-EF31-A743-8D20-DB33F82DFF69}" srcOrd="4" destOrd="0" presId="urn:microsoft.com/office/officeart/2005/8/layout/vProcess5"/>
+    <dgm:cxn modelId="{7250D18D-9FCE-5043-9398-B1D51A02756E}" type="presParOf" srcId="{4498AD20-D679-A345-903D-311F4ACB9635}" destId="{97E3547B-D01E-6E44-BF83-0E120357BA97}" srcOrd="5" destOrd="0" presId="urn:microsoft.com/office/officeart/2005/8/layout/vProcess5"/>
+  </dgm:cxnLst>
+  <dgm:bg/>
+  <dgm:whole/>
+  <dgm:extLst>
+    <a:ext uri="http://schemas.microsoft.com/office/drawing/2008/diagram">
+      <dsp:dataModelExt xmlns:dsp="http://schemas.microsoft.com/office/drawing/2008/diagram" relId="rId6" minVer="http://schemas.openxmlformats.org/drawingml/2006/diagram"/>
+    </a:ext>
+  </dgm:extLst>
+</dgm:dataModel>
+</file>
+
+<file path=ppt/diagrams/data4.xml><?xml version="1.0" encoding="utf-8"?>
 <dgm:dataModel xmlns:dgm="http://schemas.openxmlformats.org/drawingml/2006/diagram" xmlns:a="http://schemas.openxmlformats.org/drawingml/2006/main">
   <dgm:ptLst>
     <dgm:pt modelId="{0429B772-67DD-48C5-BD00-32700AA8F307}" type="doc">
@@ -4713,11 +6024,11 @@
 </dgm:dataModel>
 </file>
 
-<file path=ppt/diagrams/data3.xml><?xml version="1.0" encoding="utf-8"?>
+<file path=ppt/diagrams/data5.xml><?xml version="1.0" encoding="utf-8"?>
 <dgm:dataModel xmlns:dgm="http://schemas.openxmlformats.org/drawingml/2006/diagram" xmlns:a="http://schemas.openxmlformats.org/drawingml/2006/main">
   <dgm:ptLst>
     <dgm:pt modelId="{AF031774-7DC0-4070-A459-F3E464B78E2A}" type="doc">
-      <dgm:prSet loTypeId="urn:microsoft.com/office/officeart/2005/8/layout/vList2" loCatId="list" qsTypeId="urn:microsoft.com/office/officeart/2005/8/quickstyle/simple1" qsCatId="simple" csTypeId="urn:microsoft.com/office/officeart/2005/8/colors/colorful2" csCatId="colorful"/>
+      <dgm:prSet loTypeId="urn:microsoft.com/office/officeart/2005/8/layout/vList2" loCatId="list" qsTypeId="urn:microsoft.com/office/officeart/2005/8/quickstyle/simple1" qsCatId="simple" csTypeId="urn:microsoft.com/office/officeart/2005/8/colors/colorful2" csCatId="colorful" phldr="1"/>
       <dgm:spPr/>
       <dgm:t>
         <a:bodyPr/>
@@ -4848,6 +6159,55 @@
         </a:p>
       </dgm:t>
     </dgm:pt>
+    <dgm:pt modelId="{7B4F94C5-7E03-4945-97F0-079FD0292A55}">
+      <dgm:prSet custT="1"/>
+      <dgm:spPr/>
+      <dgm:t>
+        <a:bodyPr/>
+        <a:lstStyle/>
+        <a:p>
+          <a:r>
+            <a:rPr lang="en-US" sz="3000" dirty="0">
+              <a:latin typeface="Consolas" panose="020B0609020204030204" pitchFamily="49" charset="0"/>
+              <a:cs typeface="Consolas" panose="020B0609020204030204" pitchFamily="49" charset="0"/>
+            </a:rPr>
+            <a:t>Alias: </a:t>
+          </a:r>
+          <a:r>
+            <a:rPr lang="en-US" sz="4000" b="0" i="0" dirty="0">
+              <a:latin typeface="Consolas" panose="020B0609020204030204" pitchFamily="49" charset="0"/>
+            </a:rPr>
+            <a:t>terraform apply -destroy</a:t>
+          </a:r>
+          <a:endParaRPr lang="en-US" sz="3000" dirty="0">
+            <a:latin typeface="Consolas" panose="020B0609020204030204" pitchFamily="49" charset="0"/>
+            <a:cs typeface="Consolas" panose="020B0609020204030204" pitchFamily="49" charset="0"/>
+          </a:endParaRPr>
+        </a:p>
+      </dgm:t>
+    </dgm:pt>
+    <dgm:pt modelId="{232EC36F-55D8-445D-ADDC-ADD7DB98ED71}" type="parTrans" cxnId="{346C3576-8C8D-4C00-AFBB-84B295194669}">
+      <dgm:prSet/>
+      <dgm:spPr/>
+      <dgm:t>
+        <a:bodyPr/>
+        <a:lstStyle/>
+        <a:p>
+          <a:endParaRPr lang="en-US"/>
+        </a:p>
+      </dgm:t>
+    </dgm:pt>
+    <dgm:pt modelId="{83647713-5A1B-4D39-9E72-7E607389EC63}" type="sibTrans" cxnId="{346C3576-8C8D-4C00-AFBB-84B295194669}">
+      <dgm:prSet/>
+      <dgm:spPr/>
+      <dgm:t>
+        <a:bodyPr/>
+        <a:lstStyle/>
+        <a:p>
+          <a:endParaRPr lang="en-US"/>
+        </a:p>
+      </dgm:t>
+    </dgm:pt>
     <dgm:pt modelId="{4A189B4B-9B85-C640-919A-AEB531FA7F6E}" type="pres">
       <dgm:prSet presAssocID="{AF031774-7DC0-4070-A459-F3E464B78E2A}" presName="linear" presStyleCnt="0">
         <dgm:presLayoutVars>
@@ -4858,7 +6218,7 @@
       <dgm:spPr/>
     </dgm:pt>
     <dgm:pt modelId="{0EC7FA8F-69DB-2E45-8578-C61AB3045ABD}" type="pres">
-      <dgm:prSet presAssocID="{068451B0-C720-4B68-895C-F4F442E45DB4}" presName="parentText" presStyleLbl="node1" presStyleIdx="0" presStyleCnt="3">
+      <dgm:prSet presAssocID="{068451B0-C720-4B68-895C-F4F442E45DB4}" presName="parentText" presStyleLbl="node1" presStyleIdx="0" presStyleCnt="4">
         <dgm:presLayoutVars>
           <dgm:chMax val="0"/>
           <dgm:bulletEnabled val="1"/>
@@ -4871,7 +6231,7 @@
       <dgm:spPr/>
     </dgm:pt>
     <dgm:pt modelId="{C3795B54-4A27-4A49-9F67-D40E7C19E9BD}" type="pres">
-      <dgm:prSet presAssocID="{69D8848A-25BB-4C09-8C87-E35B2F53E487}" presName="parentText" presStyleLbl="node1" presStyleIdx="1" presStyleCnt="3">
+      <dgm:prSet presAssocID="{69D8848A-25BB-4C09-8C87-E35B2F53E487}" presName="parentText" presStyleLbl="node1" presStyleIdx="1" presStyleCnt="4">
         <dgm:presLayoutVars>
           <dgm:chMax val="0"/>
           <dgm:bulletEnabled val="1"/>
@@ -4883,8 +6243,21 @@
       <dgm:prSet presAssocID="{D90F4B9C-38F8-4F59-B433-771F7F02AFCD}" presName="spacer" presStyleCnt="0"/>
       <dgm:spPr/>
     </dgm:pt>
+    <dgm:pt modelId="{997665E6-A2A0-405D-A49F-2A5E5CCF87FF}" type="pres">
+      <dgm:prSet presAssocID="{7B4F94C5-7E03-4945-97F0-079FD0292A55}" presName="parentText" presStyleLbl="node1" presStyleIdx="2" presStyleCnt="4">
+        <dgm:presLayoutVars>
+          <dgm:chMax val="0"/>
+          <dgm:bulletEnabled val="1"/>
+        </dgm:presLayoutVars>
+      </dgm:prSet>
+      <dgm:spPr/>
+    </dgm:pt>
+    <dgm:pt modelId="{9921B4F4-E865-4AD2-B860-5E1DEC30A437}" type="pres">
+      <dgm:prSet presAssocID="{83647713-5A1B-4D39-9E72-7E607389EC63}" presName="spacer" presStyleCnt="0"/>
+      <dgm:spPr/>
+    </dgm:pt>
     <dgm:pt modelId="{089509AD-2166-F240-B8CA-6B33560C2E67}" type="pres">
-      <dgm:prSet presAssocID="{43FC2490-13D9-4CF9-8ABC-44C09E3CBCA6}" presName="parentText" presStyleLbl="node1" presStyleIdx="2" presStyleCnt="3">
+      <dgm:prSet presAssocID="{43FC2490-13D9-4CF9-8ABC-44C09E3CBCA6}" presName="parentText" presStyleLbl="node1" presStyleIdx="3" presStyleCnt="4">
         <dgm:presLayoutVars>
           <dgm:chMax val="0"/>
           <dgm:bulletEnabled val="1"/>
@@ -4896,7 +6269,9 @@
   <dgm:cxnLst>
     <dgm:cxn modelId="{CCDD250E-41E2-8C4B-B362-CB3592F57054}" type="presOf" srcId="{068451B0-C720-4B68-895C-F4F442E45DB4}" destId="{0EC7FA8F-69DB-2E45-8578-C61AB3045ABD}" srcOrd="0" destOrd="0" presId="urn:microsoft.com/office/officeart/2005/8/layout/vList2"/>
     <dgm:cxn modelId="{C2892F21-6FEF-4ACF-90AB-99DE5785DC2C}" srcId="{AF031774-7DC0-4070-A459-F3E464B78E2A}" destId="{068451B0-C720-4B68-895C-F4F442E45DB4}" srcOrd="0" destOrd="0" parTransId="{3FFE3E0D-857C-4A92-BB46-AB857846FA60}" sibTransId="{D92D5A5F-4C0A-4309-BC64-FF62A4774AD9}"/>
-    <dgm:cxn modelId="{6293EBA5-EB17-49A6-ABE5-8F5893D9E8F5}" srcId="{AF031774-7DC0-4070-A459-F3E464B78E2A}" destId="{43FC2490-13D9-4CF9-8ABC-44C09E3CBCA6}" srcOrd="2" destOrd="0" parTransId="{16F16617-FF79-480A-AA27-3ADE735B813A}" sibTransId="{5FDC793E-99AC-4A85-AB0F-23C9C94CF877}"/>
+    <dgm:cxn modelId="{7C48FF6F-BFE5-43C1-958F-980936C83810}" type="presOf" srcId="{7B4F94C5-7E03-4945-97F0-079FD0292A55}" destId="{997665E6-A2A0-405D-A49F-2A5E5CCF87FF}" srcOrd="0" destOrd="0" presId="urn:microsoft.com/office/officeart/2005/8/layout/vList2"/>
+    <dgm:cxn modelId="{346C3576-8C8D-4C00-AFBB-84B295194669}" srcId="{AF031774-7DC0-4070-A459-F3E464B78E2A}" destId="{7B4F94C5-7E03-4945-97F0-079FD0292A55}" srcOrd="2" destOrd="0" parTransId="{232EC36F-55D8-445D-ADDC-ADD7DB98ED71}" sibTransId="{83647713-5A1B-4D39-9E72-7E607389EC63}"/>
+    <dgm:cxn modelId="{6293EBA5-EB17-49A6-ABE5-8F5893D9E8F5}" srcId="{AF031774-7DC0-4070-A459-F3E464B78E2A}" destId="{43FC2490-13D9-4CF9-8ABC-44C09E3CBCA6}" srcOrd="3" destOrd="0" parTransId="{16F16617-FF79-480A-AA27-3ADE735B813A}" sibTransId="{5FDC793E-99AC-4A85-AB0F-23C9C94CF877}"/>
     <dgm:cxn modelId="{21425DA6-0A61-49B2-8415-995D0FBDFFCF}" srcId="{AF031774-7DC0-4070-A459-F3E464B78E2A}" destId="{69D8848A-25BB-4C09-8C87-E35B2F53E487}" srcOrd="1" destOrd="0" parTransId="{BFF7F492-FD90-4D9C-AFF9-44CC684C6436}" sibTransId="{D90F4B9C-38F8-4F59-B433-771F7F02AFCD}"/>
     <dgm:cxn modelId="{C606FFAA-0591-D141-9298-5ADB8300596E}" type="presOf" srcId="{AF031774-7DC0-4070-A459-F3E464B78E2A}" destId="{4A189B4B-9B85-C640-919A-AEB531FA7F6E}" srcOrd="0" destOrd="0" presId="urn:microsoft.com/office/officeart/2005/8/layout/vList2"/>
     <dgm:cxn modelId="{95631BB8-0EC8-FF4D-ACB8-A470CA79884C}" type="presOf" srcId="{43FC2490-13D9-4CF9-8ABC-44C09E3CBCA6}" destId="{089509AD-2166-F240-B8CA-6B33560C2E67}" srcOrd="0" destOrd="0" presId="urn:microsoft.com/office/officeart/2005/8/layout/vList2"/>
@@ -4905,7 +6280,9 @@
     <dgm:cxn modelId="{CA8EBFEC-F71E-0B43-846A-D6B8FA85A083}" type="presParOf" srcId="{4A189B4B-9B85-C640-919A-AEB531FA7F6E}" destId="{F381377A-73F7-254B-865E-D21492A727A4}" srcOrd="1" destOrd="0" presId="urn:microsoft.com/office/officeart/2005/8/layout/vList2"/>
     <dgm:cxn modelId="{9BF5DB48-00B1-CE47-A80F-EEAA5286B5C4}" type="presParOf" srcId="{4A189B4B-9B85-C640-919A-AEB531FA7F6E}" destId="{C3795B54-4A27-4A49-9F67-D40E7C19E9BD}" srcOrd="2" destOrd="0" presId="urn:microsoft.com/office/officeart/2005/8/layout/vList2"/>
     <dgm:cxn modelId="{C28A723C-D995-7847-96B0-4FD6872D2952}" type="presParOf" srcId="{4A189B4B-9B85-C640-919A-AEB531FA7F6E}" destId="{68E059D2-AD41-1745-9FFB-67F8DE854B6F}" srcOrd="3" destOrd="0" presId="urn:microsoft.com/office/officeart/2005/8/layout/vList2"/>
-    <dgm:cxn modelId="{13F3F584-16DC-DD43-9916-A69CF9EF6ACB}" type="presParOf" srcId="{4A189B4B-9B85-C640-919A-AEB531FA7F6E}" destId="{089509AD-2166-F240-B8CA-6B33560C2E67}" srcOrd="4" destOrd="0" presId="urn:microsoft.com/office/officeart/2005/8/layout/vList2"/>
+    <dgm:cxn modelId="{B508F06D-EF81-4D82-8644-912C79A13903}" type="presParOf" srcId="{4A189B4B-9B85-C640-919A-AEB531FA7F6E}" destId="{997665E6-A2A0-405D-A49F-2A5E5CCF87FF}" srcOrd="4" destOrd="0" presId="urn:microsoft.com/office/officeart/2005/8/layout/vList2"/>
+    <dgm:cxn modelId="{6FA41DA4-1BB4-411C-B000-2FB4D42FFBDD}" type="presParOf" srcId="{4A189B4B-9B85-C640-919A-AEB531FA7F6E}" destId="{9921B4F4-E865-4AD2-B860-5E1DEC30A437}" srcOrd="5" destOrd="0" presId="urn:microsoft.com/office/officeart/2005/8/layout/vList2"/>
+    <dgm:cxn modelId="{13F3F584-16DC-DD43-9916-A69CF9EF6ACB}" type="presParOf" srcId="{4A189B4B-9B85-C640-919A-AEB531FA7F6E}" destId="{089509AD-2166-F240-B8CA-6B33560C2E67}" srcOrd="6" destOrd="0" presId="urn:microsoft.com/office/officeart/2005/8/layout/vList2"/>
   </dgm:cxnLst>
   <dgm:bg/>
   <dgm:whole/>
@@ -4917,200 +6294,7 @@
 </dgm:dataModel>
 </file>
 
-<file path=ppt/diagrams/data4.xml><?xml version="1.0" encoding="utf-8"?>
-<dgm:dataModel xmlns:dgm="http://schemas.openxmlformats.org/drawingml/2006/diagram" xmlns:a="http://schemas.openxmlformats.org/drawingml/2006/main">
-  <dgm:ptLst>
-    <dgm:pt modelId="{8707E75B-A981-4532-A155-9CBE32097CF7}" type="doc">
-      <dgm:prSet loTypeId="urn:microsoft.com/office/officeart/2005/8/layout/vProcess5" loCatId="process" qsTypeId="urn:microsoft.com/office/officeart/2005/8/quickstyle/simple1" qsCatId="simple" csTypeId="urn:microsoft.com/office/officeart/2005/8/colors/colorful2" csCatId="colorful" phldr="1"/>
-      <dgm:spPr/>
-      <dgm:t>
-        <a:bodyPr/>
-        <a:lstStyle/>
-        <a:p>
-          <a:endParaRPr lang="en-US"/>
-        </a:p>
-      </dgm:t>
-    </dgm:pt>
-    <dgm:pt modelId="{481FC643-A084-4478-AF6F-919756533843}">
-      <dgm:prSet custT="1"/>
-      <dgm:spPr/>
-      <dgm:t>
-        <a:bodyPr/>
-        <a:lstStyle/>
-        <a:p>
-          <a:r>
-            <a:rPr lang="en-US" sz="2800" i="1" baseline="0" dirty="0">
-              <a:latin typeface="Consolas" panose="020B0609020204030204" pitchFamily="49" charset="0"/>
-              <a:cs typeface="Consolas" panose="020B0609020204030204" pitchFamily="49" charset="0"/>
-            </a:rPr>
-            <a:t>terraform plan </a:t>
-          </a:r>
-          <a:r>
-            <a:rPr lang="en-US" sz="2400" i="1" baseline="0" dirty="0"/>
-            <a:t>checks the state file, compares it to your configuration, and produces a plan that outlines the changes needed to bring the infrastructure in line with your configuration.</a:t>
-          </a:r>
-          <a:endParaRPr lang="en-US" sz="2400" dirty="0"/>
-        </a:p>
-      </dgm:t>
-    </dgm:pt>
-    <dgm:pt modelId="{400E1A28-E473-4F3A-ABB2-F3744E4A51F6}" type="parTrans" cxnId="{DC59B660-B72E-4519-BB23-8EA0D8543715}">
-      <dgm:prSet/>
-      <dgm:spPr/>
-      <dgm:t>
-        <a:bodyPr/>
-        <a:lstStyle/>
-        <a:p>
-          <a:endParaRPr lang="en-US"/>
-        </a:p>
-      </dgm:t>
-    </dgm:pt>
-    <dgm:pt modelId="{E2B28E8E-B7F0-4764-A453-AC970436F3E0}" type="sibTrans" cxnId="{DC59B660-B72E-4519-BB23-8EA0D8543715}">
-      <dgm:prSet>
-        <dgm:style>
-          <a:lnRef idx="2">
-            <a:schemeClr val="dk1"/>
-          </a:lnRef>
-          <a:fillRef idx="1">
-            <a:schemeClr val="lt1"/>
-          </a:fillRef>
-          <a:effectRef idx="0">
-            <a:schemeClr val="dk1"/>
-          </a:effectRef>
-          <a:fontRef idx="minor">
-            <a:schemeClr val="dk1"/>
-          </a:fontRef>
-        </dgm:style>
-      </dgm:prSet>
-      <dgm:spPr/>
-      <dgm:t>
-        <a:bodyPr/>
-        <a:lstStyle/>
-        <a:p>
-          <a:endParaRPr lang="en-US"/>
-        </a:p>
-      </dgm:t>
-    </dgm:pt>
-    <dgm:pt modelId="{665EBD2B-36E5-4F62-B3A0-BD199C174EFA}">
-      <dgm:prSet custT="1"/>
-      <dgm:spPr/>
-      <dgm:t>
-        <a:bodyPr/>
-        <a:lstStyle/>
-        <a:p>
-          <a:r>
-            <a:rPr lang="en-US" sz="2800" i="1" baseline="0" dirty="0"/>
-            <a:t>Preview of Changes: Highlights the resources to be created (+), modified (~), or destroyed (-).</a:t>
-          </a:r>
-          <a:endParaRPr lang="en-US" sz="2800" dirty="0"/>
-        </a:p>
-      </dgm:t>
-    </dgm:pt>
-    <dgm:pt modelId="{8C5A80F3-972A-447E-A088-A3E7C85A7515}" type="parTrans" cxnId="{1E5E725F-C7DA-404A-AC25-122C49B50C1C}">
-      <dgm:prSet/>
-      <dgm:spPr/>
-      <dgm:t>
-        <a:bodyPr/>
-        <a:lstStyle/>
-        <a:p>
-          <a:endParaRPr lang="en-US"/>
-        </a:p>
-      </dgm:t>
-    </dgm:pt>
-    <dgm:pt modelId="{C813CBC2-DE7D-44F5-90CF-6BC9DE8B9C0A}" type="sibTrans" cxnId="{1E5E725F-C7DA-404A-AC25-122C49B50C1C}">
-      <dgm:prSet/>
-      <dgm:spPr/>
-      <dgm:t>
-        <a:bodyPr/>
-        <a:lstStyle/>
-        <a:p>
-          <a:endParaRPr lang="en-US"/>
-        </a:p>
-      </dgm:t>
-    </dgm:pt>
-    <dgm:pt modelId="{4498AD20-D679-A345-903D-311F4ACB9635}" type="pres">
-      <dgm:prSet presAssocID="{8707E75B-A981-4532-A155-9CBE32097CF7}" presName="outerComposite" presStyleCnt="0">
-        <dgm:presLayoutVars>
-          <dgm:chMax val="5"/>
-          <dgm:dir/>
-          <dgm:resizeHandles val="exact"/>
-        </dgm:presLayoutVars>
-      </dgm:prSet>
-      <dgm:spPr/>
-    </dgm:pt>
-    <dgm:pt modelId="{4C766452-BB2D-014E-B429-10240231085C}" type="pres">
-      <dgm:prSet presAssocID="{8707E75B-A981-4532-A155-9CBE32097CF7}" presName="dummyMaxCanvas" presStyleCnt="0">
-        <dgm:presLayoutVars/>
-      </dgm:prSet>
-      <dgm:spPr/>
-    </dgm:pt>
-    <dgm:pt modelId="{7E192498-62CD-E74F-BF1F-05B4E9748B6C}" type="pres">
-      <dgm:prSet presAssocID="{8707E75B-A981-4532-A155-9CBE32097CF7}" presName="TwoNodes_1" presStyleLbl="node1" presStyleIdx="0" presStyleCnt="2">
-        <dgm:presLayoutVars>
-          <dgm:bulletEnabled val="1"/>
-        </dgm:presLayoutVars>
-      </dgm:prSet>
-      <dgm:spPr/>
-    </dgm:pt>
-    <dgm:pt modelId="{11C5D708-BA96-9444-8861-3204DFB66C1C}" type="pres">
-      <dgm:prSet presAssocID="{8707E75B-A981-4532-A155-9CBE32097CF7}" presName="TwoNodes_2" presStyleLbl="node1" presStyleIdx="1" presStyleCnt="2">
-        <dgm:presLayoutVars>
-          <dgm:bulletEnabled val="1"/>
-        </dgm:presLayoutVars>
-      </dgm:prSet>
-      <dgm:spPr/>
-    </dgm:pt>
-    <dgm:pt modelId="{6F5AA278-DBCB-4E40-B878-B1DCE31C18F6}" type="pres">
-      <dgm:prSet presAssocID="{8707E75B-A981-4532-A155-9CBE32097CF7}" presName="TwoConn_1-2" presStyleLbl="fgAccFollowNode1" presStyleIdx="0" presStyleCnt="1">
-        <dgm:presLayoutVars>
-          <dgm:bulletEnabled val="1"/>
-        </dgm:presLayoutVars>
-      </dgm:prSet>
-      <dgm:spPr/>
-    </dgm:pt>
-    <dgm:pt modelId="{90A00459-EF31-A743-8D20-DB33F82DFF69}" type="pres">
-      <dgm:prSet presAssocID="{8707E75B-A981-4532-A155-9CBE32097CF7}" presName="TwoNodes_1_text" presStyleLbl="node1" presStyleIdx="1" presStyleCnt="2">
-        <dgm:presLayoutVars>
-          <dgm:bulletEnabled val="1"/>
-        </dgm:presLayoutVars>
-      </dgm:prSet>
-      <dgm:spPr/>
-    </dgm:pt>
-    <dgm:pt modelId="{97E3547B-D01E-6E44-BF83-0E120357BA97}" type="pres">
-      <dgm:prSet presAssocID="{8707E75B-A981-4532-A155-9CBE32097CF7}" presName="TwoNodes_2_text" presStyleLbl="node1" presStyleIdx="1" presStyleCnt="2">
-        <dgm:presLayoutVars>
-          <dgm:bulletEnabled val="1"/>
-        </dgm:presLayoutVars>
-      </dgm:prSet>
-      <dgm:spPr/>
-    </dgm:pt>
-  </dgm:ptLst>
-  <dgm:cxnLst>
-    <dgm:cxn modelId="{04B7F00A-C4A6-B44D-B0F3-0FB9CAE4748F}" type="presOf" srcId="{8707E75B-A981-4532-A155-9CBE32097CF7}" destId="{4498AD20-D679-A345-903D-311F4ACB9635}" srcOrd="0" destOrd="0" presId="urn:microsoft.com/office/officeart/2005/8/layout/vProcess5"/>
-    <dgm:cxn modelId="{5142A329-85B7-2547-AAFE-6DF77A89DF6E}" type="presOf" srcId="{665EBD2B-36E5-4F62-B3A0-BD199C174EFA}" destId="{97E3547B-D01E-6E44-BF83-0E120357BA97}" srcOrd="1" destOrd="0" presId="urn:microsoft.com/office/officeart/2005/8/layout/vProcess5"/>
-    <dgm:cxn modelId="{B1112D56-B843-5E46-8901-3A2DE7CB6B34}" type="presOf" srcId="{481FC643-A084-4478-AF6F-919756533843}" destId="{7E192498-62CD-E74F-BF1F-05B4E9748B6C}" srcOrd="0" destOrd="0" presId="urn:microsoft.com/office/officeart/2005/8/layout/vProcess5"/>
-    <dgm:cxn modelId="{023A4A5F-3758-4A48-80B3-69EE6BB8A1B7}" type="presOf" srcId="{E2B28E8E-B7F0-4764-A453-AC970436F3E0}" destId="{6F5AA278-DBCB-4E40-B878-B1DCE31C18F6}" srcOrd="0" destOrd="0" presId="urn:microsoft.com/office/officeart/2005/8/layout/vProcess5"/>
-    <dgm:cxn modelId="{1E5E725F-C7DA-404A-AC25-122C49B50C1C}" srcId="{8707E75B-A981-4532-A155-9CBE32097CF7}" destId="{665EBD2B-36E5-4F62-B3A0-BD199C174EFA}" srcOrd="1" destOrd="0" parTransId="{8C5A80F3-972A-447E-A088-A3E7C85A7515}" sibTransId="{C813CBC2-DE7D-44F5-90CF-6BC9DE8B9C0A}"/>
-    <dgm:cxn modelId="{DC59B660-B72E-4519-BB23-8EA0D8543715}" srcId="{8707E75B-A981-4532-A155-9CBE32097CF7}" destId="{481FC643-A084-4478-AF6F-919756533843}" srcOrd="0" destOrd="0" parTransId="{400E1A28-E473-4F3A-ABB2-F3744E4A51F6}" sibTransId="{E2B28E8E-B7F0-4764-A453-AC970436F3E0}"/>
-    <dgm:cxn modelId="{430392E8-6554-FD45-9CA2-E7BEACCA3C82}" type="presOf" srcId="{665EBD2B-36E5-4F62-B3A0-BD199C174EFA}" destId="{11C5D708-BA96-9444-8861-3204DFB66C1C}" srcOrd="0" destOrd="0" presId="urn:microsoft.com/office/officeart/2005/8/layout/vProcess5"/>
-    <dgm:cxn modelId="{4663F6FB-36E7-D840-95D9-58BAE5999193}" type="presOf" srcId="{481FC643-A084-4478-AF6F-919756533843}" destId="{90A00459-EF31-A743-8D20-DB33F82DFF69}" srcOrd="1" destOrd="0" presId="urn:microsoft.com/office/officeart/2005/8/layout/vProcess5"/>
-    <dgm:cxn modelId="{8279A5AB-5C06-514F-92FF-7C2970AD5DF7}" type="presParOf" srcId="{4498AD20-D679-A345-903D-311F4ACB9635}" destId="{4C766452-BB2D-014E-B429-10240231085C}" srcOrd="0" destOrd="0" presId="urn:microsoft.com/office/officeart/2005/8/layout/vProcess5"/>
-    <dgm:cxn modelId="{BA6D06B3-9D9A-2945-B73E-30D6D8D9EC8E}" type="presParOf" srcId="{4498AD20-D679-A345-903D-311F4ACB9635}" destId="{7E192498-62CD-E74F-BF1F-05B4E9748B6C}" srcOrd="1" destOrd="0" presId="urn:microsoft.com/office/officeart/2005/8/layout/vProcess5"/>
-    <dgm:cxn modelId="{61CBAA32-F555-2D49-82CE-8CB170E56D10}" type="presParOf" srcId="{4498AD20-D679-A345-903D-311F4ACB9635}" destId="{11C5D708-BA96-9444-8861-3204DFB66C1C}" srcOrd="2" destOrd="0" presId="urn:microsoft.com/office/officeart/2005/8/layout/vProcess5"/>
-    <dgm:cxn modelId="{37FD6C6F-0790-AD41-8B44-3FEE52AB2F29}" type="presParOf" srcId="{4498AD20-D679-A345-903D-311F4ACB9635}" destId="{6F5AA278-DBCB-4E40-B878-B1DCE31C18F6}" srcOrd="3" destOrd="0" presId="urn:microsoft.com/office/officeart/2005/8/layout/vProcess5"/>
-    <dgm:cxn modelId="{5E375F16-1946-114A-A94A-942F71D2AAB0}" type="presParOf" srcId="{4498AD20-D679-A345-903D-311F4ACB9635}" destId="{90A00459-EF31-A743-8D20-DB33F82DFF69}" srcOrd="4" destOrd="0" presId="urn:microsoft.com/office/officeart/2005/8/layout/vProcess5"/>
-    <dgm:cxn modelId="{7250D18D-9FCE-5043-9398-B1D51A02756E}" type="presParOf" srcId="{4498AD20-D679-A345-903D-311F4ACB9635}" destId="{97E3547B-D01E-6E44-BF83-0E120357BA97}" srcOrd="5" destOrd="0" presId="urn:microsoft.com/office/officeart/2005/8/layout/vProcess5"/>
-  </dgm:cxnLst>
-  <dgm:bg/>
-  <dgm:whole/>
-  <dgm:extLst>
-    <a:ext uri="http://schemas.microsoft.com/office/drawing/2008/diagram">
-      <dsp:dataModelExt xmlns:dsp="http://schemas.microsoft.com/office/drawing/2008/diagram" relId="rId6" minVer="http://schemas.openxmlformats.org/drawingml/2006/diagram"/>
-    </a:ext>
-  </dgm:extLst>
-</dgm:dataModel>
-</file>
-
-<file path=ppt/diagrams/data5.xml><?xml version="1.0" encoding="utf-8"?>
+<file path=ppt/diagrams/data6.xml><?xml version="1.0" encoding="utf-8"?>
 <dgm:dataModel xmlns:dgm="http://schemas.openxmlformats.org/drawingml/2006/diagram" xmlns:a="http://schemas.openxmlformats.org/drawingml/2006/main">
   <dgm:ptLst>
     <dgm:pt modelId="{14E0B107-26DD-4DE3-8897-501383509D0F}" type="doc">
@@ -5529,6 +6713,249 @@
       <dsp:cNvGrpSpPr/>
     </dsp:nvGrpSpPr>
     <dsp:grpSpPr/>
+    <dsp:sp modelId="{29160269-F938-44F6-8418-5E227A029A1B}">
+      <dsp:nvSpPr>
+        <dsp:cNvPr id="0" name=""/>
+        <dsp:cNvSpPr/>
+      </dsp:nvSpPr>
+      <dsp:spPr>
+        <a:xfrm>
+          <a:off x="3194" y="1012223"/>
+          <a:ext cx="3892384" cy="1556953"/>
+        </a:xfrm>
+        <a:prstGeom prst="chevron">
+          <a:avLst/>
+        </a:prstGeom>
+        <a:solidFill>
+          <a:schemeClr val="accent2">
+            <a:hueOff val="0"/>
+            <a:satOff val="0"/>
+            <a:lumOff val="0"/>
+            <a:alphaOff val="0"/>
+          </a:schemeClr>
+        </a:solidFill>
+        <a:ln w="19050" cap="flat" cmpd="sng" algn="in">
+          <a:solidFill>
+            <a:schemeClr val="lt1">
+              <a:hueOff val="0"/>
+              <a:satOff val="0"/>
+              <a:lumOff val="0"/>
+              <a:alphaOff val="0"/>
+            </a:schemeClr>
+          </a:solidFill>
+          <a:prstDash val="solid"/>
+        </a:ln>
+        <a:effectLst/>
+      </dsp:spPr>
+      <dsp:style>
+        <a:lnRef idx="3">
+          <a:scrgbClr r="0" g="0" b="0"/>
+        </a:lnRef>
+        <a:fillRef idx="1">
+          <a:scrgbClr r="0" g="0" b="0"/>
+        </a:fillRef>
+        <a:effectRef idx="1">
+          <a:scrgbClr r="0" g="0" b="0"/>
+        </a:effectRef>
+        <a:fontRef idx="minor">
+          <a:schemeClr val="lt1"/>
+        </a:fontRef>
+      </dsp:style>
+      <dsp:txBody>
+        <a:bodyPr spcFirstLastPara="0" vert="horz" wrap="square" lIns="204026" tIns="68009" rIns="68009" bIns="68009" numCol="1" spcCol="1270" anchor="ctr" anchorCtr="0">
+          <a:noAutofit/>
+        </a:bodyPr>
+        <a:lstStyle/>
+        <a:p>
+          <a:pPr marL="0" lvl="0" indent="0" algn="ctr" defTabSz="2266950">
+            <a:lnSpc>
+              <a:spcPct val="90000"/>
+            </a:lnSpc>
+            <a:spcBef>
+              <a:spcPct val="0"/>
+            </a:spcBef>
+            <a:spcAft>
+              <a:spcPct val="35000"/>
+            </a:spcAft>
+            <a:buNone/>
+          </a:pPr>
+          <a:r>
+            <a:rPr lang="en-US" sz="5100" kern="1200" dirty="0"/>
+            <a:t>Plan</a:t>
+          </a:r>
+        </a:p>
+      </dsp:txBody>
+      <dsp:txXfrm>
+        <a:off x="781671" y="1012223"/>
+        <a:ext cx="2335431" cy="1556953"/>
+      </dsp:txXfrm>
+    </dsp:sp>
+    <dsp:sp modelId="{67E29CAD-B758-46AF-9841-5E1B4D54B410}">
+      <dsp:nvSpPr>
+        <dsp:cNvPr id="0" name=""/>
+        <dsp:cNvSpPr/>
+      </dsp:nvSpPr>
+      <dsp:spPr>
+        <a:xfrm>
+          <a:off x="3506340" y="1012223"/>
+          <a:ext cx="3892384" cy="1556953"/>
+        </a:xfrm>
+        <a:prstGeom prst="chevron">
+          <a:avLst/>
+        </a:prstGeom>
+        <a:solidFill>
+          <a:schemeClr val="accent3">
+            <a:hueOff val="0"/>
+            <a:satOff val="0"/>
+            <a:lumOff val="0"/>
+            <a:alphaOff val="0"/>
+          </a:schemeClr>
+        </a:solidFill>
+        <a:ln w="19050" cap="flat" cmpd="sng" algn="in">
+          <a:solidFill>
+            <a:schemeClr val="lt1">
+              <a:hueOff val="0"/>
+              <a:satOff val="0"/>
+              <a:lumOff val="0"/>
+              <a:alphaOff val="0"/>
+            </a:schemeClr>
+          </a:solidFill>
+          <a:prstDash val="solid"/>
+        </a:ln>
+        <a:effectLst/>
+      </dsp:spPr>
+      <dsp:style>
+        <a:lnRef idx="3">
+          <a:scrgbClr r="0" g="0" b="0"/>
+        </a:lnRef>
+        <a:fillRef idx="1">
+          <a:scrgbClr r="0" g="0" b="0"/>
+        </a:fillRef>
+        <a:effectRef idx="1">
+          <a:scrgbClr r="0" g="0" b="0"/>
+        </a:effectRef>
+        <a:fontRef idx="minor">
+          <a:schemeClr val="lt1"/>
+        </a:fontRef>
+      </dsp:style>
+      <dsp:txBody>
+        <a:bodyPr spcFirstLastPara="0" vert="horz" wrap="square" lIns="204026" tIns="68009" rIns="68009" bIns="68009" numCol="1" spcCol="1270" anchor="ctr" anchorCtr="0">
+          <a:noAutofit/>
+        </a:bodyPr>
+        <a:lstStyle/>
+        <a:p>
+          <a:pPr marL="0" lvl="0" indent="0" algn="ctr" defTabSz="2266950">
+            <a:lnSpc>
+              <a:spcPct val="90000"/>
+            </a:lnSpc>
+            <a:spcBef>
+              <a:spcPct val="0"/>
+            </a:spcBef>
+            <a:spcAft>
+              <a:spcPct val="35000"/>
+            </a:spcAft>
+            <a:buNone/>
+          </a:pPr>
+          <a:r>
+            <a:rPr lang="en-US" sz="5100" kern="1200" dirty="0"/>
+            <a:t>Apply</a:t>
+          </a:r>
+        </a:p>
+      </dsp:txBody>
+      <dsp:txXfrm>
+        <a:off x="4284817" y="1012223"/>
+        <a:ext cx="2335431" cy="1556953"/>
+      </dsp:txXfrm>
+    </dsp:sp>
+    <dsp:sp modelId="{D202C67F-6EE7-4787-AE69-32FAA564E40A}">
+      <dsp:nvSpPr>
+        <dsp:cNvPr id="0" name=""/>
+        <dsp:cNvSpPr/>
+      </dsp:nvSpPr>
+      <dsp:spPr>
+        <a:xfrm>
+          <a:off x="7009486" y="1012223"/>
+          <a:ext cx="3892384" cy="1556953"/>
+        </a:xfrm>
+        <a:prstGeom prst="chevron">
+          <a:avLst/>
+        </a:prstGeom>
+        <a:solidFill>
+          <a:schemeClr val="accent4">
+            <a:hueOff val="0"/>
+            <a:satOff val="0"/>
+            <a:lumOff val="0"/>
+            <a:alphaOff val="0"/>
+          </a:schemeClr>
+        </a:solidFill>
+        <a:ln w="19050" cap="flat" cmpd="sng" algn="in">
+          <a:solidFill>
+            <a:schemeClr val="lt1">
+              <a:hueOff val="0"/>
+              <a:satOff val="0"/>
+              <a:lumOff val="0"/>
+              <a:alphaOff val="0"/>
+            </a:schemeClr>
+          </a:solidFill>
+          <a:prstDash val="solid"/>
+        </a:ln>
+        <a:effectLst/>
+      </dsp:spPr>
+      <dsp:style>
+        <a:lnRef idx="3">
+          <a:scrgbClr r="0" g="0" b="0"/>
+        </a:lnRef>
+        <a:fillRef idx="1">
+          <a:scrgbClr r="0" g="0" b="0"/>
+        </a:fillRef>
+        <a:effectRef idx="1">
+          <a:scrgbClr r="0" g="0" b="0"/>
+        </a:effectRef>
+        <a:fontRef idx="minor">
+          <a:schemeClr val="lt1"/>
+        </a:fontRef>
+      </dsp:style>
+      <dsp:txBody>
+        <a:bodyPr spcFirstLastPara="0" vert="horz" wrap="square" lIns="204026" tIns="68009" rIns="68009" bIns="68009" numCol="1" spcCol="1270" anchor="ctr" anchorCtr="0">
+          <a:noAutofit/>
+        </a:bodyPr>
+        <a:lstStyle/>
+        <a:p>
+          <a:pPr marL="0" lvl="0" indent="0" algn="ctr" defTabSz="2266950">
+            <a:lnSpc>
+              <a:spcPct val="90000"/>
+            </a:lnSpc>
+            <a:spcBef>
+              <a:spcPct val="0"/>
+            </a:spcBef>
+            <a:spcAft>
+              <a:spcPct val="35000"/>
+            </a:spcAft>
+            <a:buNone/>
+          </a:pPr>
+          <a:r>
+            <a:rPr lang="en-US" sz="5100" kern="1200" dirty="0"/>
+            <a:t>Destroy</a:t>
+          </a:r>
+        </a:p>
+      </dsp:txBody>
+      <dsp:txXfrm>
+        <a:off x="7787963" y="1012223"/>
+        <a:ext cx="2335431" cy="1556953"/>
+      </dsp:txXfrm>
+    </dsp:sp>
+  </dsp:spTree>
+</dsp:drawing>
+</file>
+
+<file path=ppt/diagrams/drawing2.xml><?xml version="1.0" encoding="utf-8"?>
+<dsp:drawing xmlns:dgm="http://schemas.openxmlformats.org/drawingml/2006/diagram" xmlns:dsp="http://schemas.microsoft.com/office/drawing/2008/diagram" xmlns:a="http://schemas.openxmlformats.org/drawingml/2006/main">
+  <dsp:spTree>
+    <dsp:nvGrpSpPr>
+      <dsp:cNvPr id="0" name=""/>
+      <dsp:cNvGrpSpPr/>
+    </dsp:nvGrpSpPr>
+    <dsp:grpSpPr/>
     <dsp:sp modelId="{1E7805AA-EAAA-7743-A07C-2277F3705ED7}">
       <dsp:nvSpPr>
         <dsp:cNvPr id="0" name=""/>
@@ -5622,7 +7049,7 @@
         </a:prstGeom>
         <a:solidFill>
           <a:schemeClr val="accent2">
-            <a:hueOff val="-82826"/>
+            <a:hueOff val="-82827"/>
             <a:satOff val="-27168"/>
             <a:lumOff val="-9901"/>
             <a:alphaOff val="0"/>
@@ -5710,7 +7137,7 @@
         </a:prstGeom>
         <a:solidFill>
           <a:schemeClr val="accent2">
-            <a:hueOff val="-165653"/>
+            <a:hueOff val="-165654"/>
             <a:satOff val="-54335"/>
             <a:lumOff val="-19803"/>
             <a:alphaOff val="0"/>
@@ -5777,7 +7204,253 @@
 </dsp:drawing>
 </file>
 
-<file path=ppt/diagrams/drawing2.xml><?xml version="1.0" encoding="utf-8"?>
+<file path=ppt/diagrams/drawing3.xml><?xml version="1.0" encoding="utf-8"?>
+<dsp:drawing xmlns:dgm="http://schemas.openxmlformats.org/drawingml/2006/diagram" xmlns:dsp="http://schemas.microsoft.com/office/drawing/2008/diagram" xmlns:a="http://schemas.openxmlformats.org/drawingml/2006/main">
+  <dsp:spTree>
+    <dsp:nvGrpSpPr>
+      <dsp:cNvPr id="0" name=""/>
+      <dsp:cNvGrpSpPr/>
+    </dsp:nvGrpSpPr>
+    <dsp:grpSpPr/>
+    <dsp:sp modelId="{7E192498-62CD-E74F-BF1F-05B4E9748B6C}">
+      <dsp:nvSpPr>
+        <dsp:cNvPr id="0" name=""/>
+        <dsp:cNvSpPr/>
+      </dsp:nvSpPr>
+      <dsp:spPr>
+        <a:xfrm>
+          <a:off x="0" y="0"/>
+          <a:ext cx="8161020" cy="1611630"/>
+        </a:xfrm>
+        <a:prstGeom prst="roundRect">
+          <a:avLst>
+            <a:gd name="adj" fmla="val 10000"/>
+          </a:avLst>
+        </a:prstGeom>
+        <a:solidFill>
+          <a:schemeClr val="accent2">
+            <a:hueOff val="0"/>
+            <a:satOff val="0"/>
+            <a:lumOff val="0"/>
+            <a:alphaOff val="0"/>
+          </a:schemeClr>
+        </a:solidFill>
+        <a:ln w="34925" cap="flat" cmpd="sng" algn="in">
+          <a:solidFill>
+            <a:schemeClr val="lt1">
+              <a:hueOff val="0"/>
+              <a:satOff val="0"/>
+              <a:lumOff val="0"/>
+              <a:alphaOff val="0"/>
+            </a:schemeClr>
+          </a:solidFill>
+          <a:prstDash val="solid"/>
+        </a:ln>
+        <a:effectLst/>
+      </dsp:spPr>
+      <dsp:style>
+        <a:lnRef idx="2">
+          <a:scrgbClr r="0" g="0" b="0"/>
+        </a:lnRef>
+        <a:fillRef idx="1">
+          <a:scrgbClr r="0" g="0" b="0"/>
+        </a:fillRef>
+        <a:effectRef idx="0">
+          <a:scrgbClr r="0" g="0" b="0"/>
+        </a:effectRef>
+        <a:fontRef idx="minor">
+          <a:schemeClr val="lt1"/>
+        </a:fontRef>
+      </dsp:style>
+      <dsp:txBody>
+        <a:bodyPr spcFirstLastPara="0" vert="horz" wrap="square" lIns="106680" tIns="106680" rIns="106680" bIns="106680" numCol="1" spcCol="1270" anchor="ctr" anchorCtr="0">
+          <a:noAutofit/>
+        </a:bodyPr>
+        <a:lstStyle/>
+        <a:p>
+          <a:pPr marL="0" lvl="0" indent="0" algn="l" defTabSz="1244600">
+            <a:lnSpc>
+              <a:spcPct val="90000"/>
+            </a:lnSpc>
+            <a:spcBef>
+              <a:spcPct val="0"/>
+            </a:spcBef>
+            <a:spcAft>
+              <a:spcPct val="35000"/>
+            </a:spcAft>
+            <a:buNone/>
+          </a:pPr>
+          <a:r>
+            <a:rPr lang="en-US" sz="2800" i="1" kern="1200" baseline="0" dirty="0">
+              <a:latin typeface="Consolas" panose="020B0609020204030204" pitchFamily="49" charset="0"/>
+              <a:cs typeface="Consolas" panose="020B0609020204030204" pitchFamily="49" charset="0"/>
+            </a:rPr>
+            <a:t>terraform plan </a:t>
+          </a:r>
+          <a:r>
+            <a:rPr lang="en-US" sz="2400" i="1" kern="1200" baseline="0" dirty="0"/>
+            <a:t>checks the state file, compares it to your configuration, and produces a plan that outlines the changes needed to bring the infrastructure in line with your configuration.</a:t>
+          </a:r>
+          <a:endParaRPr lang="en-US" sz="2400" kern="1200" dirty="0"/>
+        </a:p>
+      </dsp:txBody>
+      <dsp:txXfrm>
+        <a:off x="47203" y="47203"/>
+        <a:ext cx="6495274" cy="1517224"/>
+      </dsp:txXfrm>
+    </dsp:sp>
+    <dsp:sp modelId="{11C5D708-BA96-9444-8861-3204DFB66C1C}">
+      <dsp:nvSpPr>
+        <dsp:cNvPr id="0" name=""/>
+        <dsp:cNvSpPr/>
+      </dsp:nvSpPr>
+      <dsp:spPr>
+        <a:xfrm>
+          <a:off x="1440179" y="1969770"/>
+          <a:ext cx="8161020" cy="1611630"/>
+        </a:xfrm>
+        <a:prstGeom prst="roundRect">
+          <a:avLst>
+            <a:gd name="adj" fmla="val 10000"/>
+          </a:avLst>
+        </a:prstGeom>
+        <a:solidFill>
+          <a:schemeClr val="accent2">
+            <a:hueOff val="-165654"/>
+            <a:satOff val="-54335"/>
+            <a:lumOff val="-19803"/>
+            <a:alphaOff val="0"/>
+          </a:schemeClr>
+        </a:solidFill>
+        <a:ln w="34925" cap="flat" cmpd="sng" algn="in">
+          <a:solidFill>
+            <a:schemeClr val="lt1">
+              <a:hueOff val="0"/>
+              <a:satOff val="0"/>
+              <a:lumOff val="0"/>
+              <a:alphaOff val="0"/>
+            </a:schemeClr>
+          </a:solidFill>
+          <a:prstDash val="solid"/>
+        </a:ln>
+        <a:effectLst/>
+      </dsp:spPr>
+      <dsp:style>
+        <a:lnRef idx="2">
+          <a:scrgbClr r="0" g="0" b="0"/>
+        </a:lnRef>
+        <a:fillRef idx="1">
+          <a:scrgbClr r="0" g="0" b="0"/>
+        </a:fillRef>
+        <a:effectRef idx="0">
+          <a:scrgbClr r="0" g="0" b="0"/>
+        </a:effectRef>
+        <a:fontRef idx="minor">
+          <a:schemeClr val="lt1"/>
+        </a:fontRef>
+      </dsp:style>
+      <dsp:txBody>
+        <a:bodyPr spcFirstLastPara="0" vert="horz" wrap="square" lIns="106680" tIns="106680" rIns="106680" bIns="106680" numCol="1" spcCol="1270" anchor="ctr" anchorCtr="0">
+          <a:noAutofit/>
+        </a:bodyPr>
+        <a:lstStyle/>
+        <a:p>
+          <a:pPr marL="0" lvl="0" indent="0" algn="l" defTabSz="1244600">
+            <a:lnSpc>
+              <a:spcPct val="90000"/>
+            </a:lnSpc>
+            <a:spcBef>
+              <a:spcPct val="0"/>
+            </a:spcBef>
+            <a:spcAft>
+              <a:spcPct val="35000"/>
+            </a:spcAft>
+            <a:buNone/>
+          </a:pPr>
+          <a:r>
+            <a:rPr lang="en-US" sz="2800" i="1" kern="1200" baseline="0" dirty="0"/>
+            <a:t>Preview of Changes: Highlights the resources to be created (+), modified (~), or destroyed (-).</a:t>
+          </a:r>
+          <a:endParaRPr lang="en-US" sz="2800" kern="1200" dirty="0"/>
+        </a:p>
+      </dsp:txBody>
+      <dsp:txXfrm>
+        <a:off x="1487382" y="2016973"/>
+        <a:ext cx="5578874" cy="1517224"/>
+      </dsp:txXfrm>
+    </dsp:sp>
+    <dsp:sp modelId="{6F5AA278-DBCB-4E40-B878-B1DCE31C18F6}">
+      <dsp:nvSpPr>
+        <dsp:cNvPr id="0" name=""/>
+        <dsp:cNvSpPr/>
+      </dsp:nvSpPr>
+      <dsp:spPr>
+        <a:xfrm>
+          <a:off x="7113460" y="1266920"/>
+          <a:ext cx="1047559" cy="1047559"/>
+        </a:xfrm>
+        <a:prstGeom prst="downArrow">
+          <a:avLst>
+            <a:gd name="adj1" fmla="val 55000"/>
+            <a:gd name="adj2" fmla="val 45000"/>
+          </a:avLst>
+        </a:prstGeom>
+        <a:solidFill>
+          <a:schemeClr val="lt1"/>
+        </a:solidFill>
+        <a:ln w="34925" cap="flat" cmpd="sng" algn="in">
+          <a:solidFill>
+            <a:schemeClr val="dk1"/>
+          </a:solidFill>
+          <a:prstDash val="solid"/>
+        </a:ln>
+        <a:effectLst/>
+      </dsp:spPr>
+      <dsp:style>
+        <a:lnRef idx="2">
+          <a:schemeClr val="dk1"/>
+        </a:lnRef>
+        <a:fillRef idx="1">
+          <a:schemeClr val="lt1"/>
+        </a:fillRef>
+        <a:effectRef idx="0">
+          <a:schemeClr val="dk1"/>
+        </a:effectRef>
+        <a:fontRef idx="minor">
+          <a:schemeClr val="dk1"/>
+        </a:fontRef>
+      </dsp:style>
+      <dsp:txBody>
+        <a:bodyPr spcFirstLastPara="0" vert="horz" wrap="square" lIns="45720" tIns="45720" rIns="45720" bIns="45720" numCol="1" spcCol="1270" anchor="ctr" anchorCtr="0">
+          <a:noAutofit/>
+        </a:bodyPr>
+        <a:lstStyle/>
+        <a:p>
+          <a:pPr marL="0" lvl="0" indent="0" algn="ctr" defTabSz="1600200">
+            <a:lnSpc>
+              <a:spcPct val="90000"/>
+            </a:lnSpc>
+            <a:spcBef>
+              <a:spcPct val="0"/>
+            </a:spcBef>
+            <a:spcAft>
+              <a:spcPct val="35000"/>
+            </a:spcAft>
+            <a:buNone/>
+          </a:pPr>
+          <a:endParaRPr lang="en-US" sz="3600" kern="1200"/>
+        </a:p>
+      </dsp:txBody>
+      <dsp:txXfrm>
+        <a:off x="7349161" y="1266920"/>
+        <a:ext cx="576157" cy="788288"/>
+      </dsp:txXfrm>
+    </dsp:sp>
+  </dsp:spTree>
+</dsp:drawing>
+</file>
+
+<file path=ppt/diagrams/drawing4.xml><?xml version="1.0" encoding="utf-8"?>
 <dsp:drawing xmlns:dgm="http://schemas.openxmlformats.org/drawingml/2006/diagram" xmlns:dsp="http://schemas.microsoft.com/office/drawing/2008/diagram" xmlns:a="http://schemas.openxmlformats.org/drawingml/2006/main">
   <dsp:spTree>
     <dsp:nvGrpSpPr>
@@ -5953,7 +7626,7 @@
         </a:prstGeom>
         <a:solidFill>
           <a:schemeClr val="accent2">
-            <a:hueOff val="-82826"/>
+            <a:hueOff val="-82827"/>
             <a:satOff val="-27168"/>
             <a:lumOff val="-9901"/>
             <a:alphaOff val="0"/>
@@ -6114,7 +7787,7 @@
         </a:prstGeom>
         <a:solidFill>
           <a:schemeClr val="accent2">
-            <a:hueOff val="-165653"/>
+            <a:hueOff val="-165654"/>
             <a:satOff val="-54335"/>
             <a:lumOff val="-19803"/>
             <a:alphaOff val="0"/>
@@ -6252,7 +7925,7 @@
 </dsp:drawing>
 </file>
 
-<file path=ppt/diagrams/drawing3.xml><?xml version="1.0" encoding="utf-8"?>
+<file path=ppt/diagrams/drawing5.xml><?xml version="1.0" encoding="utf-8"?>
 <dsp:drawing xmlns:dgm="http://schemas.openxmlformats.org/drawingml/2006/diagram" xmlns:dsp="http://schemas.microsoft.com/office/drawing/2008/diagram" xmlns:a="http://schemas.openxmlformats.org/drawingml/2006/main">
   <dsp:spTree>
     <dsp:nvGrpSpPr>
@@ -6267,8 +7940,8 @@
       </dsp:nvSpPr>
       <dsp:spPr>
         <a:xfrm>
-          <a:off x="0" y="19499"/>
-          <a:ext cx="9601200" cy="1123200"/>
+          <a:off x="0" y="14774"/>
+          <a:ext cx="9601200" cy="855562"/>
         </a:xfrm>
         <a:prstGeom prst="roundRect">
           <a:avLst/>
@@ -6309,12 +7982,12 @@
         </a:fontRef>
       </dsp:style>
       <dsp:txBody>
-        <a:bodyPr spcFirstLastPara="0" vert="horz" wrap="square" lIns="114300" tIns="114300" rIns="114300" bIns="114300" numCol="1" spcCol="1270" anchor="ctr" anchorCtr="0">
+        <a:bodyPr spcFirstLastPara="0" vert="horz" wrap="square" lIns="57150" tIns="57150" rIns="57150" bIns="57150" numCol="1" spcCol="1270" anchor="ctr" anchorCtr="0">
           <a:noAutofit/>
         </a:bodyPr>
         <a:lstStyle/>
         <a:p>
-          <a:pPr marL="0" lvl="0" indent="0" algn="l" defTabSz="1333500">
+          <a:pPr marL="0" lvl="0" indent="0" algn="l" defTabSz="666750">
             <a:lnSpc>
               <a:spcPct val="90000"/>
             </a:lnSpc>
@@ -6327,15 +8000,15 @@
             <a:buNone/>
           </a:pPr>
           <a:r>
-            <a:rPr lang="en-US" sz="3000" i="1" kern="1200" baseline="0" dirty="0"/>
+            <a:rPr lang="en-US" sz="1500" i="1" kern="1200" baseline="0" dirty="0"/>
             <a:t>The terraform destroy command tears down and removes infrastructure managed by Terraform.</a:t>
           </a:r>
-          <a:endParaRPr lang="en-US" sz="3000" kern="1200" dirty="0"/>
+          <a:endParaRPr lang="en-US" sz="1500" kern="1200" dirty="0"/>
         </a:p>
       </dsp:txBody>
       <dsp:txXfrm>
-        <a:off x="54830" y="74329"/>
-        <a:ext cx="9491540" cy="1013540"/>
+        <a:off x="41765" y="56539"/>
+        <a:ext cx="9517670" cy="772032"/>
       </dsp:txXfrm>
     </dsp:sp>
     <dsp:sp modelId="{C3795B54-4A27-4A49-9F67-D40E7C19E9BD}">
@@ -6345,17 +8018,17 @@
       </dsp:nvSpPr>
       <dsp:spPr>
         <a:xfrm>
-          <a:off x="0" y="1229099"/>
-          <a:ext cx="9601200" cy="1123200"/>
+          <a:off x="0" y="913537"/>
+          <a:ext cx="9601200" cy="855562"/>
         </a:xfrm>
         <a:prstGeom prst="roundRect">
           <a:avLst/>
         </a:prstGeom>
         <a:solidFill>
           <a:schemeClr val="accent2">
-            <a:hueOff val="-82826"/>
-            <a:satOff val="-27168"/>
-            <a:lumOff val="-9901"/>
+            <a:hueOff val="-55218"/>
+            <a:satOff val="-18112"/>
+            <a:lumOff val="-6601"/>
             <a:alphaOff val="0"/>
           </a:schemeClr>
         </a:solidFill>
@@ -6422,28 +8095,28 @@
         </a:p>
       </dsp:txBody>
       <dsp:txXfrm>
-        <a:off x="54830" y="1283929"/>
-        <a:ext cx="9491540" cy="1013540"/>
+        <a:off x="41765" y="955302"/>
+        <a:ext cx="9517670" cy="772032"/>
       </dsp:txXfrm>
     </dsp:sp>
-    <dsp:sp modelId="{089509AD-2166-F240-B8CA-6B33560C2E67}">
+    <dsp:sp modelId="{997665E6-A2A0-405D-A49F-2A5E5CCF87FF}">
       <dsp:nvSpPr>
         <dsp:cNvPr id="0" name=""/>
         <dsp:cNvSpPr/>
       </dsp:nvSpPr>
       <dsp:spPr>
         <a:xfrm>
-          <a:off x="0" y="2438700"/>
-          <a:ext cx="9601200" cy="1123200"/>
+          <a:off x="0" y="1812300"/>
+          <a:ext cx="9601200" cy="855562"/>
         </a:xfrm>
         <a:prstGeom prst="roundRect">
           <a:avLst/>
         </a:prstGeom>
         <a:solidFill>
           <a:schemeClr val="accent2">
-            <a:hueOff val="-165653"/>
-            <a:satOff val="-54335"/>
-            <a:lumOff val="-19803"/>
+            <a:hueOff val="-110436"/>
+            <a:satOff val="-36223"/>
+            <a:lumOff val="-13202"/>
             <a:alphaOff val="0"/>
           </a:schemeClr>
         </a:solidFill>
@@ -6493,134 +8166,45 @@
             <a:buNone/>
           </a:pPr>
           <a:r>
-            <a:rPr lang="en-US" sz="3000" i="1" kern="1200" baseline="0"/>
-            <a:t>Purpose: Completely removes resources when they are no longer needed.</a:t>
+            <a:rPr lang="en-US" sz="3000" kern="1200" dirty="0">
+              <a:latin typeface="Consolas" panose="020B0609020204030204" pitchFamily="49" charset="0"/>
+              <a:cs typeface="Consolas" panose="020B0609020204030204" pitchFamily="49" charset="0"/>
+            </a:rPr>
+            <a:t>Alias: </a:t>
           </a:r>
-          <a:endParaRPr lang="en-US" sz="3000" kern="1200"/>
+          <a:r>
+            <a:rPr lang="en-US" sz="4000" b="0" i="0" kern="1200" dirty="0">
+              <a:latin typeface="Consolas" panose="020B0609020204030204" pitchFamily="49" charset="0"/>
+            </a:rPr>
+            <a:t>terraform apply -destroy</a:t>
+          </a:r>
+          <a:endParaRPr lang="en-US" sz="3000" kern="1200" dirty="0">
+            <a:latin typeface="Consolas" panose="020B0609020204030204" pitchFamily="49" charset="0"/>
+            <a:cs typeface="Consolas" panose="020B0609020204030204" pitchFamily="49" charset="0"/>
+          </a:endParaRPr>
         </a:p>
       </dsp:txBody>
       <dsp:txXfrm>
-        <a:off x="54830" y="2493530"/>
-        <a:ext cx="9491540" cy="1013540"/>
+        <a:off x="41765" y="1854065"/>
+        <a:ext cx="9517670" cy="772032"/>
       </dsp:txXfrm>
     </dsp:sp>
-  </dsp:spTree>
-</dsp:drawing>
-</file>
-
-<file path=ppt/diagrams/drawing4.xml><?xml version="1.0" encoding="utf-8"?>
-<dsp:drawing xmlns:dgm="http://schemas.openxmlformats.org/drawingml/2006/diagram" xmlns:dsp="http://schemas.microsoft.com/office/drawing/2008/diagram" xmlns:a="http://schemas.openxmlformats.org/drawingml/2006/main">
-  <dsp:spTree>
-    <dsp:nvGrpSpPr>
-      <dsp:cNvPr id="0" name=""/>
-      <dsp:cNvGrpSpPr/>
-    </dsp:nvGrpSpPr>
-    <dsp:grpSpPr/>
-    <dsp:sp modelId="{7E192498-62CD-E74F-BF1F-05B4E9748B6C}">
+    <dsp:sp modelId="{089509AD-2166-F240-B8CA-6B33560C2E67}">
       <dsp:nvSpPr>
         <dsp:cNvPr id="0" name=""/>
         <dsp:cNvSpPr/>
       </dsp:nvSpPr>
       <dsp:spPr>
         <a:xfrm>
-          <a:off x="0" y="0"/>
-          <a:ext cx="8161020" cy="1611630"/>
+          <a:off x="0" y="2711062"/>
+          <a:ext cx="9601200" cy="855562"/>
         </a:xfrm>
         <a:prstGeom prst="roundRect">
-          <a:avLst>
-            <a:gd name="adj" fmla="val 10000"/>
-          </a:avLst>
+          <a:avLst/>
         </a:prstGeom>
         <a:solidFill>
           <a:schemeClr val="accent2">
-            <a:hueOff val="0"/>
-            <a:satOff val="0"/>
-            <a:lumOff val="0"/>
-            <a:alphaOff val="0"/>
-          </a:schemeClr>
-        </a:solidFill>
-        <a:ln w="34925" cap="flat" cmpd="sng" algn="in">
-          <a:solidFill>
-            <a:schemeClr val="lt1">
-              <a:hueOff val="0"/>
-              <a:satOff val="0"/>
-              <a:lumOff val="0"/>
-              <a:alphaOff val="0"/>
-            </a:schemeClr>
-          </a:solidFill>
-          <a:prstDash val="solid"/>
-        </a:ln>
-        <a:effectLst/>
-      </dsp:spPr>
-      <dsp:style>
-        <a:lnRef idx="2">
-          <a:scrgbClr r="0" g="0" b="0"/>
-        </a:lnRef>
-        <a:fillRef idx="1">
-          <a:scrgbClr r="0" g="0" b="0"/>
-        </a:fillRef>
-        <a:effectRef idx="0">
-          <a:scrgbClr r="0" g="0" b="0"/>
-        </a:effectRef>
-        <a:fontRef idx="minor">
-          <a:schemeClr val="lt1"/>
-        </a:fontRef>
-      </dsp:style>
-      <dsp:txBody>
-        <a:bodyPr spcFirstLastPara="0" vert="horz" wrap="square" lIns="106680" tIns="106680" rIns="106680" bIns="106680" numCol="1" spcCol="1270" anchor="ctr" anchorCtr="0">
-          <a:noAutofit/>
-        </a:bodyPr>
-        <a:lstStyle/>
-        <a:p>
-          <a:pPr marL="0" lvl="0" indent="0" algn="l" defTabSz="1244600">
-            <a:lnSpc>
-              <a:spcPct val="90000"/>
-            </a:lnSpc>
-            <a:spcBef>
-              <a:spcPct val="0"/>
-            </a:spcBef>
-            <a:spcAft>
-              <a:spcPct val="35000"/>
-            </a:spcAft>
-            <a:buNone/>
-          </a:pPr>
-          <a:r>
-            <a:rPr lang="en-US" sz="2800" i="1" kern="1200" baseline="0" dirty="0">
-              <a:latin typeface="Consolas" panose="020B0609020204030204" pitchFamily="49" charset="0"/>
-              <a:cs typeface="Consolas" panose="020B0609020204030204" pitchFamily="49" charset="0"/>
-            </a:rPr>
-            <a:t>terraform plan </a:t>
-          </a:r>
-          <a:r>
-            <a:rPr lang="en-US" sz="2400" i="1" kern="1200" baseline="0" dirty="0"/>
-            <a:t>checks the state file, compares it to your configuration, and produces a plan that outlines the changes needed to bring the infrastructure in line with your configuration.</a:t>
-          </a:r>
-          <a:endParaRPr lang="en-US" sz="2400" kern="1200" dirty="0"/>
-        </a:p>
-      </dsp:txBody>
-      <dsp:txXfrm>
-        <a:off x="47203" y="47203"/>
-        <a:ext cx="6495274" cy="1517224"/>
-      </dsp:txXfrm>
-    </dsp:sp>
-    <dsp:sp modelId="{11C5D708-BA96-9444-8861-3204DFB66C1C}">
-      <dsp:nvSpPr>
-        <dsp:cNvPr id="0" name=""/>
-        <dsp:cNvSpPr/>
-      </dsp:nvSpPr>
-      <dsp:spPr>
-        <a:xfrm>
-          <a:off x="1440179" y="1969770"/>
-          <a:ext cx="8161020" cy="1611630"/>
-        </a:xfrm>
-        <a:prstGeom prst="roundRect">
-          <a:avLst>
-            <a:gd name="adj" fmla="val 10000"/>
-          </a:avLst>
-        </a:prstGeom>
-        <a:solidFill>
-          <a:schemeClr val="accent2">
-            <a:hueOff val="-165653"/>
+            <a:hueOff val="-165654"/>
             <a:satOff val="-54335"/>
             <a:lumOff val="-19803"/>
             <a:alphaOff val="0"/>
@@ -6654,12 +8238,12 @@
         </a:fontRef>
       </dsp:style>
       <dsp:txBody>
-        <a:bodyPr spcFirstLastPara="0" vert="horz" wrap="square" lIns="106680" tIns="106680" rIns="106680" bIns="106680" numCol="1" spcCol="1270" anchor="ctr" anchorCtr="0">
+        <a:bodyPr spcFirstLastPara="0" vert="horz" wrap="square" lIns="57150" tIns="57150" rIns="57150" bIns="57150" numCol="1" spcCol="1270" anchor="ctr" anchorCtr="0">
           <a:noAutofit/>
         </a:bodyPr>
         <a:lstStyle/>
         <a:p>
-          <a:pPr marL="0" lvl="0" indent="0" algn="l" defTabSz="1244600">
+          <a:pPr marL="0" lvl="0" indent="0" algn="l" defTabSz="666750">
             <a:lnSpc>
               <a:spcPct val="90000"/>
             </a:lnSpc>
@@ -6672,89 +8256,22 @@
             <a:buNone/>
           </a:pPr>
           <a:r>
-            <a:rPr lang="en-US" sz="2800" i="1" kern="1200" baseline="0" dirty="0"/>
-            <a:t>Preview of Changes: Highlights the resources to be created (+), modified (~), or destroyed (-).</a:t>
+            <a:rPr lang="en-US" sz="1500" i="1" kern="1200" baseline="0"/>
+            <a:t>Purpose: Completely removes resources when they are no longer needed.</a:t>
           </a:r>
-          <a:endParaRPr lang="en-US" sz="2800" kern="1200" dirty="0"/>
+          <a:endParaRPr lang="en-US" sz="1500" kern="1200"/>
         </a:p>
       </dsp:txBody>
       <dsp:txXfrm>
-        <a:off x="1487382" y="2016973"/>
-        <a:ext cx="5578874" cy="1517224"/>
-      </dsp:txXfrm>
-    </dsp:sp>
-    <dsp:sp modelId="{6F5AA278-DBCB-4E40-B878-B1DCE31C18F6}">
-      <dsp:nvSpPr>
-        <dsp:cNvPr id="0" name=""/>
-        <dsp:cNvSpPr/>
-      </dsp:nvSpPr>
-      <dsp:spPr>
-        <a:xfrm>
-          <a:off x="7113460" y="1266920"/>
-          <a:ext cx="1047559" cy="1047559"/>
-        </a:xfrm>
-        <a:prstGeom prst="downArrow">
-          <a:avLst>
-            <a:gd name="adj1" fmla="val 55000"/>
-            <a:gd name="adj2" fmla="val 45000"/>
-          </a:avLst>
-        </a:prstGeom>
-        <a:solidFill>
-          <a:schemeClr val="lt1"/>
-        </a:solidFill>
-        <a:ln w="34925" cap="flat" cmpd="sng" algn="in">
-          <a:solidFill>
-            <a:schemeClr val="dk1"/>
-          </a:solidFill>
-          <a:prstDash val="solid"/>
-        </a:ln>
-        <a:effectLst/>
-      </dsp:spPr>
-      <dsp:style>
-        <a:lnRef idx="2">
-          <a:schemeClr val="dk1"/>
-        </a:lnRef>
-        <a:fillRef idx="1">
-          <a:schemeClr val="lt1"/>
-        </a:fillRef>
-        <a:effectRef idx="0">
-          <a:schemeClr val="dk1"/>
-        </a:effectRef>
-        <a:fontRef idx="minor">
-          <a:schemeClr val="dk1"/>
-        </a:fontRef>
-      </dsp:style>
-      <dsp:txBody>
-        <a:bodyPr spcFirstLastPara="0" vert="horz" wrap="square" lIns="45720" tIns="45720" rIns="45720" bIns="45720" numCol="1" spcCol="1270" anchor="ctr" anchorCtr="0">
-          <a:noAutofit/>
-        </a:bodyPr>
-        <a:lstStyle/>
-        <a:p>
-          <a:pPr marL="0" lvl="0" indent="0" algn="ctr" defTabSz="1600200">
-            <a:lnSpc>
-              <a:spcPct val="90000"/>
-            </a:lnSpc>
-            <a:spcBef>
-              <a:spcPct val="0"/>
-            </a:spcBef>
-            <a:spcAft>
-              <a:spcPct val="35000"/>
-            </a:spcAft>
-            <a:buNone/>
-          </a:pPr>
-          <a:endParaRPr lang="en-US" sz="3600" kern="1200"/>
-        </a:p>
-      </dsp:txBody>
-      <dsp:txXfrm>
-        <a:off x="7349161" y="1266920"/>
-        <a:ext cx="576157" cy="788288"/>
+        <a:off x="41765" y="2752827"/>
+        <a:ext cx="9517670" cy="772032"/>
       </dsp:txXfrm>
     </dsp:sp>
   </dsp:spTree>
 </dsp:drawing>
 </file>
 
-<file path=ppt/diagrams/drawing5.xml><?xml version="1.0" encoding="utf-8"?>
+<file path=ppt/diagrams/drawing6.xml><?xml version="1.0" encoding="utf-8"?>
 <dsp:drawing xmlns:dgm="http://schemas.openxmlformats.org/drawingml/2006/diagram" xmlns:dsp="http://schemas.microsoft.com/office/drawing/2008/diagram" xmlns:a="http://schemas.openxmlformats.org/drawingml/2006/main">
   <dsp:spTree>
     <dsp:nvGrpSpPr>
@@ -7156,6 +8673,289 @@
 </file>
 
 <file path=ppt/diagrams/layout1.xml><?xml version="1.0" encoding="utf-8"?>
+<dgm:layoutDef xmlns:dgm="http://schemas.openxmlformats.org/drawingml/2006/diagram" xmlns:a="http://schemas.openxmlformats.org/drawingml/2006/main" uniqueId="urn:microsoft.com/office/officeart/2005/8/layout/chevron1">
+  <dgm:title val=""/>
+  <dgm:desc val=""/>
+  <dgm:catLst>
+    <dgm:cat type="process" pri="9000"/>
+  </dgm:catLst>
+  <dgm:sampData useDef="1">
+    <dgm:dataModel>
+      <dgm:ptLst/>
+      <dgm:bg/>
+      <dgm:whole/>
+    </dgm:dataModel>
+  </dgm:sampData>
+  <dgm:styleData>
+    <dgm:dataModel>
+      <dgm:ptLst>
+        <dgm:pt modelId="0" type="doc"/>
+        <dgm:pt modelId="1"/>
+        <dgm:pt modelId="2"/>
+      </dgm:ptLst>
+      <dgm:cxnLst>
+        <dgm:cxn modelId="3" srcId="0" destId="1" srcOrd="0" destOrd="0"/>
+        <dgm:cxn modelId="4" srcId="0" destId="2" srcOrd="1" destOrd="0"/>
+      </dgm:cxnLst>
+      <dgm:bg/>
+      <dgm:whole/>
+    </dgm:dataModel>
+  </dgm:styleData>
+  <dgm:clrData>
+    <dgm:dataModel>
+      <dgm:ptLst>
+        <dgm:pt modelId="0" type="doc"/>
+        <dgm:pt modelId="1"/>
+        <dgm:pt modelId="2"/>
+        <dgm:pt modelId="3"/>
+        <dgm:pt modelId="4"/>
+      </dgm:ptLst>
+      <dgm:cxnLst>
+        <dgm:cxn modelId="5" srcId="0" destId="1" srcOrd="0" destOrd="0"/>
+        <dgm:cxn modelId="6" srcId="0" destId="2" srcOrd="1" destOrd="0"/>
+        <dgm:cxn modelId="7" srcId="0" destId="3" srcOrd="2" destOrd="0"/>
+        <dgm:cxn modelId="8" srcId="0" destId="4" srcOrd="3" destOrd="0"/>
+      </dgm:cxnLst>
+      <dgm:bg/>
+      <dgm:whole/>
+    </dgm:dataModel>
+  </dgm:clrData>
+  <dgm:layoutNode name="Name0">
+    <dgm:varLst>
+      <dgm:dir/>
+      <dgm:animLvl val="lvl"/>
+      <dgm:resizeHandles val="exact"/>
+    </dgm:varLst>
+    <dgm:choose name="Name1">
+      <dgm:if name="Name2" func="var" arg="dir" op="equ" val="norm">
+        <dgm:alg type="lin"/>
+      </dgm:if>
+      <dgm:else name="Name3">
+        <dgm:alg type="lin">
+          <dgm:param type="linDir" val="fromR"/>
+        </dgm:alg>
+      </dgm:else>
+    </dgm:choose>
+    <dgm:shape xmlns:r="http://schemas.openxmlformats.org/officeDocument/2006/relationships" r:blip="">
+      <dgm:adjLst/>
+    </dgm:shape>
+    <dgm:presOf/>
+    <dgm:choose name="Name4">
+      <dgm:if name="Name5" axis="des" func="maxDepth" op="gte" val="2">
+        <dgm:constrLst>
+          <dgm:constr type="h" for="ch" forName="composite" refType="h"/>
+          <dgm:constr type="w" for="ch" forName="composite" refType="w"/>
+          <dgm:constr type="w" for="des" forName="parTx"/>
+          <dgm:constr type="h" for="des" forName="parTx" op="equ"/>
+          <dgm:constr type="w" for="des" forName="desTx"/>
+          <dgm:constr type="h" for="des" forName="desTx" op="equ"/>
+          <dgm:constr type="primFontSz" for="des" forName="parTx" val="65"/>
+          <dgm:constr type="secFontSz" for="des" forName="desTx" refType="primFontSz" refFor="des" refForName="parTx" op="equ"/>
+          <dgm:constr type="h" for="des" forName="parTx" refType="primFontSz" refFor="des" refForName="parTx" fact="1.5"/>
+          <dgm:constr type="h" for="des" forName="desTx" refType="primFontSz" refFor="des" refForName="parTx" fact="0.5"/>
+          <dgm:constr type="w" for="ch" forName="space" op="equ" val="-6"/>
+        </dgm:constrLst>
+        <dgm:ruleLst>
+          <dgm:rule type="w" for="ch" forName="composite" val="0" fact="NaN" max="NaN"/>
+          <dgm:rule type="primFontSz" for="des" forName="parTx" val="5" fact="NaN" max="NaN"/>
+        </dgm:ruleLst>
+        <dgm:forEach name="Name6" axis="ch" ptType="node">
+          <dgm:layoutNode name="composite">
+            <dgm:alg type="composite"/>
+            <dgm:shape xmlns:r="http://schemas.openxmlformats.org/officeDocument/2006/relationships" r:blip="">
+              <dgm:adjLst/>
+            </dgm:shape>
+            <dgm:presOf/>
+            <dgm:choose name="Name7">
+              <dgm:if name="Name8" func="var" arg="dir" op="equ" val="norm">
+                <dgm:constrLst>
+                  <dgm:constr type="l" for="ch" forName="parTx"/>
+                  <dgm:constr type="w" for="ch" forName="parTx" refType="w"/>
+                  <dgm:constr type="t" for="ch" forName="parTx"/>
+                  <dgm:constr type="l" for="ch" forName="desTx"/>
+                  <dgm:constr type="w" for="ch" forName="desTx" refType="w" refFor="ch" refForName="parTx" fact="0.8"/>
+                  <dgm:constr type="t" for="ch" forName="desTx" refType="h" refFor="ch" refForName="parTx" fact="1.125"/>
+                </dgm:constrLst>
+              </dgm:if>
+              <dgm:else name="Name9">
+                <dgm:constrLst>
+                  <dgm:constr type="l" for="ch" forName="parTx"/>
+                  <dgm:constr type="w" for="ch" forName="parTx" refType="w"/>
+                  <dgm:constr type="t" for="ch" forName="parTx"/>
+                  <dgm:constr type="l" for="ch" forName="desTx" refType="w" fact="0.2"/>
+                  <dgm:constr type="w" for="ch" forName="desTx" refType="w" refFor="ch" refForName="parTx" fact="0.8"/>
+                  <dgm:constr type="t" for="ch" forName="desTx" refType="h" refFor="ch" refForName="parTx" fact="1.125"/>
+                </dgm:constrLst>
+              </dgm:else>
+            </dgm:choose>
+            <dgm:ruleLst>
+              <dgm:rule type="h" val="INF" fact="NaN" max="NaN"/>
+            </dgm:ruleLst>
+            <dgm:layoutNode name="parTx">
+              <dgm:varLst>
+                <dgm:chMax val="0"/>
+                <dgm:chPref val="0"/>
+                <dgm:bulletEnabled val="1"/>
+              </dgm:varLst>
+              <dgm:alg type="tx"/>
+              <dgm:choose name="Name10">
+                <dgm:if name="Name11" func="var" arg="dir" op="equ" val="norm">
+                  <dgm:shape xmlns:r="http://schemas.openxmlformats.org/officeDocument/2006/relationships" type="chevron" r:blip="">
+                    <dgm:adjLst/>
+                  </dgm:shape>
+                </dgm:if>
+                <dgm:else name="Name12">
+                  <dgm:shape xmlns:r="http://schemas.openxmlformats.org/officeDocument/2006/relationships" rot="180" type="chevron" r:blip="">
+                    <dgm:adjLst/>
+                  </dgm:shape>
+                </dgm:else>
+              </dgm:choose>
+              <dgm:presOf axis="self" ptType="node"/>
+              <dgm:choose name="Name13">
+                <dgm:if name="Name14" func="var" arg="dir" op="equ" val="norm">
+                  <dgm:constrLst>
+                    <dgm:constr type="h" refType="w" op="lte" fact="0.4"/>
+                    <dgm:constr type="h"/>
+                    <dgm:constr type="tMarg" refType="primFontSz" fact="0.105"/>
+                    <dgm:constr type="bMarg" refType="primFontSz" fact="0.105"/>
+                    <dgm:constr type="lMarg" refType="primFontSz" fact="0.315"/>
+                    <dgm:constr type="rMarg" refType="primFontSz" fact="0.105"/>
+                  </dgm:constrLst>
+                </dgm:if>
+                <dgm:else name="Name15">
+                  <dgm:constrLst>
+                    <dgm:constr type="h" refType="w" op="lte" fact="0.4"/>
+                    <dgm:constr type="h"/>
+                    <dgm:constr type="tMarg" refType="primFontSz" fact="0.105"/>
+                    <dgm:constr type="bMarg" refType="primFontSz" fact="0.105"/>
+                    <dgm:constr type="lMarg" refType="primFontSz" fact="0.105"/>
+                    <dgm:constr type="rMarg" refType="primFontSz" fact="0.315"/>
+                  </dgm:constrLst>
+                </dgm:else>
+              </dgm:choose>
+              <dgm:ruleLst>
+                <dgm:rule type="h" val="INF" fact="NaN" max="NaN"/>
+              </dgm:ruleLst>
+            </dgm:layoutNode>
+            <dgm:layoutNode name="desTx" styleLbl="revTx">
+              <dgm:varLst>
+                <dgm:bulletEnabled val="1"/>
+              </dgm:varLst>
+              <dgm:alg type="tx">
+                <dgm:param type="stBulletLvl" val="1"/>
+              </dgm:alg>
+              <dgm:choose name="Name16">
+                <dgm:if name="Name17" axis="ch" ptType="node" func="cnt" op="gte" val="1">
+                  <dgm:shape xmlns:r="http://schemas.openxmlformats.org/officeDocument/2006/relationships" type="rect" r:blip="">
+                    <dgm:adjLst/>
+                  </dgm:shape>
+                </dgm:if>
+                <dgm:else name="Name18">
+                  <dgm:shape xmlns:r="http://schemas.openxmlformats.org/officeDocument/2006/relationships" type="rect" r:blip="" hideGeom="1">
+                    <dgm:adjLst/>
+                  </dgm:shape>
+                </dgm:else>
+              </dgm:choose>
+              <dgm:presOf axis="des" ptType="node"/>
+              <dgm:constrLst>
+                <dgm:constr type="secFontSz" val="65"/>
+                <dgm:constr type="primFontSz" refType="secFontSz"/>
+                <dgm:constr type="h"/>
+                <dgm:constr type="tMarg"/>
+                <dgm:constr type="bMarg"/>
+                <dgm:constr type="rMarg"/>
+                <dgm:constr type="lMarg"/>
+              </dgm:constrLst>
+              <dgm:ruleLst>
+                <dgm:rule type="h" val="INF" fact="NaN" max="NaN"/>
+              </dgm:ruleLst>
+            </dgm:layoutNode>
+          </dgm:layoutNode>
+          <dgm:forEach name="Name19" axis="followSib" ptType="sibTrans" cnt="1">
+            <dgm:layoutNode name="space">
+              <dgm:alg type="sp"/>
+              <dgm:shape xmlns:r="http://schemas.openxmlformats.org/officeDocument/2006/relationships" r:blip="">
+                <dgm:adjLst/>
+              </dgm:shape>
+              <dgm:presOf/>
+              <dgm:constrLst/>
+              <dgm:ruleLst/>
+            </dgm:layoutNode>
+          </dgm:forEach>
+        </dgm:forEach>
+      </dgm:if>
+      <dgm:else name="Name20">
+        <dgm:constrLst>
+          <dgm:constr type="w" for="ch" forName="parTxOnly" refType="w"/>
+          <dgm:constr type="h" for="des" forName="parTxOnly" op="equ"/>
+          <dgm:constr type="primFontSz" for="des" forName="parTxOnly" op="equ" val="65"/>
+          <dgm:constr type="w" for="ch" forName="parTxOnlySpace" refType="w" refFor="ch" refForName="parTxOnly" fact="-0.1"/>
+        </dgm:constrLst>
+        <dgm:ruleLst/>
+        <dgm:forEach name="Name21" axis="ch" ptType="node">
+          <dgm:layoutNode name="parTxOnly">
+            <dgm:varLst>
+              <dgm:chMax val="0"/>
+              <dgm:chPref val="0"/>
+              <dgm:bulletEnabled val="1"/>
+            </dgm:varLst>
+            <dgm:alg type="tx"/>
+            <dgm:choose name="Name22">
+              <dgm:if name="Name23" func="var" arg="dir" op="equ" val="norm">
+                <dgm:shape xmlns:r="http://schemas.openxmlformats.org/officeDocument/2006/relationships" type="chevron" r:blip="">
+                  <dgm:adjLst/>
+                </dgm:shape>
+              </dgm:if>
+              <dgm:else name="Name24">
+                <dgm:shape xmlns:r="http://schemas.openxmlformats.org/officeDocument/2006/relationships" rot="180" type="chevron" r:blip="">
+                  <dgm:adjLst/>
+                </dgm:shape>
+              </dgm:else>
+            </dgm:choose>
+            <dgm:presOf axis="self" ptType="node"/>
+            <dgm:choose name="Name25">
+              <dgm:if name="Name26" func="var" arg="dir" op="equ" val="norm">
+                <dgm:constrLst>
+                  <dgm:constr type="h" refType="w" op="equ" fact="0.4"/>
+                  <dgm:constr type="tMarg" refType="primFontSz" fact="0.105"/>
+                  <dgm:constr type="bMarg" refType="primFontSz" fact="0.105"/>
+                  <dgm:constr type="lMarg" refType="primFontSz" fact="0.315"/>
+                  <dgm:constr type="rMarg" refType="primFontSz" fact="0.105"/>
+                </dgm:constrLst>
+              </dgm:if>
+              <dgm:else name="Name27">
+                <dgm:constrLst>
+                  <dgm:constr type="h" refType="w" op="equ" fact="0.4"/>
+                  <dgm:constr type="tMarg" refType="primFontSz" fact="0.105"/>
+                  <dgm:constr type="bMarg" refType="primFontSz" fact="0.105"/>
+                  <dgm:constr type="lMarg" refType="primFontSz" fact="0.105"/>
+                  <dgm:constr type="rMarg" refType="primFontSz" fact="0.315"/>
+                </dgm:constrLst>
+              </dgm:else>
+            </dgm:choose>
+            <dgm:ruleLst>
+              <dgm:rule type="primFontSz" val="5" fact="NaN" max="NaN"/>
+            </dgm:ruleLst>
+          </dgm:layoutNode>
+          <dgm:forEach name="Name28" axis="followSib" ptType="sibTrans" cnt="1">
+            <dgm:layoutNode name="parTxOnlySpace">
+              <dgm:alg type="sp"/>
+              <dgm:shape xmlns:r="http://schemas.openxmlformats.org/officeDocument/2006/relationships" r:blip="">
+                <dgm:adjLst/>
+              </dgm:shape>
+              <dgm:presOf/>
+              <dgm:constrLst/>
+              <dgm:ruleLst/>
+            </dgm:layoutNode>
+          </dgm:forEach>
+        </dgm:forEach>
+      </dgm:else>
+    </dgm:choose>
+  </dgm:layoutNode>
+</dgm:layoutDef>
+</file>
+
+<file path=ppt/diagrams/layout2.xml><?xml version="1.0" encoding="utf-8"?>
 <dgm:layoutDef xmlns:dgm="http://schemas.openxmlformats.org/drawingml/2006/diagram" xmlns:a="http://schemas.openxmlformats.org/drawingml/2006/main" uniqueId="urn:microsoft.com/office/officeart/2005/8/layout/vList2">
   <dgm:title val=""/>
   <dgm:desc val=""/>
@@ -7322,468 +9122,7 @@
 </dgm:layoutDef>
 </file>
 
-<file path=ppt/diagrams/layout2.xml><?xml version="1.0" encoding="utf-8"?>
-<dgm:layoutDef xmlns:dgm="http://schemas.openxmlformats.org/drawingml/2006/diagram" xmlns:a="http://schemas.openxmlformats.org/drawingml/2006/main" uniqueId="urn:microsoft.com/office/officeart/2018/2/layout/IconVerticalSolidList">
-  <dgm:title val="Icon Vertical Solid List"/>
-  <dgm:desc val="Use to show a series of visuals from top to bottom with Level 1 or Level 1 and Level 2 text grouped in a shape. Works best with icons or small pictures with lengthier descriptions."/>
-  <dgm:catLst>
-    <dgm:cat type="icon" pri="500"/>
-  </dgm:catLst>
-  <dgm:sampData useDef="1">
-    <dgm:dataModel>
-      <dgm:ptLst/>
-      <dgm:bg/>
-      <dgm:whole/>
-    </dgm:dataModel>
-  </dgm:sampData>
-  <dgm:styleData useDef="1">
-    <dgm:dataModel>
-      <dgm:ptLst/>
-      <dgm:bg/>
-      <dgm:whole/>
-    </dgm:dataModel>
-  </dgm:styleData>
-  <dgm:clrData useDef="1">
-    <dgm:dataModel>
-      <dgm:ptLst/>
-      <dgm:bg/>
-      <dgm:whole/>
-    </dgm:dataModel>
-  </dgm:clrData>
-  <dgm:layoutNode name="root">
-    <dgm:varLst>
-      <dgm:dir/>
-      <dgm:resizeHandles val="exact"/>
-    </dgm:varLst>
-    <dgm:choose name="Name0">
-      <dgm:if name="Name1" axis="self" func="var" arg="dir" op="equ" val="norm">
-        <dgm:alg type="lin">
-          <dgm:param type="linDir" val="fromT"/>
-          <dgm:param type="nodeHorzAlign" val="l"/>
-        </dgm:alg>
-      </dgm:if>
-      <dgm:else name="Name2">
-        <dgm:alg type="lin">
-          <dgm:param type="linDir" val="fromT"/>
-          <dgm:param type="nodeHorzAlign" val="r"/>
-        </dgm:alg>
-      </dgm:else>
-    </dgm:choose>
-    <dgm:shape xmlns:r="http://schemas.openxmlformats.org/officeDocument/2006/relationships" r:blip="">
-      <dgm:adjLst/>
-    </dgm:shape>
-    <dgm:presOf/>
-    <dgm:choose name="Name3">
-      <dgm:if name="Name4" axis="ch" ptType="node" func="cnt" op="lte" val="3">
-        <dgm:constrLst>
-          <dgm:constr type="h" for="ch" forName="compNode" refType="h" fact="0.3"/>
-          <dgm:constr type="w" for="ch" forName="compNode" refType="w"/>
-          <dgm:constr type="h" for="ch" forName="sibTrans" refType="h" refFor="ch" refForName="compNode" fact="0.25"/>
-          <dgm:constr type="primFontSz" for="des" forName="parTx" val="25"/>
-          <dgm:constr type="primFontSz" for="des" forName="desTx" refType="primFontSz" refFor="des" refForName="parTx" op="lte" fact="0.75"/>
-          <dgm:constr type="h" for="des" forName="compNode" op="equ"/>
-          <dgm:constr type="h" for="des" forName="bgRect" op="equ"/>
-          <dgm:constr type="h" for="des" forName="iconRect" op="equ"/>
-          <dgm:constr type="w" for="des" forName="iconRect" op="equ"/>
-          <dgm:constr type="h" for="des" forName="spaceRect" op="equ"/>
-          <dgm:constr type="h" for="des" forName="parTx" op="equ"/>
-          <dgm:constr type="h" for="des" forName="desTx" op="equ"/>
-        </dgm:constrLst>
-      </dgm:if>
-      <dgm:if name="Name5" axis="ch" ptType="node" func="cnt" op="lte" val="4">
-        <dgm:constrLst>
-          <dgm:constr type="h" for="ch" forName="compNode" refType="h" fact="0.3"/>
-          <dgm:constr type="w" for="ch" forName="compNode" refType="w"/>
-          <dgm:constr type="h" for="ch" forName="sibTrans" refType="h" refFor="ch" refForName="compNode" fact="0.25"/>
-          <dgm:constr type="primFontSz" for="des" forName="parTx" val="22"/>
-          <dgm:constr type="primFontSz" for="des" forName="desTx" refType="primFontSz" refFor="des" refForName="parTx" op="lte" fact="0.75"/>
-          <dgm:constr type="h" for="des" forName="compNode" op="equ"/>
-          <dgm:constr type="h" for="des" forName="bgRect" op="equ"/>
-          <dgm:constr type="h" for="des" forName="iconRect" op="equ"/>
-          <dgm:constr type="w" for="des" forName="iconRect" op="equ"/>
-          <dgm:constr type="h" for="des" forName="spaceRect" op="equ"/>
-          <dgm:constr type="h" for="des" forName="parTx" op="equ"/>
-          <dgm:constr type="h" for="des" forName="desTx" op="equ"/>
-        </dgm:constrLst>
-      </dgm:if>
-      <dgm:if name="Name6" axis="ch" ptType="node" func="cnt" op="lte" val="6">
-        <dgm:constrLst>
-          <dgm:constr type="h" for="ch" forName="compNode" refType="h" fact="0.3"/>
-          <dgm:constr type="w" for="ch" forName="compNode" refType="w"/>
-          <dgm:constr type="h" for="ch" forName="sibTrans" refType="h" refFor="ch" refForName="compNode" fact="0.25"/>
-          <dgm:constr type="primFontSz" for="des" forName="parTx" val="19"/>
-          <dgm:constr type="primFontSz" for="des" forName="desTx" refType="primFontSz" refFor="des" refForName="parTx" op="lte" fact="0.75"/>
-          <dgm:constr type="h" for="des" forName="compNode" op="equ"/>
-          <dgm:constr type="h" for="des" forName="bgRect" op="equ"/>
-          <dgm:constr type="h" for="des" forName="iconRect" op="equ"/>
-          <dgm:constr type="w" for="des" forName="iconRect" op="equ"/>
-          <dgm:constr type="h" for="des" forName="spaceRect" op="equ"/>
-          <dgm:constr type="h" for="des" forName="parTx" op="equ"/>
-          <dgm:constr type="h" for="des" forName="desTx" op="equ"/>
-        </dgm:constrLst>
-      </dgm:if>
-      <dgm:else name="Name7">
-        <dgm:constrLst>
-          <dgm:constr type="h" for="ch" forName="compNode" refType="h" fact="0.3"/>
-          <dgm:constr type="w" for="ch" forName="compNode" refType="w"/>
-          <dgm:constr type="h" for="ch" forName="sibTrans" refType="h" refFor="ch" refForName="compNode" fact="0.25"/>
-          <dgm:constr type="primFontSz" for="des" forName="parTx" val="16"/>
-          <dgm:constr type="primFontSz" for="des" forName="desTx" refType="primFontSz" refFor="des" refForName="parTx" op="lte" fact="0.75"/>
-          <dgm:constr type="h" for="des" forName="compNode" op="equ"/>
-          <dgm:constr type="h" for="des" forName="bgRect" op="equ"/>
-          <dgm:constr type="h" for="des" forName="iconRect" op="equ"/>
-          <dgm:constr type="w" for="des" forName="iconRect" op="equ"/>
-          <dgm:constr type="h" for="des" forName="spaceRect" op="equ"/>
-          <dgm:constr type="h" for="des" forName="parTx" op="equ"/>
-          <dgm:constr type="h" for="des" forName="desTx" op="equ"/>
-        </dgm:constrLst>
-      </dgm:else>
-    </dgm:choose>
-    <dgm:ruleLst>
-      <dgm:rule type="h" for="ch" forName="compNode" val="0" fact="NaN" max="NaN"/>
-    </dgm:ruleLst>
-    <dgm:forEach name="Name8" axis="ch" ptType="node">
-      <dgm:layoutNode name="compNode">
-        <dgm:alg type="composite"/>
-        <dgm:shape xmlns:r="http://schemas.openxmlformats.org/officeDocument/2006/relationships" r:blip="">
-          <dgm:adjLst/>
-        </dgm:shape>
-        <dgm:presOf axis="self"/>
-        <dgm:choose name="Name9">
-          <dgm:if name="Name10" axis="ch" ptType="node" func="cnt" op="gte" val="1">
-            <dgm:constrLst>
-              <dgm:constr type="w" for="ch" forName="bgRect" refType="w"/>
-              <dgm:constr type="h" for="ch" forName="bgRect" refType="h"/>
-              <dgm:constr type="l" for="ch" forName="bgRect"/>
-              <dgm:constr type="t" for="ch" forName="bgRect"/>
-              <dgm:constr type="h" for="ch" forName="iconRect" refType="h" fact="0.55"/>
-              <dgm:constr type="w" for="ch" forName="iconRect" refType="h" refFor="ch" refForName="iconRect"/>
-              <dgm:constr type="l" for="ch" forName="iconRect" refType="h" refFor="ch" refForName="iconRect" fact="0.55"/>
-              <dgm:constr type="ctrY" for="ch" forName="iconRect" refType="ctrY" refFor="ch" refForName="bgRect"/>
-              <dgm:constr type="w" for="ch" forName="spaceRect" refType="l" refFor="ch" refForName="iconRect"/>
-              <dgm:constr type="h" for="ch" forName="spaceRect" refType="h"/>
-              <dgm:constr type="l" for="ch" forName="spaceRect" refType="r" refFor="ch" refForName="iconRect"/>
-              <dgm:constr type="t" for="ch" forName="spaceRect"/>
-              <dgm:constr type="w" for="ch" forName="parTx" refType="w" fact="0.45"/>
-              <dgm:constr type="h" for="ch" forName="parTx" refType="h"/>
-              <dgm:constr type="l" for="ch" forName="parTx" refType="r" refFor="ch" refForName="spaceRect"/>
-              <dgm:constr type="t" for="ch" forName="parTx"/>
-              <dgm:constr type="h" for="ch" forName="desTx" refType="h"/>
-              <dgm:constr type="l" for="ch" forName="desTx" refType="r" refFor="ch" refForName="parTx"/>
-              <dgm:constr type="t" for="ch" forName="desTx"/>
-            </dgm:constrLst>
-          </dgm:if>
-          <dgm:else name="Name11">
-            <dgm:constrLst>
-              <dgm:constr type="w" for="ch" forName="bgRect" refType="w"/>
-              <dgm:constr type="h" for="ch" forName="bgRect" refType="h"/>
-              <dgm:constr type="l" for="ch" forName="bgRect"/>
-              <dgm:constr type="t" for="ch" forName="bgRect"/>
-              <dgm:constr type="h" for="ch" forName="iconRect" refType="h" fact="0.55"/>
-              <dgm:constr type="w" for="ch" forName="iconRect" refType="h" refFor="ch" refForName="iconRect"/>
-              <dgm:constr type="l" for="ch" forName="iconRect" refType="h" refFor="ch" refForName="iconRect" fact="0.55"/>
-              <dgm:constr type="ctrY" for="ch" forName="iconRect" refType="ctrY" refFor="ch" refForName="bgRect"/>
-              <dgm:constr type="w" for="ch" forName="spaceRect" refType="l" refFor="ch" refForName="iconRect"/>
-              <dgm:constr type="h" for="ch" forName="spaceRect" refType="h"/>
-              <dgm:constr type="l" for="ch" forName="spaceRect" refType="r" refFor="ch" refForName="iconRect"/>
-              <dgm:constr type="t" for="ch" forName="spaceRect"/>
-              <dgm:constr type="h" for="ch" forName="parTx" refType="h"/>
-              <dgm:constr type="l" for="ch" forName="parTx" refType="r" refFor="ch" refForName="spaceRect"/>
-              <dgm:constr type="t" for="ch" forName="parTx"/>
-            </dgm:constrLst>
-          </dgm:else>
-        </dgm:choose>
-        <dgm:ruleLst>
-          <dgm:rule type="h" val="INF" fact="NaN" max="NaN"/>
-        </dgm:ruleLst>
-        <dgm:layoutNode name="bgRect" styleLbl="bgShp">
-          <dgm:alg type="sp"/>
-          <dgm:shape xmlns:r="http://schemas.openxmlformats.org/officeDocument/2006/relationships" type="roundRect" r:blip="">
-            <dgm:adjLst>
-              <dgm:adj idx="1" val="0.1"/>
-            </dgm:adjLst>
-          </dgm:shape>
-          <dgm:presOf/>
-          <dgm:constrLst/>
-          <dgm:ruleLst/>
-        </dgm:layoutNode>
-        <dgm:layoutNode name="iconRect" styleLbl="node1">
-          <dgm:alg type="sp"/>
-          <dgm:shape xmlns:r="http://schemas.openxmlformats.org/officeDocument/2006/relationships" type="rect" r:blip="" blipPhldr="1">
-            <dgm:adjLst/>
-          </dgm:shape>
-          <dgm:presOf/>
-          <dgm:constrLst/>
-          <dgm:ruleLst/>
-        </dgm:layoutNode>
-        <dgm:layoutNode name="spaceRect">
-          <dgm:alg type="sp"/>
-          <dgm:shape xmlns:r="http://schemas.openxmlformats.org/officeDocument/2006/relationships" r:blip="">
-            <dgm:adjLst/>
-          </dgm:shape>
-          <dgm:presOf/>
-          <dgm:constrLst/>
-          <dgm:ruleLst/>
-        </dgm:layoutNode>
-        <dgm:layoutNode name="parTx" styleLbl="revTx">
-          <dgm:varLst>
-            <dgm:chMax val="0"/>
-            <dgm:chPref val="0"/>
-          </dgm:varLst>
-          <dgm:alg type="tx">
-            <dgm:param type="txAnchorVert" val="mid"/>
-            <dgm:param type="parTxLTRAlign" val="l"/>
-            <dgm:param type="shpTxLTRAlignCh" val="l"/>
-            <dgm:param type="parTxRTLAlign" val="r"/>
-            <dgm:param type="shpTxRTLAlignCh" val="r"/>
-          </dgm:alg>
-          <dgm:shape xmlns:r="http://schemas.openxmlformats.org/officeDocument/2006/relationships" type="rect" r:blip="">
-            <dgm:adjLst/>
-          </dgm:shape>
-          <dgm:presOf axis="self" ptType="node"/>
-          <dgm:constrLst>
-            <dgm:constr type="lMarg" refType="h" fact="0.3"/>
-            <dgm:constr type="rMarg" refType="h" fact="0.3"/>
-            <dgm:constr type="tMarg" refType="h" fact="0.3"/>
-            <dgm:constr type="bMarg" refType="h" fact="0.3"/>
-          </dgm:constrLst>
-          <dgm:ruleLst>
-            <dgm:rule type="primFontSz" val="14" fact="NaN" max="NaN"/>
-            <dgm:rule type="h" val="INF" fact="NaN" max="NaN"/>
-          </dgm:ruleLst>
-        </dgm:layoutNode>
-        <dgm:choose name="Name12">
-          <dgm:if name="Name13" axis="ch" ptType="node" func="cnt" op="gte" val="1">
-            <dgm:layoutNode name="desTx" styleLbl="revTx">
-              <dgm:varLst/>
-              <dgm:alg type="tx">
-                <dgm:param type="txAnchorVertCh" val="mid"/>
-                <dgm:param type="parTxLTRAlign" val="l"/>
-                <dgm:param type="shpTxLTRAlignCh" val="l"/>
-                <dgm:param type="parTxRTLAlign" val="r"/>
-                <dgm:param type="shpTxRTLAlignCh" val="r"/>
-                <dgm:param type="stBulletLvl" val="0"/>
-              </dgm:alg>
-              <dgm:shape xmlns:r="http://schemas.openxmlformats.org/officeDocument/2006/relationships" type="rect" r:blip="">
-                <dgm:adjLst/>
-              </dgm:shape>
-              <dgm:presOf axis="des" ptType="node"/>
-              <dgm:constrLst>
-                <dgm:constr type="primFontSz" val="18"/>
-                <dgm:constr type="secFontSz" refType="primFontSz"/>
-                <dgm:constr type="lMarg" refType="h" fact="0.3"/>
-                <dgm:constr type="rMarg" refType="h" fact="0.3"/>
-                <dgm:constr type="tMarg" refType="h" fact="0.3"/>
-                <dgm:constr type="bMarg" refType="h" fact="0.3"/>
-              </dgm:constrLst>
-              <dgm:ruleLst>
-                <dgm:rule type="primFontSz" val="11" fact="NaN" max="NaN"/>
-              </dgm:ruleLst>
-            </dgm:layoutNode>
-          </dgm:if>
-          <dgm:else name="Name14"/>
-        </dgm:choose>
-      </dgm:layoutNode>
-      <dgm:forEach name="Name15" axis="followSib" ptType="sibTrans" cnt="1">
-        <dgm:layoutNode name="sibTrans">
-          <dgm:alg type="sp"/>
-          <dgm:shape xmlns:r="http://schemas.openxmlformats.org/officeDocument/2006/relationships" r:blip="">
-            <dgm:adjLst/>
-          </dgm:shape>
-          <dgm:presOf axis="self"/>
-          <dgm:constrLst/>
-          <dgm:ruleLst/>
-        </dgm:layoutNode>
-      </dgm:forEach>
-    </dgm:forEach>
-  </dgm:layoutNode>
-  <dgm:extLst>
-    <a:ext uri="{68A01E43-0DF5-4B5B-8FA6-DAF915123BFB}">
-      <dgm1612:lstStyle xmlns:dgm1612="http://schemas.microsoft.com/office/drawing/2016/12/diagram">
-        <a:lvl1pPr>
-          <a:lnSpc>
-            <a:spcPct val="100000"/>
-          </a:lnSpc>
-        </a:lvl1pPr>
-        <a:lvl2pPr>
-          <a:lnSpc>
-            <a:spcPct val="100000"/>
-          </a:lnSpc>
-        </a:lvl2pPr>
-      </dgm1612:lstStyle>
-    </a:ext>
-  </dgm:extLst>
-</dgm:layoutDef>
-</file>
-
 <file path=ppt/diagrams/layout3.xml><?xml version="1.0" encoding="utf-8"?>
-<dgm:layoutDef xmlns:dgm="http://schemas.openxmlformats.org/drawingml/2006/diagram" xmlns:a="http://schemas.openxmlformats.org/drawingml/2006/main" uniqueId="urn:microsoft.com/office/officeart/2005/8/layout/vList2">
-  <dgm:title val=""/>
-  <dgm:desc val=""/>
-  <dgm:catLst>
-    <dgm:cat type="list" pri="3000"/>
-    <dgm:cat type="convert" pri="1000"/>
-  </dgm:catLst>
-  <dgm:sampData>
-    <dgm:dataModel>
-      <dgm:ptLst>
-        <dgm:pt modelId="0" type="doc"/>
-        <dgm:pt modelId="1">
-          <dgm:prSet phldr="1"/>
-        </dgm:pt>
-        <dgm:pt modelId="11">
-          <dgm:prSet phldr="1"/>
-        </dgm:pt>
-        <dgm:pt modelId="2">
-          <dgm:prSet phldr="1"/>
-        </dgm:pt>
-        <dgm:pt modelId="21">
-          <dgm:prSet phldr="1"/>
-        </dgm:pt>
-      </dgm:ptLst>
-      <dgm:cxnLst>
-        <dgm:cxn modelId="4" srcId="0" destId="1" srcOrd="0" destOrd="0"/>
-        <dgm:cxn modelId="5" srcId="0" destId="2" srcOrd="1" destOrd="0"/>
-        <dgm:cxn modelId="12" srcId="1" destId="11" srcOrd="0" destOrd="0"/>
-        <dgm:cxn modelId="23" srcId="2" destId="21" srcOrd="0" destOrd="0"/>
-      </dgm:cxnLst>
-      <dgm:bg/>
-      <dgm:whole/>
-    </dgm:dataModel>
-  </dgm:sampData>
-  <dgm:styleData>
-    <dgm:dataModel>
-      <dgm:ptLst>
-        <dgm:pt modelId="0" type="doc"/>
-        <dgm:pt modelId="1"/>
-        <dgm:pt modelId="2"/>
-      </dgm:ptLst>
-      <dgm:cxnLst>
-        <dgm:cxn modelId="3" srcId="0" destId="1" srcOrd="0" destOrd="0"/>
-        <dgm:cxn modelId="4" srcId="0" destId="2" srcOrd="1" destOrd="0"/>
-      </dgm:cxnLst>
-      <dgm:bg/>
-      <dgm:whole/>
-    </dgm:dataModel>
-  </dgm:styleData>
-  <dgm:clrData>
-    <dgm:dataModel>
-      <dgm:ptLst>
-        <dgm:pt modelId="0" type="doc"/>
-        <dgm:pt modelId="1"/>
-        <dgm:pt modelId="2"/>
-        <dgm:pt modelId="3"/>
-        <dgm:pt modelId="4"/>
-      </dgm:ptLst>
-      <dgm:cxnLst>
-        <dgm:cxn modelId="5" srcId="0" destId="1" srcOrd="0" destOrd="0"/>
-        <dgm:cxn modelId="6" srcId="0" destId="2" srcOrd="1" destOrd="0"/>
-        <dgm:cxn modelId="7" srcId="0" destId="3" srcOrd="2" destOrd="0"/>
-        <dgm:cxn modelId="8" srcId="0" destId="4" srcOrd="3" destOrd="0"/>
-      </dgm:cxnLst>
-      <dgm:bg/>
-      <dgm:whole/>
-    </dgm:dataModel>
-  </dgm:clrData>
-  <dgm:layoutNode name="linear">
-    <dgm:varLst>
-      <dgm:animLvl val="lvl"/>
-      <dgm:resizeHandles val="exact"/>
-    </dgm:varLst>
-    <dgm:alg type="lin">
-      <dgm:param type="linDir" val="fromT"/>
-      <dgm:param type="vertAlign" val="mid"/>
-    </dgm:alg>
-    <dgm:shape xmlns:r="http://schemas.openxmlformats.org/officeDocument/2006/relationships" r:blip="">
-      <dgm:adjLst/>
-    </dgm:shape>
-    <dgm:presOf/>
-    <dgm:constrLst>
-      <dgm:constr type="w" for="ch" forName="parentText" refType="w"/>
-      <dgm:constr type="h" for="ch" forName="parentText" refType="primFontSz" refFor="ch" refForName="parentText" fact="0.52"/>
-      <dgm:constr type="w" for="ch" forName="childText" refType="w"/>
-      <dgm:constr type="h" for="ch" forName="childText" refType="primFontSz" refFor="ch" refForName="parentText" fact="0.46"/>
-      <dgm:constr type="h" for="ch" forName="parentText" op="equ"/>
-      <dgm:constr type="primFontSz" for="ch" forName="parentText" op="equ" val="65"/>
-      <dgm:constr type="primFontSz" for="ch" forName="childText" refType="primFontSz" refFor="ch" refForName="parentText" op="equ"/>
-      <dgm:constr type="h" for="ch" forName="spacer" refType="primFontSz" refFor="ch" refForName="parentText" fact="0.08"/>
-    </dgm:constrLst>
-    <dgm:ruleLst>
-      <dgm:rule type="primFontSz" for="ch" forName="parentText" val="5" fact="NaN" max="NaN"/>
-    </dgm:ruleLst>
-    <dgm:forEach name="Name0" axis="ch" ptType="node">
-      <dgm:layoutNode name="parentText" styleLbl="node1">
-        <dgm:varLst>
-          <dgm:chMax val="0"/>
-          <dgm:bulletEnabled val="1"/>
-        </dgm:varLst>
-        <dgm:alg type="tx">
-          <dgm:param type="parTxLTRAlign" val="l"/>
-          <dgm:param type="parTxRTLAlign" val="r"/>
-        </dgm:alg>
-        <dgm:shape xmlns:r="http://schemas.openxmlformats.org/officeDocument/2006/relationships" type="roundRect" r:blip="">
-          <dgm:adjLst/>
-        </dgm:shape>
-        <dgm:presOf axis="self"/>
-        <dgm:constrLst>
-          <dgm:constr type="tMarg" refType="primFontSz" fact="0.3"/>
-          <dgm:constr type="bMarg" refType="primFontSz" fact="0.3"/>
-          <dgm:constr type="lMarg" refType="primFontSz" fact="0.3"/>
-          <dgm:constr type="rMarg" refType="primFontSz" fact="0.3"/>
-        </dgm:constrLst>
-        <dgm:ruleLst>
-          <dgm:rule type="h" val="INF" fact="NaN" max="NaN"/>
-        </dgm:ruleLst>
-      </dgm:layoutNode>
-      <dgm:choose name="Name1">
-        <dgm:if name="Name2" axis="ch" ptType="node" func="cnt" op="gte" val="1">
-          <dgm:layoutNode name="childText" styleLbl="revTx">
-            <dgm:varLst>
-              <dgm:bulletEnabled val="1"/>
-            </dgm:varLst>
-            <dgm:alg type="tx">
-              <dgm:param type="stBulletLvl" val="1"/>
-              <dgm:param type="lnSpAfChP" val="20"/>
-            </dgm:alg>
-            <dgm:shape xmlns:r="http://schemas.openxmlformats.org/officeDocument/2006/relationships" type="rect" r:blip="">
-              <dgm:adjLst/>
-            </dgm:shape>
-            <dgm:presOf axis="des" ptType="node"/>
-            <dgm:constrLst>
-              <dgm:constr type="tMarg" refType="primFontSz" fact="0.1"/>
-              <dgm:constr type="bMarg" refType="primFontSz" fact="0.1"/>
-              <dgm:constr type="lMarg" refType="w" fact="0.09"/>
-            </dgm:constrLst>
-            <dgm:ruleLst>
-              <dgm:rule type="h" val="INF" fact="NaN" max="NaN"/>
-            </dgm:ruleLst>
-          </dgm:layoutNode>
-        </dgm:if>
-        <dgm:else name="Name3">
-          <dgm:choose name="Name4">
-            <dgm:if name="Name5" axis="par ch" ptType="doc node" func="cnt" op="gte" val="2">
-              <dgm:forEach name="Name6" axis="followSib" ptType="sibTrans" cnt="1">
-                <dgm:layoutNode name="spacer">
-                  <dgm:alg type="sp"/>
-                  <dgm:shape xmlns:r="http://schemas.openxmlformats.org/officeDocument/2006/relationships" r:blip="">
-                    <dgm:adjLst/>
-                  </dgm:shape>
-                  <dgm:presOf/>
-                  <dgm:constrLst/>
-                  <dgm:ruleLst/>
-                </dgm:layoutNode>
-              </dgm:forEach>
-            </dgm:if>
-            <dgm:else name="Name7"/>
-          </dgm:choose>
-        </dgm:else>
-      </dgm:choose>
-    </dgm:forEach>
-  </dgm:layoutNode>
-</dgm:layoutDef>
-</file>
-
-<file path=ppt/diagrams/layout4.xml><?xml version="1.0" encoding="utf-8"?>
 <dgm:layoutDef xmlns:dgm="http://schemas.openxmlformats.org/drawingml/2006/diagram" xmlns:a="http://schemas.openxmlformats.org/drawingml/2006/main" uniqueId="urn:microsoft.com/office/officeart/2005/8/layout/vProcess5">
   <dgm:title val=""/>
   <dgm:desc val=""/>
@@ -9009,7 +10348,468 @@
 </dgm:layoutDef>
 </file>
 
+<file path=ppt/diagrams/layout4.xml><?xml version="1.0" encoding="utf-8"?>
+<dgm:layoutDef xmlns:dgm="http://schemas.openxmlformats.org/drawingml/2006/diagram" xmlns:a="http://schemas.openxmlformats.org/drawingml/2006/main" uniqueId="urn:microsoft.com/office/officeart/2018/2/layout/IconVerticalSolidList">
+  <dgm:title val="Icon Vertical Solid List"/>
+  <dgm:desc val="Use to show a series of visuals from top to bottom with Level 1 or Level 1 and Level 2 text grouped in a shape. Works best with icons or small pictures with lengthier descriptions."/>
+  <dgm:catLst>
+    <dgm:cat type="icon" pri="500"/>
+  </dgm:catLst>
+  <dgm:sampData useDef="1">
+    <dgm:dataModel>
+      <dgm:ptLst/>
+      <dgm:bg/>
+      <dgm:whole/>
+    </dgm:dataModel>
+  </dgm:sampData>
+  <dgm:styleData useDef="1">
+    <dgm:dataModel>
+      <dgm:ptLst/>
+      <dgm:bg/>
+      <dgm:whole/>
+    </dgm:dataModel>
+  </dgm:styleData>
+  <dgm:clrData useDef="1">
+    <dgm:dataModel>
+      <dgm:ptLst/>
+      <dgm:bg/>
+      <dgm:whole/>
+    </dgm:dataModel>
+  </dgm:clrData>
+  <dgm:layoutNode name="root">
+    <dgm:varLst>
+      <dgm:dir/>
+      <dgm:resizeHandles val="exact"/>
+    </dgm:varLst>
+    <dgm:choose name="Name0">
+      <dgm:if name="Name1" axis="self" func="var" arg="dir" op="equ" val="norm">
+        <dgm:alg type="lin">
+          <dgm:param type="linDir" val="fromT"/>
+          <dgm:param type="nodeHorzAlign" val="l"/>
+        </dgm:alg>
+      </dgm:if>
+      <dgm:else name="Name2">
+        <dgm:alg type="lin">
+          <dgm:param type="linDir" val="fromT"/>
+          <dgm:param type="nodeHorzAlign" val="r"/>
+        </dgm:alg>
+      </dgm:else>
+    </dgm:choose>
+    <dgm:shape xmlns:r="http://schemas.openxmlformats.org/officeDocument/2006/relationships" r:blip="">
+      <dgm:adjLst/>
+    </dgm:shape>
+    <dgm:presOf/>
+    <dgm:choose name="Name3">
+      <dgm:if name="Name4" axis="ch" ptType="node" func="cnt" op="lte" val="3">
+        <dgm:constrLst>
+          <dgm:constr type="h" for="ch" forName="compNode" refType="h" fact="0.3"/>
+          <dgm:constr type="w" for="ch" forName="compNode" refType="w"/>
+          <dgm:constr type="h" for="ch" forName="sibTrans" refType="h" refFor="ch" refForName="compNode" fact="0.25"/>
+          <dgm:constr type="primFontSz" for="des" forName="parTx" val="25"/>
+          <dgm:constr type="primFontSz" for="des" forName="desTx" refType="primFontSz" refFor="des" refForName="parTx" op="lte" fact="0.75"/>
+          <dgm:constr type="h" for="des" forName="compNode" op="equ"/>
+          <dgm:constr type="h" for="des" forName="bgRect" op="equ"/>
+          <dgm:constr type="h" for="des" forName="iconRect" op="equ"/>
+          <dgm:constr type="w" for="des" forName="iconRect" op="equ"/>
+          <dgm:constr type="h" for="des" forName="spaceRect" op="equ"/>
+          <dgm:constr type="h" for="des" forName="parTx" op="equ"/>
+          <dgm:constr type="h" for="des" forName="desTx" op="equ"/>
+        </dgm:constrLst>
+      </dgm:if>
+      <dgm:if name="Name5" axis="ch" ptType="node" func="cnt" op="lte" val="4">
+        <dgm:constrLst>
+          <dgm:constr type="h" for="ch" forName="compNode" refType="h" fact="0.3"/>
+          <dgm:constr type="w" for="ch" forName="compNode" refType="w"/>
+          <dgm:constr type="h" for="ch" forName="sibTrans" refType="h" refFor="ch" refForName="compNode" fact="0.25"/>
+          <dgm:constr type="primFontSz" for="des" forName="parTx" val="22"/>
+          <dgm:constr type="primFontSz" for="des" forName="desTx" refType="primFontSz" refFor="des" refForName="parTx" op="lte" fact="0.75"/>
+          <dgm:constr type="h" for="des" forName="compNode" op="equ"/>
+          <dgm:constr type="h" for="des" forName="bgRect" op="equ"/>
+          <dgm:constr type="h" for="des" forName="iconRect" op="equ"/>
+          <dgm:constr type="w" for="des" forName="iconRect" op="equ"/>
+          <dgm:constr type="h" for="des" forName="spaceRect" op="equ"/>
+          <dgm:constr type="h" for="des" forName="parTx" op="equ"/>
+          <dgm:constr type="h" for="des" forName="desTx" op="equ"/>
+        </dgm:constrLst>
+      </dgm:if>
+      <dgm:if name="Name6" axis="ch" ptType="node" func="cnt" op="lte" val="6">
+        <dgm:constrLst>
+          <dgm:constr type="h" for="ch" forName="compNode" refType="h" fact="0.3"/>
+          <dgm:constr type="w" for="ch" forName="compNode" refType="w"/>
+          <dgm:constr type="h" for="ch" forName="sibTrans" refType="h" refFor="ch" refForName="compNode" fact="0.25"/>
+          <dgm:constr type="primFontSz" for="des" forName="parTx" val="19"/>
+          <dgm:constr type="primFontSz" for="des" forName="desTx" refType="primFontSz" refFor="des" refForName="parTx" op="lte" fact="0.75"/>
+          <dgm:constr type="h" for="des" forName="compNode" op="equ"/>
+          <dgm:constr type="h" for="des" forName="bgRect" op="equ"/>
+          <dgm:constr type="h" for="des" forName="iconRect" op="equ"/>
+          <dgm:constr type="w" for="des" forName="iconRect" op="equ"/>
+          <dgm:constr type="h" for="des" forName="spaceRect" op="equ"/>
+          <dgm:constr type="h" for="des" forName="parTx" op="equ"/>
+          <dgm:constr type="h" for="des" forName="desTx" op="equ"/>
+        </dgm:constrLst>
+      </dgm:if>
+      <dgm:else name="Name7">
+        <dgm:constrLst>
+          <dgm:constr type="h" for="ch" forName="compNode" refType="h" fact="0.3"/>
+          <dgm:constr type="w" for="ch" forName="compNode" refType="w"/>
+          <dgm:constr type="h" for="ch" forName="sibTrans" refType="h" refFor="ch" refForName="compNode" fact="0.25"/>
+          <dgm:constr type="primFontSz" for="des" forName="parTx" val="16"/>
+          <dgm:constr type="primFontSz" for="des" forName="desTx" refType="primFontSz" refFor="des" refForName="parTx" op="lte" fact="0.75"/>
+          <dgm:constr type="h" for="des" forName="compNode" op="equ"/>
+          <dgm:constr type="h" for="des" forName="bgRect" op="equ"/>
+          <dgm:constr type="h" for="des" forName="iconRect" op="equ"/>
+          <dgm:constr type="w" for="des" forName="iconRect" op="equ"/>
+          <dgm:constr type="h" for="des" forName="spaceRect" op="equ"/>
+          <dgm:constr type="h" for="des" forName="parTx" op="equ"/>
+          <dgm:constr type="h" for="des" forName="desTx" op="equ"/>
+        </dgm:constrLst>
+      </dgm:else>
+    </dgm:choose>
+    <dgm:ruleLst>
+      <dgm:rule type="h" for="ch" forName="compNode" val="0" fact="NaN" max="NaN"/>
+    </dgm:ruleLst>
+    <dgm:forEach name="Name8" axis="ch" ptType="node">
+      <dgm:layoutNode name="compNode">
+        <dgm:alg type="composite"/>
+        <dgm:shape xmlns:r="http://schemas.openxmlformats.org/officeDocument/2006/relationships" r:blip="">
+          <dgm:adjLst/>
+        </dgm:shape>
+        <dgm:presOf axis="self"/>
+        <dgm:choose name="Name9">
+          <dgm:if name="Name10" axis="ch" ptType="node" func="cnt" op="gte" val="1">
+            <dgm:constrLst>
+              <dgm:constr type="w" for="ch" forName="bgRect" refType="w"/>
+              <dgm:constr type="h" for="ch" forName="bgRect" refType="h"/>
+              <dgm:constr type="l" for="ch" forName="bgRect"/>
+              <dgm:constr type="t" for="ch" forName="bgRect"/>
+              <dgm:constr type="h" for="ch" forName="iconRect" refType="h" fact="0.55"/>
+              <dgm:constr type="w" for="ch" forName="iconRect" refType="h" refFor="ch" refForName="iconRect"/>
+              <dgm:constr type="l" for="ch" forName="iconRect" refType="h" refFor="ch" refForName="iconRect" fact="0.55"/>
+              <dgm:constr type="ctrY" for="ch" forName="iconRect" refType="ctrY" refFor="ch" refForName="bgRect"/>
+              <dgm:constr type="w" for="ch" forName="spaceRect" refType="l" refFor="ch" refForName="iconRect"/>
+              <dgm:constr type="h" for="ch" forName="spaceRect" refType="h"/>
+              <dgm:constr type="l" for="ch" forName="spaceRect" refType="r" refFor="ch" refForName="iconRect"/>
+              <dgm:constr type="t" for="ch" forName="spaceRect"/>
+              <dgm:constr type="w" for="ch" forName="parTx" refType="w" fact="0.45"/>
+              <dgm:constr type="h" for="ch" forName="parTx" refType="h"/>
+              <dgm:constr type="l" for="ch" forName="parTx" refType="r" refFor="ch" refForName="spaceRect"/>
+              <dgm:constr type="t" for="ch" forName="parTx"/>
+              <dgm:constr type="h" for="ch" forName="desTx" refType="h"/>
+              <dgm:constr type="l" for="ch" forName="desTx" refType="r" refFor="ch" refForName="parTx"/>
+              <dgm:constr type="t" for="ch" forName="desTx"/>
+            </dgm:constrLst>
+          </dgm:if>
+          <dgm:else name="Name11">
+            <dgm:constrLst>
+              <dgm:constr type="w" for="ch" forName="bgRect" refType="w"/>
+              <dgm:constr type="h" for="ch" forName="bgRect" refType="h"/>
+              <dgm:constr type="l" for="ch" forName="bgRect"/>
+              <dgm:constr type="t" for="ch" forName="bgRect"/>
+              <dgm:constr type="h" for="ch" forName="iconRect" refType="h" fact="0.55"/>
+              <dgm:constr type="w" for="ch" forName="iconRect" refType="h" refFor="ch" refForName="iconRect"/>
+              <dgm:constr type="l" for="ch" forName="iconRect" refType="h" refFor="ch" refForName="iconRect" fact="0.55"/>
+              <dgm:constr type="ctrY" for="ch" forName="iconRect" refType="ctrY" refFor="ch" refForName="bgRect"/>
+              <dgm:constr type="w" for="ch" forName="spaceRect" refType="l" refFor="ch" refForName="iconRect"/>
+              <dgm:constr type="h" for="ch" forName="spaceRect" refType="h"/>
+              <dgm:constr type="l" for="ch" forName="spaceRect" refType="r" refFor="ch" refForName="iconRect"/>
+              <dgm:constr type="t" for="ch" forName="spaceRect"/>
+              <dgm:constr type="h" for="ch" forName="parTx" refType="h"/>
+              <dgm:constr type="l" for="ch" forName="parTx" refType="r" refFor="ch" refForName="spaceRect"/>
+              <dgm:constr type="t" for="ch" forName="parTx"/>
+            </dgm:constrLst>
+          </dgm:else>
+        </dgm:choose>
+        <dgm:ruleLst>
+          <dgm:rule type="h" val="INF" fact="NaN" max="NaN"/>
+        </dgm:ruleLst>
+        <dgm:layoutNode name="bgRect" styleLbl="bgShp">
+          <dgm:alg type="sp"/>
+          <dgm:shape xmlns:r="http://schemas.openxmlformats.org/officeDocument/2006/relationships" type="roundRect" r:blip="">
+            <dgm:adjLst>
+              <dgm:adj idx="1" val="0.1"/>
+            </dgm:adjLst>
+          </dgm:shape>
+          <dgm:presOf/>
+          <dgm:constrLst/>
+          <dgm:ruleLst/>
+        </dgm:layoutNode>
+        <dgm:layoutNode name="iconRect" styleLbl="node1">
+          <dgm:alg type="sp"/>
+          <dgm:shape xmlns:r="http://schemas.openxmlformats.org/officeDocument/2006/relationships" type="rect" r:blip="" blipPhldr="1">
+            <dgm:adjLst/>
+          </dgm:shape>
+          <dgm:presOf/>
+          <dgm:constrLst/>
+          <dgm:ruleLst/>
+        </dgm:layoutNode>
+        <dgm:layoutNode name="spaceRect">
+          <dgm:alg type="sp"/>
+          <dgm:shape xmlns:r="http://schemas.openxmlformats.org/officeDocument/2006/relationships" r:blip="">
+            <dgm:adjLst/>
+          </dgm:shape>
+          <dgm:presOf/>
+          <dgm:constrLst/>
+          <dgm:ruleLst/>
+        </dgm:layoutNode>
+        <dgm:layoutNode name="parTx" styleLbl="revTx">
+          <dgm:varLst>
+            <dgm:chMax val="0"/>
+            <dgm:chPref val="0"/>
+          </dgm:varLst>
+          <dgm:alg type="tx">
+            <dgm:param type="txAnchorVert" val="mid"/>
+            <dgm:param type="parTxLTRAlign" val="l"/>
+            <dgm:param type="shpTxLTRAlignCh" val="l"/>
+            <dgm:param type="parTxRTLAlign" val="r"/>
+            <dgm:param type="shpTxRTLAlignCh" val="r"/>
+          </dgm:alg>
+          <dgm:shape xmlns:r="http://schemas.openxmlformats.org/officeDocument/2006/relationships" type="rect" r:blip="">
+            <dgm:adjLst/>
+          </dgm:shape>
+          <dgm:presOf axis="self" ptType="node"/>
+          <dgm:constrLst>
+            <dgm:constr type="lMarg" refType="h" fact="0.3"/>
+            <dgm:constr type="rMarg" refType="h" fact="0.3"/>
+            <dgm:constr type="tMarg" refType="h" fact="0.3"/>
+            <dgm:constr type="bMarg" refType="h" fact="0.3"/>
+          </dgm:constrLst>
+          <dgm:ruleLst>
+            <dgm:rule type="primFontSz" val="14" fact="NaN" max="NaN"/>
+            <dgm:rule type="h" val="INF" fact="NaN" max="NaN"/>
+          </dgm:ruleLst>
+        </dgm:layoutNode>
+        <dgm:choose name="Name12">
+          <dgm:if name="Name13" axis="ch" ptType="node" func="cnt" op="gte" val="1">
+            <dgm:layoutNode name="desTx" styleLbl="revTx">
+              <dgm:varLst/>
+              <dgm:alg type="tx">
+                <dgm:param type="txAnchorVertCh" val="mid"/>
+                <dgm:param type="parTxLTRAlign" val="l"/>
+                <dgm:param type="shpTxLTRAlignCh" val="l"/>
+                <dgm:param type="parTxRTLAlign" val="r"/>
+                <dgm:param type="shpTxRTLAlignCh" val="r"/>
+                <dgm:param type="stBulletLvl" val="0"/>
+              </dgm:alg>
+              <dgm:shape xmlns:r="http://schemas.openxmlformats.org/officeDocument/2006/relationships" type="rect" r:blip="">
+                <dgm:adjLst/>
+              </dgm:shape>
+              <dgm:presOf axis="des" ptType="node"/>
+              <dgm:constrLst>
+                <dgm:constr type="primFontSz" val="18"/>
+                <dgm:constr type="secFontSz" refType="primFontSz"/>
+                <dgm:constr type="lMarg" refType="h" fact="0.3"/>
+                <dgm:constr type="rMarg" refType="h" fact="0.3"/>
+                <dgm:constr type="tMarg" refType="h" fact="0.3"/>
+                <dgm:constr type="bMarg" refType="h" fact="0.3"/>
+              </dgm:constrLst>
+              <dgm:ruleLst>
+                <dgm:rule type="primFontSz" val="11" fact="NaN" max="NaN"/>
+              </dgm:ruleLst>
+            </dgm:layoutNode>
+          </dgm:if>
+          <dgm:else name="Name14"/>
+        </dgm:choose>
+      </dgm:layoutNode>
+      <dgm:forEach name="Name15" axis="followSib" ptType="sibTrans" cnt="1">
+        <dgm:layoutNode name="sibTrans">
+          <dgm:alg type="sp"/>
+          <dgm:shape xmlns:r="http://schemas.openxmlformats.org/officeDocument/2006/relationships" r:blip="">
+            <dgm:adjLst/>
+          </dgm:shape>
+          <dgm:presOf axis="self"/>
+          <dgm:constrLst/>
+          <dgm:ruleLst/>
+        </dgm:layoutNode>
+      </dgm:forEach>
+    </dgm:forEach>
+  </dgm:layoutNode>
+  <dgm:extLst>
+    <a:ext uri="{68A01E43-0DF5-4B5B-8FA6-DAF915123BFB}">
+      <dgm1612:lstStyle xmlns:dgm1612="http://schemas.microsoft.com/office/drawing/2016/12/diagram">
+        <a:lvl1pPr>
+          <a:lnSpc>
+            <a:spcPct val="100000"/>
+          </a:lnSpc>
+        </a:lvl1pPr>
+        <a:lvl2pPr>
+          <a:lnSpc>
+            <a:spcPct val="100000"/>
+          </a:lnSpc>
+        </a:lvl2pPr>
+      </dgm1612:lstStyle>
+    </a:ext>
+  </dgm:extLst>
+</dgm:layoutDef>
+</file>
+
 <file path=ppt/diagrams/layout5.xml><?xml version="1.0" encoding="utf-8"?>
+<dgm:layoutDef xmlns:dgm="http://schemas.openxmlformats.org/drawingml/2006/diagram" xmlns:a="http://schemas.openxmlformats.org/drawingml/2006/main" uniqueId="urn:microsoft.com/office/officeart/2005/8/layout/vList2">
+  <dgm:title val=""/>
+  <dgm:desc val=""/>
+  <dgm:catLst>
+    <dgm:cat type="list" pri="3000"/>
+    <dgm:cat type="convert" pri="1000"/>
+  </dgm:catLst>
+  <dgm:sampData>
+    <dgm:dataModel>
+      <dgm:ptLst>
+        <dgm:pt modelId="0" type="doc"/>
+        <dgm:pt modelId="1">
+          <dgm:prSet phldr="1"/>
+        </dgm:pt>
+        <dgm:pt modelId="11">
+          <dgm:prSet phldr="1"/>
+        </dgm:pt>
+        <dgm:pt modelId="2">
+          <dgm:prSet phldr="1"/>
+        </dgm:pt>
+        <dgm:pt modelId="21">
+          <dgm:prSet phldr="1"/>
+        </dgm:pt>
+      </dgm:ptLst>
+      <dgm:cxnLst>
+        <dgm:cxn modelId="4" srcId="0" destId="1" srcOrd="0" destOrd="0"/>
+        <dgm:cxn modelId="5" srcId="0" destId="2" srcOrd="1" destOrd="0"/>
+        <dgm:cxn modelId="12" srcId="1" destId="11" srcOrd="0" destOrd="0"/>
+        <dgm:cxn modelId="23" srcId="2" destId="21" srcOrd="0" destOrd="0"/>
+      </dgm:cxnLst>
+      <dgm:bg/>
+      <dgm:whole/>
+    </dgm:dataModel>
+  </dgm:sampData>
+  <dgm:styleData>
+    <dgm:dataModel>
+      <dgm:ptLst>
+        <dgm:pt modelId="0" type="doc"/>
+        <dgm:pt modelId="1"/>
+        <dgm:pt modelId="2"/>
+      </dgm:ptLst>
+      <dgm:cxnLst>
+        <dgm:cxn modelId="3" srcId="0" destId="1" srcOrd="0" destOrd="0"/>
+        <dgm:cxn modelId="4" srcId="0" destId="2" srcOrd="1" destOrd="0"/>
+      </dgm:cxnLst>
+      <dgm:bg/>
+      <dgm:whole/>
+    </dgm:dataModel>
+  </dgm:styleData>
+  <dgm:clrData>
+    <dgm:dataModel>
+      <dgm:ptLst>
+        <dgm:pt modelId="0" type="doc"/>
+        <dgm:pt modelId="1"/>
+        <dgm:pt modelId="2"/>
+        <dgm:pt modelId="3"/>
+        <dgm:pt modelId="4"/>
+      </dgm:ptLst>
+      <dgm:cxnLst>
+        <dgm:cxn modelId="5" srcId="0" destId="1" srcOrd="0" destOrd="0"/>
+        <dgm:cxn modelId="6" srcId="0" destId="2" srcOrd="1" destOrd="0"/>
+        <dgm:cxn modelId="7" srcId="0" destId="3" srcOrd="2" destOrd="0"/>
+        <dgm:cxn modelId="8" srcId="0" destId="4" srcOrd="3" destOrd="0"/>
+      </dgm:cxnLst>
+      <dgm:bg/>
+      <dgm:whole/>
+    </dgm:dataModel>
+  </dgm:clrData>
+  <dgm:layoutNode name="linear">
+    <dgm:varLst>
+      <dgm:animLvl val="lvl"/>
+      <dgm:resizeHandles val="exact"/>
+    </dgm:varLst>
+    <dgm:alg type="lin">
+      <dgm:param type="linDir" val="fromT"/>
+      <dgm:param type="vertAlign" val="mid"/>
+    </dgm:alg>
+    <dgm:shape xmlns:r="http://schemas.openxmlformats.org/officeDocument/2006/relationships" r:blip="">
+      <dgm:adjLst/>
+    </dgm:shape>
+    <dgm:presOf/>
+    <dgm:constrLst>
+      <dgm:constr type="w" for="ch" forName="parentText" refType="w"/>
+      <dgm:constr type="h" for="ch" forName="parentText" refType="primFontSz" refFor="ch" refForName="parentText" fact="0.52"/>
+      <dgm:constr type="w" for="ch" forName="childText" refType="w"/>
+      <dgm:constr type="h" for="ch" forName="childText" refType="primFontSz" refFor="ch" refForName="parentText" fact="0.46"/>
+      <dgm:constr type="h" for="ch" forName="parentText" op="equ"/>
+      <dgm:constr type="primFontSz" for="ch" forName="parentText" op="equ" val="65"/>
+      <dgm:constr type="primFontSz" for="ch" forName="childText" refType="primFontSz" refFor="ch" refForName="parentText" op="equ"/>
+      <dgm:constr type="h" for="ch" forName="spacer" refType="primFontSz" refFor="ch" refForName="parentText" fact="0.08"/>
+    </dgm:constrLst>
+    <dgm:ruleLst>
+      <dgm:rule type="primFontSz" for="ch" forName="parentText" val="5" fact="NaN" max="NaN"/>
+    </dgm:ruleLst>
+    <dgm:forEach name="Name0" axis="ch" ptType="node">
+      <dgm:layoutNode name="parentText" styleLbl="node1">
+        <dgm:varLst>
+          <dgm:chMax val="0"/>
+          <dgm:bulletEnabled val="1"/>
+        </dgm:varLst>
+        <dgm:alg type="tx">
+          <dgm:param type="parTxLTRAlign" val="l"/>
+          <dgm:param type="parTxRTLAlign" val="r"/>
+        </dgm:alg>
+        <dgm:shape xmlns:r="http://schemas.openxmlformats.org/officeDocument/2006/relationships" type="roundRect" r:blip="">
+          <dgm:adjLst/>
+        </dgm:shape>
+        <dgm:presOf axis="self"/>
+        <dgm:constrLst>
+          <dgm:constr type="tMarg" refType="primFontSz" fact="0.3"/>
+          <dgm:constr type="bMarg" refType="primFontSz" fact="0.3"/>
+          <dgm:constr type="lMarg" refType="primFontSz" fact="0.3"/>
+          <dgm:constr type="rMarg" refType="primFontSz" fact="0.3"/>
+        </dgm:constrLst>
+        <dgm:ruleLst>
+          <dgm:rule type="h" val="INF" fact="NaN" max="NaN"/>
+        </dgm:ruleLst>
+      </dgm:layoutNode>
+      <dgm:choose name="Name1">
+        <dgm:if name="Name2" axis="ch" ptType="node" func="cnt" op="gte" val="1">
+          <dgm:layoutNode name="childText" styleLbl="revTx">
+            <dgm:varLst>
+              <dgm:bulletEnabled val="1"/>
+            </dgm:varLst>
+            <dgm:alg type="tx">
+              <dgm:param type="stBulletLvl" val="1"/>
+              <dgm:param type="lnSpAfChP" val="20"/>
+            </dgm:alg>
+            <dgm:shape xmlns:r="http://schemas.openxmlformats.org/officeDocument/2006/relationships" type="rect" r:blip="">
+              <dgm:adjLst/>
+            </dgm:shape>
+            <dgm:presOf axis="des" ptType="node"/>
+            <dgm:constrLst>
+              <dgm:constr type="tMarg" refType="primFontSz" fact="0.1"/>
+              <dgm:constr type="bMarg" refType="primFontSz" fact="0.1"/>
+              <dgm:constr type="lMarg" refType="w" fact="0.09"/>
+            </dgm:constrLst>
+            <dgm:ruleLst>
+              <dgm:rule type="h" val="INF" fact="NaN" max="NaN"/>
+            </dgm:ruleLst>
+          </dgm:layoutNode>
+        </dgm:if>
+        <dgm:else name="Name3">
+          <dgm:choose name="Name4">
+            <dgm:if name="Name5" axis="par ch" ptType="doc node" func="cnt" op="gte" val="2">
+              <dgm:forEach name="Name6" axis="followSib" ptType="sibTrans" cnt="1">
+                <dgm:layoutNode name="spacer">
+                  <dgm:alg type="sp"/>
+                  <dgm:shape xmlns:r="http://schemas.openxmlformats.org/officeDocument/2006/relationships" r:blip="">
+                    <dgm:adjLst/>
+                  </dgm:shape>
+                  <dgm:presOf/>
+                  <dgm:constrLst/>
+                  <dgm:ruleLst/>
+                </dgm:layoutNode>
+              </dgm:forEach>
+            </dgm:if>
+            <dgm:else name="Name7"/>
+          </dgm:choose>
+        </dgm:else>
+      </dgm:choose>
+    </dgm:forEach>
+  </dgm:layoutNode>
+</dgm:layoutDef>
+</file>
+
+<file path=ppt/diagrams/layout6.xml><?xml version="1.0" encoding="utf-8"?>
 <dgm:layoutDef xmlns:dgm="http://schemas.openxmlformats.org/drawingml/2006/diagram" xmlns:a="http://schemas.openxmlformats.org/drawingml/2006/main" uniqueId="urn:microsoft.com/office/officeart/2018/5/layout/CenteredIconLabelDescriptionList">
   <dgm:title val="Centered Icon Label Description List"/>
   <dgm:desc val="Use to show non-sequential or grouped chunks of information. The placeholder holds an icon or small picture, and corresponding text boxes show Level 1 and Level 2 text respectively. Works well for minimal Level 1 text accompanied by lengthier Level two text."/>
@@ -10245,11 +12045,11 @@
 </file>
 
 <file path=ppt/diagrams/quickStyle2.xml><?xml version="1.0" encoding="utf-8"?>
-<dgm:styleDef xmlns:dgm="http://schemas.openxmlformats.org/drawingml/2006/diagram" xmlns:a="http://schemas.openxmlformats.org/drawingml/2006/main" uniqueId="urn:microsoft.com/office/officeart/2005/8/quickstyle/simple1">
+<dgm:styleDef xmlns:dgm="http://schemas.openxmlformats.org/drawingml/2006/diagram" xmlns:a="http://schemas.openxmlformats.org/drawingml/2006/main" uniqueId="urn:microsoft.com/office/officeart/2005/8/quickstyle/simple2">
   <dgm:title val=""/>
   <dgm:desc val=""/>
   <dgm:catLst>
-    <dgm:cat type="simple" pri="10100"/>
+    <dgm:cat type="simple" pri="10200"/>
   </dgm:catLst>
   <dgm:scene3d>
     <a:camera prst="orthographicFront"/>
@@ -10263,13 +12063,13 @@
     <dgm:sp3d/>
     <dgm:txPr/>
     <dgm:style>
-      <a:lnRef idx="2">
-        <a:scrgbClr r="0" g="0" b="0"/>
-      </a:lnRef>
-      <a:fillRef idx="1">
-        <a:scrgbClr r="0" g="0" b="0"/>
-      </a:fillRef>
-      <a:effectRef idx="0">
+      <a:lnRef idx="3">
+        <a:scrgbClr r="0" g="0" b="0"/>
+      </a:lnRef>
+      <a:fillRef idx="1">
+        <a:scrgbClr r="0" g="0" b="0"/>
+      </a:fillRef>
+      <a:effectRef idx="1">
         <a:scrgbClr r="0" g="0" b="0"/>
       </a:effectRef>
       <a:fontRef idx="minor">
@@ -10285,13 +12085,13 @@
     <dgm:sp3d/>
     <dgm:txPr/>
     <dgm:style>
-      <a:lnRef idx="2">
-        <a:scrgbClr r="0" g="0" b="0"/>
-      </a:lnRef>
-      <a:fillRef idx="1">
-        <a:scrgbClr r="0" g="0" b="0"/>
-      </a:fillRef>
-      <a:effectRef idx="0">
+      <a:lnRef idx="3">
+        <a:scrgbClr r="0" g="0" b="0"/>
+      </a:lnRef>
+      <a:fillRef idx="1">
+        <a:scrgbClr r="0" g="0" b="0"/>
+      </a:fillRef>
+      <a:effectRef idx="1">
         <a:scrgbClr r="0" g="0" b="0"/>
       </a:effectRef>
       <a:fontRef idx="minor">
@@ -10307,7 +12107,7 @@
     <dgm:sp3d/>
     <dgm:txPr/>
     <dgm:style>
-      <a:lnRef idx="2">
+      <a:lnRef idx="3">
         <a:scrgbClr r="0" g="0" b="0"/>
       </a:lnRef>
       <a:fillRef idx="1">
@@ -10335,7 +12135,7 @@
       <a:fillRef idx="1">
         <a:scrgbClr r="0" g="0" b="0"/>
       </a:fillRef>
-      <a:effectRef idx="0">
+      <a:effectRef idx="1">
         <a:scrgbClr r="0" g="0" b="0"/>
       </a:effectRef>
       <a:fontRef idx="minor">
@@ -10351,13 +12151,13 @@
     <dgm:sp3d/>
     <dgm:txPr/>
     <dgm:style>
-      <a:lnRef idx="2">
-        <a:scrgbClr r="0" g="0" b="0"/>
-      </a:lnRef>
-      <a:fillRef idx="1">
-        <a:scrgbClr r="0" g="0" b="0"/>
-      </a:fillRef>
-      <a:effectRef idx="0">
+      <a:lnRef idx="3">
+        <a:scrgbClr r="0" g="0" b="0"/>
+      </a:lnRef>
+      <a:fillRef idx="1">
+        <a:scrgbClr r="0" g="0" b="0"/>
+      </a:fillRef>
+      <a:effectRef idx="1">
         <a:scrgbClr r="0" g="0" b="0"/>
       </a:effectRef>
       <a:fontRef idx="minor">
@@ -10373,13 +12173,13 @@
     <dgm:sp3d/>
     <dgm:txPr/>
     <dgm:style>
-      <a:lnRef idx="2">
-        <a:scrgbClr r="0" g="0" b="0"/>
-      </a:lnRef>
-      <a:fillRef idx="1">
-        <a:scrgbClr r="0" g="0" b="0"/>
-      </a:fillRef>
-      <a:effectRef idx="0">
+      <a:lnRef idx="3">
+        <a:scrgbClr r="0" g="0" b="0"/>
+      </a:lnRef>
+      <a:fillRef idx="1">
+        <a:scrgbClr r="0" g="0" b="0"/>
+      </a:fillRef>
+      <a:effectRef idx="1">
         <a:scrgbClr r="0" g="0" b="0"/>
       </a:effectRef>
       <a:fontRef idx="minor">
@@ -10395,13 +12195,13 @@
     <dgm:sp3d/>
     <dgm:txPr/>
     <dgm:style>
-      <a:lnRef idx="2">
-        <a:scrgbClr r="0" g="0" b="0"/>
-      </a:lnRef>
-      <a:fillRef idx="1">
-        <a:scrgbClr r="0" g="0" b="0"/>
-      </a:fillRef>
-      <a:effectRef idx="0">
+      <a:lnRef idx="3">
+        <a:scrgbClr r="0" g="0" b="0"/>
+      </a:lnRef>
+      <a:fillRef idx="1">
+        <a:scrgbClr r="0" g="0" b="0"/>
+      </a:fillRef>
+      <a:effectRef idx="1">
         <a:scrgbClr r="0" g="0" b="0"/>
       </a:effectRef>
       <a:fontRef idx="minor">
@@ -10417,13 +12217,13 @@
     <dgm:sp3d/>
     <dgm:txPr/>
     <dgm:style>
-      <a:lnRef idx="2">
-        <a:scrgbClr r="0" g="0" b="0"/>
-      </a:lnRef>
-      <a:fillRef idx="1">
-        <a:scrgbClr r="0" g="0" b="0"/>
-      </a:fillRef>
-      <a:effectRef idx="0">
+      <a:lnRef idx="3">
+        <a:scrgbClr r="0" g="0" b="0"/>
+      </a:lnRef>
+      <a:fillRef idx="1">
+        <a:scrgbClr r="0" g="0" b="0"/>
+      </a:fillRef>
+      <a:effectRef idx="1">
         <a:scrgbClr r="0" g="0" b="0"/>
       </a:effectRef>
       <a:fontRef idx="minor">
@@ -10439,13 +12239,13 @@
     <dgm:sp3d/>
     <dgm:txPr/>
     <dgm:style>
-      <a:lnRef idx="2">
-        <a:scrgbClr r="0" g="0" b="0"/>
-      </a:lnRef>
-      <a:fillRef idx="1">
-        <a:scrgbClr r="0" g="0" b="0"/>
-      </a:fillRef>
-      <a:effectRef idx="0">
+      <a:lnRef idx="3">
+        <a:scrgbClr r="0" g="0" b="0"/>
+      </a:lnRef>
+      <a:fillRef idx="1">
+        <a:scrgbClr r="0" g="0" b="0"/>
+      </a:fillRef>
+      <a:effectRef idx="1">
         <a:scrgbClr r="0" g="0" b="0"/>
       </a:effectRef>
       <a:fontRef idx="minor"/>
@@ -10459,13 +12259,13 @@
     <dgm:sp3d/>
     <dgm:txPr/>
     <dgm:style>
-      <a:lnRef idx="2">
-        <a:scrgbClr r="0" g="0" b="0"/>
-      </a:lnRef>
-      <a:fillRef idx="1">
-        <a:scrgbClr r="0" g="0" b="0"/>
-      </a:fillRef>
-      <a:effectRef idx="0">
+      <a:lnRef idx="3">
+        <a:scrgbClr r="0" g="0" b="0"/>
+      </a:lnRef>
+      <a:fillRef idx="1">
+        <a:scrgbClr r="0" g="0" b="0"/>
+      </a:fillRef>
+      <a:effectRef idx="1">
         <a:scrgbClr r="0" g="0" b="0"/>
       </a:effectRef>
       <a:fontRef idx="minor"/>
@@ -10479,13 +12279,13 @@
     <dgm:sp3d/>
     <dgm:txPr/>
     <dgm:style>
-      <a:lnRef idx="2">
-        <a:scrgbClr r="0" g="0" b="0"/>
-      </a:lnRef>
-      <a:fillRef idx="1">
-        <a:scrgbClr r="0" g="0" b="0"/>
-      </a:fillRef>
-      <a:effectRef idx="0">
+      <a:lnRef idx="3">
+        <a:scrgbClr r="0" g="0" b="0"/>
+      </a:lnRef>
+      <a:fillRef idx="1">
+        <a:scrgbClr r="0" g="0" b="0"/>
+      </a:fillRef>
+      <a:effectRef idx="1">
         <a:scrgbClr r="0" g="0" b="0"/>
       </a:effectRef>
       <a:fontRef idx="minor"/>
@@ -10505,7 +12305,7 @@
       <a:fillRef idx="1">
         <a:scrgbClr r="0" g="0" b="0"/>
       </a:fillRef>
-      <a:effectRef idx="0">
+      <a:effectRef idx="1">
         <a:scrgbClr r="0" g="0" b="0"/>
       </a:effectRef>
       <a:fontRef idx="minor">
@@ -10527,7 +12327,7 @@
       <a:fillRef idx="1">
         <a:scrgbClr r="0" g="0" b="0"/>
       </a:fillRef>
-      <a:effectRef idx="0">
+      <a:effectRef idx="1">
         <a:scrgbClr r="0" g="0" b="0"/>
       </a:effectRef>
       <a:fontRef idx="minor">
@@ -10549,7 +12349,7 @@
       <a:fillRef idx="1">
         <a:scrgbClr r="0" g="0" b="0"/>
       </a:fillRef>
-      <a:effectRef idx="0">
+      <a:effectRef idx="1">
         <a:scrgbClr r="0" g="0" b="0"/>
       </a:effectRef>
       <a:fontRef idx="minor">
@@ -10591,7 +12391,7 @@
       <a:fillRef idx="1">
         <a:scrgbClr r="0" g="0" b="0"/>
       </a:fillRef>
-      <a:effectRef idx="0">
+      <a:effectRef idx="1">
         <a:scrgbClr r="0" g="0" b="0"/>
       </a:effectRef>
       <a:fontRef idx="minor"/>
@@ -10605,13 +12405,13 @@
     <dgm:sp3d/>
     <dgm:txPr/>
     <dgm:style>
-      <a:lnRef idx="2">
-        <a:scrgbClr r="0" g="0" b="0"/>
-      </a:lnRef>
-      <a:fillRef idx="1">
-        <a:scrgbClr r="0" g="0" b="0"/>
-      </a:fillRef>
-      <a:effectRef idx="0">
+      <a:lnRef idx="3">
+        <a:scrgbClr r="0" g="0" b="0"/>
+      </a:lnRef>
+      <a:fillRef idx="1">
+        <a:scrgbClr r="0" g="0" b="0"/>
+      </a:fillRef>
+      <a:effectRef idx="1">
         <a:scrgbClr r="0" g="0" b="0"/>
       </a:effectRef>
       <a:fontRef idx="minor">
@@ -10627,13 +12427,13 @@
     <dgm:sp3d/>
     <dgm:txPr/>
     <dgm:style>
-      <a:lnRef idx="2">
-        <a:scrgbClr r="0" g="0" b="0"/>
-      </a:lnRef>
-      <a:fillRef idx="1">
-        <a:scrgbClr r="0" g="0" b="0"/>
-      </a:fillRef>
-      <a:effectRef idx="0">
+      <a:lnRef idx="3">
+        <a:scrgbClr r="0" g="0" b="0"/>
+      </a:lnRef>
+      <a:fillRef idx="1">
+        <a:scrgbClr r="0" g="0" b="0"/>
+      </a:fillRef>
+      <a:effectRef idx="1">
         <a:scrgbClr r="0" g="0" b="0"/>
       </a:effectRef>
       <a:fontRef idx="minor">
@@ -10649,13 +12449,13 @@
     <dgm:sp3d/>
     <dgm:txPr/>
     <dgm:style>
-      <a:lnRef idx="2">
-        <a:scrgbClr r="0" g="0" b="0"/>
-      </a:lnRef>
-      <a:fillRef idx="1">
-        <a:scrgbClr r="0" g="0" b="0"/>
-      </a:fillRef>
-      <a:effectRef idx="0">
+      <a:lnRef idx="3">
+        <a:scrgbClr r="0" g="0" b="0"/>
+      </a:lnRef>
+      <a:fillRef idx="1">
+        <a:scrgbClr r="0" g="0" b="0"/>
+      </a:fillRef>
+      <a:effectRef idx="1">
         <a:scrgbClr r="0" g="0" b="0"/>
       </a:effectRef>
       <a:fontRef idx="minor">
@@ -10671,13 +12471,13 @@
     <dgm:sp3d/>
     <dgm:txPr/>
     <dgm:style>
-      <a:lnRef idx="2">
-        <a:scrgbClr r="0" g="0" b="0"/>
-      </a:lnRef>
-      <a:fillRef idx="1">
-        <a:scrgbClr r="0" g="0" b="0"/>
-      </a:fillRef>
-      <a:effectRef idx="0">
+      <a:lnRef idx="3">
+        <a:scrgbClr r="0" g="0" b="0"/>
+      </a:lnRef>
+      <a:fillRef idx="1">
+        <a:scrgbClr r="0" g="0" b="0"/>
+      </a:fillRef>
+      <a:effectRef idx="1">
         <a:scrgbClr r="0" g="0" b="0"/>
       </a:effectRef>
       <a:fontRef idx="minor">
@@ -10693,13 +12493,13 @@
     <dgm:sp3d/>
     <dgm:txPr/>
     <dgm:style>
-      <a:lnRef idx="2">
-        <a:scrgbClr r="0" g="0" b="0"/>
-      </a:lnRef>
-      <a:fillRef idx="1">
-        <a:scrgbClr r="0" g="0" b="0"/>
-      </a:fillRef>
-      <a:effectRef idx="0">
+      <a:lnRef idx="3">
+        <a:scrgbClr r="0" g="0" b="0"/>
+      </a:lnRef>
+      <a:fillRef idx="1">
+        <a:scrgbClr r="0" g="0" b="0"/>
+      </a:fillRef>
+      <a:effectRef idx="1">
         <a:scrgbClr r="0" g="0" b="0"/>
       </a:effectRef>
       <a:fontRef idx="minor">
@@ -10715,13 +12515,13 @@
     <dgm:sp3d/>
     <dgm:txPr/>
     <dgm:style>
-      <a:lnRef idx="2">
-        <a:scrgbClr r="0" g="0" b="0"/>
-      </a:lnRef>
-      <a:fillRef idx="1">
-        <a:scrgbClr r="0" g="0" b="0"/>
-      </a:fillRef>
-      <a:effectRef idx="0">
+      <a:lnRef idx="3">
+        <a:scrgbClr r="0" g="0" b="0"/>
+      </a:lnRef>
+      <a:fillRef idx="1">
+        <a:scrgbClr r="0" g="0" b="0"/>
+      </a:fillRef>
+      <a:effectRef idx="1">
         <a:scrgbClr r="0" g="0" b="0"/>
       </a:effectRef>
       <a:fontRef idx="minor">
@@ -10737,13 +12537,13 @@
     <dgm:sp3d/>
     <dgm:txPr/>
     <dgm:style>
-      <a:lnRef idx="2">
-        <a:scrgbClr r="0" g="0" b="0"/>
-      </a:lnRef>
-      <a:fillRef idx="1">
-        <a:scrgbClr r="0" g="0" b="0"/>
-      </a:fillRef>
-      <a:effectRef idx="0">
+      <a:lnRef idx="3">
+        <a:scrgbClr r="0" g="0" b="0"/>
+      </a:lnRef>
+      <a:fillRef idx="1">
+        <a:scrgbClr r="0" g="0" b="0"/>
+      </a:fillRef>
+      <a:effectRef idx="1">
         <a:scrgbClr r="0" g="0" b="0"/>
       </a:effectRef>
       <a:fontRef idx="minor">
@@ -10759,13 +12559,13 @@
     <dgm:sp3d/>
     <dgm:txPr/>
     <dgm:style>
-      <a:lnRef idx="2">
-        <a:scrgbClr r="0" g="0" b="0"/>
-      </a:lnRef>
-      <a:fillRef idx="1">
-        <a:scrgbClr r="0" g="0" b="0"/>
-      </a:fillRef>
-      <a:effectRef idx="0">
+      <a:lnRef idx="3">
+        <a:scrgbClr r="0" g="0" b="0"/>
+      </a:lnRef>
+      <a:fillRef idx="1">
+        <a:scrgbClr r="0" g="0" b="0"/>
+      </a:fillRef>
+      <a:effectRef idx="1">
         <a:scrgbClr r="0" g="0" b="0"/>
       </a:effectRef>
       <a:fontRef idx="minor">
@@ -10781,13 +12581,13 @@
     <dgm:sp3d/>
     <dgm:txPr/>
     <dgm:style>
-      <a:lnRef idx="2">
-        <a:scrgbClr r="0" g="0" b="0"/>
-      </a:lnRef>
-      <a:fillRef idx="1">
-        <a:scrgbClr r="0" g="0" b="0"/>
-      </a:fillRef>
-      <a:effectRef idx="0">
+      <a:lnRef idx="3">
+        <a:scrgbClr r="0" g="0" b="0"/>
+      </a:lnRef>
+      <a:fillRef idx="1">
+        <a:scrgbClr r="0" g="0" b="0"/>
+      </a:fillRef>
+      <a:effectRef idx="1">
         <a:scrgbClr r="0" g="0" b="0"/>
       </a:effectRef>
       <a:fontRef idx="minor">
@@ -11243,13 +13043,13 @@
     <dgm:sp3d/>
     <dgm:txPr/>
     <dgm:style>
-      <a:lnRef idx="2">
-        <a:scrgbClr r="0" g="0" b="0"/>
-      </a:lnRef>
-      <a:fillRef idx="1">
-        <a:scrgbClr r="0" g="0" b="0"/>
-      </a:fillRef>
-      <a:effectRef idx="0">
+      <a:lnRef idx="3">
+        <a:scrgbClr r="0" g="0" b="0"/>
+      </a:lnRef>
+      <a:fillRef idx="1">
+        <a:scrgbClr r="0" g="0" b="0"/>
+      </a:fillRef>
+      <a:effectRef idx="1">
         <a:scrgbClr r="0" g="0" b="0"/>
       </a:effectRef>
       <a:fontRef idx="minor"/>
@@ -13347,6 +15147,1040 @@
 </file>
 
 <file path=ppt/diagrams/quickStyle5.xml><?xml version="1.0" encoding="utf-8"?>
+<dgm:styleDef xmlns:dgm="http://schemas.openxmlformats.org/drawingml/2006/diagram" xmlns:a="http://schemas.openxmlformats.org/drawingml/2006/main" uniqueId="urn:microsoft.com/office/officeart/2005/8/quickstyle/simple1">
+  <dgm:title val=""/>
+  <dgm:desc val=""/>
+  <dgm:catLst>
+    <dgm:cat type="simple" pri="10100"/>
+  </dgm:catLst>
+  <dgm:scene3d>
+    <a:camera prst="orthographicFront"/>
+    <a:lightRig rig="threePt" dir="t"/>
+  </dgm:scene3d>
+  <dgm:styleLbl name="node0">
+    <dgm:scene3d>
+      <a:camera prst="orthographicFront"/>
+      <a:lightRig rig="threePt" dir="t"/>
+    </dgm:scene3d>
+    <dgm:sp3d/>
+    <dgm:txPr/>
+    <dgm:style>
+      <a:lnRef idx="2">
+        <a:scrgbClr r="0" g="0" b="0"/>
+      </a:lnRef>
+      <a:fillRef idx="1">
+        <a:scrgbClr r="0" g="0" b="0"/>
+      </a:fillRef>
+      <a:effectRef idx="0">
+        <a:scrgbClr r="0" g="0" b="0"/>
+      </a:effectRef>
+      <a:fontRef idx="minor">
+        <a:schemeClr val="lt1"/>
+      </a:fontRef>
+    </dgm:style>
+  </dgm:styleLbl>
+  <dgm:styleLbl name="lnNode1">
+    <dgm:scene3d>
+      <a:camera prst="orthographicFront"/>
+      <a:lightRig rig="threePt" dir="t"/>
+    </dgm:scene3d>
+    <dgm:sp3d/>
+    <dgm:txPr/>
+    <dgm:style>
+      <a:lnRef idx="2">
+        <a:scrgbClr r="0" g="0" b="0"/>
+      </a:lnRef>
+      <a:fillRef idx="1">
+        <a:scrgbClr r="0" g="0" b="0"/>
+      </a:fillRef>
+      <a:effectRef idx="0">
+        <a:scrgbClr r="0" g="0" b="0"/>
+      </a:effectRef>
+      <a:fontRef idx="minor">
+        <a:schemeClr val="lt1"/>
+      </a:fontRef>
+    </dgm:style>
+  </dgm:styleLbl>
+  <dgm:styleLbl name="vennNode1">
+    <dgm:scene3d>
+      <a:camera prst="orthographicFront"/>
+      <a:lightRig rig="threePt" dir="t"/>
+    </dgm:scene3d>
+    <dgm:sp3d/>
+    <dgm:txPr/>
+    <dgm:style>
+      <a:lnRef idx="2">
+        <a:scrgbClr r="0" g="0" b="0"/>
+      </a:lnRef>
+      <a:fillRef idx="1">
+        <a:scrgbClr r="0" g="0" b="0"/>
+      </a:fillRef>
+      <a:effectRef idx="0">
+        <a:scrgbClr r="0" g="0" b="0"/>
+      </a:effectRef>
+      <a:fontRef idx="minor">
+        <a:schemeClr val="tx1"/>
+      </a:fontRef>
+    </dgm:style>
+  </dgm:styleLbl>
+  <dgm:styleLbl name="alignNode1">
+    <dgm:scene3d>
+      <a:camera prst="orthographicFront"/>
+      <a:lightRig rig="threePt" dir="t"/>
+    </dgm:scene3d>
+    <dgm:sp3d/>
+    <dgm:txPr/>
+    <dgm:style>
+      <a:lnRef idx="2">
+        <a:scrgbClr r="0" g="0" b="0"/>
+      </a:lnRef>
+      <a:fillRef idx="1">
+        <a:scrgbClr r="0" g="0" b="0"/>
+      </a:fillRef>
+      <a:effectRef idx="0">
+        <a:scrgbClr r="0" g="0" b="0"/>
+      </a:effectRef>
+      <a:fontRef idx="minor">
+        <a:schemeClr val="lt1"/>
+      </a:fontRef>
+    </dgm:style>
+  </dgm:styleLbl>
+  <dgm:styleLbl name="node1">
+    <dgm:scene3d>
+      <a:camera prst="orthographicFront"/>
+      <a:lightRig rig="threePt" dir="t"/>
+    </dgm:scene3d>
+    <dgm:sp3d/>
+    <dgm:txPr/>
+    <dgm:style>
+      <a:lnRef idx="2">
+        <a:scrgbClr r="0" g="0" b="0"/>
+      </a:lnRef>
+      <a:fillRef idx="1">
+        <a:scrgbClr r="0" g="0" b="0"/>
+      </a:fillRef>
+      <a:effectRef idx="0">
+        <a:scrgbClr r="0" g="0" b="0"/>
+      </a:effectRef>
+      <a:fontRef idx="minor">
+        <a:schemeClr val="lt1"/>
+      </a:fontRef>
+    </dgm:style>
+  </dgm:styleLbl>
+  <dgm:styleLbl name="node2">
+    <dgm:scene3d>
+      <a:camera prst="orthographicFront"/>
+      <a:lightRig rig="threePt" dir="t"/>
+    </dgm:scene3d>
+    <dgm:sp3d/>
+    <dgm:txPr/>
+    <dgm:style>
+      <a:lnRef idx="2">
+        <a:scrgbClr r="0" g="0" b="0"/>
+      </a:lnRef>
+      <a:fillRef idx="1">
+        <a:scrgbClr r="0" g="0" b="0"/>
+      </a:fillRef>
+      <a:effectRef idx="0">
+        <a:scrgbClr r="0" g="0" b="0"/>
+      </a:effectRef>
+      <a:fontRef idx="minor">
+        <a:schemeClr val="lt1"/>
+      </a:fontRef>
+    </dgm:style>
+  </dgm:styleLbl>
+  <dgm:styleLbl name="node3">
+    <dgm:scene3d>
+      <a:camera prst="orthographicFront"/>
+      <a:lightRig rig="threePt" dir="t"/>
+    </dgm:scene3d>
+    <dgm:sp3d/>
+    <dgm:txPr/>
+    <dgm:style>
+      <a:lnRef idx="2">
+        <a:scrgbClr r="0" g="0" b="0"/>
+      </a:lnRef>
+      <a:fillRef idx="1">
+        <a:scrgbClr r="0" g="0" b="0"/>
+      </a:fillRef>
+      <a:effectRef idx="0">
+        <a:scrgbClr r="0" g="0" b="0"/>
+      </a:effectRef>
+      <a:fontRef idx="minor">
+        <a:schemeClr val="lt1"/>
+      </a:fontRef>
+    </dgm:style>
+  </dgm:styleLbl>
+  <dgm:styleLbl name="node4">
+    <dgm:scene3d>
+      <a:camera prst="orthographicFront"/>
+      <a:lightRig rig="threePt" dir="t"/>
+    </dgm:scene3d>
+    <dgm:sp3d/>
+    <dgm:txPr/>
+    <dgm:style>
+      <a:lnRef idx="2">
+        <a:scrgbClr r="0" g="0" b="0"/>
+      </a:lnRef>
+      <a:fillRef idx="1">
+        <a:scrgbClr r="0" g="0" b="0"/>
+      </a:fillRef>
+      <a:effectRef idx="0">
+        <a:scrgbClr r="0" g="0" b="0"/>
+      </a:effectRef>
+      <a:fontRef idx="minor">
+        <a:schemeClr val="lt1"/>
+      </a:fontRef>
+    </dgm:style>
+  </dgm:styleLbl>
+  <dgm:styleLbl name="fgImgPlace1">
+    <dgm:scene3d>
+      <a:camera prst="orthographicFront"/>
+      <a:lightRig rig="threePt" dir="t"/>
+    </dgm:scene3d>
+    <dgm:sp3d/>
+    <dgm:txPr/>
+    <dgm:style>
+      <a:lnRef idx="2">
+        <a:scrgbClr r="0" g="0" b="0"/>
+      </a:lnRef>
+      <a:fillRef idx="1">
+        <a:scrgbClr r="0" g="0" b="0"/>
+      </a:fillRef>
+      <a:effectRef idx="0">
+        <a:scrgbClr r="0" g="0" b="0"/>
+      </a:effectRef>
+      <a:fontRef idx="minor"/>
+    </dgm:style>
+  </dgm:styleLbl>
+  <dgm:styleLbl name="alignImgPlace1">
+    <dgm:scene3d>
+      <a:camera prst="orthographicFront"/>
+      <a:lightRig rig="threePt" dir="t"/>
+    </dgm:scene3d>
+    <dgm:sp3d/>
+    <dgm:txPr/>
+    <dgm:style>
+      <a:lnRef idx="2">
+        <a:scrgbClr r="0" g="0" b="0"/>
+      </a:lnRef>
+      <a:fillRef idx="1">
+        <a:scrgbClr r="0" g="0" b="0"/>
+      </a:fillRef>
+      <a:effectRef idx="0">
+        <a:scrgbClr r="0" g="0" b="0"/>
+      </a:effectRef>
+      <a:fontRef idx="minor"/>
+    </dgm:style>
+  </dgm:styleLbl>
+  <dgm:styleLbl name="bgImgPlace1">
+    <dgm:scene3d>
+      <a:camera prst="orthographicFront"/>
+      <a:lightRig rig="threePt" dir="t"/>
+    </dgm:scene3d>
+    <dgm:sp3d/>
+    <dgm:txPr/>
+    <dgm:style>
+      <a:lnRef idx="2">
+        <a:scrgbClr r="0" g="0" b="0"/>
+      </a:lnRef>
+      <a:fillRef idx="1">
+        <a:scrgbClr r="0" g="0" b="0"/>
+      </a:fillRef>
+      <a:effectRef idx="0">
+        <a:scrgbClr r="0" g="0" b="0"/>
+      </a:effectRef>
+      <a:fontRef idx="minor"/>
+    </dgm:style>
+  </dgm:styleLbl>
+  <dgm:styleLbl name="sibTrans2D1">
+    <dgm:scene3d>
+      <a:camera prst="orthographicFront"/>
+      <a:lightRig rig="threePt" dir="t"/>
+    </dgm:scene3d>
+    <dgm:sp3d/>
+    <dgm:txPr/>
+    <dgm:style>
+      <a:lnRef idx="0">
+        <a:scrgbClr r="0" g="0" b="0"/>
+      </a:lnRef>
+      <a:fillRef idx="1">
+        <a:scrgbClr r="0" g="0" b="0"/>
+      </a:fillRef>
+      <a:effectRef idx="0">
+        <a:scrgbClr r="0" g="0" b="0"/>
+      </a:effectRef>
+      <a:fontRef idx="minor">
+        <a:schemeClr val="lt1"/>
+      </a:fontRef>
+    </dgm:style>
+  </dgm:styleLbl>
+  <dgm:styleLbl name="fgSibTrans2D1">
+    <dgm:scene3d>
+      <a:camera prst="orthographicFront"/>
+      <a:lightRig rig="threePt" dir="t"/>
+    </dgm:scene3d>
+    <dgm:sp3d/>
+    <dgm:txPr/>
+    <dgm:style>
+      <a:lnRef idx="0">
+        <a:scrgbClr r="0" g="0" b="0"/>
+      </a:lnRef>
+      <a:fillRef idx="1">
+        <a:scrgbClr r="0" g="0" b="0"/>
+      </a:fillRef>
+      <a:effectRef idx="0">
+        <a:scrgbClr r="0" g="0" b="0"/>
+      </a:effectRef>
+      <a:fontRef idx="minor">
+        <a:schemeClr val="lt1"/>
+      </a:fontRef>
+    </dgm:style>
+  </dgm:styleLbl>
+  <dgm:styleLbl name="bgSibTrans2D1">
+    <dgm:scene3d>
+      <a:camera prst="orthographicFront"/>
+      <a:lightRig rig="threePt" dir="t"/>
+    </dgm:scene3d>
+    <dgm:sp3d/>
+    <dgm:txPr/>
+    <dgm:style>
+      <a:lnRef idx="0">
+        <a:scrgbClr r="0" g="0" b="0"/>
+      </a:lnRef>
+      <a:fillRef idx="1">
+        <a:scrgbClr r="0" g="0" b="0"/>
+      </a:fillRef>
+      <a:effectRef idx="0">
+        <a:scrgbClr r="0" g="0" b="0"/>
+      </a:effectRef>
+      <a:fontRef idx="minor">
+        <a:schemeClr val="lt1"/>
+      </a:fontRef>
+    </dgm:style>
+  </dgm:styleLbl>
+  <dgm:styleLbl name="sibTrans1D1">
+    <dgm:scene3d>
+      <a:camera prst="orthographicFront"/>
+      <a:lightRig rig="threePt" dir="t"/>
+    </dgm:scene3d>
+    <dgm:sp3d/>
+    <dgm:txPr/>
+    <dgm:style>
+      <a:lnRef idx="1">
+        <a:scrgbClr r="0" g="0" b="0"/>
+      </a:lnRef>
+      <a:fillRef idx="0">
+        <a:scrgbClr r="0" g="0" b="0"/>
+      </a:fillRef>
+      <a:effectRef idx="0">
+        <a:scrgbClr r="0" g="0" b="0"/>
+      </a:effectRef>
+      <a:fontRef idx="minor"/>
+    </dgm:style>
+  </dgm:styleLbl>
+  <dgm:styleLbl name="callout">
+    <dgm:scene3d>
+      <a:camera prst="orthographicFront"/>
+      <a:lightRig rig="threePt" dir="t"/>
+    </dgm:scene3d>
+    <dgm:sp3d/>
+    <dgm:txPr/>
+    <dgm:style>
+      <a:lnRef idx="2">
+        <a:scrgbClr r="0" g="0" b="0"/>
+      </a:lnRef>
+      <a:fillRef idx="1">
+        <a:scrgbClr r="0" g="0" b="0"/>
+      </a:fillRef>
+      <a:effectRef idx="0">
+        <a:scrgbClr r="0" g="0" b="0"/>
+      </a:effectRef>
+      <a:fontRef idx="minor"/>
+    </dgm:style>
+  </dgm:styleLbl>
+  <dgm:styleLbl name="asst0">
+    <dgm:scene3d>
+      <a:camera prst="orthographicFront"/>
+      <a:lightRig rig="threePt" dir="t"/>
+    </dgm:scene3d>
+    <dgm:sp3d/>
+    <dgm:txPr/>
+    <dgm:style>
+      <a:lnRef idx="2">
+        <a:scrgbClr r="0" g="0" b="0"/>
+      </a:lnRef>
+      <a:fillRef idx="1">
+        <a:scrgbClr r="0" g="0" b="0"/>
+      </a:fillRef>
+      <a:effectRef idx="0">
+        <a:scrgbClr r="0" g="0" b="0"/>
+      </a:effectRef>
+      <a:fontRef idx="minor">
+        <a:schemeClr val="lt1"/>
+      </a:fontRef>
+    </dgm:style>
+  </dgm:styleLbl>
+  <dgm:styleLbl name="asst1">
+    <dgm:scene3d>
+      <a:camera prst="orthographicFront"/>
+      <a:lightRig rig="threePt" dir="t"/>
+    </dgm:scene3d>
+    <dgm:sp3d/>
+    <dgm:txPr/>
+    <dgm:style>
+      <a:lnRef idx="2">
+        <a:scrgbClr r="0" g="0" b="0"/>
+      </a:lnRef>
+      <a:fillRef idx="1">
+        <a:scrgbClr r="0" g="0" b="0"/>
+      </a:fillRef>
+      <a:effectRef idx="0">
+        <a:scrgbClr r="0" g="0" b="0"/>
+      </a:effectRef>
+      <a:fontRef idx="minor">
+        <a:schemeClr val="lt1"/>
+      </a:fontRef>
+    </dgm:style>
+  </dgm:styleLbl>
+  <dgm:styleLbl name="asst2">
+    <dgm:scene3d>
+      <a:camera prst="orthographicFront"/>
+      <a:lightRig rig="threePt" dir="t"/>
+    </dgm:scene3d>
+    <dgm:sp3d/>
+    <dgm:txPr/>
+    <dgm:style>
+      <a:lnRef idx="2">
+        <a:scrgbClr r="0" g="0" b="0"/>
+      </a:lnRef>
+      <a:fillRef idx="1">
+        <a:scrgbClr r="0" g="0" b="0"/>
+      </a:fillRef>
+      <a:effectRef idx="0">
+        <a:scrgbClr r="0" g="0" b="0"/>
+      </a:effectRef>
+      <a:fontRef idx="minor">
+        <a:schemeClr val="lt1"/>
+      </a:fontRef>
+    </dgm:style>
+  </dgm:styleLbl>
+  <dgm:styleLbl name="asst3">
+    <dgm:scene3d>
+      <a:camera prst="orthographicFront"/>
+      <a:lightRig rig="threePt" dir="t"/>
+    </dgm:scene3d>
+    <dgm:sp3d/>
+    <dgm:txPr/>
+    <dgm:style>
+      <a:lnRef idx="2">
+        <a:scrgbClr r="0" g="0" b="0"/>
+      </a:lnRef>
+      <a:fillRef idx="1">
+        <a:scrgbClr r="0" g="0" b="0"/>
+      </a:fillRef>
+      <a:effectRef idx="0">
+        <a:scrgbClr r="0" g="0" b="0"/>
+      </a:effectRef>
+      <a:fontRef idx="minor">
+        <a:schemeClr val="lt1"/>
+      </a:fontRef>
+    </dgm:style>
+  </dgm:styleLbl>
+  <dgm:styleLbl name="asst4">
+    <dgm:scene3d>
+      <a:camera prst="orthographicFront"/>
+      <a:lightRig rig="threePt" dir="t"/>
+    </dgm:scene3d>
+    <dgm:sp3d/>
+    <dgm:txPr/>
+    <dgm:style>
+      <a:lnRef idx="2">
+        <a:scrgbClr r="0" g="0" b="0"/>
+      </a:lnRef>
+      <a:fillRef idx="1">
+        <a:scrgbClr r="0" g="0" b="0"/>
+      </a:fillRef>
+      <a:effectRef idx="0">
+        <a:scrgbClr r="0" g="0" b="0"/>
+      </a:effectRef>
+      <a:fontRef idx="minor">
+        <a:schemeClr val="lt1"/>
+      </a:fontRef>
+    </dgm:style>
+  </dgm:styleLbl>
+  <dgm:styleLbl name="parChTrans2D1">
+    <dgm:scene3d>
+      <a:camera prst="orthographicFront"/>
+      <a:lightRig rig="threePt" dir="t"/>
+    </dgm:scene3d>
+    <dgm:sp3d/>
+    <dgm:txPr/>
+    <dgm:style>
+      <a:lnRef idx="2">
+        <a:scrgbClr r="0" g="0" b="0"/>
+      </a:lnRef>
+      <a:fillRef idx="1">
+        <a:scrgbClr r="0" g="0" b="0"/>
+      </a:fillRef>
+      <a:effectRef idx="0">
+        <a:scrgbClr r="0" g="0" b="0"/>
+      </a:effectRef>
+      <a:fontRef idx="minor">
+        <a:schemeClr val="lt1"/>
+      </a:fontRef>
+    </dgm:style>
+  </dgm:styleLbl>
+  <dgm:styleLbl name="parChTrans2D2">
+    <dgm:scene3d>
+      <a:camera prst="orthographicFront"/>
+      <a:lightRig rig="threePt" dir="t"/>
+    </dgm:scene3d>
+    <dgm:sp3d/>
+    <dgm:txPr/>
+    <dgm:style>
+      <a:lnRef idx="2">
+        <a:scrgbClr r="0" g="0" b="0"/>
+      </a:lnRef>
+      <a:fillRef idx="1">
+        <a:scrgbClr r="0" g="0" b="0"/>
+      </a:fillRef>
+      <a:effectRef idx="0">
+        <a:scrgbClr r="0" g="0" b="0"/>
+      </a:effectRef>
+      <a:fontRef idx="minor">
+        <a:schemeClr val="lt1"/>
+      </a:fontRef>
+    </dgm:style>
+  </dgm:styleLbl>
+  <dgm:styleLbl name="parChTrans2D3">
+    <dgm:scene3d>
+      <a:camera prst="orthographicFront"/>
+      <a:lightRig rig="threePt" dir="t"/>
+    </dgm:scene3d>
+    <dgm:sp3d/>
+    <dgm:txPr/>
+    <dgm:style>
+      <a:lnRef idx="2">
+        <a:scrgbClr r="0" g="0" b="0"/>
+      </a:lnRef>
+      <a:fillRef idx="1">
+        <a:scrgbClr r="0" g="0" b="0"/>
+      </a:fillRef>
+      <a:effectRef idx="0">
+        <a:scrgbClr r="0" g="0" b="0"/>
+      </a:effectRef>
+      <a:fontRef idx="minor">
+        <a:schemeClr val="lt1"/>
+      </a:fontRef>
+    </dgm:style>
+  </dgm:styleLbl>
+  <dgm:styleLbl name="parChTrans2D4">
+    <dgm:scene3d>
+      <a:camera prst="orthographicFront"/>
+      <a:lightRig rig="threePt" dir="t"/>
+    </dgm:scene3d>
+    <dgm:sp3d/>
+    <dgm:txPr/>
+    <dgm:style>
+      <a:lnRef idx="2">
+        <a:scrgbClr r="0" g="0" b="0"/>
+      </a:lnRef>
+      <a:fillRef idx="1">
+        <a:scrgbClr r="0" g="0" b="0"/>
+      </a:fillRef>
+      <a:effectRef idx="0">
+        <a:scrgbClr r="0" g="0" b="0"/>
+      </a:effectRef>
+      <a:fontRef idx="minor">
+        <a:schemeClr val="lt1"/>
+      </a:fontRef>
+    </dgm:style>
+  </dgm:styleLbl>
+  <dgm:styleLbl name="parChTrans1D1">
+    <dgm:scene3d>
+      <a:camera prst="orthographicFront"/>
+      <a:lightRig rig="threePt" dir="t"/>
+    </dgm:scene3d>
+    <dgm:sp3d/>
+    <dgm:txPr/>
+    <dgm:style>
+      <a:lnRef idx="2">
+        <a:scrgbClr r="0" g="0" b="0"/>
+      </a:lnRef>
+      <a:fillRef idx="0">
+        <a:scrgbClr r="0" g="0" b="0"/>
+      </a:fillRef>
+      <a:effectRef idx="0">
+        <a:scrgbClr r="0" g="0" b="0"/>
+      </a:effectRef>
+      <a:fontRef idx="minor"/>
+    </dgm:style>
+  </dgm:styleLbl>
+  <dgm:styleLbl name="parChTrans1D2">
+    <dgm:scene3d>
+      <a:camera prst="orthographicFront"/>
+      <a:lightRig rig="threePt" dir="t"/>
+    </dgm:scene3d>
+    <dgm:sp3d/>
+    <dgm:txPr/>
+    <dgm:style>
+      <a:lnRef idx="2">
+        <a:scrgbClr r="0" g="0" b="0"/>
+      </a:lnRef>
+      <a:fillRef idx="0">
+        <a:scrgbClr r="0" g="0" b="0"/>
+      </a:fillRef>
+      <a:effectRef idx="0">
+        <a:scrgbClr r="0" g="0" b="0"/>
+      </a:effectRef>
+      <a:fontRef idx="minor"/>
+    </dgm:style>
+  </dgm:styleLbl>
+  <dgm:styleLbl name="parChTrans1D3">
+    <dgm:scene3d>
+      <a:camera prst="orthographicFront"/>
+      <a:lightRig rig="threePt" dir="t"/>
+    </dgm:scene3d>
+    <dgm:sp3d/>
+    <dgm:txPr/>
+    <dgm:style>
+      <a:lnRef idx="2">
+        <a:scrgbClr r="0" g="0" b="0"/>
+      </a:lnRef>
+      <a:fillRef idx="0">
+        <a:scrgbClr r="0" g="0" b="0"/>
+      </a:fillRef>
+      <a:effectRef idx="0">
+        <a:scrgbClr r="0" g="0" b="0"/>
+      </a:effectRef>
+      <a:fontRef idx="minor"/>
+    </dgm:style>
+  </dgm:styleLbl>
+  <dgm:styleLbl name="parChTrans1D4">
+    <dgm:scene3d>
+      <a:camera prst="orthographicFront"/>
+      <a:lightRig rig="threePt" dir="t"/>
+    </dgm:scene3d>
+    <dgm:sp3d/>
+    <dgm:txPr/>
+    <dgm:style>
+      <a:lnRef idx="2">
+        <a:scrgbClr r="0" g="0" b="0"/>
+      </a:lnRef>
+      <a:fillRef idx="0">
+        <a:scrgbClr r="0" g="0" b="0"/>
+      </a:fillRef>
+      <a:effectRef idx="0">
+        <a:scrgbClr r="0" g="0" b="0"/>
+      </a:effectRef>
+      <a:fontRef idx="minor"/>
+    </dgm:style>
+  </dgm:styleLbl>
+  <dgm:styleLbl name="fgAcc1">
+    <dgm:scene3d>
+      <a:camera prst="orthographicFront"/>
+      <a:lightRig rig="threePt" dir="t"/>
+    </dgm:scene3d>
+    <dgm:sp3d/>
+    <dgm:txPr/>
+    <dgm:style>
+      <a:lnRef idx="2">
+        <a:scrgbClr r="0" g="0" b="0"/>
+      </a:lnRef>
+      <a:fillRef idx="1">
+        <a:scrgbClr r="0" g="0" b="0"/>
+      </a:fillRef>
+      <a:effectRef idx="0">
+        <a:scrgbClr r="0" g="0" b="0"/>
+      </a:effectRef>
+      <a:fontRef idx="minor"/>
+    </dgm:style>
+  </dgm:styleLbl>
+  <dgm:styleLbl name="conFgAcc1">
+    <dgm:scene3d>
+      <a:camera prst="orthographicFront"/>
+      <a:lightRig rig="threePt" dir="t"/>
+    </dgm:scene3d>
+    <dgm:sp3d/>
+    <dgm:txPr/>
+    <dgm:style>
+      <a:lnRef idx="2">
+        <a:scrgbClr r="0" g="0" b="0"/>
+      </a:lnRef>
+      <a:fillRef idx="1">
+        <a:scrgbClr r="0" g="0" b="0"/>
+      </a:fillRef>
+      <a:effectRef idx="0">
+        <a:scrgbClr r="0" g="0" b="0"/>
+      </a:effectRef>
+      <a:fontRef idx="minor"/>
+    </dgm:style>
+  </dgm:styleLbl>
+  <dgm:styleLbl name="alignAcc1">
+    <dgm:scene3d>
+      <a:camera prst="orthographicFront"/>
+      <a:lightRig rig="threePt" dir="t"/>
+    </dgm:scene3d>
+    <dgm:sp3d/>
+    <dgm:txPr/>
+    <dgm:style>
+      <a:lnRef idx="2">
+        <a:scrgbClr r="0" g="0" b="0"/>
+      </a:lnRef>
+      <a:fillRef idx="1">
+        <a:scrgbClr r="0" g="0" b="0"/>
+      </a:fillRef>
+      <a:effectRef idx="0">
+        <a:scrgbClr r="0" g="0" b="0"/>
+      </a:effectRef>
+      <a:fontRef idx="minor"/>
+    </dgm:style>
+  </dgm:styleLbl>
+  <dgm:styleLbl name="trAlignAcc1">
+    <dgm:scene3d>
+      <a:camera prst="orthographicFront"/>
+      <a:lightRig rig="threePt" dir="t"/>
+    </dgm:scene3d>
+    <dgm:sp3d/>
+    <dgm:txPr/>
+    <dgm:style>
+      <a:lnRef idx="1">
+        <a:scrgbClr r="0" g="0" b="0"/>
+      </a:lnRef>
+      <a:fillRef idx="1">
+        <a:scrgbClr r="0" g="0" b="0"/>
+      </a:fillRef>
+      <a:effectRef idx="0">
+        <a:scrgbClr r="0" g="0" b="0"/>
+      </a:effectRef>
+      <a:fontRef idx="minor"/>
+    </dgm:style>
+  </dgm:styleLbl>
+  <dgm:styleLbl name="bgAcc1">
+    <dgm:scene3d>
+      <a:camera prst="orthographicFront"/>
+      <a:lightRig rig="threePt" dir="t"/>
+    </dgm:scene3d>
+    <dgm:sp3d/>
+    <dgm:txPr/>
+    <dgm:style>
+      <a:lnRef idx="2">
+        <a:scrgbClr r="0" g="0" b="0"/>
+      </a:lnRef>
+      <a:fillRef idx="1">
+        <a:scrgbClr r="0" g="0" b="0"/>
+      </a:fillRef>
+      <a:effectRef idx="0">
+        <a:scrgbClr r="0" g="0" b="0"/>
+      </a:effectRef>
+      <a:fontRef idx="minor"/>
+    </dgm:style>
+  </dgm:styleLbl>
+  <dgm:styleLbl name="solidFgAcc1">
+    <dgm:scene3d>
+      <a:camera prst="orthographicFront"/>
+      <a:lightRig rig="threePt" dir="t"/>
+    </dgm:scene3d>
+    <dgm:sp3d/>
+    <dgm:txPr/>
+    <dgm:style>
+      <a:lnRef idx="2">
+        <a:scrgbClr r="0" g="0" b="0"/>
+      </a:lnRef>
+      <a:fillRef idx="1">
+        <a:scrgbClr r="0" g="0" b="0"/>
+      </a:fillRef>
+      <a:effectRef idx="0">
+        <a:scrgbClr r="0" g="0" b="0"/>
+      </a:effectRef>
+      <a:fontRef idx="minor"/>
+    </dgm:style>
+  </dgm:styleLbl>
+  <dgm:styleLbl name="solidAlignAcc1">
+    <dgm:scene3d>
+      <a:camera prst="orthographicFront"/>
+      <a:lightRig rig="threePt" dir="t"/>
+    </dgm:scene3d>
+    <dgm:sp3d/>
+    <dgm:txPr/>
+    <dgm:style>
+      <a:lnRef idx="2">
+        <a:scrgbClr r="0" g="0" b="0"/>
+      </a:lnRef>
+      <a:fillRef idx="1">
+        <a:scrgbClr r="0" g="0" b="0"/>
+      </a:fillRef>
+      <a:effectRef idx="0">
+        <a:scrgbClr r="0" g="0" b="0"/>
+      </a:effectRef>
+      <a:fontRef idx="minor"/>
+    </dgm:style>
+  </dgm:styleLbl>
+  <dgm:styleLbl name="solidBgAcc1">
+    <dgm:scene3d>
+      <a:camera prst="orthographicFront"/>
+      <a:lightRig rig="threePt" dir="t"/>
+    </dgm:scene3d>
+    <dgm:sp3d/>
+    <dgm:txPr/>
+    <dgm:style>
+      <a:lnRef idx="2">
+        <a:scrgbClr r="0" g="0" b="0"/>
+      </a:lnRef>
+      <a:fillRef idx="1">
+        <a:scrgbClr r="0" g="0" b="0"/>
+      </a:fillRef>
+      <a:effectRef idx="0">
+        <a:scrgbClr r="0" g="0" b="0"/>
+      </a:effectRef>
+      <a:fontRef idx="minor"/>
+    </dgm:style>
+  </dgm:styleLbl>
+  <dgm:styleLbl name="fgAccFollowNode1">
+    <dgm:scene3d>
+      <a:camera prst="orthographicFront"/>
+      <a:lightRig rig="threePt" dir="t"/>
+    </dgm:scene3d>
+    <dgm:sp3d/>
+    <dgm:txPr/>
+    <dgm:style>
+      <a:lnRef idx="2">
+        <a:scrgbClr r="0" g="0" b="0"/>
+      </a:lnRef>
+      <a:fillRef idx="1">
+        <a:scrgbClr r="0" g="0" b="0"/>
+      </a:fillRef>
+      <a:effectRef idx="0">
+        <a:scrgbClr r="0" g="0" b="0"/>
+      </a:effectRef>
+      <a:fontRef idx="minor"/>
+    </dgm:style>
+  </dgm:styleLbl>
+  <dgm:styleLbl name="alignAccFollowNode1">
+    <dgm:scene3d>
+      <a:camera prst="orthographicFront"/>
+      <a:lightRig rig="threePt" dir="t"/>
+    </dgm:scene3d>
+    <dgm:sp3d/>
+    <dgm:txPr/>
+    <dgm:style>
+      <a:lnRef idx="2">
+        <a:scrgbClr r="0" g="0" b="0"/>
+      </a:lnRef>
+      <a:fillRef idx="1">
+        <a:scrgbClr r="0" g="0" b="0"/>
+      </a:fillRef>
+      <a:effectRef idx="0">
+        <a:scrgbClr r="0" g="0" b="0"/>
+      </a:effectRef>
+      <a:fontRef idx="minor"/>
+    </dgm:style>
+  </dgm:styleLbl>
+  <dgm:styleLbl name="bgAccFollowNode1">
+    <dgm:scene3d>
+      <a:camera prst="orthographicFront"/>
+      <a:lightRig rig="threePt" dir="t"/>
+    </dgm:scene3d>
+    <dgm:sp3d/>
+    <dgm:txPr/>
+    <dgm:style>
+      <a:lnRef idx="2">
+        <a:scrgbClr r="0" g="0" b="0"/>
+      </a:lnRef>
+      <a:fillRef idx="1">
+        <a:scrgbClr r="0" g="0" b="0"/>
+      </a:fillRef>
+      <a:effectRef idx="0">
+        <a:scrgbClr r="0" g="0" b="0"/>
+      </a:effectRef>
+      <a:fontRef idx="minor"/>
+    </dgm:style>
+  </dgm:styleLbl>
+  <dgm:styleLbl name="fgAcc0">
+    <dgm:scene3d>
+      <a:camera prst="orthographicFront"/>
+      <a:lightRig rig="threePt" dir="t"/>
+    </dgm:scene3d>
+    <dgm:sp3d/>
+    <dgm:txPr/>
+    <dgm:style>
+      <a:lnRef idx="2">
+        <a:scrgbClr r="0" g="0" b="0"/>
+      </a:lnRef>
+      <a:fillRef idx="1">
+        <a:scrgbClr r="0" g="0" b="0"/>
+      </a:fillRef>
+      <a:effectRef idx="0">
+        <a:scrgbClr r="0" g="0" b="0"/>
+      </a:effectRef>
+      <a:fontRef idx="minor"/>
+    </dgm:style>
+  </dgm:styleLbl>
+  <dgm:styleLbl name="fgAcc2">
+    <dgm:scene3d>
+      <a:camera prst="orthographicFront"/>
+      <a:lightRig rig="threePt" dir="t"/>
+    </dgm:scene3d>
+    <dgm:sp3d/>
+    <dgm:txPr/>
+    <dgm:style>
+      <a:lnRef idx="2">
+        <a:scrgbClr r="0" g="0" b="0"/>
+      </a:lnRef>
+      <a:fillRef idx="1">
+        <a:scrgbClr r="0" g="0" b="0"/>
+      </a:fillRef>
+      <a:effectRef idx="0">
+        <a:scrgbClr r="0" g="0" b="0"/>
+      </a:effectRef>
+      <a:fontRef idx="minor"/>
+    </dgm:style>
+  </dgm:styleLbl>
+  <dgm:styleLbl name="fgAcc3">
+    <dgm:scene3d>
+      <a:camera prst="orthographicFront"/>
+      <a:lightRig rig="threePt" dir="t"/>
+    </dgm:scene3d>
+    <dgm:sp3d/>
+    <dgm:txPr/>
+    <dgm:style>
+      <a:lnRef idx="2">
+        <a:scrgbClr r="0" g="0" b="0"/>
+      </a:lnRef>
+      <a:fillRef idx="1">
+        <a:scrgbClr r="0" g="0" b="0"/>
+      </a:fillRef>
+      <a:effectRef idx="0">
+        <a:scrgbClr r="0" g="0" b="0"/>
+      </a:effectRef>
+      <a:fontRef idx="minor"/>
+    </dgm:style>
+  </dgm:styleLbl>
+  <dgm:styleLbl name="fgAcc4">
+    <dgm:scene3d>
+      <a:camera prst="orthographicFront"/>
+      <a:lightRig rig="threePt" dir="t"/>
+    </dgm:scene3d>
+    <dgm:sp3d/>
+    <dgm:txPr/>
+    <dgm:style>
+      <a:lnRef idx="2">
+        <a:scrgbClr r="0" g="0" b="0"/>
+      </a:lnRef>
+      <a:fillRef idx="1">
+        <a:scrgbClr r="0" g="0" b="0"/>
+      </a:fillRef>
+      <a:effectRef idx="0">
+        <a:scrgbClr r="0" g="0" b="0"/>
+      </a:effectRef>
+      <a:fontRef idx="minor"/>
+    </dgm:style>
+  </dgm:styleLbl>
+  <dgm:styleLbl name="bgShp">
+    <dgm:scene3d>
+      <a:camera prst="orthographicFront"/>
+      <a:lightRig rig="threePt" dir="t"/>
+    </dgm:scene3d>
+    <dgm:sp3d/>
+    <dgm:txPr/>
+    <dgm:style>
+      <a:lnRef idx="0">
+        <a:scrgbClr r="0" g="0" b="0"/>
+      </a:lnRef>
+      <a:fillRef idx="1">
+        <a:scrgbClr r="0" g="0" b="0"/>
+      </a:fillRef>
+      <a:effectRef idx="0">
+        <a:scrgbClr r="0" g="0" b="0"/>
+      </a:effectRef>
+      <a:fontRef idx="minor"/>
+    </dgm:style>
+  </dgm:styleLbl>
+  <dgm:styleLbl name="dkBgShp">
+    <dgm:scene3d>
+      <a:camera prst="orthographicFront"/>
+      <a:lightRig rig="threePt" dir="t"/>
+    </dgm:scene3d>
+    <dgm:sp3d/>
+    <dgm:txPr/>
+    <dgm:style>
+      <a:lnRef idx="0">
+        <a:scrgbClr r="0" g="0" b="0"/>
+      </a:lnRef>
+      <a:fillRef idx="1">
+        <a:scrgbClr r="0" g="0" b="0"/>
+      </a:fillRef>
+      <a:effectRef idx="0">
+        <a:scrgbClr r="0" g="0" b="0"/>
+      </a:effectRef>
+      <a:fontRef idx="minor"/>
+    </dgm:style>
+  </dgm:styleLbl>
+  <dgm:styleLbl name="trBgShp">
+    <dgm:scene3d>
+      <a:camera prst="orthographicFront"/>
+      <a:lightRig rig="threePt" dir="t"/>
+    </dgm:scene3d>
+    <dgm:sp3d/>
+    <dgm:txPr/>
+    <dgm:style>
+      <a:lnRef idx="0">
+        <a:scrgbClr r="0" g="0" b="0"/>
+      </a:lnRef>
+      <a:fillRef idx="1">
+        <a:scrgbClr r="0" g="0" b="0"/>
+      </a:fillRef>
+      <a:effectRef idx="0">
+        <a:scrgbClr r="0" g="0" b="0"/>
+      </a:effectRef>
+      <a:fontRef idx="minor"/>
+    </dgm:style>
+  </dgm:styleLbl>
+  <dgm:styleLbl name="fgShp">
+    <dgm:scene3d>
+      <a:camera prst="orthographicFront"/>
+      <a:lightRig rig="threePt" dir="t"/>
+    </dgm:scene3d>
+    <dgm:sp3d/>
+    <dgm:txPr/>
+    <dgm:style>
+      <a:lnRef idx="2">
+        <a:scrgbClr r="0" g="0" b="0"/>
+      </a:lnRef>
+      <a:fillRef idx="1">
+        <a:scrgbClr r="0" g="0" b="0"/>
+      </a:fillRef>
+      <a:effectRef idx="0">
+        <a:scrgbClr r="0" g="0" b="0"/>
+      </a:effectRef>
+      <a:fontRef idx="minor"/>
+    </dgm:style>
+  </dgm:styleLbl>
+  <dgm:styleLbl name="revTx">
+    <dgm:scene3d>
+      <a:camera prst="orthographicFront"/>
+      <a:lightRig rig="threePt" dir="t"/>
+    </dgm:scene3d>
+    <dgm:sp3d/>
+    <dgm:txPr/>
+    <dgm:style>
+      <a:lnRef idx="0">
+        <a:scrgbClr r="0" g="0" b="0"/>
+      </a:lnRef>
+      <a:fillRef idx="0">
+        <a:scrgbClr r="0" g="0" b="0"/>
+      </a:fillRef>
+      <a:effectRef idx="0">
+        <a:scrgbClr r="0" g="0" b="0"/>
+      </a:effectRef>
+      <a:fontRef idx="minor"/>
+    </dgm:style>
+  </dgm:styleLbl>
+</dgm:styleDef>
+</file>
+
+<file path=ppt/diagrams/quickStyle6.xml><?xml version="1.0" encoding="utf-8"?>
 <dgm:styleDef xmlns:dgm="http://schemas.openxmlformats.org/drawingml/2006/diagram" xmlns:a="http://schemas.openxmlformats.org/drawingml/2006/main" uniqueId="urn:microsoft.com/office/officeart/2005/8/quickstyle/simple1">
   <dgm:title val=""/>
   <dgm:desc val=""/>
@@ -14462,7 +17296,7 @@
           <a:p>
             <a:fld id="{8367716B-074A-B840-B97D-28A76286CB7D}" type="datetimeFigureOut">
               <a:rPr lang="en-US" smtClean="0"/>
-              <a:t>10/29/24</a:t>
+              <a:t>11/7/2024</a:t>
             </a:fld>
             <a:endParaRPr lang="en-US"/>
           </a:p>
@@ -14898,7 +17732,7 @@
           <a:p>
             <a:fld id="{7DB480C7-94FC-43D8-A75C-F8A3F0E1F988}" type="datetimeFigureOut">
               <a:rPr lang="en-US" smtClean="0"/>
-              <a:t>10/29/24</a:t>
+              <a:t>11/7/2024</a:t>
             </a:fld>
             <a:endParaRPr lang="en-US"/>
           </a:p>
@@ -15228,7 +18062,7 @@
           <a:p>
             <a:fld id="{7DB480C7-94FC-43D8-A75C-F8A3F0E1F988}" type="datetimeFigureOut">
               <a:rPr lang="en-US" smtClean="0"/>
-              <a:t>10/29/24</a:t>
+              <a:t>11/7/2024</a:t>
             </a:fld>
             <a:endParaRPr lang="en-US"/>
           </a:p>
@@ -15408,7 +18242,7 @@
           <a:p>
             <a:fld id="{7DB480C7-94FC-43D8-A75C-F8A3F0E1F988}" type="datetimeFigureOut">
               <a:rPr lang="en-US" smtClean="0"/>
-              <a:t>10/29/24</a:t>
+              <a:t>11/7/2024</a:t>
             </a:fld>
             <a:endParaRPr lang="en-US"/>
           </a:p>
@@ -15578,7 +18412,7 @@
           <a:p>
             <a:fld id="{7DB480C7-94FC-43D8-A75C-F8A3F0E1F988}" type="datetimeFigureOut">
               <a:rPr lang="en-US" smtClean="0"/>
-              <a:t>10/29/24</a:t>
+              <a:t>11/7/2024</a:t>
             </a:fld>
             <a:endParaRPr lang="en-US"/>
           </a:p>
@@ -15855,7 +18689,7 @@
           <a:p>
             <a:fld id="{7DB480C7-94FC-43D8-A75C-F8A3F0E1F988}" type="datetimeFigureOut">
               <a:rPr lang="en-US" smtClean="0"/>
-              <a:t>10/29/24</a:t>
+              <a:t>11/7/2024</a:t>
             </a:fld>
             <a:endParaRPr lang="en-US"/>
           </a:p>
@@ -16249,7 +19083,7 @@
           <a:p>
             <a:fld id="{7DB480C7-94FC-43D8-A75C-F8A3F0E1F988}" type="datetimeFigureOut">
               <a:rPr lang="en-US" smtClean="0"/>
-              <a:t>10/29/24</a:t>
+              <a:t>11/7/2024</a:t>
             </a:fld>
             <a:endParaRPr lang="en-US"/>
           </a:p>
@@ -16726,7 +19560,7 @@
           <a:p>
             <a:fld id="{7DB480C7-94FC-43D8-A75C-F8A3F0E1F988}" type="datetimeFigureOut">
               <a:rPr lang="en-US" smtClean="0"/>
-              <a:t>10/29/24</a:t>
+              <a:t>11/7/2024</a:t>
             </a:fld>
             <a:endParaRPr lang="en-US"/>
           </a:p>
@@ -16844,7 +19678,7 @@
           <a:p>
             <a:fld id="{7DB480C7-94FC-43D8-A75C-F8A3F0E1F988}" type="datetimeFigureOut">
               <a:rPr lang="en-US" smtClean="0"/>
-              <a:t>10/29/24</a:t>
+              <a:t>11/7/2024</a:t>
             </a:fld>
             <a:endParaRPr lang="en-US"/>
           </a:p>
@@ -16939,7 +19773,7 @@
           <a:p>
             <a:fld id="{7DB480C7-94FC-43D8-A75C-F8A3F0E1F988}" type="datetimeFigureOut">
               <a:rPr lang="en-US" smtClean="0"/>
-              <a:t>10/29/24</a:t>
+              <a:t>11/7/2024</a:t>
             </a:fld>
             <a:endParaRPr lang="en-US"/>
           </a:p>
@@ -17285,7 +20119,7 @@
           <a:p>
             <a:fld id="{7DB480C7-94FC-43D8-A75C-F8A3F0E1F988}" type="datetimeFigureOut">
               <a:rPr lang="en-US" smtClean="0"/>
-              <a:t>10/29/24</a:t>
+              <a:t>11/7/2024</a:t>
             </a:fld>
             <a:endParaRPr lang="en-US"/>
           </a:p>
@@ -17673,7 +20507,7 @@
           <a:p>
             <a:fld id="{7DB480C7-94FC-43D8-A75C-F8A3F0E1F988}" type="datetimeFigureOut">
               <a:rPr lang="en-US" smtClean="0"/>
-              <a:t>10/29/24</a:t>
+              <a:t>11/7/2024</a:t>
             </a:fld>
             <a:endParaRPr lang="en-US"/>
           </a:p>
@@ -17951,7 +20785,7 @@
           <a:p>
             <a:fld id="{7DB480C7-94FC-43D8-A75C-F8A3F0E1F988}" type="datetimeFigureOut">
               <a:rPr lang="en-US" smtClean="0"/>
-              <a:t>10/29/24</a:t>
+              <a:t>11/7/2024</a:t>
             </a:fld>
             <a:endParaRPr lang="en-US"/>
           </a:p>
@@ -18532,7 +21366,843 @@
 </p:sld>
 </file>
 
+<file path=ppt/slides/slide10.xml><?xml version="1.0" encoding="utf-8"?>
+<p:sld xmlns:a="http://schemas.openxmlformats.org/drawingml/2006/main" xmlns:r="http://schemas.openxmlformats.org/officeDocument/2006/relationships" xmlns:p="http://schemas.openxmlformats.org/presentationml/2006/main">
+  <p:cSld>
+    <p:bg>
+      <p:bgPr>
+        <a:solidFill>
+          <a:schemeClr val="bg2"/>
+        </a:solidFill>
+        <a:effectLst/>
+      </p:bgPr>
+    </p:bg>
+    <p:spTree>
+      <p:nvGrpSpPr>
+        <p:cNvPr id="1" name="">
+          <a:extLst>
+            <a:ext uri="{FF2B5EF4-FFF2-40B4-BE49-F238E27FC236}">
+              <a16:creationId xmlns:a16="http://schemas.microsoft.com/office/drawing/2014/main" id="{E07A94BD-FFEB-FBD8-8175-06509F82426C}"/>
+            </a:ext>
+          </a:extLst>
+        </p:cNvPr>
+        <p:cNvGrpSpPr/>
+        <p:nvPr/>
+      </p:nvGrpSpPr>
+      <p:grpSpPr>
+        <a:xfrm>
+          <a:off x="0" y="0"/>
+          <a:ext cx="0" cy="0"/>
+          <a:chOff x="0" y="0"/>
+          <a:chExt cx="0" cy="0"/>
+        </a:xfrm>
+      </p:grpSpPr>
+      <p:sp>
+        <p:nvSpPr>
+          <p:cNvPr id="2" name="Title 1">
+            <a:extLst>
+              <a:ext uri="{FF2B5EF4-FFF2-40B4-BE49-F238E27FC236}">
+                <a16:creationId xmlns:a16="http://schemas.microsoft.com/office/drawing/2014/main" id="{AB2A51F8-54C5-7A9A-743A-68240E3D6AE7}"/>
+              </a:ext>
+            </a:extLst>
+          </p:cNvPr>
+          <p:cNvSpPr>
+            <a:spLocks noGrp="1"/>
+          </p:cNvSpPr>
+          <p:nvPr>
+            <p:ph type="title"/>
+          </p:nvPr>
+        </p:nvSpPr>
+        <p:spPr>
+          <a:xfrm>
+            <a:off x="1371600" y="685800"/>
+            <a:ext cx="9601200" cy="1485900"/>
+          </a:xfrm>
+        </p:spPr>
+        <p:txBody>
+          <a:bodyPr>
+            <a:normAutofit/>
+          </a:bodyPr>
+          <a:lstStyle/>
+          <a:p>
+            <a:r>
+              <a:rPr lang="en-US" dirty="0"/>
+              <a:t>Terraform Apply Lifecycle</a:t>
+            </a:r>
+          </a:p>
+        </p:txBody>
+      </p:sp>
+      <p:graphicFrame>
+        <p:nvGraphicFramePr>
+          <p:cNvPr id="11" name="Content Placeholder 2">
+            <a:extLst>
+              <a:ext uri="{FF2B5EF4-FFF2-40B4-BE49-F238E27FC236}">
+                <a16:creationId xmlns:a16="http://schemas.microsoft.com/office/drawing/2014/main" id="{A5CC74BB-B688-693C-7DB9-B04D0006989E}"/>
+              </a:ext>
+            </a:extLst>
+          </p:cNvPr>
+          <p:cNvGraphicFramePr>
+            <a:graphicFrameLocks noGrp="1"/>
+          </p:cNvGraphicFramePr>
+          <p:nvPr>
+            <p:ph idx="1"/>
+            <p:extLst>
+              <p:ext uri="{D42A27DB-BD31-4B8C-83A1-F6EECF244321}">
+                <p14:modId xmlns:p14="http://schemas.microsoft.com/office/powerpoint/2010/main" val="2639565352"/>
+              </p:ext>
+            </p:extLst>
+          </p:nvPr>
+        </p:nvGraphicFramePr>
+        <p:xfrm>
+          <a:off x="1371600" y="1620000"/>
+          <a:ext cx="9601200" cy="5004000"/>
+        </p:xfrm>
+        <a:graphic>
+          <a:graphicData uri="http://schemas.openxmlformats.org/drawingml/2006/diagram">
+            <dgm:relIds xmlns:dgm="http://schemas.openxmlformats.org/drawingml/2006/diagram" xmlns:r="http://schemas.openxmlformats.org/officeDocument/2006/relationships" r:dm="rId2" r:lo="rId3" r:qs="rId4" r:cs="rId5"/>
+          </a:graphicData>
+        </a:graphic>
+      </p:graphicFrame>
+    </p:spTree>
+    <p:extLst>
+      <p:ext uri="{BB962C8B-B14F-4D97-AF65-F5344CB8AC3E}">
+        <p14:creationId xmlns:p14="http://schemas.microsoft.com/office/powerpoint/2010/main" val="876556847"/>
+      </p:ext>
+    </p:extLst>
+  </p:cSld>
+  <p:clrMapOvr>
+    <a:masterClrMapping/>
+  </p:clrMapOvr>
+</p:sld>
+</file>
+
+<file path=ppt/slides/slide11.xml><?xml version="1.0" encoding="utf-8"?>
+<p:sld xmlns:a="http://schemas.openxmlformats.org/drawingml/2006/main" xmlns:r="http://schemas.openxmlformats.org/officeDocument/2006/relationships" xmlns:p="http://schemas.openxmlformats.org/presentationml/2006/main">
+  <p:cSld>
+    <p:bg>
+      <p:bgPr>
+        <a:solidFill>
+          <a:schemeClr val="bg2"/>
+        </a:solidFill>
+        <a:effectLst/>
+      </p:bgPr>
+    </p:bg>
+    <p:spTree>
+      <p:nvGrpSpPr>
+        <p:cNvPr id="1" name=""/>
+        <p:cNvGrpSpPr/>
+        <p:nvPr/>
+      </p:nvGrpSpPr>
+      <p:grpSpPr>
+        <a:xfrm>
+          <a:off x="0" y="0"/>
+          <a:ext cx="0" cy="0"/>
+          <a:chOff x="0" y="0"/>
+          <a:chExt cx="0" cy="0"/>
+        </a:xfrm>
+      </p:grpSpPr>
+      <p:sp>
+        <p:nvSpPr>
+          <p:cNvPr id="12" name="Rectangle 11">
+            <a:extLst>
+              <a:ext uri="{FF2B5EF4-FFF2-40B4-BE49-F238E27FC236}">
+                <a16:creationId xmlns:a16="http://schemas.microsoft.com/office/drawing/2014/main" id="{A93D97C6-63EF-4CA6-B01D-25E2772DC9EF}"/>
+              </a:ext>
+              <a:ext uri="{C183D7F6-B498-43B3-948B-1728B52AA6E4}">
+                <adec:decorative xmlns:adec="http://schemas.microsoft.com/office/drawing/2017/decorative" val="1"/>
+              </a:ext>
+            </a:extLst>
+          </p:cNvPr>
+          <p:cNvSpPr>
+            <a:spLocks noGrp="1" noRot="1" noChangeAspect="1" noMove="1" noResize="1" noEditPoints="1" noAdjustHandles="1" noChangeArrowheads="1" noChangeShapeType="1" noTextEdit="1"/>
+          </p:cNvSpPr>
+          <p:nvPr>
+            <p:extLst>
+              <p:ext uri="{386F3935-93C4-4BCD-93E2-E3B085C9AB24}">
+                <p16:designElem xmlns:p16="http://schemas.microsoft.com/office/powerpoint/2015/main" val="1"/>
+              </p:ext>
+            </p:extLst>
+          </p:nvPr>
+        </p:nvSpPr>
+        <p:spPr>
+          <a:xfrm>
+            <a:off x="0" y="0"/>
+            <a:ext cx="12192000" cy="6858000"/>
+          </a:xfrm>
+          <a:prstGeom prst="rect">
+            <a:avLst/>
+          </a:prstGeom>
+          <a:solidFill>
+            <a:schemeClr val="bg2"/>
+          </a:solidFill>
+          <a:ln>
+            <a:noFill/>
+          </a:ln>
+        </p:spPr>
+        <p:style>
+          <a:lnRef idx="2">
+            <a:schemeClr val="accent1">
+              <a:shade val="50000"/>
+            </a:schemeClr>
+          </a:lnRef>
+          <a:fillRef idx="1">
+            <a:schemeClr val="accent1"/>
+          </a:fillRef>
+          <a:effectRef idx="0">
+            <a:schemeClr val="accent1"/>
+          </a:effectRef>
+          <a:fontRef idx="minor">
+            <a:schemeClr val="lt1"/>
+          </a:fontRef>
+        </p:style>
+        <p:txBody>
+          <a:bodyPr rtlCol="0" anchor="ctr"/>
+          <a:lstStyle/>
+          <a:p>
+            <a:pPr algn="ctr"/>
+            <a:endParaRPr lang="en-US"/>
+          </a:p>
+        </p:txBody>
+      </p:sp>
+      <p:sp>
+        <p:nvSpPr>
+          <p:cNvPr id="2" name="Title 1">
+            <a:extLst>
+              <a:ext uri="{FF2B5EF4-FFF2-40B4-BE49-F238E27FC236}">
+                <a16:creationId xmlns:a16="http://schemas.microsoft.com/office/drawing/2014/main" id="{0596C5AA-5969-34CF-18BB-1A7E8A0ED445}"/>
+              </a:ext>
+            </a:extLst>
+          </p:cNvPr>
+          <p:cNvSpPr>
+            <a:spLocks noGrp="1"/>
+          </p:cNvSpPr>
+          <p:nvPr>
+            <p:ph type="title"/>
+          </p:nvPr>
+        </p:nvSpPr>
+        <p:spPr>
+          <a:xfrm>
+            <a:off x="5100824" y="685800"/>
+            <a:ext cx="6176776" cy="1485900"/>
+          </a:xfrm>
+        </p:spPr>
+        <p:txBody>
+          <a:bodyPr>
+            <a:normAutofit/>
+          </a:bodyPr>
+          <a:lstStyle/>
+          <a:p>
+            <a:r>
+              <a:rPr lang="en-US"/>
+              <a:t>Exercise: Provisioning a Web Server on Azure</a:t>
+            </a:r>
+          </a:p>
+        </p:txBody>
+      </p:sp>
+      <p:pic>
+        <p:nvPicPr>
+          <p:cNvPr id="7" name="Graphic 6" descr="Wrench">
+            <a:extLst>
+              <a:ext uri="{FF2B5EF4-FFF2-40B4-BE49-F238E27FC236}">
+                <a16:creationId xmlns:a16="http://schemas.microsoft.com/office/drawing/2014/main" id="{D83CD7F3-739A-B881-FEB8-0AFD3A0DA287}"/>
+              </a:ext>
+            </a:extLst>
+          </p:cNvPr>
+          <p:cNvPicPr>
+            <a:picLocks noChangeAspect="1"/>
+          </p:cNvPicPr>
+          <p:nvPr/>
+        </p:nvPicPr>
+        <p:blipFill>
+          <a:blip r:embed="rId2">
+            <a:extLst>
+              <a:ext uri="{28A0092B-C50C-407E-A947-70E740481C1C}">
+                <a14:useLocalDpi xmlns:a14="http://schemas.microsoft.com/office/drawing/2010/main" val="0"/>
+              </a:ext>
+              <a:ext uri="{96DAC541-7B7A-43D3-8B79-37D633B846F1}">
+                <asvg:svgBlip xmlns:asvg="http://schemas.microsoft.com/office/drawing/2016/SVG/main" r:embed="rId3"/>
+              </a:ext>
+            </a:extLst>
+          </a:blip>
+          <a:stretch>
+            <a:fillRect/>
+          </a:stretch>
+        </p:blipFill>
+        <p:spPr>
+          <a:xfrm>
+            <a:off x="634276" y="1881930"/>
+            <a:ext cx="3093388" cy="3093388"/>
+          </a:xfrm>
+          <a:prstGeom prst="rect">
+            <a:avLst/>
+          </a:prstGeom>
+        </p:spPr>
+      </p:pic>
+      <p:sp>
+        <p:nvSpPr>
+          <p:cNvPr id="14" name="Rectangle 13">
+            <a:extLst>
+              <a:ext uri="{FF2B5EF4-FFF2-40B4-BE49-F238E27FC236}">
+                <a16:creationId xmlns:a16="http://schemas.microsoft.com/office/drawing/2014/main" id="{5DA4A40B-EDCE-42FC-B189-AEFB4F82E818}"/>
+              </a:ext>
+              <a:ext uri="{C183D7F6-B498-43B3-948B-1728B52AA6E4}">
+                <adec:decorative xmlns:adec="http://schemas.microsoft.com/office/drawing/2017/decorative" val="1"/>
+              </a:ext>
+            </a:extLst>
+          </p:cNvPr>
+          <p:cNvSpPr>
+            <a:spLocks noGrp="1" noRot="1" noChangeAspect="1" noMove="1" noResize="1" noEditPoints="1" noAdjustHandles="1" noChangeArrowheads="1" noChangeShapeType="1" noTextEdit="1"/>
+          </p:cNvSpPr>
+          <p:nvPr>
+            <p:extLst>
+              <p:ext uri="{386F3935-93C4-4BCD-93E2-E3B085C9AB24}">
+                <p16:designElem xmlns:p16="http://schemas.microsoft.com/office/powerpoint/2015/main" val="1"/>
+              </p:ext>
+            </p:extLst>
+          </p:nvPr>
+        </p:nvSpPr>
+        <p:spPr>
+          <a:xfrm>
+            <a:off x="4373545" y="376"/>
+            <a:ext cx="228600" cy="6858000"/>
+          </a:xfrm>
+          <a:prstGeom prst="rect">
+            <a:avLst/>
+          </a:prstGeom>
+          <a:solidFill>
+            <a:schemeClr val="tx2"/>
+          </a:solidFill>
+          <a:ln>
+            <a:noFill/>
+          </a:ln>
+        </p:spPr>
+        <p:style>
+          <a:lnRef idx="2">
+            <a:schemeClr val="accent1">
+              <a:shade val="50000"/>
+            </a:schemeClr>
+          </a:lnRef>
+          <a:fillRef idx="1">
+            <a:schemeClr val="accent1"/>
+          </a:fillRef>
+          <a:effectRef idx="0">
+            <a:schemeClr val="accent1"/>
+          </a:effectRef>
+          <a:fontRef idx="minor">
+            <a:schemeClr val="lt1"/>
+          </a:fontRef>
+        </p:style>
+        <p:txBody>
+          <a:bodyPr/>
+          <a:lstStyle/>
+          <a:p>
+            <a:endParaRPr lang="en-US"/>
+          </a:p>
+        </p:txBody>
+      </p:sp>
+      <p:sp>
+        <p:nvSpPr>
+          <p:cNvPr id="3" name="Content Placeholder 2">
+            <a:extLst>
+              <a:ext uri="{FF2B5EF4-FFF2-40B4-BE49-F238E27FC236}">
+                <a16:creationId xmlns:a16="http://schemas.microsoft.com/office/drawing/2014/main" id="{D90AE6A3-6633-E6B7-4678-956C57249BE1}"/>
+              </a:ext>
+            </a:extLst>
+          </p:cNvPr>
+          <p:cNvSpPr>
+            <a:spLocks noGrp="1"/>
+          </p:cNvSpPr>
+          <p:nvPr>
+            <p:ph idx="1"/>
+          </p:nvPr>
+        </p:nvSpPr>
+        <p:spPr>
+          <a:xfrm>
+            <a:off x="5100824" y="2286000"/>
+            <a:ext cx="6176776" cy="3581400"/>
+          </a:xfrm>
+        </p:spPr>
+        <p:txBody>
+          <a:bodyPr>
+            <a:normAutofit/>
+          </a:bodyPr>
+          <a:lstStyle/>
+          <a:p>
+            <a:r>
+              <a:rPr lang="en-US" dirty="0"/>
+              <a:t>Objective: Provision a web server on Azure using Terraform by following the Terraform workflow (plan, apply, destroy).</a:t>
+            </a:r>
+          </a:p>
+        </p:txBody>
+      </p:sp>
+    </p:spTree>
+    <p:extLst>
+      <p:ext uri="{BB962C8B-B14F-4D97-AF65-F5344CB8AC3E}">
+        <p14:creationId xmlns:p14="http://schemas.microsoft.com/office/powerpoint/2010/main" val="3589051225"/>
+      </p:ext>
+    </p:extLst>
+  </p:cSld>
+  <p:clrMapOvr>
+    <a:masterClrMapping/>
+  </p:clrMapOvr>
+</p:sld>
+</file>
+
+<file path=ppt/slides/slide12.xml><?xml version="1.0" encoding="utf-8"?>
+<p:sld xmlns:a="http://schemas.openxmlformats.org/drawingml/2006/main" xmlns:r="http://schemas.openxmlformats.org/officeDocument/2006/relationships" xmlns:p="http://schemas.openxmlformats.org/presentationml/2006/main">
+  <p:cSld>
+    <p:bg>
+      <p:bgPr>
+        <a:solidFill>
+          <a:schemeClr val="bg2"/>
+        </a:solidFill>
+        <a:effectLst/>
+      </p:bgPr>
+    </p:bg>
+    <p:spTree>
+      <p:nvGrpSpPr>
+        <p:cNvPr id="1" name=""/>
+        <p:cNvGrpSpPr/>
+        <p:nvPr/>
+      </p:nvGrpSpPr>
+      <p:grpSpPr>
+        <a:xfrm>
+          <a:off x="0" y="0"/>
+          <a:ext cx="0" cy="0"/>
+          <a:chOff x="0" y="0"/>
+          <a:chExt cx="0" cy="0"/>
+        </a:xfrm>
+      </p:grpSpPr>
+      <p:sp>
+        <p:nvSpPr>
+          <p:cNvPr id="12" name="Rectangle 11">
+            <a:extLst>
+              <a:ext uri="{FF2B5EF4-FFF2-40B4-BE49-F238E27FC236}">
+                <a16:creationId xmlns:a16="http://schemas.microsoft.com/office/drawing/2014/main" id="{A93D97C6-63EF-4CA6-B01D-25E2772DC9EF}"/>
+              </a:ext>
+              <a:ext uri="{C183D7F6-B498-43B3-948B-1728B52AA6E4}">
+                <adec:decorative xmlns:adec="http://schemas.microsoft.com/office/drawing/2017/decorative" val="1"/>
+              </a:ext>
+            </a:extLst>
+          </p:cNvPr>
+          <p:cNvSpPr>
+            <a:spLocks noGrp="1" noRot="1" noChangeAspect="1" noMove="1" noResize="1" noEditPoints="1" noAdjustHandles="1" noChangeArrowheads="1" noChangeShapeType="1" noTextEdit="1"/>
+          </p:cNvSpPr>
+          <p:nvPr>
+            <p:extLst>
+              <p:ext uri="{386F3935-93C4-4BCD-93E2-E3B085C9AB24}">
+                <p16:designElem xmlns:p16="http://schemas.microsoft.com/office/powerpoint/2015/main" val="1"/>
+              </p:ext>
+            </p:extLst>
+          </p:nvPr>
+        </p:nvSpPr>
+        <p:spPr>
+          <a:xfrm>
+            <a:off x="0" y="0"/>
+            <a:ext cx="12192000" cy="6858000"/>
+          </a:xfrm>
+          <a:prstGeom prst="rect">
+            <a:avLst/>
+          </a:prstGeom>
+          <a:solidFill>
+            <a:schemeClr val="bg2"/>
+          </a:solidFill>
+          <a:ln>
+            <a:noFill/>
+          </a:ln>
+        </p:spPr>
+        <p:style>
+          <a:lnRef idx="2">
+            <a:schemeClr val="accent1">
+              <a:shade val="50000"/>
+            </a:schemeClr>
+          </a:lnRef>
+          <a:fillRef idx="1">
+            <a:schemeClr val="accent1"/>
+          </a:fillRef>
+          <a:effectRef idx="0">
+            <a:schemeClr val="accent1"/>
+          </a:effectRef>
+          <a:fontRef idx="minor">
+            <a:schemeClr val="lt1"/>
+          </a:fontRef>
+        </p:style>
+        <p:txBody>
+          <a:bodyPr rtlCol="0" anchor="ctr"/>
+          <a:lstStyle/>
+          <a:p>
+            <a:pPr algn="ctr"/>
+            <a:endParaRPr lang="en-US"/>
+          </a:p>
+        </p:txBody>
+      </p:sp>
+      <p:sp>
+        <p:nvSpPr>
+          <p:cNvPr id="2" name="Title 1">
+            <a:extLst>
+              <a:ext uri="{FF2B5EF4-FFF2-40B4-BE49-F238E27FC236}">
+                <a16:creationId xmlns:a16="http://schemas.microsoft.com/office/drawing/2014/main" id="{0596C5AA-5969-34CF-18BB-1A7E8A0ED445}"/>
+              </a:ext>
+            </a:extLst>
+          </p:cNvPr>
+          <p:cNvSpPr>
+            <a:spLocks noGrp="1"/>
+          </p:cNvSpPr>
+          <p:nvPr>
+            <p:ph type="title"/>
+          </p:nvPr>
+        </p:nvSpPr>
+        <p:spPr>
+          <a:xfrm>
+            <a:off x="5100824" y="685800"/>
+            <a:ext cx="6176776" cy="1485900"/>
+          </a:xfrm>
+        </p:spPr>
+        <p:txBody>
+          <a:bodyPr>
+            <a:normAutofit/>
+          </a:bodyPr>
+          <a:lstStyle/>
+          <a:p>
+            <a:r>
+              <a:rPr lang="en-US" sz="3400"/>
+              <a:t>Bonus Exercise: Creating an Azure Load Balancer for High Availability</a:t>
+            </a:r>
+          </a:p>
+        </p:txBody>
+      </p:sp>
+      <p:pic>
+        <p:nvPicPr>
+          <p:cNvPr id="7" name="Graphic 6" descr="Wrench">
+            <a:extLst>
+              <a:ext uri="{FF2B5EF4-FFF2-40B4-BE49-F238E27FC236}">
+                <a16:creationId xmlns:a16="http://schemas.microsoft.com/office/drawing/2014/main" id="{D83CD7F3-739A-B881-FEB8-0AFD3A0DA287}"/>
+              </a:ext>
+            </a:extLst>
+          </p:cNvPr>
+          <p:cNvPicPr>
+            <a:picLocks noChangeAspect="1"/>
+          </p:cNvPicPr>
+          <p:nvPr/>
+        </p:nvPicPr>
+        <p:blipFill>
+          <a:blip r:embed="rId2">
+            <a:extLst>
+              <a:ext uri="{28A0092B-C50C-407E-A947-70E740481C1C}">
+                <a14:useLocalDpi xmlns:a14="http://schemas.microsoft.com/office/drawing/2010/main" val="0"/>
+              </a:ext>
+              <a:ext uri="{96DAC541-7B7A-43D3-8B79-37D633B846F1}">
+                <asvg:svgBlip xmlns:asvg="http://schemas.microsoft.com/office/drawing/2016/SVG/main" r:embed="rId3"/>
+              </a:ext>
+            </a:extLst>
+          </a:blip>
+          <a:stretch>
+            <a:fillRect/>
+          </a:stretch>
+        </p:blipFill>
+        <p:spPr>
+          <a:xfrm>
+            <a:off x="634276" y="1881930"/>
+            <a:ext cx="3093388" cy="3093388"/>
+          </a:xfrm>
+          <a:prstGeom prst="rect">
+            <a:avLst/>
+          </a:prstGeom>
+        </p:spPr>
+      </p:pic>
+      <p:sp>
+        <p:nvSpPr>
+          <p:cNvPr id="14" name="Rectangle 13">
+            <a:extLst>
+              <a:ext uri="{FF2B5EF4-FFF2-40B4-BE49-F238E27FC236}">
+                <a16:creationId xmlns:a16="http://schemas.microsoft.com/office/drawing/2014/main" id="{5DA4A40B-EDCE-42FC-B189-AEFB4F82E818}"/>
+              </a:ext>
+              <a:ext uri="{C183D7F6-B498-43B3-948B-1728B52AA6E4}">
+                <adec:decorative xmlns:adec="http://schemas.microsoft.com/office/drawing/2017/decorative" val="1"/>
+              </a:ext>
+            </a:extLst>
+          </p:cNvPr>
+          <p:cNvSpPr>
+            <a:spLocks noGrp="1" noRot="1" noChangeAspect="1" noMove="1" noResize="1" noEditPoints="1" noAdjustHandles="1" noChangeArrowheads="1" noChangeShapeType="1" noTextEdit="1"/>
+          </p:cNvSpPr>
+          <p:nvPr>
+            <p:extLst>
+              <p:ext uri="{386F3935-93C4-4BCD-93E2-E3B085C9AB24}">
+                <p16:designElem xmlns:p16="http://schemas.microsoft.com/office/powerpoint/2015/main" val="1"/>
+              </p:ext>
+            </p:extLst>
+          </p:nvPr>
+        </p:nvSpPr>
+        <p:spPr>
+          <a:xfrm>
+            <a:off x="4373545" y="376"/>
+            <a:ext cx="228600" cy="6858000"/>
+          </a:xfrm>
+          <a:prstGeom prst="rect">
+            <a:avLst/>
+          </a:prstGeom>
+          <a:solidFill>
+            <a:schemeClr val="tx2"/>
+          </a:solidFill>
+          <a:ln>
+            <a:noFill/>
+          </a:ln>
+        </p:spPr>
+        <p:style>
+          <a:lnRef idx="2">
+            <a:schemeClr val="accent1">
+              <a:shade val="50000"/>
+            </a:schemeClr>
+          </a:lnRef>
+          <a:fillRef idx="1">
+            <a:schemeClr val="accent1"/>
+          </a:fillRef>
+          <a:effectRef idx="0">
+            <a:schemeClr val="accent1"/>
+          </a:effectRef>
+          <a:fontRef idx="minor">
+            <a:schemeClr val="lt1"/>
+          </a:fontRef>
+        </p:style>
+        <p:txBody>
+          <a:bodyPr/>
+          <a:lstStyle/>
+          <a:p>
+            <a:endParaRPr lang="en-US"/>
+          </a:p>
+        </p:txBody>
+      </p:sp>
+      <p:sp>
+        <p:nvSpPr>
+          <p:cNvPr id="3" name="Content Placeholder 2">
+            <a:extLst>
+              <a:ext uri="{FF2B5EF4-FFF2-40B4-BE49-F238E27FC236}">
+                <a16:creationId xmlns:a16="http://schemas.microsoft.com/office/drawing/2014/main" id="{D90AE6A3-6633-E6B7-4678-956C57249BE1}"/>
+              </a:ext>
+            </a:extLst>
+          </p:cNvPr>
+          <p:cNvSpPr>
+            <a:spLocks noGrp="1"/>
+          </p:cNvSpPr>
+          <p:nvPr>
+            <p:ph idx="1"/>
+          </p:nvPr>
+        </p:nvSpPr>
+        <p:spPr>
+          <a:xfrm>
+            <a:off x="5100824" y="2286000"/>
+            <a:ext cx="6176776" cy="3581400"/>
+          </a:xfrm>
+        </p:spPr>
+        <p:txBody>
+          <a:bodyPr>
+            <a:normAutofit/>
+          </a:bodyPr>
+          <a:lstStyle/>
+          <a:p>
+            <a:pPr marL="0" indent="0">
+              <a:buNone/>
+            </a:pPr>
+            <a:r>
+              <a:rPr lang="en-US" dirty="0"/>
+              <a:t>Exercise Objective:</a:t>
+            </a:r>
+          </a:p>
+          <a:p>
+            <a:r>
+              <a:rPr lang="en-US" dirty="0"/>
+              <a:t>In this bonus exercise, participants will create an Azure Load Balancer and configure it to distribute traffic across two web servers to ensure high availability.</a:t>
+            </a:r>
+          </a:p>
+        </p:txBody>
+      </p:sp>
+    </p:spTree>
+    <p:extLst>
+      <p:ext uri="{BB962C8B-B14F-4D97-AF65-F5344CB8AC3E}">
+        <p14:creationId xmlns:p14="http://schemas.microsoft.com/office/powerpoint/2010/main" val="12484797"/>
+      </p:ext>
+    </p:extLst>
+  </p:cSld>
+  <p:clrMapOvr>
+    <a:masterClrMapping/>
+  </p:clrMapOvr>
+</p:sld>
+</file>
+
 <file path=ppt/slides/slide2.xml><?xml version="1.0" encoding="utf-8"?>
+<p:sld xmlns:a="http://schemas.openxmlformats.org/drawingml/2006/main" xmlns:r="http://schemas.openxmlformats.org/officeDocument/2006/relationships" xmlns:p="http://schemas.openxmlformats.org/presentationml/2006/main">
+  <p:cSld>
+    <p:bg>
+      <p:bgPr>
+        <a:solidFill>
+          <a:schemeClr val="bg2"/>
+        </a:solidFill>
+        <a:effectLst/>
+      </p:bgPr>
+    </p:bg>
+    <p:spTree>
+      <p:nvGrpSpPr>
+        <p:cNvPr id="1" name=""/>
+        <p:cNvGrpSpPr/>
+        <p:nvPr/>
+      </p:nvGrpSpPr>
+      <p:grpSpPr>
+        <a:xfrm>
+          <a:off x="0" y="0"/>
+          <a:ext cx="0" cy="0"/>
+          <a:chOff x="0" y="0"/>
+          <a:chExt cx="0" cy="0"/>
+        </a:xfrm>
+      </p:grpSpPr>
+      <p:sp useBgFill="1">
+        <p:nvSpPr>
+          <p:cNvPr id="9" name="Rectangle 8">
+            <a:extLst>
+              <a:ext uri="{FF2B5EF4-FFF2-40B4-BE49-F238E27FC236}">
+                <a16:creationId xmlns:a16="http://schemas.microsoft.com/office/drawing/2014/main" id="{843FBEE9-5F5A-4EFB-898C-5D1770B31C5D}"/>
+              </a:ext>
+              <a:ext uri="{C183D7F6-B498-43B3-948B-1728B52AA6E4}">
+                <adec:decorative xmlns:adec="http://schemas.microsoft.com/office/drawing/2017/decorative" val="1"/>
+              </a:ext>
+            </a:extLst>
+          </p:cNvPr>
+          <p:cNvSpPr>
+            <a:spLocks noGrp="1" noRot="1" noChangeAspect="1" noMove="1" noResize="1" noEditPoints="1" noAdjustHandles="1" noChangeArrowheads="1" noChangeShapeType="1" noTextEdit="1"/>
+          </p:cNvSpPr>
+          <p:nvPr>
+            <p:extLst>
+              <p:ext uri="{386F3935-93C4-4BCD-93E2-E3B085C9AB24}">
+                <p16:designElem xmlns:p16="http://schemas.microsoft.com/office/powerpoint/2015/main" val="1"/>
+              </p:ext>
+            </p:extLst>
+          </p:nvPr>
+        </p:nvSpPr>
+        <p:spPr>
+          <a:xfrm>
+            <a:off x="0" y="0"/>
+            <a:ext cx="12192000" cy="6858000"/>
+          </a:xfrm>
+          <a:prstGeom prst="rect">
+            <a:avLst/>
+          </a:prstGeom>
+          <a:ln>
+            <a:noFill/>
+          </a:ln>
+        </p:spPr>
+        <p:style>
+          <a:lnRef idx="2">
+            <a:schemeClr val="accent1">
+              <a:shade val="50000"/>
+            </a:schemeClr>
+          </a:lnRef>
+          <a:fillRef idx="1001">
+            <a:schemeClr val="lt2"/>
+          </a:fillRef>
+          <a:effectRef idx="0">
+            <a:schemeClr val="accent1"/>
+          </a:effectRef>
+          <a:fontRef idx="minor">
+            <a:schemeClr val="lt1"/>
+          </a:fontRef>
+        </p:style>
+        <p:txBody>
+          <a:bodyPr rtlCol="0" anchor="ctr"/>
+          <a:lstStyle/>
+          <a:p>
+            <a:pPr algn="ctr"/>
+            <a:endParaRPr lang="en-US"/>
+          </a:p>
+        </p:txBody>
+      </p:sp>
+      <p:sp>
+        <p:nvSpPr>
+          <p:cNvPr id="2" name="Title 1">
+            <a:extLst>
+              <a:ext uri="{FF2B5EF4-FFF2-40B4-BE49-F238E27FC236}">
+                <a16:creationId xmlns:a16="http://schemas.microsoft.com/office/drawing/2014/main" id="{119F2FF9-DFBC-9CEF-9E86-F35227D64BBA}"/>
+              </a:ext>
+            </a:extLst>
+          </p:cNvPr>
+          <p:cNvSpPr>
+            <a:spLocks noGrp="1"/>
+          </p:cNvSpPr>
+          <p:nvPr>
+            <p:ph type="title"/>
+          </p:nvPr>
+        </p:nvSpPr>
+        <p:spPr>
+          <a:xfrm>
+            <a:off x="643467" y="4728633"/>
+            <a:ext cx="10905066" cy="1485900"/>
+          </a:xfrm>
+          <a:noFill/>
+        </p:spPr>
+        <p:txBody>
+          <a:bodyPr>
+            <a:normAutofit/>
+          </a:bodyPr>
+          <a:lstStyle/>
+          <a:p>
+            <a:pPr algn="ctr"/>
+            <a:r>
+              <a:rPr lang="en-US" dirty="0"/>
+              <a:t>Terraform Workflow</a:t>
+            </a:r>
+            <a:br>
+              <a:rPr lang="en-US" dirty="0"/>
+            </a:br>
+            <a:r>
+              <a:rPr lang="en-US" dirty="0"/>
+              <a:t>Overview</a:t>
+            </a:r>
+          </a:p>
+        </p:txBody>
+      </p:sp>
+      <p:graphicFrame>
+        <p:nvGraphicFramePr>
+          <p:cNvPr id="4" name="Content Placeholder 3">
+            <a:extLst>
+              <a:ext uri="{FF2B5EF4-FFF2-40B4-BE49-F238E27FC236}">
+                <a16:creationId xmlns:a16="http://schemas.microsoft.com/office/drawing/2014/main" id="{147D83FE-D5D8-6C52-9581-C2D1619356D9}"/>
+              </a:ext>
+            </a:extLst>
+          </p:cNvPr>
+          <p:cNvGraphicFramePr>
+            <a:graphicFrameLocks noGrp="1"/>
+          </p:cNvGraphicFramePr>
+          <p:nvPr>
+            <p:ph idx="1"/>
+            <p:extLst>
+              <p:ext uri="{D42A27DB-BD31-4B8C-83A1-F6EECF244321}">
+                <p14:modId xmlns:p14="http://schemas.microsoft.com/office/powerpoint/2010/main" val="1730259875"/>
+              </p:ext>
+            </p:extLst>
+          </p:nvPr>
+        </p:nvGraphicFramePr>
+        <p:xfrm>
+          <a:off x="643467" y="643467"/>
+          <a:ext cx="10905066" cy="3581400"/>
+        </p:xfrm>
+        <a:graphic>
+          <a:graphicData uri="http://schemas.openxmlformats.org/drawingml/2006/diagram">
+            <dgm:relIds xmlns:dgm="http://schemas.openxmlformats.org/drawingml/2006/diagram" xmlns:r="http://schemas.openxmlformats.org/officeDocument/2006/relationships" r:dm="rId2" r:lo="rId3" r:qs="rId4" r:cs="rId5"/>
+          </a:graphicData>
+        </a:graphic>
+      </p:graphicFrame>
+    </p:spTree>
+    <p:extLst>
+      <p:ext uri="{BB962C8B-B14F-4D97-AF65-F5344CB8AC3E}">
+        <p14:creationId xmlns:p14="http://schemas.microsoft.com/office/powerpoint/2010/main" val="1298630783"/>
+      </p:ext>
+    </p:extLst>
+  </p:cSld>
+  <p:clrMapOvr>
+    <a:masterClrMapping/>
+  </p:clrMapOvr>
+</p:sld>
+</file>
+
+<file path=ppt/slides/slide3.xml><?xml version="1.0" encoding="utf-8"?>
 <p:sld xmlns:a="http://schemas.openxmlformats.org/drawingml/2006/main" xmlns:r="http://schemas.openxmlformats.org/officeDocument/2006/relationships" xmlns:p="http://schemas.openxmlformats.org/presentationml/2006/main">
   <p:cSld>
     <p:bg>
@@ -18829,7 +22499,1006 @@
 </p:sld>
 </file>
 
-<file path=ppt/slides/slide3.xml><?xml version="1.0" encoding="utf-8"?>
+<file path=ppt/slides/slide4.xml><?xml version="1.0" encoding="utf-8"?>
+<p:sld xmlns:a="http://schemas.openxmlformats.org/drawingml/2006/main" xmlns:r="http://schemas.openxmlformats.org/officeDocument/2006/relationships" xmlns:p="http://schemas.openxmlformats.org/presentationml/2006/main">
+  <p:cSld>
+    <p:bg>
+      <p:bgPr>
+        <a:solidFill>
+          <a:schemeClr val="bg2"/>
+        </a:solidFill>
+        <a:effectLst/>
+      </p:bgPr>
+    </p:bg>
+    <p:spTree>
+      <p:nvGrpSpPr>
+        <p:cNvPr id="1" name=""/>
+        <p:cNvGrpSpPr/>
+        <p:nvPr/>
+      </p:nvGrpSpPr>
+      <p:grpSpPr>
+        <a:xfrm>
+          <a:off x="0" y="0"/>
+          <a:ext cx="0" cy="0"/>
+          <a:chOff x="0" y="0"/>
+          <a:chExt cx="0" cy="0"/>
+        </a:xfrm>
+      </p:grpSpPr>
+      <p:sp>
+        <p:nvSpPr>
+          <p:cNvPr id="2" name="Title 1">
+            <a:extLst>
+              <a:ext uri="{FF2B5EF4-FFF2-40B4-BE49-F238E27FC236}">
+                <a16:creationId xmlns:a16="http://schemas.microsoft.com/office/drawing/2014/main" id="{320549EE-B158-7B68-9CCC-EBEC33C023FF}"/>
+              </a:ext>
+            </a:extLst>
+          </p:cNvPr>
+          <p:cNvSpPr>
+            <a:spLocks noGrp="1"/>
+          </p:cNvSpPr>
+          <p:nvPr>
+            <p:ph type="title"/>
+          </p:nvPr>
+        </p:nvSpPr>
+        <p:spPr>
+          <a:xfrm>
+            <a:off x="1371600" y="685800"/>
+            <a:ext cx="9601200" cy="1485900"/>
+          </a:xfrm>
+        </p:spPr>
+        <p:txBody>
+          <a:bodyPr>
+            <a:normAutofit/>
+          </a:bodyPr>
+          <a:lstStyle/>
+          <a:p>
+            <a:r>
+              <a:rPr lang="en-US" dirty="0"/>
+              <a:t>Terraform Plan Lifecycle</a:t>
+            </a:r>
+          </a:p>
+        </p:txBody>
+      </p:sp>
+      <p:graphicFrame>
+        <p:nvGraphicFramePr>
+          <p:cNvPr id="5" name="Content Placeholder 2">
+            <a:extLst>
+              <a:ext uri="{FF2B5EF4-FFF2-40B4-BE49-F238E27FC236}">
+                <a16:creationId xmlns:a16="http://schemas.microsoft.com/office/drawing/2014/main" id="{63CA34BE-F83E-7520-5175-D3625DDF09C9}"/>
+              </a:ext>
+            </a:extLst>
+          </p:cNvPr>
+          <p:cNvGraphicFramePr>
+            <a:graphicFrameLocks noGrp="1"/>
+          </p:cNvGraphicFramePr>
+          <p:nvPr>
+            <p:ph idx="1"/>
+            <p:extLst>
+              <p:ext uri="{D42A27DB-BD31-4B8C-83A1-F6EECF244321}">
+                <p14:modId xmlns:p14="http://schemas.microsoft.com/office/powerpoint/2010/main" val="606591785"/>
+              </p:ext>
+            </p:extLst>
+          </p:nvPr>
+        </p:nvGraphicFramePr>
+        <p:xfrm>
+          <a:off x="1371600" y="2286000"/>
+          <a:ext cx="9601200" cy="3581400"/>
+        </p:xfrm>
+        <a:graphic>
+          <a:graphicData uri="http://schemas.openxmlformats.org/drawingml/2006/diagram">
+            <dgm:relIds xmlns:dgm="http://schemas.openxmlformats.org/drawingml/2006/diagram" xmlns:r="http://schemas.openxmlformats.org/officeDocument/2006/relationships" r:dm="rId2" r:lo="rId3" r:qs="rId4" r:cs="rId5"/>
+          </a:graphicData>
+        </a:graphic>
+      </p:graphicFrame>
+    </p:spTree>
+    <p:extLst>
+      <p:ext uri="{BB962C8B-B14F-4D97-AF65-F5344CB8AC3E}">
+        <p14:creationId xmlns:p14="http://schemas.microsoft.com/office/powerpoint/2010/main" val="93036651"/>
+      </p:ext>
+    </p:extLst>
+  </p:cSld>
+  <p:clrMapOvr>
+    <a:masterClrMapping/>
+  </p:clrMapOvr>
+</p:sld>
+</file>
+
+<file path=ppt/slides/slide5.xml><?xml version="1.0" encoding="utf-8"?>
+<p:sld xmlns:a="http://schemas.openxmlformats.org/drawingml/2006/main" xmlns:r="http://schemas.openxmlformats.org/officeDocument/2006/relationships" xmlns:p="http://schemas.openxmlformats.org/presentationml/2006/main">
+  <p:cSld>
+    <p:spTree>
+      <p:nvGrpSpPr>
+        <p:cNvPr id="1" name=""/>
+        <p:cNvGrpSpPr/>
+        <p:nvPr/>
+      </p:nvGrpSpPr>
+      <p:grpSpPr>
+        <a:xfrm>
+          <a:off x="0" y="0"/>
+          <a:ext cx="0" cy="0"/>
+          <a:chOff x="0" y="0"/>
+          <a:chExt cx="0" cy="0"/>
+        </a:xfrm>
+      </p:grpSpPr>
+      <p:sp>
+        <p:nvSpPr>
+          <p:cNvPr id="2" name="Title 1">
+            <a:extLst>
+              <a:ext uri="{FF2B5EF4-FFF2-40B4-BE49-F238E27FC236}">
+                <a16:creationId xmlns:a16="http://schemas.microsoft.com/office/drawing/2014/main" id="{F8B87DA5-D207-A290-CFE3-F027B0E3F15A}"/>
+              </a:ext>
+            </a:extLst>
+          </p:cNvPr>
+          <p:cNvSpPr>
+            <a:spLocks noGrp="1"/>
+          </p:cNvSpPr>
+          <p:nvPr>
+            <p:ph type="title"/>
+          </p:nvPr>
+        </p:nvSpPr>
+        <p:spPr/>
+        <p:txBody>
+          <a:bodyPr/>
+          <a:lstStyle/>
+          <a:p>
+            <a:r>
+              <a:rPr lang="en-US" dirty="0"/>
+              <a:t>Create New Resource</a:t>
+            </a:r>
+          </a:p>
+        </p:txBody>
+      </p:sp>
+      <p:sp>
+        <p:nvSpPr>
+          <p:cNvPr id="3" name="Content Placeholder 2">
+            <a:extLst>
+              <a:ext uri="{FF2B5EF4-FFF2-40B4-BE49-F238E27FC236}">
+                <a16:creationId xmlns:a16="http://schemas.microsoft.com/office/drawing/2014/main" id="{6D6E5EA2-ECEA-F8B1-5DFE-9230740FB464}"/>
+              </a:ext>
+            </a:extLst>
+          </p:cNvPr>
+          <p:cNvSpPr>
+            <a:spLocks noGrp="1"/>
+          </p:cNvSpPr>
+          <p:nvPr>
+            <p:ph idx="1"/>
+          </p:nvPr>
+        </p:nvSpPr>
+        <p:spPr/>
+        <p:txBody>
+          <a:bodyPr>
+            <a:normAutofit fontScale="92500" lnSpcReduction="10000"/>
+          </a:bodyPr>
+          <a:lstStyle/>
+          <a:p>
+            <a:pPr marL="0" indent="0">
+              <a:buNone/>
+            </a:pPr>
+            <a:r>
+              <a:rPr lang="en-US" dirty="0">
+                <a:latin typeface="Consolas" panose="020B0609020204030204" pitchFamily="49" charset="0"/>
+              </a:rPr>
+              <a:t># azurerm_resource_group.tf-plan will be created</a:t>
+            </a:r>
+          </a:p>
+          <a:p>
+            <a:pPr marL="0" indent="0">
+              <a:buNone/>
+            </a:pPr>
+            <a:r>
+              <a:rPr lang="en-US" dirty="0">
+                <a:latin typeface="Consolas" panose="020B0609020204030204" pitchFamily="49" charset="0"/>
+              </a:rPr>
+              <a:t>+ resource "</a:t>
+            </a:r>
+            <a:r>
+              <a:rPr lang="en-US" dirty="0" err="1">
+                <a:latin typeface="Consolas" panose="020B0609020204030204" pitchFamily="49" charset="0"/>
+              </a:rPr>
+              <a:t>azurerm_resource_group</a:t>
+            </a:r>
+            <a:r>
+              <a:rPr lang="en-US" dirty="0">
+                <a:latin typeface="Consolas" panose="020B0609020204030204" pitchFamily="49" charset="0"/>
+              </a:rPr>
+              <a:t>" "</a:t>
+            </a:r>
+            <a:r>
+              <a:rPr lang="en-US" dirty="0" err="1">
+                <a:latin typeface="Consolas" panose="020B0609020204030204" pitchFamily="49" charset="0"/>
+              </a:rPr>
+              <a:t>tf</a:t>
+            </a:r>
+            <a:r>
+              <a:rPr lang="en-US" dirty="0">
+                <a:latin typeface="Consolas" panose="020B0609020204030204" pitchFamily="49" charset="0"/>
+              </a:rPr>
+              <a:t>-plan" {</a:t>
+            </a:r>
+          </a:p>
+          <a:p>
+            <a:pPr marL="0" indent="0">
+              <a:buNone/>
+            </a:pPr>
+            <a:r>
+              <a:rPr lang="en-US" dirty="0">
+                <a:latin typeface="Consolas" panose="020B0609020204030204" pitchFamily="49" charset="0"/>
+              </a:rPr>
+              <a:t>  + id       = (known after apply)</a:t>
+            </a:r>
+          </a:p>
+          <a:p>
+            <a:pPr marL="0" indent="0">
+              <a:buNone/>
+            </a:pPr>
+            <a:r>
+              <a:rPr lang="en-US" dirty="0">
+                <a:latin typeface="Consolas" panose="020B0609020204030204" pitchFamily="49" charset="0"/>
+              </a:rPr>
+              <a:t>  + location = "</a:t>
+            </a:r>
+            <a:r>
+              <a:rPr lang="en-US" dirty="0" err="1">
+                <a:latin typeface="Consolas" panose="020B0609020204030204" pitchFamily="49" charset="0"/>
+              </a:rPr>
+              <a:t>centralus</a:t>
+            </a:r>
+            <a:r>
+              <a:rPr lang="en-US" dirty="0">
+                <a:latin typeface="Consolas" panose="020B0609020204030204" pitchFamily="49" charset="0"/>
+              </a:rPr>
+              <a:t>"</a:t>
+            </a:r>
+          </a:p>
+          <a:p>
+            <a:pPr marL="0" indent="0">
+              <a:buNone/>
+            </a:pPr>
+            <a:r>
+              <a:rPr lang="en-US" dirty="0">
+                <a:latin typeface="Consolas" panose="020B0609020204030204" pitchFamily="49" charset="0"/>
+              </a:rPr>
+              <a:t>  + name     = "</a:t>
+            </a:r>
+            <a:r>
+              <a:rPr lang="en-US" dirty="0" err="1">
+                <a:latin typeface="Consolas" panose="020B0609020204030204" pitchFamily="49" charset="0"/>
+              </a:rPr>
+              <a:t>rg</a:t>
+            </a:r>
+            <a:r>
+              <a:rPr lang="en-US" dirty="0">
+                <a:latin typeface="Consolas" panose="020B0609020204030204" pitchFamily="49" charset="0"/>
+              </a:rPr>
+              <a:t>-</a:t>
+            </a:r>
+            <a:r>
+              <a:rPr lang="en-US" dirty="0" err="1">
+                <a:latin typeface="Consolas" panose="020B0609020204030204" pitchFamily="49" charset="0"/>
+              </a:rPr>
+              <a:t>tf</a:t>
+            </a:r>
+            <a:r>
+              <a:rPr lang="en-US" dirty="0">
+                <a:latin typeface="Consolas" panose="020B0609020204030204" pitchFamily="49" charset="0"/>
+              </a:rPr>
+              <a:t>-plan-example-</a:t>
+            </a:r>
+            <a:r>
+              <a:rPr lang="en-US" dirty="0" err="1">
+                <a:latin typeface="Consolas" panose="020B0609020204030204" pitchFamily="49" charset="0"/>
+              </a:rPr>
+              <a:t>centralus</a:t>
+            </a:r>
+            <a:r>
+              <a:rPr lang="en-US" dirty="0">
+                <a:latin typeface="Consolas" panose="020B0609020204030204" pitchFamily="49" charset="0"/>
+              </a:rPr>
+              <a:t>"</a:t>
+            </a:r>
+          </a:p>
+          <a:p>
+            <a:pPr marL="0" indent="0">
+              <a:buNone/>
+            </a:pPr>
+            <a:r>
+              <a:rPr lang="en-US" dirty="0">
+                <a:latin typeface="Consolas" panose="020B0609020204030204" pitchFamily="49" charset="0"/>
+              </a:rPr>
+              <a:t>  + tags     = {</a:t>
+            </a:r>
+          </a:p>
+          <a:p>
+            <a:pPr marL="0" indent="0">
+              <a:buNone/>
+            </a:pPr>
+            <a:r>
+              <a:rPr lang="en-US" dirty="0">
+                <a:latin typeface="Consolas" panose="020B0609020204030204" pitchFamily="49" charset="0"/>
+              </a:rPr>
+              <a:t>	  + "name" = "test"</a:t>
+            </a:r>
+          </a:p>
+          <a:p>
+            <a:pPr marL="0" indent="0">
+              <a:buNone/>
+            </a:pPr>
+            <a:r>
+              <a:rPr lang="en-US" dirty="0">
+                <a:latin typeface="Consolas" panose="020B0609020204030204" pitchFamily="49" charset="0"/>
+              </a:rPr>
+              <a:t>	}</a:t>
+            </a:r>
+          </a:p>
+          <a:p>
+            <a:pPr marL="0" indent="0">
+              <a:buNone/>
+            </a:pPr>
+            <a:r>
+              <a:rPr lang="en-US" dirty="0">
+                <a:latin typeface="Consolas" panose="020B0609020204030204" pitchFamily="49" charset="0"/>
+              </a:rPr>
+              <a:t>}</a:t>
+            </a:r>
+          </a:p>
+        </p:txBody>
+      </p:sp>
+    </p:spTree>
+    <p:extLst>
+      <p:ext uri="{BB962C8B-B14F-4D97-AF65-F5344CB8AC3E}">
+        <p14:creationId xmlns:p14="http://schemas.microsoft.com/office/powerpoint/2010/main" val="342000158"/>
+      </p:ext>
+    </p:extLst>
+  </p:cSld>
+  <p:clrMapOvr>
+    <a:masterClrMapping/>
+  </p:clrMapOvr>
+</p:sld>
+</file>
+
+<file path=ppt/slides/slide6.xml><?xml version="1.0" encoding="utf-8"?>
+<p:sld xmlns:a="http://schemas.openxmlformats.org/drawingml/2006/main" xmlns:r="http://schemas.openxmlformats.org/officeDocument/2006/relationships" xmlns:p="http://schemas.openxmlformats.org/presentationml/2006/main">
+  <p:cSld>
+    <p:spTree>
+      <p:nvGrpSpPr>
+        <p:cNvPr id="1" name=""/>
+        <p:cNvGrpSpPr/>
+        <p:nvPr/>
+      </p:nvGrpSpPr>
+      <p:grpSpPr>
+        <a:xfrm>
+          <a:off x="0" y="0"/>
+          <a:ext cx="0" cy="0"/>
+          <a:chOff x="0" y="0"/>
+          <a:chExt cx="0" cy="0"/>
+        </a:xfrm>
+      </p:grpSpPr>
+      <p:sp>
+        <p:nvSpPr>
+          <p:cNvPr id="2" name="Title 1">
+            <a:extLst>
+              <a:ext uri="{FF2B5EF4-FFF2-40B4-BE49-F238E27FC236}">
+                <a16:creationId xmlns:a16="http://schemas.microsoft.com/office/drawing/2014/main" id="{2D3F099E-C9EC-3316-B267-6AF535FCFE4C}"/>
+              </a:ext>
+            </a:extLst>
+          </p:cNvPr>
+          <p:cNvSpPr>
+            <a:spLocks noGrp="1"/>
+          </p:cNvSpPr>
+          <p:nvPr>
+            <p:ph type="title"/>
+          </p:nvPr>
+        </p:nvSpPr>
+        <p:spPr/>
+        <p:txBody>
+          <a:bodyPr/>
+          <a:lstStyle/>
+          <a:p>
+            <a:r>
+              <a:rPr lang="en-US" dirty="0"/>
+              <a:t>Modify a Resource</a:t>
+            </a:r>
+          </a:p>
+        </p:txBody>
+      </p:sp>
+      <p:sp>
+        <p:nvSpPr>
+          <p:cNvPr id="3" name="Content Placeholder 2">
+            <a:extLst>
+              <a:ext uri="{FF2B5EF4-FFF2-40B4-BE49-F238E27FC236}">
+                <a16:creationId xmlns:a16="http://schemas.microsoft.com/office/drawing/2014/main" id="{82A2D93E-F68D-994B-951F-794E07E9939D}"/>
+              </a:ext>
+            </a:extLst>
+          </p:cNvPr>
+          <p:cNvSpPr>
+            <a:spLocks noGrp="1"/>
+          </p:cNvSpPr>
+          <p:nvPr>
+            <p:ph idx="1"/>
+          </p:nvPr>
+        </p:nvSpPr>
+        <p:spPr>
+          <a:xfrm>
+            <a:off x="1371600" y="2286000"/>
+            <a:ext cx="10597848" cy="3581400"/>
+          </a:xfrm>
+        </p:spPr>
+        <p:txBody>
+          <a:bodyPr>
+            <a:normAutofit fontScale="85000" lnSpcReduction="20000"/>
+          </a:bodyPr>
+          <a:lstStyle/>
+          <a:p>
+            <a:pPr marL="0" indent="0">
+              <a:buNone/>
+            </a:pPr>
+            <a:r>
+              <a:rPr lang="en-US" dirty="0">
+                <a:latin typeface="Consolas" panose="020B0609020204030204" pitchFamily="49" charset="0"/>
+              </a:rPr>
+              <a:t># azurerm_resource_group.tf-plan will be updated in-place</a:t>
+            </a:r>
+          </a:p>
+          <a:p>
+            <a:pPr marL="0" indent="0">
+              <a:buNone/>
+            </a:pPr>
+            <a:r>
+              <a:rPr lang="en-US" dirty="0">
+                <a:latin typeface="Consolas" panose="020B0609020204030204" pitchFamily="49" charset="0"/>
+              </a:rPr>
+              <a:t>~ resource "</a:t>
+            </a:r>
+            <a:r>
+              <a:rPr lang="en-US" dirty="0" err="1">
+                <a:latin typeface="Consolas" panose="020B0609020204030204" pitchFamily="49" charset="0"/>
+              </a:rPr>
+              <a:t>azurerm_resource_group</a:t>
+            </a:r>
+            <a:r>
+              <a:rPr lang="en-US" dirty="0">
+                <a:latin typeface="Consolas" panose="020B0609020204030204" pitchFamily="49" charset="0"/>
+              </a:rPr>
+              <a:t>" "</a:t>
+            </a:r>
+            <a:r>
+              <a:rPr lang="en-US" dirty="0" err="1">
+                <a:latin typeface="Consolas" panose="020B0609020204030204" pitchFamily="49" charset="0"/>
+              </a:rPr>
+              <a:t>tf</a:t>
+            </a:r>
+            <a:r>
+              <a:rPr lang="en-US" dirty="0">
+                <a:latin typeface="Consolas" panose="020B0609020204030204" pitchFamily="49" charset="0"/>
+              </a:rPr>
+              <a:t>-plan" {</a:t>
+            </a:r>
+          </a:p>
+          <a:p>
+            <a:pPr marL="0" indent="0">
+              <a:buNone/>
+            </a:pPr>
+            <a:r>
+              <a:rPr lang="en-US" dirty="0">
+                <a:latin typeface="Consolas" panose="020B0609020204030204" pitchFamily="49" charset="0"/>
+              </a:rPr>
+              <a:t>	id       = "/subscriptions/</a:t>
+            </a:r>
+            <a:r>
+              <a:rPr lang="en-US" dirty="0" err="1">
+                <a:latin typeface="Consolas" panose="020B0609020204030204" pitchFamily="49" charset="0"/>
+              </a:rPr>
+              <a:t>subid</a:t>
+            </a:r>
+            <a:r>
+              <a:rPr lang="en-US" dirty="0">
+                <a:latin typeface="Consolas" panose="020B0609020204030204" pitchFamily="49" charset="0"/>
+              </a:rPr>
+              <a:t>/</a:t>
+            </a:r>
+            <a:r>
+              <a:rPr lang="en-US" dirty="0" err="1">
+                <a:latin typeface="Consolas" panose="020B0609020204030204" pitchFamily="49" charset="0"/>
+              </a:rPr>
+              <a:t>resourceGroups</a:t>
+            </a:r>
+            <a:r>
+              <a:rPr lang="en-US" dirty="0">
+                <a:latin typeface="Consolas" panose="020B0609020204030204" pitchFamily="49" charset="0"/>
+              </a:rPr>
+              <a:t>/</a:t>
+            </a:r>
+            <a:r>
+              <a:rPr lang="en-US" dirty="0" err="1">
+                <a:latin typeface="Consolas" panose="020B0609020204030204" pitchFamily="49" charset="0"/>
+              </a:rPr>
+              <a:t>rg</a:t>
+            </a:r>
+            <a:r>
+              <a:rPr lang="en-US" dirty="0">
+                <a:latin typeface="Consolas" panose="020B0609020204030204" pitchFamily="49" charset="0"/>
+              </a:rPr>
+              <a:t>-</a:t>
+            </a:r>
+            <a:r>
+              <a:rPr lang="en-US" dirty="0" err="1">
+                <a:latin typeface="Consolas" panose="020B0609020204030204" pitchFamily="49" charset="0"/>
+              </a:rPr>
+              <a:t>tf</a:t>
+            </a:r>
+            <a:r>
+              <a:rPr lang="en-US" dirty="0">
+                <a:latin typeface="Consolas" panose="020B0609020204030204" pitchFamily="49" charset="0"/>
+              </a:rPr>
+              <a:t>-plan-example-</a:t>
+            </a:r>
+            <a:r>
+              <a:rPr lang="en-US" dirty="0" err="1">
+                <a:latin typeface="Consolas" panose="020B0609020204030204" pitchFamily="49" charset="0"/>
+              </a:rPr>
+              <a:t>centralus</a:t>
+            </a:r>
+            <a:r>
+              <a:rPr lang="en-US" dirty="0">
+                <a:latin typeface="Consolas" panose="020B0609020204030204" pitchFamily="49" charset="0"/>
+              </a:rPr>
+              <a:t>"</a:t>
+            </a:r>
+          </a:p>
+          <a:p>
+            <a:pPr marL="0" indent="0">
+              <a:buNone/>
+            </a:pPr>
+            <a:r>
+              <a:rPr lang="en-US" dirty="0">
+                <a:latin typeface="Consolas" panose="020B0609020204030204" pitchFamily="49" charset="0"/>
+              </a:rPr>
+              <a:t>	name     = "</a:t>
+            </a:r>
+            <a:r>
+              <a:rPr lang="en-US" dirty="0" err="1">
+                <a:latin typeface="Consolas" panose="020B0609020204030204" pitchFamily="49" charset="0"/>
+              </a:rPr>
+              <a:t>rg</a:t>
+            </a:r>
+            <a:r>
+              <a:rPr lang="en-US" dirty="0">
+                <a:latin typeface="Consolas" panose="020B0609020204030204" pitchFamily="49" charset="0"/>
+              </a:rPr>
+              <a:t>-</a:t>
+            </a:r>
+            <a:r>
+              <a:rPr lang="en-US" dirty="0" err="1">
+                <a:latin typeface="Consolas" panose="020B0609020204030204" pitchFamily="49" charset="0"/>
+              </a:rPr>
+              <a:t>tf</a:t>
+            </a:r>
+            <a:r>
+              <a:rPr lang="en-US" dirty="0">
+                <a:latin typeface="Consolas" panose="020B0609020204030204" pitchFamily="49" charset="0"/>
+              </a:rPr>
+              <a:t>-plan-example-</a:t>
+            </a:r>
+            <a:r>
+              <a:rPr lang="en-US" dirty="0" err="1">
+                <a:latin typeface="Consolas" panose="020B0609020204030204" pitchFamily="49" charset="0"/>
+              </a:rPr>
+              <a:t>centralus</a:t>
+            </a:r>
+            <a:r>
+              <a:rPr lang="en-US" dirty="0">
+                <a:latin typeface="Consolas" panose="020B0609020204030204" pitchFamily="49" charset="0"/>
+              </a:rPr>
+              <a:t>"</a:t>
+            </a:r>
+          </a:p>
+          <a:p>
+            <a:pPr marL="0" indent="0">
+              <a:buNone/>
+            </a:pPr>
+            <a:r>
+              <a:rPr lang="en-US" dirty="0">
+                <a:latin typeface="Consolas" panose="020B0609020204030204" pitchFamily="49" charset="0"/>
+              </a:rPr>
+              <a:t>  ~ tags     = {</a:t>
+            </a:r>
+          </a:p>
+          <a:p>
+            <a:pPr marL="0" indent="0">
+              <a:buNone/>
+            </a:pPr>
+            <a:r>
+              <a:rPr lang="en-US" dirty="0">
+                <a:latin typeface="Consolas" panose="020B0609020204030204" pitchFamily="49" charset="0"/>
+              </a:rPr>
+              <a:t>	  + "env"  = "dev"</a:t>
+            </a:r>
+          </a:p>
+          <a:p>
+            <a:pPr marL="0" indent="0">
+              <a:buNone/>
+            </a:pPr>
+            <a:r>
+              <a:rPr lang="en-US" dirty="0">
+                <a:latin typeface="Consolas" panose="020B0609020204030204" pitchFamily="49" charset="0"/>
+              </a:rPr>
+              <a:t>		"name" = "test"</a:t>
+            </a:r>
+          </a:p>
+          <a:p>
+            <a:pPr marL="0" indent="0">
+              <a:buNone/>
+            </a:pPr>
+            <a:r>
+              <a:rPr lang="en-US" dirty="0">
+                <a:latin typeface="Consolas" panose="020B0609020204030204" pitchFamily="49" charset="0"/>
+              </a:rPr>
+              <a:t>	}</a:t>
+            </a:r>
+          </a:p>
+          <a:p>
+            <a:pPr marL="0" indent="0">
+              <a:buNone/>
+            </a:pPr>
+            <a:r>
+              <a:rPr lang="en-US" dirty="0">
+                <a:latin typeface="Consolas" panose="020B0609020204030204" pitchFamily="49" charset="0"/>
+              </a:rPr>
+              <a:t>	# (1 unchanged attribute hidden)</a:t>
+            </a:r>
+          </a:p>
+          <a:p>
+            <a:pPr marL="0" indent="0">
+              <a:buNone/>
+            </a:pPr>
+            <a:r>
+              <a:rPr lang="en-US" dirty="0">
+                <a:latin typeface="Consolas" panose="020B0609020204030204" pitchFamily="49" charset="0"/>
+              </a:rPr>
+              <a:t>}</a:t>
+            </a:r>
+          </a:p>
+        </p:txBody>
+      </p:sp>
+    </p:spTree>
+    <p:extLst>
+      <p:ext uri="{BB962C8B-B14F-4D97-AF65-F5344CB8AC3E}">
+        <p14:creationId xmlns:p14="http://schemas.microsoft.com/office/powerpoint/2010/main" val="2581345266"/>
+      </p:ext>
+    </p:extLst>
+  </p:cSld>
+  <p:clrMapOvr>
+    <a:masterClrMapping/>
+  </p:clrMapOvr>
+</p:sld>
+</file>
+
+<file path=ppt/slides/slide7.xml><?xml version="1.0" encoding="utf-8"?>
+<p:sld xmlns:a="http://schemas.openxmlformats.org/drawingml/2006/main" xmlns:r="http://schemas.openxmlformats.org/officeDocument/2006/relationships" xmlns:p="http://schemas.openxmlformats.org/presentationml/2006/main">
+  <p:cSld>
+    <p:spTree>
+      <p:nvGrpSpPr>
+        <p:cNvPr id="1" name=""/>
+        <p:cNvGrpSpPr/>
+        <p:nvPr/>
+      </p:nvGrpSpPr>
+      <p:grpSpPr>
+        <a:xfrm>
+          <a:off x="0" y="0"/>
+          <a:ext cx="0" cy="0"/>
+          <a:chOff x="0" y="0"/>
+          <a:chExt cx="0" cy="0"/>
+        </a:xfrm>
+      </p:grpSpPr>
+      <p:sp>
+        <p:nvSpPr>
+          <p:cNvPr id="2" name="Title 1">
+            <a:extLst>
+              <a:ext uri="{FF2B5EF4-FFF2-40B4-BE49-F238E27FC236}">
+                <a16:creationId xmlns:a16="http://schemas.microsoft.com/office/drawing/2014/main" id="{FE6C9B13-81B5-6615-6738-87EAABB28C50}"/>
+              </a:ext>
+            </a:extLst>
+          </p:cNvPr>
+          <p:cNvSpPr>
+            <a:spLocks noGrp="1"/>
+          </p:cNvSpPr>
+          <p:nvPr>
+            <p:ph type="title"/>
+          </p:nvPr>
+        </p:nvSpPr>
+        <p:spPr/>
+        <p:txBody>
+          <a:bodyPr/>
+          <a:lstStyle/>
+          <a:p>
+            <a:r>
+              <a:rPr lang="en-US" dirty="0"/>
+              <a:t>Removing a Resource</a:t>
+            </a:r>
+            <a:br>
+              <a:rPr lang="en-US" dirty="0"/>
+            </a:br>
+            <a:r>
+              <a:rPr lang="en-US" i="1" dirty="0"/>
+              <a:t>terraform plan -destroy</a:t>
+            </a:r>
+          </a:p>
+        </p:txBody>
+      </p:sp>
+      <p:sp>
+        <p:nvSpPr>
+          <p:cNvPr id="3" name="Content Placeholder 2">
+            <a:extLst>
+              <a:ext uri="{FF2B5EF4-FFF2-40B4-BE49-F238E27FC236}">
+                <a16:creationId xmlns:a16="http://schemas.microsoft.com/office/drawing/2014/main" id="{B2A78AB9-A2FC-6F5E-7F63-61A988784372}"/>
+              </a:ext>
+            </a:extLst>
+          </p:cNvPr>
+          <p:cNvSpPr>
+            <a:spLocks noGrp="1"/>
+          </p:cNvSpPr>
+          <p:nvPr>
+            <p:ph idx="1"/>
+          </p:nvPr>
+        </p:nvSpPr>
+        <p:spPr>
+          <a:xfrm>
+            <a:off x="1371599" y="2286000"/>
+            <a:ext cx="10670419" cy="3581400"/>
+          </a:xfrm>
+        </p:spPr>
+        <p:txBody>
+          <a:bodyPr>
+            <a:normAutofit/>
+          </a:bodyPr>
+          <a:lstStyle/>
+          <a:p>
+            <a:pPr marL="0" indent="0">
+              <a:buNone/>
+            </a:pPr>
+            <a:r>
+              <a:rPr lang="en-US" sz="1600" dirty="0">
+                <a:latin typeface="Consolas" panose="020B0609020204030204" pitchFamily="49" charset="0"/>
+              </a:rPr>
+              <a:t># azurerm_resource_group.tf-plan will be destroyed</a:t>
+            </a:r>
+          </a:p>
+          <a:p>
+            <a:pPr marL="0" indent="0">
+              <a:buNone/>
+            </a:pPr>
+            <a:r>
+              <a:rPr lang="en-US" sz="1600" dirty="0">
+                <a:latin typeface="Consolas" panose="020B0609020204030204" pitchFamily="49" charset="0"/>
+              </a:rPr>
+              <a:t>- resource "</a:t>
+            </a:r>
+            <a:r>
+              <a:rPr lang="en-US" sz="1600" dirty="0" err="1">
+                <a:latin typeface="Consolas" panose="020B0609020204030204" pitchFamily="49" charset="0"/>
+              </a:rPr>
+              <a:t>azurerm_resource_group</a:t>
+            </a:r>
+            <a:r>
+              <a:rPr lang="en-US" sz="1600" dirty="0">
+                <a:latin typeface="Consolas" panose="020B0609020204030204" pitchFamily="49" charset="0"/>
+              </a:rPr>
+              <a:t>" "</a:t>
+            </a:r>
+            <a:r>
+              <a:rPr lang="en-US" sz="1600" dirty="0" err="1">
+                <a:latin typeface="Consolas" panose="020B0609020204030204" pitchFamily="49" charset="0"/>
+              </a:rPr>
+              <a:t>tf</a:t>
+            </a:r>
+            <a:r>
+              <a:rPr lang="en-US" sz="1600" dirty="0">
+                <a:latin typeface="Consolas" panose="020B0609020204030204" pitchFamily="49" charset="0"/>
+              </a:rPr>
+              <a:t>-plan" {</a:t>
+            </a:r>
+          </a:p>
+          <a:p>
+            <a:pPr marL="0" indent="0">
+              <a:buNone/>
+            </a:pPr>
+            <a:r>
+              <a:rPr lang="en-US" sz="1600" dirty="0">
+                <a:latin typeface="Consolas" panose="020B0609020204030204" pitchFamily="49" charset="0"/>
+              </a:rPr>
+              <a:t>  - id       = "/subscriptions/</a:t>
+            </a:r>
+            <a:r>
+              <a:rPr lang="en-US" sz="1600" dirty="0" err="1">
+                <a:latin typeface="Consolas" panose="020B0609020204030204" pitchFamily="49" charset="0"/>
+              </a:rPr>
+              <a:t>subid</a:t>
+            </a:r>
+            <a:r>
+              <a:rPr lang="en-US" sz="1600" dirty="0">
+                <a:latin typeface="Consolas" panose="020B0609020204030204" pitchFamily="49" charset="0"/>
+              </a:rPr>
+              <a:t>/</a:t>
+            </a:r>
+            <a:r>
+              <a:rPr lang="en-US" sz="1600" dirty="0" err="1">
+                <a:latin typeface="Consolas" panose="020B0609020204030204" pitchFamily="49" charset="0"/>
+              </a:rPr>
+              <a:t>resourceGroups</a:t>
+            </a:r>
+            <a:r>
+              <a:rPr lang="en-US" sz="1600" dirty="0">
+                <a:latin typeface="Consolas" panose="020B0609020204030204" pitchFamily="49" charset="0"/>
+              </a:rPr>
+              <a:t>/</a:t>
+            </a:r>
+            <a:r>
+              <a:rPr lang="en-US" sz="1600" dirty="0" err="1">
+                <a:latin typeface="Consolas" panose="020B0609020204030204" pitchFamily="49" charset="0"/>
+              </a:rPr>
+              <a:t>rg</a:t>
+            </a:r>
+            <a:r>
+              <a:rPr lang="en-US" sz="1600" dirty="0">
+                <a:latin typeface="Consolas" panose="020B0609020204030204" pitchFamily="49" charset="0"/>
+              </a:rPr>
+              <a:t>-</a:t>
+            </a:r>
+            <a:r>
+              <a:rPr lang="en-US" sz="1600" dirty="0" err="1">
+                <a:latin typeface="Consolas" panose="020B0609020204030204" pitchFamily="49" charset="0"/>
+              </a:rPr>
+              <a:t>tf</a:t>
+            </a:r>
+            <a:r>
+              <a:rPr lang="en-US" sz="1600" dirty="0">
+                <a:latin typeface="Consolas" panose="020B0609020204030204" pitchFamily="49" charset="0"/>
+              </a:rPr>
+              <a:t>-plan-example-</a:t>
+            </a:r>
+            <a:r>
+              <a:rPr lang="en-US" sz="1600" dirty="0" err="1">
+                <a:latin typeface="Consolas" panose="020B0609020204030204" pitchFamily="49" charset="0"/>
+              </a:rPr>
+              <a:t>centralus</a:t>
+            </a:r>
+            <a:r>
+              <a:rPr lang="en-US" sz="1600" dirty="0">
+                <a:latin typeface="Consolas" panose="020B0609020204030204" pitchFamily="49" charset="0"/>
+              </a:rPr>
+              <a:t>" -&gt; null</a:t>
+            </a:r>
+          </a:p>
+          <a:p>
+            <a:pPr marL="0" indent="0">
+              <a:buNone/>
+            </a:pPr>
+            <a:r>
+              <a:rPr lang="en-US" sz="1600" dirty="0">
+                <a:latin typeface="Consolas" panose="020B0609020204030204" pitchFamily="49" charset="0"/>
+              </a:rPr>
+              <a:t>  - location = "</a:t>
+            </a:r>
+            <a:r>
+              <a:rPr lang="en-US" sz="1600" dirty="0" err="1">
+                <a:latin typeface="Consolas" panose="020B0609020204030204" pitchFamily="49" charset="0"/>
+              </a:rPr>
+              <a:t>centralus</a:t>
+            </a:r>
+            <a:r>
+              <a:rPr lang="en-US" sz="1600" dirty="0">
+                <a:latin typeface="Consolas" panose="020B0609020204030204" pitchFamily="49" charset="0"/>
+              </a:rPr>
+              <a:t>" -&gt; null</a:t>
+            </a:r>
+          </a:p>
+          <a:p>
+            <a:pPr marL="0" indent="0">
+              <a:buNone/>
+            </a:pPr>
+            <a:r>
+              <a:rPr lang="en-US" sz="1600" dirty="0">
+                <a:latin typeface="Consolas" panose="020B0609020204030204" pitchFamily="49" charset="0"/>
+              </a:rPr>
+              <a:t>  - name     = "</a:t>
+            </a:r>
+            <a:r>
+              <a:rPr lang="en-US" sz="1600" dirty="0" err="1">
+                <a:latin typeface="Consolas" panose="020B0609020204030204" pitchFamily="49" charset="0"/>
+              </a:rPr>
+              <a:t>rg</a:t>
+            </a:r>
+            <a:r>
+              <a:rPr lang="en-US" sz="1600" dirty="0">
+                <a:latin typeface="Consolas" panose="020B0609020204030204" pitchFamily="49" charset="0"/>
+              </a:rPr>
+              <a:t>-</a:t>
+            </a:r>
+            <a:r>
+              <a:rPr lang="en-US" sz="1600" dirty="0" err="1">
+                <a:latin typeface="Consolas" panose="020B0609020204030204" pitchFamily="49" charset="0"/>
+              </a:rPr>
+              <a:t>tf</a:t>
+            </a:r>
+            <a:r>
+              <a:rPr lang="en-US" sz="1600" dirty="0">
+                <a:latin typeface="Consolas" panose="020B0609020204030204" pitchFamily="49" charset="0"/>
+              </a:rPr>
+              <a:t>-plan-example-</a:t>
+            </a:r>
+            <a:r>
+              <a:rPr lang="en-US" sz="1600" dirty="0" err="1">
+                <a:latin typeface="Consolas" panose="020B0609020204030204" pitchFamily="49" charset="0"/>
+              </a:rPr>
+              <a:t>centralus</a:t>
+            </a:r>
+            <a:r>
+              <a:rPr lang="en-US" sz="1600" dirty="0">
+                <a:latin typeface="Consolas" panose="020B0609020204030204" pitchFamily="49" charset="0"/>
+              </a:rPr>
+              <a:t>" -&gt; null</a:t>
+            </a:r>
+          </a:p>
+          <a:p>
+            <a:pPr marL="0" indent="0">
+              <a:buNone/>
+            </a:pPr>
+            <a:r>
+              <a:rPr lang="en-US" sz="1600" dirty="0">
+                <a:latin typeface="Consolas" panose="020B0609020204030204" pitchFamily="49" charset="0"/>
+              </a:rPr>
+              <a:t>  - tags     = {</a:t>
+            </a:r>
+          </a:p>
+          <a:p>
+            <a:pPr marL="0" indent="0">
+              <a:buNone/>
+            </a:pPr>
+            <a:r>
+              <a:rPr lang="en-US" sz="1600" dirty="0">
+                <a:latin typeface="Consolas" panose="020B0609020204030204" pitchFamily="49" charset="0"/>
+              </a:rPr>
+              <a:t>	  - "name" = "test"</a:t>
+            </a:r>
+          </a:p>
+          <a:p>
+            <a:pPr marL="0" indent="0">
+              <a:buNone/>
+            </a:pPr>
+            <a:r>
+              <a:rPr lang="en-US" sz="1600" dirty="0">
+                <a:latin typeface="Consolas" panose="020B0609020204030204" pitchFamily="49" charset="0"/>
+              </a:rPr>
+              <a:t>	} -&gt; null</a:t>
+            </a:r>
+          </a:p>
+          <a:p>
+            <a:pPr marL="0" indent="0">
+              <a:buNone/>
+            </a:pPr>
+            <a:r>
+              <a:rPr lang="en-US" sz="1600" dirty="0">
+                <a:latin typeface="Consolas" panose="020B0609020204030204" pitchFamily="49" charset="0"/>
+              </a:rPr>
+              <a:t>}</a:t>
+            </a:r>
+          </a:p>
+        </p:txBody>
+      </p:sp>
+    </p:spTree>
+    <p:extLst>
+      <p:ext uri="{BB962C8B-B14F-4D97-AF65-F5344CB8AC3E}">
+        <p14:creationId xmlns:p14="http://schemas.microsoft.com/office/powerpoint/2010/main" val="3483525939"/>
+      </p:ext>
+    </p:extLst>
+  </p:cSld>
+  <p:clrMapOvr>
+    <a:masterClrMapping/>
+  </p:clrMapOvr>
+</p:sld>
+</file>
+
+<file path=ppt/slides/slide8.xml><?xml version="1.0" encoding="utf-8"?>
 <p:sld xmlns:a="http://schemas.openxmlformats.org/drawingml/2006/main" xmlns:r="http://schemas.openxmlformats.org/officeDocument/2006/relationships" xmlns:p="http://schemas.openxmlformats.org/presentationml/2006/main">
   <p:cSld>
     <p:bg>
@@ -19081,7 +23750,7 @@
 </p:sld>
 </file>
 
-<file path=ppt/slides/slide4.xml><?xml version="1.0" encoding="utf-8"?>
+<file path=ppt/slides/slide9.xml><?xml version="1.0" encoding="utf-8"?>
 <p:sld xmlns:a="http://schemas.openxmlformats.org/drawingml/2006/main" xmlns:r="http://schemas.openxmlformats.org/officeDocument/2006/relationships" xmlns:p="http://schemas.openxmlformats.org/presentationml/2006/main">
   <p:cSld>
     <p:bg>
@@ -19163,7 +23832,7 @@
             <p:ph idx="1"/>
             <p:extLst>
               <p:ext uri="{D42A27DB-BD31-4B8C-83A1-F6EECF244321}">
-                <p14:modId xmlns:p14="http://schemas.microsoft.com/office/powerpoint/2010/main" val="540305965"/>
+                <p14:modId xmlns:p14="http://schemas.microsoft.com/office/powerpoint/2010/main" val="471899543"/>
               </p:ext>
             </p:extLst>
           </p:nvPr>
@@ -19182,773 +23851,6 @@
     <p:extLst>
       <p:ext uri="{BB962C8B-B14F-4D97-AF65-F5344CB8AC3E}">
         <p14:creationId xmlns:p14="http://schemas.microsoft.com/office/powerpoint/2010/main" val="3131306973"/>
-      </p:ext>
-    </p:extLst>
-  </p:cSld>
-  <p:clrMapOvr>
-    <a:masterClrMapping/>
-  </p:clrMapOvr>
-</p:sld>
-</file>
-
-<file path=ppt/slides/slide5.xml><?xml version="1.0" encoding="utf-8"?>
-<p:sld xmlns:a="http://schemas.openxmlformats.org/drawingml/2006/main" xmlns:r="http://schemas.openxmlformats.org/officeDocument/2006/relationships" xmlns:p="http://schemas.openxmlformats.org/presentationml/2006/main">
-  <p:cSld>
-    <p:bg>
-      <p:bgPr>
-        <a:solidFill>
-          <a:schemeClr val="bg2"/>
-        </a:solidFill>
-        <a:effectLst/>
-      </p:bgPr>
-    </p:bg>
-    <p:spTree>
-      <p:nvGrpSpPr>
-        <p:cNvPr id="1" name=""/>
-        <p:cNvGrpSpPr/>
-        <p:nvPr/>
-      </p:nvGrpSpPr>
-      <p:grpSpPr>
-        <a:xfrm>
-          <a:off x="0" y="0"/>
-          <a:ext cx="0" cy="0"/>
-          <a:chOff x="0" y="0"/>
-          <a:chExt cx="0" cy="0"/>
-        </a:xfrm>
-      </p:grpSpPr>
-      <p:sp>
-        <p:nvSpPr>
-          <p:cNvPr id="2" name="Title 1">
-            <a:extLst>
-              <a:ext uri="{FF2B5EF4-FFF2-40B4-BE49-F238E27FC236}">
-                <a16:creationId xmlns:a16="http://schemas.microsoft.com/office/drawing/2014/main" id="{320549EE-B158-7B68-9CCC-EBEC33C023FF}"/>
-              </a:ext>
-            </a:extLst>
-          </p:cNvPr>
-          <p:cNvSpPr>
-            <a:spLocks noGrp="1"/>
-          </p:cNvSpPr>
-          <p:nvPr>
-            <p:ph type="title"/>
-          </p:nvPr>
-        </p:nvSpPr>
-        <p:spPr>
-          <a:xfrm>
-            <a:off x="1371600" y="685800"/>
-            <a:ext cx="9601200" cy="1485900"/>
-          </a:xfrm>
-        </p:spPr>
-        <p:txBody>
-          <a:bodyPr>
-            <a:normAutofit/>
-          </a:bodyPr>
-          <a:lstStyle/>
-          <a:p>
-            <a:r>
-              <a:rPr lang="en-US" dirty="0"/>
-              <a:t>Terraform Plan Lifecycle</a:t>
-            </a:r>
-          </a:p>
-        </p:txBody>
-      </p:sp>
-      <p:graphicFrame>
-        <p:nvGraphicFramePr>
-          <p:cNvPr id="5" name="Content Placeholder 2">
-            <a:extLst>
-              <a:ext uri="{FF2B5EF4-FFF2-40B4-BE49-F238E27FC236}">
-                <a16:creationId xmlns:a16="http://schemas.microsoft.com/office/drawing/2014/main" id="{63CA34BE-F83E-7520-5175-D3625DDF09C9}"/>
-              </a:ext>
-            </a:extLst>
-          </p:cNvPr>
-          <p:cNvGraphicFramePr>
-            <a:graphicFrameLocks noGrp="1"/>
-          </p:cNvGraphicFramePr>
-          <p:nvPr>
-            <p:ph idx="1"/>
-            <p:extLst>
-              <p:ext uri="{D42A27DB-BD31-4B8C-83A1-F6EECF244321}">
-                <p14:modId xmlns:p14="http://schemas.microsoft.com/office/powerpoint/2010/main" val="606591785"/>
-              </p:ext>
-            </p:extLst>
-          </p:nvPr>
-        </p:nvGraphicFramePr>
-        <p:xfrm>
-          <a:off x="1371600" y="2286000"/>
-          <a:ext cx="9601200" cy="3581400"/>
-        </p:xfrm>
-        <a:graphic>
-          <a:graphicData uri="http://schemas.openxmlformats.org/drawingml/2006/diagram">
-            <dgm:relIds xmlns:dgm="http://schemas.openxmlformats.org/drawingml/2006/diagram" xmlns:r="http://schemas.openxmlformats.org/officeDocument/2006/relationships" r:dm="rId2" r:lo="rId3" r:qs="rId4" r:cs="rId5"/>
-          </a:graphicData>
-        </a:graphic>
-      </p:graphicFrame>
-    </p:spTree>
-    <p:extLst>
-      <p:ext uri="{BB962C8B-B14F-4D97-AF65-F5344CB8AC3E}">
-        <p14:creationId xmlns:p14="http://schemas.microsoft.com/office/powerpoint/2010/main" val="93036651"/>
-      </p:ext>
-    </p:extLst>
-  </p:cSld>
-  <p:clrMapOvr>
-    <a:masterClrMapping/>
-  </p:clrMapOvr>
-</p:sld>
-</file>
-
-<file path=ppt/slides/slide6.xml><?xml version="1.0" encoding="utf-8"?>
-<p:sld xmlns:a="http://schemas.openxmlformats.org/drawingml/2006/main" xmlns:r="http://schemas.openxmlformats.org/officeDocument/2006/relationships" xmlns:p="http://schemas.openxmlformats.org/presentationml/2006/main">
-  <p:cSld>
-    <p:bg>
-      <p:bgPr>
-        <a:solidFill>
-          <a:schemeClr val="bg2"/>
-        </a:solidFill>
-        <a:effectLst/>
-      </p:bgPr>
-    </p:bg>
-    <p:spTree>
-      <p:nvGrpSpPr>
-        <p:cNvPr id="1" name="">
-          <a:extLst>
-            <a:ext uri="{FF2B5EF4-FFF2-40B4-BE49-F238E27FC236}">
-              <a16:creationId xmlns:a16="http://schemas.microsoft.com/office/drawing/2014/main" id="{E07A94BD-FFEB-FBD8-8175-06509F82426C}"/>
-            </a:ext>
-          </a:extLst>
-        </p:cNvPr>
-        <p:cNvGrpSpPr/>
-        <p:nvPr/>
-      </p:nvGrpSpPr>
-      <p:grpSpPr>
-        <a:xfrm>
-          <a:off x="0" y="0"/>
-          <a:ext cx="0" cy="0"/>
-          <a:chOff x="0" y="0"/>
-          <a:chExt cx="0" cy="0"/>
-        </a:xfrm>
-      </p:grpSpPr>
-      <p:sp>
-        <p:nvSpPr>
-          <p:cNvPr id="2" name="Title 1">
-            <a:extLst>
-              <a:ext uri="{FF2B5EF4-FFF2-40B4-BE49-F238E27FC236}">
-                <a16:creationId xmlns:a16="http://schemas.microsoft.com/office/drawing/2014/main" id="{AB2A51F8-54C5-7A9A-743A-68240E3D6AE7}"/>
-              </a:ext>
-            </a:extLst>
-          </p:cNvPr>
-          <p:cNvSpPr>
-            <a:spLocks noGrp="1"/>
-          </p:cNvSpPr>
-          <p:nvPr>
-            <p:ph type="title"/>
-          </p:nvPr>
-        </p:nvSpPr>
-        <p:spPr>
-          <a:xfrm>
-            <a:off x="1371600" y="685800"/>
-            <a:ext cx="9601200" cy="1485900"/>
-          </a:xfrm>
-        </p:spPr>
-        <p:txBody>
-          <a:bodyPr>
-            <a:normAutofit/>
-          </a:bodyPr>
-          <a:lstStyle/>
-          <a:p>
-            <a:r>
-              <a:rPr lang="en-US" dirty="0"/>
-              <a:t>Terraform Apply Lifecycle</a:t>
-            </a:r>
-          </a:p>
-        </p:txBody>
-      </p:sp>
-      <p:graphicFrame>
-        <p:nvGraphicFramePr>
-          <p:cNvPr id="11" name="Content Placeholder 2">
-            <a:extLst>
-              <a:ext uri="{FF2B5EF4-FFF2-40B4-BE49-F238E27FC236}">
-                <a16:creationId xmlns:a16="http://schemas.microsoft.com/office/drawing/2014/main" id="{A5CC74BB-B688-693C-7DB9-B04D0006989E}"/>
-              </a:ext>
-            </a:extLst>
-          </p:cNvPr>
-          <p:cNvGraphicFramePr>
-            <a:graphicFrameLocks noGrp="1"/>
-          </p:cNvGraphicFramePr>
-          <p:nvPr>
-            <p:ph idx="1"/>
-            <p:extLst>
-              <p:ext uri="{D42A27DB-BD31-4B8C-83A1-F6EECF244321}">
-                <p14:modId xmlns:p14="http://schemas.microsoft.com/office/powerpoint/2010/main" val="2639565352"/>
-              </p:ext>
-            </p:extLst>
-          </p:nvPr>
-        </p:nvGraphicFramePr>
-        <p:xfrm>
-          <a:off x="1371600" y="1620000"/>
-          <a:ext cx="9601200" cy="5004000"/>
-        </p:xfrm>
-        <a:graphic>
-          <a:graphicData uri="http://schemas.openxmlformats.org/drawingml/2006/diagram">
-            <dgm:relIds xmlns:dgm="http://schemas.openxmlformats.org/drawingml/2006/diagram" xmlns:r="http://schemas.openxmlformats.org/officeDocument/2006/relationships" r:dm="rId2" r:lo="rId3" r:qs="rId4" r:cs="rId5"/>
-          </a:graphicData>
-        </a:graphic>
-      </p:graphicFrame>
-    </p:spTree>
-    <p:extLst>
-      <p:ext uri="{BB962C8B-B14F-4D97-AF65-F5344CB8AC3E}">
-        <p14:creationId xmlns:p14="http://schemas.microsoft.com/office/powerpoint/2010/main" val="876556847"/>
-      </p:ext>
-    </p:extLst>
-  </p:cSld>
-  <p:clrMapOvr>
-    <a:masterClrMapping/>
-  </p:clrMapOvr>
-</p:sld>
-</file>
-
-<file path=ppt/slides/slide7.xml><?xml version="1.0" encoding="utf-8"?>
-<p:sld xmlns:a="http://schemas.openxmlformats.org/drawingml/2006/main" xmlns:r="http://schemas.openxmlformats.org/officeDocument/2006/relationships" xmlns:p="http://schemas.openxmlformats.org/presentationml/2006/main">
-  <p:cSld>
-    <p:bg>
-      <p:bgPr>
-        <a:solidFill>
-          <a:schemeClr val="bg2"/>
-        </a:solidFill>
-        <a:effectLst/>
-      </p:bgPr>
-    </p:bg>
-    <p:spTree>
-      <p:nvGrpSpPr>
-        <p:cNvPr id="1" name=""/>
-        <p:cNvGrpSpPr/>
-        <p:nvPr/>
-      </p:nvGrpSpPr>
-      <p:grpSpPr>
-        <a:xfrm>
-          <a:off x="0" y="0"/>
-          <a:ext cx="0" cy="0"/>
-          <a:chOff x="0" y="0"/>
-          <a:chExt cx="0" cy="0"/>
-        </a:xfrm>
-      </p:grpSpPr>
-      <p:sp>
-        <p:nvSpPr>
-          <p:cNvPr id="12" name="Rectangle 11">
-            <a:extLst>
-              <a:ext uri="{FF2B5EF4-FFF2-40B4-BE49-F238E27FC236}">
-                <a16:creationId xmlns:a16="http://schemas.microsoft.com/office/drawing/2014/main" id="{A93D97C6-63EF-4CA6-B01D-25E2772DC9EF}"/>
-              </a:ext>
-              <a:ext uri="{C183D7F6-B498-43B3-948B-1728B52AA6E4}">
-                <adec:decorative xmlns:adec="http://schemas.microsoft.com/office/drawing/2017/decorative" val="1"/>
-              </a:ext>
-            </a:extLst>
-          </p:cNvPr>
-          <p:cNvSpPr>
-            <a:spLocks noGrp="1" noRot="1" noChangeAspect="1" noMove="1" noResize="1" noEditPoints="1" noAdjustHandles="1" noChangeArrowheads="1" noChangeShapeType="1" noTextEdit="1"/>
-          </p:cNvSpPr>
-          <p:nvPr>
-            <p:extLst>
-              <p:ext uri="{386F3935-93C4-4BCD-93E2-E3B085C9AB24}">
-                <p16:designElem xmlns:p16="http://schemas.microsoft.com/office/powerpoint/2015/main" val="1"/>
-              </p:ext>
-            </p:extLst>
-          </p:nvPr>
-        </p:nvSpPr>
-        <p:spPr>
-          <a:xfrm>
-            <a:off x="0" y="0"/>
-            <a:ext cx="12192000" cy="6858000"/>
-          </a:xfrm>
-          <a:prstGeom prst="rect">
-            <a:avLst/>
-          </a:prstGeom>
-          <a:solidFill>
-            <a:schemeClr val="bg2"/>
-          </a:solidFill>
-          <a:ln>
-            <a:noFill/>
-          </a:ln>
-        </p:spPr>
-        <p:style>
-          <a:lnRef idx="2">
-            <a:schemeClr val="accent1">
-              <a:shade val="50000"/>
-            </a:schemeClr>
-          </a:lnRef>
-          <a:fillRef idx="1">
-            <a:schemeClr val="accent1"/>
-          </a:fillRef>
-          <a:effectRef idx="0">
-            <a:schemeClr val="accent1"/>
-          </a:effectRef>
-          <a:fontRef idx="minor">
-            <a:schemeClr val="lt1"/>
-          </a:fontRef>
-        </p:style>
-        <p:txBody>
-          <a:bodyPr rtlCol="0" anchor="ctr"/>
-          <a:lstStyle/>
-          <a:p>
-            <a:pPr algn="ctr"/>
-            <a:endParaRPr lang="en-US"/>
-          </a:p>
-        </p:txBody>
-      </p:sp>
-      <p:sp>
-        <p:nvSpPr>
-          <p:cNvPr id="2" name="Title 1">
-            <a:extLst>
-              <a:ext uri="{FF2B5EF4-FFF2-40B4-BE49-F238E27FC236}">
-                <a16:creationId xmlns:a16="http://schemas.microsoft.com/office/drawing/2014/main" id="{0596C5AA-5969-34CF-18BB-1A7E8A0ED445}"/>
-              </a:ext>
-            </a:extLst>
-          </p:cNvPr>
-          <p:cNvSpPr>
-            <a:spLocks noGrp="1"/>
-          </p:cNvSpPr>
-          <p:nvPr>
-            <p:ph type="title"/>
-          </p:nvPr>
-        </p:nvSpPr>
-        <p:spPr>
-          <a:xfrm>
-            <a:off x="5100824" y="685800"/>
-            <a:ext cx="6176776" cy="1485900"/>
-          </a:xfrm>
-        </p:spPr>
-        <p:txBody>
-          <a:bodyPr>
-            <a:normAutofit/>
-          </a:bodyPr>
-          <a:lstStyle/>
-          <a:p>
-            <a:r>
-              <a:rPr lang="en-US"/>
-              <a:t>Exercise: Provisioning a Web Server on Azure</a:t>
-            </a:r>
-          </a:p>
-        </p:txBody>
-      </p:sp>
-      <p:pic>
-        <p:nvPicPr>
-          <p:cNvPr id="7" name="Graphic 6" descr="Wrench">
-            <a:extLst>
-              <a:ext uri="{FF2B5EF4-FFF2-40B4-BE49-F238E27FC236}">
-                <a16:creationId xmlns:a16="http://schemas.microsoft.com/office/drawing/2014/main" id="{D83CD7F3-739A-B881-FEB8-0AFD3A0DA287}"/>
-              </a:ext>
-            </a:extLst>
-          </p:cNvPr>
-          <p:cNvPicPr>
-            <a:picLocks noChangeAspect="1"/>
-          </p:cNvPicPr>
-          <p:nvPr/>
-        </p:nvPicPr>
-        <p:blipFill>
-          <a:blip r:embed="rId2">
-            <a:extLst>
-              <a:ext uri="{28A0092B-C50C-407E-A947-70E740481C1C}">
-                <a14:useLocalDpi xmlns:a14="http://schemas.microsoft.com/office/drawing/2010/main" val="0"/>
-              </a:ext>
-              <a:ext uri="{96DAC541-7B7A-43D3-8B79-37D633B846F1}">
-                <asvg:svgBlip xmlns:asvg="http://schemas.microsoft.com/office/drawing/2016/SVG/main" r:embed="rId3"/>
-              </a:ext>
-            </a:extLst>
-          </a:blip>
-          <a:stretch>
-            <a:fillRect/>
-          </a:stretch>
-        </p:blipFill>
-        <p:spPr>
-          <a:xfrm>
-            <a:off x="634276" y="1881930"/>
-            <a:ext cx="3093388" cy="3093388"/>
-          </a:xfrm>
-          <a:prstGeom prst="rect">
-            <a:avLst/>
-          </a:prstGeom>
-        </p:spPr>
-      </p:pic>
-      <p:sp>
-        <p:nvSpPr>
-          <p:cNvPr id="14" name="Rectangle 13">
-            <a:extLst>
-              <a:ext uri="{FF2B5EF4-FFF2-40B4-BE49-F238E27FC236}">
-                <a16:creationId xmlns:a16="http://schemas.microsoft.com/office/drawing/2014/main" id="{5DA4A40B-EDCE-42FC-B189-AEFB4F82E818}"/>
-              </a:ext>
-              <a:ext uri="{C183D7F6-B498-43B3-948B-1728B52AA6E4}">
-                <adec:decorative xmlns:adec="http://schemas.microsoft.com/office/drawing/2017/decorative" val="1"/>
-              </a:ext>
-            </a:extLst>
-          </p:cNvPr>
-          <p:cNvSpPr>
-            <a:spLocks noGrp="1" noRot="1" noChangeAspect="1" noMove="1" noResize="1" noEditPoints="1" noAdjustHandles="1" noChangeArrowheads="1" noChangeShapeType="1" noTextEdit="1"/>
-          </p:cNvSpPr>
-          <p:nvPr>
-            <p:extLst>
-              <p:ext uri="{386F3935-93C4-4BCD-93E2-E3B085C9AB24}">
-                <p16:designElem xmlns:p16="http://schemas.microsoft.com/office/powerpoint/2015/main" val="1"/>
-              </p:ext>
-            </p:extLst>
-          </p:nvPr>
-        </p:nvSpPr>
-        <p:spPr>
-          <a:xfrm>
-            <a:off x="4373545" y="376"/>
-            <a:ext cx="228600" cy="6858000"/>
-          </a:xfrm>
-          <a:prstGeom prst="rect">
-            <a:avLst/>
-          </a:prstGeom>
-          <a:solidFill>
-            <a:schemeClr val="tx2"/>
-          </a:solidFill>
-          <a:ln>
-            <a:noFill/>
-          </a:ln>
-        </p:spPr>
-        <p:style>
-          <a:lnRef idx="2">
-            <a:schemeClr val="accent1">
-              <a:shade val="50000"/>
-            </a:schemeClr>
-          </a:lnRef>
-          <a:fillRef idx="1">
-            <a:schemeClr val="accent1"/>
-          </a:fillRef>
-          <a:effectRef idx="0">
-            <a:schemeClr val="accent1"/>
-          </a:effectRef>
-          <a:fontRef idx="minor">
-            <a:schemeClr val="lt1"/>
-          </a:fontRef>
-        </p:style>
-        <p:txBody>
-          <a:bodyPr/>
-          <a:lstStyle/>
-          <a:p>
-            <a:endParaRPr lang="en-US"/>
-          </a:p>
-        </p:txBody>
-      </p:sp>
-      <p:sp>
-        <p:nvSpPr>
-          <p:cNvPr id="3" name="Content Placeholder 2">
-            <a:extLst>
-              <a:ext uri="{FF2B5EF4-FFF2-40B4-BE49-F238E27FC236}">
-                <a16:creationId xmlns:a16="http://schemas.microsoft.com/office/drawing/2014/main" id="{D90AE6A3-6633-E6B7-4678-956C57249BE1}"/>
-              </a:ext>
-            </a:extLst>
-          </p:cNvPr>
-          <p:cNvSpPr>
-            <a:spLocks noGrp="1"/>
-          </p:cNvSpPr>
-          <p:nvPr>
-            <p:ph idx="1"/>
-          </p:nvPr>
-        </p:nvSpPr>
-        <p:spPr>
-          <a:xfrm>
-            <a:off x="5100824" y="2286000"/>
-            <a:ext cx="6176776" cy="3581400"/>
-          </a:xfrm>
-        </p:spPr>
-        <p:txBody>
-          <a:bodyPr>
-            <a:normAutofit/>
-          </a:bodyPr>
-          <a:lstStyle/>
-          <a:p>
-            <a:r>
-              <a:rPr lang="en-US" dirty="0"/>
-              <a:t>Objective: Provision a web server on Azure using Terraform by following the Terraform workflow (plan, apply, destroy).</a:t>
-            </a:r>
-          </a:p>
-        </p:txBody>
-      </p:sp>
-    </p:spTree>
-    <p:extLst>
-      <p:ext uri="{BB962C8B-B14F-4D97-AF65-F5344CB8AC3E}">
-        <p14:creationId xmlns:p14="http://schemas.microsoft.com/office/powerpoint/2010/main" val="3589051225"/>
-      </p:ext>
-    </p:extLst>
-  </p:cSld>
-  <p:clrMapOvr>
-    <a:masterClrMapping/>
-  </p:clrMapOvr>
-</p:sld>
-</file>
-
-<file path=ppt/slides/slide8.xml><?xml version="1.0" encoding="utf-8"?>
-<p:sld xmlns:a="http://schemas.openxmlformats.org/drawingml/2006/main" xmlns:r="http://schemas.openxmlformats.org/officeDocument/2006/relationships" xmlns:p="http://schemas.openxmlformats.org/presentationml/2006/main">
-  <p:cSld>
-    <p:bg>
-      <p:bgPr>
-        <a:solidFill>
-          <a:schemeClr val="bg2"/>
-        </a:solidFill>
-        <a:effectLst/>
-      </p:bgPr>
-    </p:bg>
-    <p:spTree>
-      <p:nvGrpSpPr>
-        <p:cNvPr id="1" name=""/>
-        <p:cNvGrpSpPr/>
-        <p:nvPr/>
-      </p:nvGrpSpPr>
-      <p:grpSpPr>
-        <a:xfrm>
-          <a:off x="0" y="0"/>
-          <a:ext cx="0" cy="0"/>
-          <a:chOff x="0" y="0"/>
-          <a:chExt cx="0" cy="0"/>
-        </a:xfrm>
-      </p:grpSpPr>
-      <p:sp>
-        <p:nvSpPr>
-          <p:cNvPr id="12" name="Rectangle 11">
-            <a:extLst>
-              <a:ext uri="{FF2B5EF4-FFF2-40B4-BE49-F238E27FC236}">
-                <a16:creationId xmlns:a16="http://schemas.microsoft.com/office/drawing/2014/main" id="{A93D97C6-63EF-4CA6-B01D-25E2772DC9EF}"/>
-              </a:ext>
-              <a:ext uri="{C183D7F6-B498-43B3-948B-1728B52AA6E4}">
-                <adec:decorative xmlns:adec="http://schemas.microsoft.com/office/drawing/2017/decorative" val="1"/>
-              </a:ext>
-            </a:extLst>
-          </p:cNvPr>
-          <p:cNvSpPr>
-            <a:spLocks noGrp="1" noRot="1" noChangeAspect="1" noMove="1" noResize="1" noEditPoints="1" noAdjustHandles="1" noChangeArrowheads="1" noChangeShapeType="1" noTextEdit="1"/>
-          </p:cNvSpPr>
-          <p:nvPr>
-            <p:extLst>
-              <p:ext uri="{386F3935-93C4-4BCD-93E2-E3B085C9AB24}">
-                <p16:designElem xmlns:p16="http://schemas.microsoft.com/office/powerpoint/2015/main" val="1"/>
-              </p:ext>
-            </p:extLst>
-          </p:nvPr>
-        </p:nvSpPr>
-        <p:spPr>
-          <a:xfrm>
-            <a:off x="0" y="0"/>
-            <a:ext cx="12192000" cy="6858000"/>
-          </a:xfrm>
-          <a:prstGeom prst="rect">
-            <a:avLst/>
-          </a:prstGeom>
-          <a:solidFill>
-            <a:schemeClr val="bg2"/>
-          </a:solidFill>
-          <a:ln>
-            <a:noFill/>
-          </a:ln>
-        </p:spPr>
-        <p:style>
-          <a:lnRef idx="2">
-            <a:schemeClr val="accent1">
-              <a:shade val="50000"/>
-            </a:schemeClr>
-          </a:lnRef>
-          <a:fillRef idx="1">
-            <a:schemeClr val="accent1"/>
-          </a:fillRef>
-          <a:effectRef idx="0">
-            <a:schemeClr val="accent1"/>
-          </a:effectRef>
-          <a:fontRef idx="minor">
-            <a:schemeClr val="lt1"/>
-          </a:fontRef>
-        </p:style>
-        <p:txBody>
-          <a:bodyPr rtlCol="0" anchor="ctr"/>
-          <a:lstStyle/>
-          <a:p>
-            <a:pPr algn="ctr"/>
-            <a:endParaRPr lang="en-US"/>
-          </a:p>
-        </p:txBody>
-      </p:sp>
-      <p:sp>
-        <p:nvSpPr>
-          <p:cNvPr id="2" name="Title 1">
-            <a:extLst>
-              <a:ext uri="{FF2B5EF4-FFF2-40B4-BE49-F238E27FC236}">
-                <a16:creationId xmlns:a16="http://schemas.microsoft.com/office/drawing/2014/main" id="{0596C5AA-5969-34CF-18BB-1A7E8A0ED445}"/>
-              </a:ext>
-            </a:extLst>
-          </p:cNvPr>
-          <p:cNvSpPr>
-            <a:spLocks noGrp="1"/>
-          </p:cNvSpPr>
-          <p:nvPr>
-            <p:ph type="title"/>
-          </p:nvPr>
-        </p:nvSpPr>
-        <p:spPr>
-          <a:xfrm>
-            <a:off x="5100824" y="685800"/>
-            <a:ext cx="6176776" cy="1485900"/>
-          </a:xfrm>
-        </p:spPr>
-        <p:txBody>
-          <a:bodyPr>
-            <a:normAutofit/>
-          </a:bodyPr>
-          <a:lstStyle/>
-          <a:p>
-            <a:r>
-              <a:rPr lang="en-US" sz="3400"/>
-              <a:t>Bonus Exercise: Creating an Azure Load Balancer for High Availability</a:t>
-            </a:r>
-          </a:p>
-        </p:txBody>
-      </p:sp>
-      <p:pic>
-        <p:nvPicPr>
-          <p:cNvPr id="7" name="Graphic 6" descr="Wrench">
-            <a:extLst>
-              <a:ext uri="{FF2B5EF4-FFF2-40B4-BE49-F238E27FC236}">
-                <a16:creationId xmlns:a16="http://schemas.microsoft.com/office/drawing/2014/main" id="{D83CD7F3-739A-B881-FEB8-0AFD3A0DA287}"/>
-              </a:ext>
-            </a:extLst>
-          </p:cNvPr>
-          <p:cNvPicPr>
-            <a:picLocks noChangeAspect="1"/>
-          </p:cNvPicPr>
-          <p:nvPr/>
-        </p:nvPicPr>
-        <p:blipFill>
-          <a:blip r:embed="rId2">
-            <a:extLst>
-              <a:ext uri="{28A0092B-C50C-407E-A947-70E740481C1C}">
-                <a14:useLocalDpi xmlns:a14="http://schemas.microsoft.com/office/drawing/2010/main" val="0"/>
-              </a:ext>
-              <a:ext uri="{96DAC541-7B7A-43D3-8B79-37D633B846F1}">
-                <asvg:svgBlip xmlns:asvg="http://schemas.microsoft.com/office/drawing/2016/SVG/main" r:embed="rId3"/>
-              </a:ext>
-            </a:extLst>
-          </a:blip>
-          <a:stretch>
-            <a:fillRect/>
-          </a:stretch>
-        </p:blipFill>
-        <p:spPr>
-          <a:xfrm>
-            <a:off x="634276" y="1881930"/>
-            <a:ext cx="3093388" cy="3093388"/>
-          </a:xfrm>
-          <a:prstGeom prst="rect">
-            <a:avLst/>
-          </a:prstGeom>
-        </p:spPr>
-      </p:pic>
-      <p:sp>
-        <p:nvSpPr>
-          <p:cNvPr id="14" name="Rectangle 13">
-            <a:extLst>
-              <a:ext uri="{FF2B5EF4-FFF2-40B4-BE49-F238E27FC236}">
-                <a16:creationId xmlns:a16="http://schemas.microsoft.com/office/drawing/2014/main" id="{5DA4A40B-EDCE-42FC-B189-AEFB4F82E818}"/>
-              </a:ext>
-              <a:ext uri="{C183D7F6-B498-43B3-948B-1728B52AA6E4}">
-                <adec:decorative xmlns:adec="http://schemas.microsoft.com/office/drawing/2017/decorative" val="1"/>
-              </a:ext>
-            </a:extLst>
-          </p:cNvPr>
-          <p:cNvSpPr>
-            <a:spLocks noGrp="1" noRot="1" noChangeAspect="1" noMove="1" noResize="1" noEditPoints="1" noAdjustHandles="1" noChangeArrowheads="1" noChangeShapeType="1" noTextEdit="1"/>
-          </p:cNvSpPr>
-          <p:nvPr>
-            <p:extLst>
-              <p:ext uri="{386F3935-93C4-4BCD-93E2-E3B085C9AB24}">
-                <p16:designElem xmlns:p16="http://schemas.microsoft.com/office/powerpoint/2015/main" val="1"/>
-              </p:ext>
-            </p:extLst>
-          </p:nvPr>
-        </p:nvSpPr>
-        <p:spPr>
-          <a:xfrm>
-            <a:off x="4373545" y="376"/>
-            <a:ext cx="228600" cy="6858000"/>
-          </a:xfrm>
-          <a:prstGeom prst="rect">
-            <a:avLst/>
-          </a:prstGeom>
-          <a:solidFill>
-            <a:schemeClr val="tx2"/>
-          </a:solidFill>
-          <a:ln>
-            <a:noFill/>
-          </a:ln>
-        </p:spPr>
-        <p:style>
-          <a:lnRef idx="2">
-            <a:schemeClr val="accent1">
-              <a:shade val="50000"/>
-            </a:schemeClr>
-          </a:lnRef>
-          <a:fillRef idx="1">
-            <a:schemeClr val="accent1"/>
-          </a:fillRef>
-          <a:effectRef idx="0">
-            <a:schemeClr val="accent1"/>
-          </a:effectRef>
-          <a:fontRef idx="minor">
-            <a:schemeClr val="lt1"/>
-          </a:fontRef>
-        </p:style>
-        <p:txBody>
-          <a:bodyPr/>
-          <a:lstStyle/>
-          <a:p>
-            <a:endParaRPr lang="en-US"/>
-          </a:p>
-        </p:txBody>
-      </p:sp>
-      <p:sp>
-        <p:nvSpPr>
-          <p:cNvPr id="3" name="Content Placeholder 2">
-            <a:extLst>
-              <a:ext uri="{FF2B5EF4-FFF2-40B4-BE49-F238E27FC236}">
-                <a16:creationId xmlns:a16="http://schemas.microsoft.com/office/drawing/2014/main" id="{D90AE6A3-6633-E6B7-4678-956C57249BE1}"/>
-              </a:ext>
-            </a:extLst>
-          </p:cNvPr>
-          <p:cNvSpPr>
-            <a:spLocks noGrp="1"/>
-          </p:cNvSpPr>
-          <p:nvPr>
-            <p:ph idx="1"/>
-          </p:nvPr>
-        </p:nvSpPr>
-        <p:spPr>
-          <a:xfrm>
-            <a:off x="5100824" y="2286000"/>
-            <a:ext cx="6176776" cy="3581400"/>
-          </a:xfrm>
-        </p:spPr>
-        <p:txBody>
-          <a:bodyPr>
-            <a:normAutofit/>
-          </a:bodyPr>
-          <a:lstStyle/>
-          <a:p>
-            <a:pPr marL="0" indent="0">
-              <a:buNone/>
-            </a:pPr>
-            <a:r>
-              <a:rPr lang="en-US" dirty="0"/>
-              <a:t>Exercise Objective:</a:t>
-            </a:r>
-          </a:p>
-          <a:p>
-            <a:r>
-              <a:rPr lang="en-US" dirty="0"/>
-              <a:t>In this bonus exercise, participants will create an Azure Load Balancer and configure it to distribute traffic across two web servers to ensure high availability.</a:t>
-            </a:r>
-          </a:p>
-        </p:txBody>
-      </p:sp>
-    </p:spTree>
-    <p:extLst>
-      <p:ext uri="{BB962C8B-B14F-4D97-AF65-F5344CB8AC3E}">
-        <p14:creationId xmlns:p14="http://schemas.microsoft.com/office/powerpoint/2010/main" val="12484797"/>
       </p:ext>
     </p:extLst>
   </p:cSld>
